--- a/courses/apcsp/lect14b.pptx
+++ b/courses/apcsp/lect14b.pptx
@@ -5,7 +5,7 @@
     <p:sldMasterId id="2147483791" r:id="rId1"/>
   </p:sldMasterIdLst>
   <p:notesMasterIdLst>
-    <p:notesMasterId r:id="rId32"/>
+    <p:notesMasterId r:id="rId31"/>
   </p:notesMasterIdLst>
   <p:sldIdLst>
     <p:sldId id="349" r:id="rId2"/>
@@ -31,13 +31,12 @@
     <p:sldId id="606" r:id="rId22"/>
     <p:sldId id="607" r:id="rId23"/>
     <p:sldId id="617" r:id="rId24"/>
-    <p:sldId id="618" r:id="rId25"/>
-    <p:sldId id="609" r:id="rId26"/>
-    <p:sldId id="610" r:id="rId27"/>
-    <p:sldId id="611" r:id="rId28"/>
-    <p:sldId id="613" r:id="rId29"/>
-    <p:sldId id="614" r:id="rId30"/>
-    <p:sldId id="631" r:id="rId31"/>
+    <p:sldId id="609" r:id="rId25"/>
+    <p:sldId id="610" r:id="rId26"/>
+    <p:sldId id="611" r:id="rId27"/>
+    <p:sldId id="613" r:id="rId28"/>
+    <p:sldId id="614" r:id="rId29"/>
+    <p:sldId id="631" r:id="rId30"/>
   </p:sldIdLst>
   <p:sldSz cx="9144000" cy="5715000" type="screen16x10"/>
   <p:notesSz cx="6858000" cy="9144000"/>
@@ -147,7 +146,7 @@
 <file path=ppt/revisionInfo.xml><?xml version="1.0" encoding="utf-8"?>
 <p1510:revInfo xmlns:a="http://schemas.openxmlformats.org/drawingml/2006/main" xmlns:r="http://schemas.openxmlformats.org/officeDocument/2006/relationships" xmlns:p1510="http://schemas.microsoft.com/office/powerpoint/2015/10/main">
   <p1510:revLst>
-    <p1510:client id="{B1BC82AE-0B84-6345-94DD-50FF764891EB}" v="590" dt="2021-06-14T17:20:21.244"/>
+    <p1510:client id="{F28BDA9A-BFEA-0A48-93A2-5F1590075D7B}" v="272" dt="2022-02-08T21:01:15.036"/>
   </p1510:revLst>
 </p1510:revInfo>
 </file>
@@ -3538,6 +3537,167 @@
     </pc:docChg>
   </pc:docChgLst>
   <pc:docChgLst>
+    <pc:chgData name="Long Nguyen" userId="f59fb8f3-a021-417a-8bc1-65c8d471c621" providerId="ADAL" clId="{F28BDA9A-BFEA-0A48-93A2-5F1590075D7B}"/>
+    <pc:docChg chg="custSel addSld delSld modSld">
+      <pc:chgData name="Long Nguyen" userId="f59fb8f3-a021-417a-8bc1-65c8d471c621" providerId="ADAL" clId="{F28BDA9A-BFEA-0A48-93A2-5F1590075D7B}" dt="2022-02-08T21:01:54.641" v="320" actId="207"/>
+      <pc:docMkLst>
+        <pc:docMk/>
+      </pc:docMkLst>
+      <pc:sldChg chg="modSp modAnim">
+        <pc:chgData name="Long Nguyen" userId="f59fb8f3-a021-417a-8bc1-65c8d471c621" providerId="ADAL" clId="{F28BDA9A-BFEA-0A48-93A2-5F1590075D7B}" dt="2022-02-08T20:45:03.078" v="62" actId="20577"/>
+        <pc:sldMkLst>
+          <pc:docMk/>
+          <pc:sldMk cId="136760411" sldId="584"/>
+        </pc:sldMkLst>
+        <pc:spChg chg="mod">
+          <ac:chgData name="Long Nguyen" userId="f59fb8f3-a021-417a-8bc1-65c8d471c621" providerId="ADAL" clId="{F28BDA9A-BFEA-0A48-93A2-5F1590075D7B}" dt="2022-02-08T20:45:03.078" v="62" actId="20577"/>
+          <ac:spMkLst>
+            <pc:docMk/>
+            <pc:sldMk cId="136760411" sldId="584"/>
+            <ac:spMk id="16386" creationId="{FDE21009-F167-294A-90DA-D3129AD4DEB7}"/>
+          </ac:spMkLst>
+        </pc:spChg>
+      </pc:sldChg>
+      <pc:sldChg chg="modSp modAnim">
+        <pc:chgData name="Long Nguyen" userId="f59fb8f3-a021-417a-8bc1-65c8d471c621" providerId="ADAL" clId="{F28BDA9A-BFEA-0A48-93A2-5F1590075D7B}" dt="2022-02-08T21:01:15.036" v="306"/>
+        <pc:sldMkLst>
+          <pc:docMk/>
+          <pc:sldMk cId="1230781990" sldId="606"/>
+        </pc:sldMkLst>
+        <pc:spChg chg="mod">
+          <ac:chgData name="Long Nguyen" userId="f59fb8f3-a021-417a-8bc1-65c8d471c621" providerId="ADAL" clId="{F28BDA9A-BFEA-0A48-93A2-5F1590075D7B}" dt="2022-02-08T20:56:24.136" v="192" actId="20577"/>
+          <ac:spMkLst>
+            <pc:docMk/>
+            <pc:sldMk cId="1230781990" sldId="606"/>
+            <ac:spMk id="16386" creationId="{B58E18ED-8D49-8844-A857-3DC2CAD817CB}"/>
+          </ac:spMkLst>
+        </pc:spChg>
+      </pc:sldChg>
+      <pc:sldChg chg="addSp modSp mod modAnim">
+        <pc:chgData name="Long Nguyen" userId="f59fb8f3-a021-417a-8bc1-65c8d471c621" providerId="ADAL" clId="{F28BDA9A-BFEA-0A48-93A2-5F1590075D7B}" dt="2022-02-08T21:00:51.747" v="302"/>
+        <pc:sldMkLst>
+          <pc:docMk/>
+          <pc:sldMk cId="3489750888" sldId="607"/>
+        </pc:sldMkLst>
+        <pc:spChg chg="mod">
+          <ac:chgData name="Long Nguyen" userId="f59fb8f3-a021-417a-8bc1-65c8d471c621" providerId="ADAL" clId="{F28BDA9A-BFEA-0A48-93A2-5F1590075D7B}" dt="2022-02-08T20:59:39.235" v="287" actId="1076"/>
+          <ac:spMkLst>
+            <pc:docMk/>
+            <pc:sldMk cId="3489750888" sldId="607"/>
+            <ac:spMk id="5" creationId="{75DF910D-BCDA-814B-AE33-5E262772747F}"/>
+          </ac:spMkLst>
+        </pc:spChg>
+        <pc:spChg chg="mod">
+          <ac:chgData name="Long Nguyen" userId="f59fb8f3-a021-417a-8bc1-65c8d471c621" providerId="ADAL" clId="{F28BDA9A-BFEA-0A48-93A2-5F1590075D7B}" dt="2022-02-08T21:00:06.526" v="296" actId="1076"/>
+          <ac:spMkLst>
+            <pc:docMk/>
+            <pc:sldMk cId="3489750888" sldId="607"/>
+            <ac:spMk id="9" creationId="{69761A01-1D14-8949-B413-803644E65921}"/>
+          </ac:spMkLst>
+        </pc:spChg>
+        <pc:spChg chg="mod">
+          <ac:chgData name="Long Nguyen" userId="f59fb8f3-a021-417a-8bc1-65c8d471c621" providerId="ADAL" clId="{F28BDA9A-BFEA-0A48-93A2-5F1590075D7B}" dt="2022-02-08T21:00:16.413" v="297" actId="207"/>
+          <ac:spMkLst>
+            <pc:docMk/>
+            <pc:sldMk cId="3489750888" sldId="607"/>
+            <ac:spMk id="16386" creationId="{B58E18ED-8D49-8844-A857-3DC2CAD817CB}"/>
+          </ac:spMkLst>
+        </pc:spChg>
+        <pc:picChg chg="add mod">
+          <ac:chgData name="Long Nguyen" userId="f59fb8f3-a021-417a-8bc1-65c8d471c621" providerId="ADAL" clId="{F28BDA9A-BFEA-0A48-93A2-5F1590075D7B}" dt="2022-02-08T21:00:00.865" v="294" actId="1076"/>
+          <ac:picMkLst>
+            <pc:docMk/>
+            <pc:sldMk cId="3489750888" sldId="607"/>
+            <ac:picMk id="13" creationId="{189E7DC2-C7B2-2646-B742-09A4F410ACA4}"/>
+          </ac:picMkLst>
+        </pc:picChg>
+        <pc:cxnChg chg="mod">
+          <ac:chgData name="Long Nguyen" userId="f59fb8f3-a021-417a-8bc1-65c8d471c621" providerId="ADAL" clId="{F28BDA9A-BFEA-0A48-93A2-5F1590075D7B}" dt="2022-02-08T20:59:46.249" v="290" actId="14100"/>
+          <ac:cxnSpMkLst>
+            <pc:docMk/>
+            <pc:sldMk cId="3489750888" sldId="607"/>
+            <ac:cxnSpMk id="6" creationId="{CD375954-2625-3941-A804-760A2DF2B15E}"/>
+          </ac:cxnSpMkLst>
+        </pc:cxnChg>
+        <pc:cxnChg chg="mod">
+          <ac:chgData name="Long Nguyen" userId="f59fb8f3-a021-417a-8bc1-65c8d471c621" providerId="ADAL" clId="{F28BDA9A-BFEA-0A48-93A2-5F1590075D7B}" dt="2022-02-08T21:00:04.317" v="295" actId="14100"/>
+          <ac:cxnSpMkLst>
+            <pc:docMk/>
+            <pc:sldMk cId="3489750888" sldId="607"/>
+            <ac:cxnSpMk id="10" creationId="{1EDCEE4F-12DB-C440-A68D-9EF5BC29E8AE}"/>
+          </ac:cxnSpMkLst>
+        </pc:cxnChg>
+      </pc:sldChg>
+      <pc:sldChg chg="modSp mod">
+        <pc:chgData name="Long Nguyen" userId="f59fb8f3-a021-417a-8bc1-65c8d471c621" providerId="ADAL" clId="{F28BDA9A-BFEA-0A48-93A2-5F1590075D7B}" dt="2022-02-08T20:44:44.402" v="1" actId="27636"/>
+        <pc:sldMkLst>
+          <pc:docMk/>
+          <pc:sldMk cId="1300860084" sldId="611"/>
+        </pc:sldMkLst>
+        <pc:spChg chg="mod">
+          <ac:chgData name="Long Nguyen" userId="f59fb8f3-a021-417a-8bc1-65c8d471c621" providerId="ADAL" clId="{F28BDA9A-BFEA-0A48-93A2-5F1590075D7B}" dt="2022-02-08T20:44:44.402" v="1" actId="27636"/>
+          <ac:spMkLst>
+            <pc:docMk/>
+            <pc:sldMk cId="1300860084" sldId="611"/>
+            <ac:spMk id="16386" creationId="{B58E18ED-8D49-8844-A857-3DC2CAD817CB}"/>
+          </ac:spMkLst>
+        </pc:spChg>
+      </pc:sldChg>
+      <pc:sldChg chg="modSp mod">
+        <pc:chgData name="Long Nguyen" userId="f59fb8f3-a021-417a-8bc1-65c8d471c621" providerId="ADAL" clId="{F28BDA9A-BFEA-0A48-93A2-5F1590075D7B}" dt="2022-02-08T21:01:54.641" v="320" actId="207"/>
+        <pc:sldMkLst>
+          <pc:docMk/>
+          <pc:sldMk cId="3448653526" sldId="617"/>
+        </pc:sldMkLst>
+        <pc:spChg chg="mod">
+          <ac:chgData name="Long Nguyen" userId="f59fb8f3-a021-417a-8bc1-65c8d471c621" providerId="ADAL" clId="{F28BDA9A-BFEA-0A48-93A2-5F1590075D7B}" dt="2022-02-08T21:01:54.641" v="320" actId="207"/>
+          <ac:spMkLst>
+            <pc:docMk/>
+            <pc:sldMk cId="3448653526" sldId="617"/>
+            <ac:spMk id="38913" creationId="{01ABAB85-1B1D-E842-8BF4-B8AF13377E9C}"/>
+          </ac:spMkLst>
+        </pc:spChg>
+      </pc:sldChg>
+      <pc:sldChg chg="add del">
+        <pc:chgData name="Long Nguyen" userId="f59fb8f3-a021-417a-8bc1-65c8d471c621" providerId="ADAL" clId="{F28BDA9A-BFEA-0A48-93A2-5F1590075D7B}" dt="2022-02-08T21:01:28.851" v="307" actId="2696"/>
+        <pc:sldMkLst>
+          <pc:docMk/>
+          <pc:sldMk cId="3340167068" sldId="618"/>
+        </pc:sldMkLst>
+      </pc:sldChg>
+      <pc:sldChg chg="del">
+        <pc:chgData name="Long Nguyen" userId="f59fb8f3-a021-417a-8bc1-65c8d471c621" providerId="ADAL" clId="{F28BDA9A-BFEA-0A48-93A2-5F1590075D7B}" dt="2022-02-08T20:59:26.149" v="284" actId="2696"/>
+        <pc:sldMkLst>
+          <pc:docMk/>
+          <pc:sldMk cId="4193751558" sldId="618"/>
+        </pc:sldMkLst>
+      </pc:sldChg>
+      <pc:sldChg chg="modSp add del mod modAnim">
+        <pc:chgData name="Long Nguyen" userId="f59fb8f3-a021-417a-8bc1-65c8d471c621" providerId="ADAL" clId="{F28BDA9A-BFEA-0A48-93A2-5F1590075D7B}" dt="2022-02-08T20:56:27.350" v="193" actId="2696"/>
+        <pc:sldMkLst>
+          <pc:docMk/>
+          <pc:sldMk cId="839999011" sldId="634"/>
+        </pc:sldMkLst>
+        <pc:spChg chg="mod">
+          <ac:chgData name="Long Nguyen" userId="f59fb8f3-a021-417a-8bc1-65c8d471c621" providerId="ADAL" clId="{F28BDA9A-BFEA-0A48-93A2-5F1590075D7B}" dt="2022-02-08T20:55:32.589" v="143" actId="20577"/>
+          <ac:spMkLst>
+            <pc:docMk/>
+            <pc:sldMk cId="839999011" sldId="634"/>
+            <ac:spMk id="16386" creationId="{B58E18ED-8D49-8844-A857-3DC2CAD817CB}"/>
+          </ac:spMkLst>
+        </pc:spChg>
+        <pc:spChg chg="mod">
+          <ac:chgData name="Long Nguyen" userId="f59fb8f3-a021-417a-8bc1-65c8d471c621" providerId="ADAL" clId="{F28BDA9A-BFEA-0A48-93A2-5F1590075D7B}" dt="2022-02-08T20:54:17.900" v="72" actId="20577"/>
+          <ac:spMkLst>
+            <pc:docMk/>
+            <pc:sldMk cId="839999011" sldId="634"/>
+            <ac:spMk id="38913" creationId="{01ABAB85-1B1D-E842-8BF4-B8AF13377E9C}"/>
+          </ac:spMkLst>
+        </pc:spChg>
+      </pc:sldChg>
+    </pc:docChg>
+  </pc:docChgLst>
+  <pc:docChgLst>
     <pc:chgData name="Long B Nguyen" userId="f59fb8f3-a021-417a-8bc1-65c8d471c621" providerId="ADAL" clId="{AA9102B5-DACA-D841-B260-AEEBF90FC60A}"/>
     <pc:docChg chg="custSel addSld delSld modSld">
       <pc:chgData name="Long B Nguyen" userId="f59fb8f3-a021-417a-8bc1-65c8d471c621" providerId="ADAL" clId="{AA9102B5-DACA-D841-B260-AEEBF90FC60A}" dt="2020-01-06T17:07:10.515" v="1519" actId="2711"/>
@@ -3975,7 +4135,7 @@
           <a:p>
             <a:fld id="{11759725-BFEE-644C-A872-B7D4268C5620}" type="datetimeFigureOut">
               <a:rPr lang="en-US" smtClean="0"/>
-              <a:t>6/14/21</a:t>
+              <a:t>2/8/22</a:t>
             </a:fld>
             <a:endParaRPr lang="en-US"/>
           </a:p>
@@ -8552,7 +8712,7 @@
     </p:spTree>
     <p:extLst>
       <p:ext uri="{BB962C8B-B14F-4D97-AF65-F5344CB8AC3E}">
-        <p14:creationId xmlns:p14="http://schemas.microsoft.com/office/powerpoint/2010/main" val="3853022363"/>
+        <p14:creationId xmlns:p14="http://schemas.microsoft.com/office/powerpoint/2010/main" val="1382671311"/>
       </p:ext>
     </p:extLst>
   </p:cSld>
@@ -8840,7 +9000,7 @@
     </p:spTree>
     <p:extLst>
       <p:ext uri="{BB962C8B-B14F-4D97-AF65-F5344CB8AC3E}">
-        <p14:creationId xmlns:p14="http://schemas.microsoft.com/office/powerpoint/2010/main" val="1382671311"/>
+        <p14:creationId xmlns:p14="http://schemas.microsoft.com/office/powerpoint/2010/main" val="3253277988"/>
       </p:ext>
     </p:extLst>
   </p:cSld>
@@ -9128,7 +9288,7 @@
     </p:spTree>
     <p:extLst>
       <p:ext uri="{BB962C8B-B14F-4D97-AF65-F5344CB8AC3E}">
-        <p14:creationId xmlns:p14="http://schemas.microsoft.com/office/powerpoint/2010/main" val="3253277988"/>
+        <p14:creationId xmlns:p14="http://schemas.microsoft.com/office/powerpoint/2010/main" val="665128334"/>
       </p:ext>
     </p:extLst>
   </p:cSld>
@@ -9416,7 +9576,7 @@
     </p:spTree>
     <p:extLst>
       <p:ext uri="{BB962C8B-B14F-4D97-AF65-F5344CB8AC3E}">
-        <p14:creationId xmlns:p14="http://schemas.microsoft.com/office/powerpoint/2010/main" val="665128334"/>
+        <p14:creationId xmlns:p14="http://schemas.microsoft.com/office/powerpoint/2010/main" val="1767850650"/>
       </p:ext>
     </p:extLst>
   </p:cSld>
@@ -9595,294 +9755,6 @@
               <a:rPr lang="en-US" altLang="en-US" smtClean="0"/>
               <a:pPr/>
               <a:t>28</a:t>
-            </a:fld>
-            <a:endParaRPr lang="en-US" altLang="en-US"/>
-          </a:p>
-        </p:txBody>
-      </p:sp>
-      <p:sp>
-        <p:nvSpPr>
-          <p:cNvPr id="39938" name="Rectangle 2">
-            <a:extLst>
-              <a:ext uri="{FF2B5EF4-FFF2-40B4-BE49-F238E27FC236}">
-                <a16:creationId xmlns:a16="http://schemas.microsoft.com/office/drawing/2014/main" id="{65402874-F9B7-4D4A-9A88-499672169530}"/>
-              </a:ext>
-            </a:extLst>
-          </p:cNvPr>
-          <p:cNvSpPr>
-            <a:spLocks noGrp="1" noRot="1" noChangeAspect="1" noChangeArrowheads="1" noTextEdit="1"/>
-          </p:cNvSpPr>
-          <p:nvPr>
-            <p:ph type="sldImg"/>
-          </p:nvPr>
-        </p:nvSpPr>
-        <p:spPr bwMode="auto">
-          <a:xfrm>
-            <a:off x="687388" y="685800"/>
-            <a:ext cx="5486400" cy="3429000"/>
-          </a:xfrm>
-          <a:noFill/>
-          <a:ln>
-            <a:solidFill>
-              <a:srgbClr val="000000"/>
-            </a:solidFill>
-            <a:miter lim="800000"/>
-            <a:headEnd/>
-            <a:tailEnd/>
-          </a:ln>
-          <a:extLst>
-            <a:ext uri="{909E8E84-426E-40DD-AFC4-6F175D3DCCD1}">
-              <a14:hiddenFill xmlns:a14="http://schemas.microsoft.com/office/drawing/2010/main">
-                <a:solidFill>
-                  <a:srgbClr val="FFFFFF"/>
-                </a:solidFill>
-              </a14:hiddenFill>
-            </a:ext>
-          </a:extLst>
-        </p:spPr>
-      </p:sp>
-      <p:sp>
-        <p:nvSpPr>
-          <p:cNvPr id="39939" name="Rectangle 3">
-            <a:extLst>
-              <a:ext uri="{FF2B5EF4-FFF2-40B4-BE49-F238E27FC236}">
-                <a16:creationId xmlns:a16="http://schemas.microsoft.com/office/drawing/2014/main" id="{04232413-FB05-4844-B594-DAF3406D2463}"/>
-              </a:ext>
-            </a:extLst>
-          </p:cNvPr>
-          <p:cNvSpPr>
-            <a:spLocks noGrp="1" noChangeArrowheads="1"/>
-          </p:cNvSpPr>
-          <p:nvPr>
-            <p:ph type="body" idx="1"/>
-          </p:nvPr>
-        </p:nvSpPr>
-        <p:spPr bwMode="auto">
-          <a:xfrm>
-            <a:off x="914400" y="4343400"/>
-            <a:ext cx="5029200" cy="4114800"/>
-          </a:xfrm>
-          <a:noFill/>
-          <a:extLst>
-            <a:ext uri="{909E8E84-426E-40DD-AFC4-6F175D3DCCD1}">
-              <a14:hiddenFill xmlns:a14="http://schemas.microsoft.com/office/drawing/2010/main">
-                <a:solidFill>
-                  <a:srgbClr val="FFFFFF"/>
-                </a:solidFill>
-              </a14:hiddenFill>
-            </a:ext>
-            <a:ext uri="{91240B29-F687-4F45-9708-019B960494DF}">
-              <a14:hiddenLine xmlns:a14="http://schemas.microsoft.com/office/drawing/2010/main" w="9525">
-                <a:solidFill>
-                  <a:srgbClr val="000000"/>
-                </a:solidFill>
-                <a:miter lim="800000"/>
-                <a:headEnd/>
-                <a:tailEnd/>
-              </a14:hiddenLine>
-            </a:ext>
-          </a:extLst>
-        </p:spPr>
-        <p:txBody>
-          <a:bodyPr wrap="square" numCol="1" anchor="t" anchorCtr="0" compatLnSpc="1">
-            <a:prstTxWarp prst="textNoShape">
-              <a:avLst/>
-            </a:prstTxWarp>
-          </a:bodyPr>
-          <a:lstStyle/>
-          <a:p>
-            <a:pPr eaLnBrk="1" hangingPunct="1"/>
-            <a:r>
-              <a:rPr lang="en-US" altLang="en-US">
-                <a:ea typeface="ＭＳ Ｐゴシック" panose="020B0600070205080204" pitchFamily="34" charset="-128"/>
-              </a:rPr>
-              <a:t>Crash Course: Cybersecurity</a:t>
-            </a:r>
-          </a:p>
-        </p:txBody>
-      </p:sp>
-    </p:spTree>
-    <p:extLst>
-      <p:ext uri="{BB962C8B-B14F-4D97-AF65-F5344CB8AC3E}">
-        <p14:creationId xmlns:p14="http://schemas.microsoft.com/office/powerpoint/2010/main" val="1767850650"/>
-      </p:ext>
-    </p:extLst>
-  </p:cSld>
-  <p:clrMapOvr>
-    <a:masterClrMapping/>
-  </p:clrMapOvr>
-</p:notes>
-</file>
-
-<file path=ppt/notesSlides/notesSlide27.xml><?xml version="1.0" encoding="utf-8"?>
-<p:notes xmlns:a="http://schemas.openxmlformats.org/drawingml/2006/main" xmlns:r="http://schemas.openxmlformats.org/officeDocument/2006/relationships" xmlns:p="http://schemas.openxmlformats.org/presentationml/2006/main">
-  <p:cSld>
-    <p:spTree>
-      <p:nvGrpSpPr>
-        <p:cNvPr id="1" name=""/>
-        <p:cNvGrpSpPr/>
-        <p:nvPr/>
-      </p:nvGrpSpPr>
-      <p:grpSpPr>
-        <a:xfrm>
-          <a:off x="0" y="0"/>
-          <a:ext cx="0" cy="0"/>
-          <a:chOff x="0" y="0"/>
-          <a:chExt cx="0" cy="0"/>
-        </a:xfrm>
-      </p:grpSpPr>
-      <p:sp>
-        <p:nvSpPr>
-          <p:cNvPr id="39937" name="Rectangle 7">
-            <a:extLst>
-              <a:ext uri="{FF2B5EF4-FFF2-40B4-BE49-F238E27FC236}">
-                <a16:creationId xmlns:a16="http://schemas.microsoft.com/office/drawing/2014/main" id="{7264E55D-2FAC-504E-8F76-AF69BC0338DF}"/>
-              </a:ext>
-            </a:extLst>
-          </p:cNvPr>
-          <p:cNvSpPr>
-            <a:spLocks noGrp="1" noChangeArrowheads="1"/>
-          </p:cNvSpPr>
-          <p:nvPr>
-            <p:ph type="sldNum" sz="quarter" idx="5"/>
-          </p:nvPr>
-        </p:nvSpPr>
-        <p:spPr bwMode="auto">
-          <a:noFill/>
-          <a:extLst>
-            <a:ext uri="{909E8E84-426E-40DD-AFC4-6F175D3DCCD1}">
-              <a14:hiddenFill xmlns:a14="http://schemas.microsoft.com/office/drawing/2010/main">
-                <a:solidFill>
-                  <a:srgbClr val="FFFFFF"/>
-                </a:solidFill>
-              </a14:hiddenFill>
-            </a:ext>
-            <a:ext uri="{91240B29-F687-4F45-9708-019B960494DF}">
-              <a14:hiddenLine xmlns:a14="http://schemas.microsoft.com/office/drawing/2010/main" w="9525">
-                <a:solidFill>
-                  <a:srgbClr val="000000"/>
-                </a:solidFill>
-                <a:miter lim="800000"/>
-                <a:headEnd/>
-                <a:tailEnd/>
-              </a14:hiddenLine>
-            </a:ext>
-          </a:extLst>
-        </p:spPr>
-        <p:txBody>
-          <a:bodyPr/>
-          <a:lstStyle>
-            <a:lvl1pPr>
-              <a:defRPr>
-                <a:solidFill>
-                  <a:schemeClr val="tx1"/>
-                </a:solidFill>
-                <a:latin typeface="Arial" panose="020B0604020202020204" pitchFamily="34" charset="0"/>
-                <a:ea typeface="ＭＳ Ｐゴシック" panose="020B0600070205080204" pitchFamily="34" charset="-128"/>
-              </a:defRPr>
-            </a:lvl1pPr>
-            <a:lvl2pPr marL="742950" indent="-285750">
-              <a:defRPr>
-                <a:solidFill>
-                  <a:schemeClr val="tx1"/>
-                </a:solidFill>
-                <a:latin typeface="Arial" panose="020B0604020202020204" pitchFamily="34" charset="0"/>
-                <a:ea typeface="ＭＳ Ｐゴシック" panose="020B0600070205080204" pitchFamily="34" charset="-128"/>
-              </a:defRPr>
-            </a:lvl2pPr>
-            <a:lvl3pPr marL="1143000" indent="-228600">
-              <a:defRPr>
-                <a:solidFill>
-                  <a:schemeClr val="tx1"/>
-                </a:solidFill>
-                <a:latin typeface="Arial" panose="020B0604020202020204" pitchFamily="34" charset="0"/>
-                <a:ea typeface="ＭＳ Ｐゴシック" panose="020B0600070205080204" pitchFamily="34" charset="-128"/>
-              </a:defRPr>
-            </a:lvl3pPr>
-            <a:lvl4pPr marL="1600200" indent="-228600">
-              <a:defRPr>
-                <a:solidFill>
-                  <a:schemeClr val="tx1"/>
-                </a:solidFill>
-                <a:latin typeface="Arial" panose="020B0604020202020204" pitchFamily="34" charset="0"/>
-                <a:ea typeface="ＭＳ Ｐゴシック" panose="020B0600070205080204" pitchFamily="34" charset="-128"/>
-              </a:defRPr>
-            </a:lvl4pPr>
-            <a:lvl5pPr marL="2057400" indent="-228600">
-              <a:defRPr>
-                <a:solidFill>
-                  <a:schemeClr val="tx1"/>
-                </a:solidFill>
-                <a:latin typeface="Arial" panose="020B0604020202020204" pitchFamily="34" charset="0"/>
-                <a:ea typeface="ＭＳ Ｐゴシック" panose="020B0600070205080204" pitchFamily="34" charset="-128"/>
-              </a:defRPr>
-            </a:lvl5pPr>
-            <a:lvl6pPr marL="2514600" indent="-228600" eaLnBrk="0" fontAlgn="base" hangingPunct="0">
-              <a:spcBef>
-                <a:spcPct val="0"/>
-              </a:spcBef>
-              <a:spcAft>
-                <a:spcPct val="0"/>
-              </a:spcAft>
-              <a:defRPr>
-                <a:solidFill>
-                  <a:schemeClr val="tx1"/>
-                </a:solidFill>
-                <a:latin typeface="Arial" panose="020B0604020202020204" pitchFamily="34" charset="0"/>
-                <a:ea typeface="ＭＳ Ｐゴシック" panose="020B0600070205080204" pitchFamily="34" charset="-128"/>
-              </a:defRPr>
-            </a:lvl6pPr>
-            <a:lvl7pPr marL="2971800" indent="-228600" eaLnBrk="0" fontAlgn="base" hangingPunct="0">
-              <a:spcBef>
-                <a:spcPct val="0"/>
-              </a:spcBef>
-              <a:spcAft>
-                <a:spcPct val="0"/>
-              </a:spcAft>
-              <a:defRPr>
-                <a:solidFill>
-                  <a:schemeClr val="tx1"/>
-                </a:solidFill>
-                <a:latin typeface="Arial" panose="020B0604020202020204" pitchFamily="34" charset="0"/>
-                <a:ea typeface="ＭＳ Ｐゴシック" panose="020B0600070205080204" pitchFamily="34" charset="-128"/>
-              </a:defRPr>
-            </a:lvl7pPr>
-            <a:lvl8pPr marL="3429000" indent="-228600" eaLnBrk="0" fontAlgn="base" hangingPunct="0">
-              <a:spcBef>
-                <a:spcPct val="0"/>
-              </a:spcBef>
-              <a:spcAft>
-                <a:spcPct val="0"/>
-              </a:spcAft>
-              <a:defRPr>
-                <a:solidFill>
-                  <a:schemeClr val="tx1"/>
-                </a:solidFill>
-                <a:latin typeface="Arial" panose="020B0604020202020204" pitchFamily="34" charset="0"/>
-                <a:ea typeface="ＭＳ Ｐゴシック" panose="020B0600070205080204" pitchFamily="34" charset="-128"/>
-              </a:defRPr>
-            </a:lvl8pPr>
-            <a:lvl9pPr marL="3886200" indent="-228600" eaLnBrk="0" fontAlgn="base" hangingPunct="0">
-              <a:spcBef>
-                <a:spcPct val="0"/>
-              </a:spcBef>
-              <a:spcAft>
-                <a:spcPct val="0"/>
-              </a:spcAft>
-              <a:defRPr>
-                <a:solidFill>
-                  <a:schemeClr val="tx1"/>
-                </a:solidFill>
-                <a:latin typeface="Arial" panose="020B0604020202020204" pitchFamily="34" charset="0"/>
-                <a:ea typeface="ＭＳ Ｐゴシック" panose="020B0600070205080204" pitchFamily="34" charset="-128"/>
-              </a:defRPr>
-            </a:lvl9pPr>
-          </a:lstStyle>
-          <a:p>
-            <a:fld id="{281680EB-C86D-2347-AE16-D730A41D6A9A}" type="slidenum">
-              <a:rPr lang="en-US" altLang="en-US" smtClean="0"/>
-              <a:pPr/>
-              <a:t>29</a:t>
             </a:fld>
             <a:endParaRPr lang="en-US" altLang="en-US"/>
           </a:p>
@@ -12149,7 +12021,7 @@
           <a:p>
             <a:fld id="{4AAD347D-5ACD-4C99-B74B-A9C85AD731AF}" type="datetimeFigureOut">
               <a:rPr lang="en-US" smtClean="0"/>
-              <a:t>6/14/21</a:t>
+              <a:t>2/8/22</a:t>
             </a:fld>
             <a:endParaRPr lang="en-US" dirty="0"/>
           </a:p>
@@ -12319,7 +12191,7 @@
           <a:p>
             <a:fld id="{4509A250-FF31-4206-8172-F9D3106AACB1}" type="datetimeFigureOut">
               <a:rPr lang="en-US" smtClean="0"/>
-              <a:t>6/14/21</a:t>
+              <a:t>2/8/22</a:t>
             </a:fld>
             <a:endParaRPr lang="en-US" dirty="0"/>
           </a:p>
@@ -12499,7 +12371,7 @@
           <a:p>
             <a:fld id="{4509A250-FF31-4206-8172-F9D3106AACB1}" type="datetimeFigureOut">
               <a:rPr lang="en-US" smtClean="0"/>
-              <a:t>6/14/21</a:t>
+              <a:t>2/8/22</a:t>
             </a:fld>
             <a:endParaRPr lang="en-US" dirty="0"/>
           </a:p>
@@ -12669,7 +12541,7 @@
           <a:p>
             <a:fld id="{4509A250-FF31-4206-8172-F9D3106AACB1}" type="datetimeFigureOut">
               <a:rPr lang="en-US" smtClean="0"/>
-              <a:t>6/14/21</a:t>
+              <a:t>2/8/22</a:t>
             </a:fld>
             <a:endParaRPr lang="en-US" dirty="0"/>
           </a:p>
@@ -12915,7 +12787,7 @@
           <a:p>
             <a:fld id="{9796027F-7875-4030-9381-8BD8C4F21935}" type="datetimeFigureOut">
               <a:rPr lang="en-US" smtClean="0"/>
-              <a:t>6/14/21</a:t>
+              <a:t>2/8/22</a:t>
             </a:fld>
             <a:endParaRPr lang="en-US" dirty="0"/>
           </a:p>
@@ -13147,7 +13019,7 @@
           <a:p>
             <a:fld id="{9796027F-7875-4030-9381-8BD8C4F21935}" type="datetimeFigureOut">
               <a:rPr lang="en-US" smtClean="0"/>
-              <a:t>6/14/21</a:t>
+              <a:t>2/8/22</a:t>
             </a:fld>
             <a:endParaRPr lang="en-US" dirty="0"/>
           </a:p>
@@ -13514,7 +13386,7 @@
           <a:p>
             <a:fld id="{9796027F-7875-4030-9381-8BD8C4F21935}" type="datetimeFigureOut">
               <a:rPr lang="en-US" smtClean="0"/>
-              <a:t>6/14/21</a:t>
+              <a:t>2/8/22</a:t>
             </a:fld>
             <a:endParaRPr lang="en-US" dirty="0"/>
           </a:p>
@@ -13632,7 +13504,7 @@
           <a:p>
             <a:fld id="{4509A250-FF31-4206-8172-F9D3106AACB1}" type="datetimeFigureOut">
               <a:rPr lang="en-US" smtClean="0"/>
-              <a:t>6/14/21</a:t>
+              <a:t>2/8/22</a:t>
             </a:fld>
             <a:endParaRPr lang="en-US" dirty="0"/>
           </a:p>
@@ -13727,7 +13599,7 @@
           <a:p>
             <a:fld id="{4509A250-FF31-4206-8172-F9D3106AACB1}" type="datetimeFigureOut">
               <a:rPr lang="en-US" smtClean="0"/>
-              <a:t>6/14/21</a:t>
+              <a:t>2/8/22</a:t>
             </a:fld>
             <a:endParaRPr lang="en-US" dirty="0"/>
           </a:p>
@@ -14004,7 +13876,7 @@
           <a:p>
             <a:fld id="{4509A250-FF31-4206-8172-F9D3106AACB1}" type="datetimeFigureOut">
               <a:rPr lang="en-US" smtClean="0"/>
-              <a:t>6/14/21</a:t>
+              <a:t>2/8/22</a:t>
             </a:fld>
             <a:endParaRPr lang="en-US" dirty="0"/>
           </a:p>
@@ -14261,7 +14133,7 @@
           <a:p>
             <a:fld id="{4509A250-FF31-4206-8172-F9D3106AACB1}" type="datetimeFigureOut">
               <a:rPr lang="en-US" smtClean="0"/>
-              <a:t>6/14/21</a:t>
+              <a:t>2/8/22</a:t>
             </a:fld>
             <a:endParaRPr lang="en-US" dirty="0"/>
           </a:p>
@@ -14474,7 +14346,7 @@
           <a:p>
             <a:fld id="{4AAD347D-5ACD-4C99-B74B-A9C85AD731AF}" type="datetimeFigureOut">
               <a:rPr lang="en-US" smtClean="0"/>
-              <a:t>6/14/21</a:t>
+              <a:t>2/8/22</a:t>
             </a:fld>
             <a:endParaRPr lang="en-US" dirty="0"/>
           </a:p>
@@ -25202,7 +25074,19 @@
               <a:rPr lang="en-US" sz="2000" dirty="0">
                 <a:latin typeface="Gill Sans MT" panose="020B0502020104020203" pitchFamily="34" charset="77"/>
               </a:rPr>
-              <a:t>24-bit equals approximately 16.8 million colors. </a:t>
+              <a:t>24-bit equals approximately </a:t>
+            </a:r>
+          </a:p>
+          <a:p>
+            <a:pPr marL="342900" lvl="1" indent="0" eaLnBrk="1" hangingPunct="1">
+              <a:buNone/>
+              <a:defRPr/>
+            </a:pPr>
+            <a:r>
+              <a:rPr lang="en-US" sz="2000" dirty="0">
+                <a:latin typeface="Gill Sans MT" panose="020B0502020104020203" pitchFamily="34" charset="77"/>
+              </a:rPr>
+              <a:t>                         2^24 = 16.8 million colors. </a:t>
             </a:r>
           </a:p>
           <a:p>
@@ -25646,6 +25530,55 @@
                       </p:childTnLst>
                     </p:cTn>
                   </p:par>
+                  <p:par>
+                    <p:cTn id="27" fill="hold">
+                      <p:stCondLst>
+                        <p:cond delay="indefinite"/>
+                      </p:stCondLst>
+                      <p:childTnLst>
+                        <p:par>
+                          <p:cTn id="28" fill="hold">
+                            <p:stCondLst>
+                              <p:cond delay="0"/>
+                            </p:stCondLst>
+                            <p:childTnLst>
+                              <p:par>
+                                <p:cTn id="29" presetID="1" presetClass="entr" presetSubtype="0" fill="hold" nodeType="clickEffect">
+                                  <p:stCondLst>
+                                    <p:cond delay="0"/>
+                                  </p:stCondLst>
+                                  <p:childTnLst>
+                                    <p:set>
+                                      <p:cBhvr>
+                                        <p:cTn id="30" dur="1" fill="hold">
+                                          <p:stCondLst>
+                                            <p:cond delay="0"/>
+                                          </p:stCondLst>
+                                        </p:cTn>
+                                        <p:tgtEl>
+                                          <p:spTgt spid="16386">
+                                            <p:txEl>
+                                              <p:pRg st="10" end="10"/>
+                                            </p:txEl>
+                                          </p:spTgt>
+                                        </p:tgtEl>
+                                        <p:attrNameLst>
+                                          <p:attrName>style.visibility</p:attrName>
+                                        </p:attrNameLst>
+                                      </p:cBhvr>
+                                      <p:to>
+                                        <p:strVal val="visible"/>
+                                      </p:to>
+                                    </p:set>
+                                  </p:childTnLst>
+                                </p:cTn>
+                              </p:par>
+                            </p:childTnLst>
+                          </p:cTn>
+                        </p:par>
+                      </p:childTnLst>
+                    </p:cTn>
+                  </p:par>
                 </p:childTnLst>
               </p:cTn>
               <p:prevCondLst>
@@ -26578,11 +26511,6 @@
               </a:rPr>
               <a:t>")</a:t>
             </a:r>
-          </a:p>
-          <a:p>
-            <a:pPr marL="0" indent="0">
-              <a:buNone/>
-            </a:pPr>
             <a:endParaRPr lang="en-US" altLang="en-US" sz="2000" dirty="0">
               <a:latin typeface="Gill Sans MT" panose="020B0502020104020203" pitchFamily="34" charset="77"/>
               <a:ea typeface="ＭＳ Ｐゴシック" panose="020B0600070205080204" pitchFamily="34" charset="-128"/>
@@ -26664,6 +26592,83 @@
                 <a:latin typeface="Inconsolata" panose="020B0609030003000000" pitchFamily="49" charset="77"/>
               </a:rPr>
               <a:t>img_red</a:t>
+            </a:r>
+            <a:r>
+              <a:rPr lang="en-US" sz="2000" b="1" dirty="0">
+                <a:solidFill>
+                  <a:srgbClr val="000000"/>
+                </a:solidFill>
+                <a:latin typeface="Inconsolata" panose="020B0609030003000000" pitchFamily="49" charset="77"/>
+              </a:rPr>
+              <a:t> = </a:t>
+            </a:r>
+            <a:r>
+              <a:rPr lang="en-US" sz="2000" b="1" dirty="0" err="1">
+                <a:solidFill>
+                  <a:srgbClr val="000000"/>
+                </a:solidFill>
+                <a:latin typeface="Inconsolata" panose="020B0609030003000000" pitchFamily="49" charset="77"/>
+              </a:rPr>
+              <a:t>np.zeroes</a:t>
+            </a:r>
+            <a:r>
+              <a:rPr lang="en-US" sz="2000" b="1" dirty="0">
+                <a:solidFill>
+                  <a:srgbClr val="000000"/>
+                </a:solidFill>
+                <a:latin typeface="Inconsolata" panose="020B0609030003000000" pitchFamily="49" charset="77"/>
+              </a:rPr>
+              <a:t>(</a:t>
+            </a:r>
+            <a:r>
+              <a:rPr lang="en-US" sz="2000" b="1" dirty="0" err="1">
+                <a:solidFill>
+                  <a:srgbClr val="000000"/>
+                </a:solidFill>
+                <a:latin typeface="Inconsolata" panose="020B0609030003000000" pitchFamily="49" charset="77"/>
+              </a:rPr>
+              <a:t>img.shape</a:t>
+            </a:r>
+            <a:r>
+              <a:rPr lang="en-US" sz="2000" b="1" dirty="0">
+                <a:solidFill>
+                  <a:srgbClr val="000000"/>
+                </a:solidFill>
+                <a:latin typeface="Inconsolata" panose="020B0609030003000000" pitchFamily="49" charset="77"/>
+              </a:rPr>
+              <a:t>, </a:t>
+            </a:r>
+            <a:r>
+              <a:rPr lang="en-US" sz="2000" b="1" dirty="0" err="1">
+                <a:solidFill>
+                  <a:srgbClr val="000000"/>
+                </a:solidFill>
+                <a:latin typeface="Inconsolata" panose="020B0609030003000000" pitchFamily="49" charset="77"/>
+              </a:rPr>
+              <a:t>dtype</a:t>
+            </a:r>
+            <a:r>
+              <a:rPr lang="en-US" sz="2000" b="1" dirty="0">
+                <a:solidFill>
+                  <a:srgbClr val="000000"/>
+                </a:solidFill>
+                <a:latin typeface="Inconsolata" panose="020B0609030003000000" pitchFamily="49" charset="77"/>
+              </a:rPr>
+              <a:t>="uint8")</a:t>
+            </a:r>
+          </a:p>
+          <a:p>
+            <a:pPr marL="0" indent="0">
+              <a:buNone/>
+            </a:pPr>
+            <a:r>
+              <a:rPr lang="en-US" sz="2000" b="1" dirty="0" err="1">
+                <a:solidFill>
+                  <a:srgbClr val="000000"/>
+                </a:solidFill>
+                <a:latin typeface="Inconsolata" panose="020B0609030003000000" pitchFamily="49" charset="77"/>
+              </a:rPr>
+              <a:t>img_green</a:t>
             </a:r>
             <a:r>
               <a:rPr lang="en-US" sz="2000" b="1" dirty="0">
@@ -26742,6 +26747,91 @@
               <a:buNone/>
             </a:pPr>
             <a:r>
+              <a:rPr lang="en-US" sz="2000" b="1" dirty="0" err="1">
+                <a:solidFill>
+                  <a:srgbClr val="000000"/>
+                </a:solidFill>
+                <a:latin typeface="Inconsolata" panose="020B0609030003000000" pitchFamily="49" charset="77"/>
+              </a:rPr>
+              <a:t>img_blue</a:t>
+            </a:r>
+            <a:r>
+              <a:rPr lang="en-US" sz="2000" b="1" dirty="0">
+                <a:solidFill>
+                  <a:srgbClr val="000000"/>
+                </a:solidFill>
+                <a:latin typeface="Inconsolata" panose="020B0609030003000000" pitchFamily="49" charset="77"/>
+              </a:rPr>
+              <a:t> = </a:t>
+            </a:r>
+            <a:r>
+              <a:rPr lang="en-US" sz="2000" b="1" dirty="0" err="1">
+                <a:solidFill>
+                  <a:srgbClr val="000000"/>
+                </a:solidFill>
+                <a:latin typeface="Inconsolata" panose="020B0609030003000000" pitchFamily="49" charset="77"/>
+              </a:rPr>
+              <a:t>np.zeroes</a:t>
+            </a:r>
+            <a:r>
+              <a:rPr lang="en-US" sz="2000" b="1" dirty="0">
+                <a:solidFill>
+                  <a:srgbClr val="000000"/>
+                </a:solidFill>
+                <a:latin typeface="Inconsolata" panose="020B0609030003000000" pitchFamily="49" charset="77"/>
+              </a:rPr>
+              <a:t>(</a:t>
+            </a:r>
+            <a:r>
+              <a:rPr lang="en-US" sz="2000" b="1" dirty="0" err="1">
+                <a:solidFill>
+                  <a:srgbClr val="000000"/>
+                </a:solidFill>
+                <a:latin typeface="Inconsolata" panose="020B0609030003000000" pitchFamily="49" charset="77"/>
+              </a:rPr>
+              <a:t>img.shape</a:t>
+            </a:r>
+            <a:r>
+              <a:rPr lang="en-US" sz="2000" b="1" dirty="0">
+                <a:solidFill>
+                  <a:srgbClr val="000000"/>
+                </a:solidFill>
+                <a:latin typeface="Inconsolata" panose="020B0609030003000000" pitchFamily="49" charset="77"/>
+              </a:rPr>
+              <a:t>, </a:t>
+            </a:r>
+            <a:r>
+              <a:rPr lang="en-US" sz="2000" b="1" dirty="0" err="1">
+                <a:solidFill>
+                  <a:srgbClr val="000000"/>
+                </a:solidFill>
+                <a:latin typeface="Inconsolata" panose="020B0609030003000000" pitchFamily="49" charset="77"/>
+              </a:rPr>
+              <a:t>dtype</a:t>
+            </a:r>
+            <a:r>
+              <a:rPr lang="en-US" sz="2000" b="1" dirty="0">
+                <a:solidFill>
+                  <a:srgbClr val="000000"/>
+                </a:solidFill>
+                <a:latin typeface="Inconsolata" panose="020B0609030003000000" pitchFamily="49" charset="77"/>
+              </a:rPr>
+              <a:t>="uint8")</a:t>
+            </a:r>
+            <a:endParaRPr lang="en-US" sz="2000" b="1" dirty="0">
+              <a:solidFill>
+                <a:schemeClr val="accent1">
+                  <a:lumMod val="75000"/>
+                </a:schemeClr>
+              </a:solidFill>
+              <a:latin typeface="Inconsolata" panose="020B0609030003000000" pitchFamily="49" charset="77"/>
+            </a:endParaRPr>
+          </a:p>
+          <a:p>
+            <a:pPr marL="0" indent="0">
+              <a:buNone/>
+            </a:pPr>
+            <a:r>
               <a:rPr lang="en-US" sz="2000" b="1" dirty="0">
                 <a:solidFill>
                   <a:schemeClr val="accent1">
@@ -26750,7 +26840,7 @@
                 </a:solidFill>
                 <a:latin typeface="Inconsolata" panose="020B0609030003000000" pitchFamily="49" charset="77"/>
               </a:rPr>
-              <a:t># extract all rows, all columns, but only the Red channel</a:t>
+              <a:t># extract all rows, all columns, but only one channel at a time</a:t>
             </a:r>
             <a:endParaRPr lang="en-US" altLang="en-US" sz="2000" b="1" dirty="0">
               <a:latin typeface="Inconsolata" panose="020B0609030003000000" pitchFamily="49" charset="77"/>
@@ -26787,8 +26877,119 @@
                 <a:latin typeface="Inconsolata" panose="020B0609030003000000" pitchFamily="49" charset="77"/>
                 <a:ea typeface="ＭＳ Ｐゴシック" panose="020B0600070205080204" pitchFamily="34" charset="-128"/>
               </a:rPr>
-              <a:t>[:, :, 0]</a:t>
-            </a:r>
+              <a:t>[:, :, 0]		</a:t>
+            </a:r>
+            <a:r>
+              <a:rPr lang="en-US" sz="2000" b="1" dirty="0">
+                <a:solidFill>
+                  <a:schemeClr val="accent1">
+                    <a:lumMod val="75000"/>
+                  </a:schemeClr>
+                </a:solidFill>
+                <a:latin typeface="Inconsolata" panose="020B0609030003000000" pitchFamily="49" charset="77"/>
+              </a:rPr>
+              <a:t> # red channel</a:t>
+            </a:r>
+            <a:endParaRPr lang="en-US" altLang="en-US" sz="2000" b="1" dirty="0">
+              <a:latin typeface="Inconsolata" panose="020B0609030003000000" pitchFamily="49" charset="77"/>
+              <a:ea typeface="ＭＳ Ｐゴシック" panose="020B0600070205080204" pitchFamily="34" charset="-128"/>
+            </a:endParaRPr>
+          </a:p>
+          <a:p>
+            <a:pPr marL="0" indent="0">
+              <a:buNone/>
+            </a:pPr>
+            <a:r>
+              <a:rPr lang="en-US" altLang="en-US" sz="2000" b="1" dirty="0" err="1">
+                <a:latin typeface="Inconsolata" panose="020B0609030003000000" pitchFamily="49" charset="77"/>
+                <a:ea typeface="ＭＳ Ｐゴシック" panose="020B0600070205080204" pitchFamily="34" charset="-128"/>
+              </a:rPr>
+              <a:t>img_green</a:t>
+            </a:r>
+            <a:r>
+              <a:rPr lang="en-US" altLang="en-US" sz="2000" b="1" dirty="0">
+                <a:latin typeface="Inconsolata" panose="020B0609030003000000" pitchFamily="49" charset="77"/>
+                <a:ea typeface="ＭＳ Ｐゴシック" panose="020B0600070205080204" pitchFamily="34" charset="-128"/>
+              </a:rPr>
+              <a:t>[:, :, 0] = </a:t>
+            </a:r>
+            <a:r>
+              <a:rPr lang="en-US" altLang="en-US" sz="2000" b="1" dirty="0" err="1">
+                <a:latin typeface="Inconsolata" panose="020B0609030003000000" pitchFamily="49" charset="77"/>
+                <a:ea typeface="ＭＳ Ｐゴシック" panose="020B0600070205080204" pitchFamily="34" charset="-128"/>
+              </a:rPr>
+              <a:t>img</a:t>
+            </a:r>
+            <a:r>
+              <a:rPr lang="en-US" altLang="en-US" sz="2000" b="1" dirty="0">
+                <a:latin typeface="Inconsolata" panose="020B0609030003000000" pitchFamily="49" charset="77"/>
+                <a:ea typeface="ＭＳ Ｐゴシック" panose="020B0600070205080204" pitchFamily="34" charset="-128"/>
+              </a:rPr>
+              <a:t>[:, :, 1]	 </a:t>
+            </a:r>
+            <a:r>
+              <a:rPr lang="en-US" sz="2000" b="1" dirty="0">
+                <a:solidFill>
+                  <a:schemeClr val="accent1">
+                    <a:lumMod val="75000"/>
+                  </a:schemeClr>
+                </a:solidFill>
+                <a:latin typeface="Inconsolata" panose="020B0609030003000000" pitchFamily="49" charset="77"/>
+              </a:rPr>
+              <a:t># green channel</a:t>
+            </a:r>
+            <a:endParaRPr lang="en-US" altLang="en-US" sz="2000" b="1" dirty="0">
+              <a:latin typeface="Inconsolata" panose="020B0609030003000000" pitchFamily="49" charset="77"/>
+              <a:ea typeface="ＭＳ Ｐゴシック" panose="020B0600070205080204" pitchFamily="34" charset="-128"/>
+            </a:endParaRPr>
+          </a:p>
+          <a:p>
+            <a:pPr marL="0" indent="0">
+              <a:buNone/>
+            </a:pPr>
+            <a:r>
+              <a:rPr lang="en-US" altLang="en-US" sz="2000" b="1" dirty="0" err="1">
+                <a:latin typeface="Inconsolata" panose="020B0609030003000000" pitchFamily="49" charset="77"/>
+                <a:ea typeface="ＭＳ Ｐゴシック" panose="020B0600070205080204" pitchFamily="34" charset="-128"/>
+              </a:rPr>
+              <a:t>img_blue</a:t>
+            </a:r>
+            <a:r>
+              <a:rPr lang="en-US" altLang="en-US" sz="2000" b="1" dirty="0">
+                <a:latin typeface="Inconsolata" panose="020B0609030003000000" pitchFamily="49" charset="77"/>
+                <a:ea typeface="ＭＳ Ｐゴシック" panose="020B0600070205080204" pitchFamily="34" charset="-128"/>
+              </a:rPr>
+              <a:t>[:, :, 0] = </a:t>
+            </a:r>
+            <a:r>
+              <a:rPr lang="en-US" altLang="en-US" sz="2000" b="1" dirty="0" err="1">
+                <a:latin typeface="Inconsolata" panose="020B0609030003000000" pitchFamily="49" charset="77"/>
+                <a:ea typeface="ＭＳ Ｐゴシック" panose="020B0600070205080204" pitchFamily="34" charset="-128"/>
+              </a:rPr>
+              <a:t>img</a:t>
+            </a:r>
+            <a:r>
+              <a:rPr lang="en-US" altLang="en-US" sz="2000" b="1" dirty="0">
+                <a:latin typeface="Inconsolata" panose="020B0609030003000000" pitchFamily="49" charset="77"/>
+                <a:ea typeface="ＭＳ Ｐゴシック" panose="020B0600070205080204" pitchFamily="34" charset="-128"/>
+              </a:rPr>
+              <a:t>[:, :, 2]		 </a:t>
+            </a:r>
+            <a:r>
+              <a:rPr lang="en-US" sz="2000" b="1" dirty="0">
+                <a:solidFill>
+                  <a:schemeClr val="accent1">
+                    <a:lumMod val="75000"/>
+                  </a:schemeClr>
+                </a:solidFill>
+                <a:latin typeface="Inconsolata" panose="020B0609030003000000" pitchFamily="49" charset="77"/>
+              </a:rPr>
+              <a:t># blue channel</a:t>
+            </a:r>
+            <a:endParaRPr lang="en-US" altLang="en-US" sz="2000" b="1" dirty="0">
+              <a:latin typeface="Inconsolata" panose="020B0609030003000000" pitchFamily="49" charset="77"/>
+              <a:ea typeface="ＭＳ Ｐゴシック" panose="020B0600070205080204" pitchFamily="34" charset="-128"/>
+            </a:endParaRPr>
           </a:p>
           <a:p>
             <a:pPr marL="0" indent="0">
@@ -26798,18 +26999,6 @@
               <a:latin typeface="Gill Sans MT" panose="020B0502020104020203" pitchFamily="34" charset="77"/>
               <a:ea typeface="ＭＳ Ｐゴシック" panose="020B0600070205080204" pitchFamily="34" charset="-128"/>
             </a:endParaRPr>
-          </a:p>
-          <a:p>
-            <a:pPr marL="0" indent="0">
-              <a:buNone/>
-            </a:pPr>
-            <a:r>
-              <a:rPr lang="en-US" altLang="en-US" sz="2000" dirty="0">
-                <a:latin typeface="Gill Sans MT" panose="020B0502020104020203" pitchFamily="34" charset="77"/>
-                <a:ea typeface="ＭＳ Ｐゴシック" panose="020B0600070205080204" pitchFamily="34" charset="-128"/>
-              </a:rPr>
-              <a:t>Similarly for the G and B channels. </a:t>
-            </a:r>
           </a:p>
         </p:txBody>
       </p:sp>
@@ -27060,38 +27249,7 @@
                                         <p:tgtEl>
                                           <p:spTgt spid="16386">
                                             <p:txEl>
-                                              <p:pRg st="5" end="5"/>
-                                            </p:txEl>
-                                          </p:spTgt>
-                                        </p:tgtEl>
-                                        <p:attrNameLst>
-                                          <p:attrName>style.visibility</p:attrName>
-                                        </p:attrNameLst>
-                                      </p:cBhvr>
-                                      <p:to>
-                                        <p:strVal val="visible"/>
-                                      </p:to>
-                                    </p:set>
-                                  </p:childTnLst>
-                                </p:cTn>
-                              </p:par>
-                              <p:par>
-                                <p:cTn id="7" presetID="1" presetClass="entr" presetSubtype="0" fill="hold" nodeType="withEffect">
-                                  <p:stCondLst>
-                                    <p:cond delay="0"/>
-                                  </p:stCondLst>
-                                  <p:childTnLst>
-                                    <p:set>
-                                      <p:cBhvr>
-                                        <p:cTn id="8" dur="1" fill="hold">
-                                          <p:stCondLst>
-                                            <p:cond delay="0"/>
-                                          </p:stCondLst>
-                                        </p:cTn>
-                                        <p:tgtEl>
-                                          <p:spTgt spid="16386">
-                                            <p:txEl>
-                                              <p:pRg st="6" end="6"/>
+                                              <p:pRg st="4" end="4"/>
                                             </p:txEl>
                                           </p:spTgt>
                                         </p:tgtEl>
@@ -27113,19 +27271,50 @@
                     </p:cTn>
                   </p:par>
                   <p:par>
-                    <p:cTn id="9" fill="hold">
+                    <p:cTn id="7" fill="hold">
                       <p:stCondLst>
                         <p:cond delay="indefinite"/>
                       </p:stCondLst>
                       <p:childTnLst>
                         <p:par>
-                          <p:cTn id="10" fill="hold">
+                          <p:cTn id="8" fill="hold">
                             <p:stCondLst>
                               <p:cond delay="0"/>
                             </p:stCondLst>
                             <p:childTnLst>
                               <p:par>
-                                <p:cTn id="11" presetID="1" presetClass="entr" presetSubtype="0" fill="hold" nodeType="clickEffect">
+                                <p:cTn id="9" presetID="1" presetClass="entr" presetSubtype="0" fill="hold" nodeType="clickEffect">
+                                  <p:stCondLst>
+                                    <p:cond delay="0"/>
+                                  </p:stCondLst>
+                                  <p:childTnLst>
+                                    <p:set>
+                                      <p:cBhvr>
+                                        <p:cTn id="10" dur="1" fill="hold">
+                                          <p:stCondLst>
+                                            <p:cond delay="0"/>
+                                          </p:stCondLst>
+                                        </p:cTn>
+                                        <p:tgtEl>
+                                          <p:spTgt spid="16386">
+                                            <p:txEl>
+                                              <p:pRg st="5" end="5"/>
+                                            </p:txEl>
+                                          </p:spTgt>
+                                        </p:tgtEl>
+                                        <p:attrNameLst>
+                                          <p:attrName>style.visibility</p:attrName>
+                                        </p:attrNameLst>
+                                      </p:cBhvr>
+                                      <p:to>
+                                        <p:strVal val="visible"/>
+                                      </p:to>
+                                    </p:set>
+                                  </p:childTnLst>
+                                </p:cTn>
+                              </p:par>
+                              <p:par>
+                                <p:cTn id="11" presetID="1" presetClass="entr" presetSubtype="0" fill="hold" nodeType="withEffect">
                                   <p:stCondLst>
                                     <p:cond delay="0"/>
                                   </p:stCondLst>
@@ -27140,7 +27329,7 @@
                                         <p:tgtEl>
                                           <p:spTgt spid="16386">
                                             <p:txEl>
-                                              <p:pRg st="7" end="7"/>
+                                              <p:pRg st="6" end="6"/>
                                             </p:txEl>
                                           </p:spTgt>
                                         </p:tgtEl>
@@ -27171,7 +27360,7 @@
                                         <p:tgtEl>
                                           <p:spTgt spid="16386">
                                             <p:txEl>
-                                              <p:pRg st="8" end="8"/>
+                                              <p:pRg st="7" end="7"/>
                                             </p:txEl>
                                           </p:spTgt>
                                         </p:tgtEl>
@@ -27220,7 +27409,118 @@
                                         <p:tgtEl>
                                           <p:spTgt spid="16386">
                                             <p:txEl>
+                                              <p:pRg st="8" end="8"/>
+                                            </p:txEl>
+                                          </p:spTgt>
+                                        </p:tgtEl>
+                                        <p:attrNameLst>
+                                          <p:attrName>style.visibility</p:attrName>
+                                        </p:attrNameLst>
+                                      </p:cBhvr>
+                                      <p:to>
+                                        <p:strVal val="visible"/>
+                                      </p:to>
+                                    </p:set>
+                                  </p:childTnLst>
+                                </p:cTn>
+                              </p:par>
+                            </p:childTnLst>
+                          </p:cTn>
+                        </p:par>
+                      </p:childTnLst>
+                    </p:cTn>
+                  </p:par>
+                  <p:par>
+                    <p:cTn id="19" fill="hold">
+                      <p:stCondLst>
+                        <p:cond delay="indefinite"/>
+                      </p:stCondLst>
+                      <p:childTnLst>
+                        <p:par>
+                          <p:cTn id="20" fill="hold">
+                            <p:stCondLst>
+                              <p:cond delay="0"/>
+                            </p:stCondLst>
+                            <p:childTnLst>
+                              <p:par>
+                                <p:cTn id="21" presetID="1" presetClass="entr" presetSubtype="0" fill="hold" nodeType="clickEffect">
+                                  <p:stCondLst>
+                                    <p:cond delay="0"/>
+                                  </p:stCondLst>
+                                  <p:childTnLst>
+                                    <p:set>
+                                      <p:cBhvr>
+                                        <p:cTn id="22" dur="1" fill="hold">
+                                          <p:stCondLst>
+                                            <p:cond delay="0"/>
+                                          </p:stCondLst>
+                                        </p:cTn>
+                                        <p:tgtEl>
+                                          <p:spTgt spid="16386">
+                                            <p:txEl>
+                                              <p:pRg st="9" end="9"/>
+                                            </p:txEl>
+                                          </p:spTgt>
+                                        </p:tgtEl>
+                                        <p:attrNameLst>
+                                          <p:attrName>style.visibility</p:attrName>
+                                        </p:attrNameLst>
+                                      </p:cBhvr>
+                                      <p:to>
+                                        <p:strVal val="visible"/>
+                                      </p:to>
+                                    </p:set>
+                                  </p:childTnLst>
+                                </p:cTn>
+                              </p:par>
+                              <p:par>
+                                <p:cTn id="23" presetID="1" presetClass="entr" presetSubtype="0" fill="hold" nodeType="withEffect">
+                                  <p:stCondLst>
+                                    <p:cond delay="0"/>
+                                  </p:stCondLst>
+                                  <p:childTnLst>
+                                    <p:set>
+                                      <p:cBhvr>
+                                        <p:cTn id="24" dur="1" fill="hold">
+                                          <p:stCondLst>
+                                            <p:cond delay="0"/>
+                                          </p:stCondLst>
+                                        </p:cTn>
+                                        <p:tgtEl>
+                                          <p:spTgt spid="16386">
+                                            <p:txEl>
                                               <p:pRg st="10" end="10"/>
+                                            </p:txEl>
+                                          </p:spTgt>
+                                        </p:tgtEl>
+                                        <p:attrNameLst>
+                                          <p:attrName>style.visibility</p:attrName>
+                                        </p:attrNameLst>
+                                      </p:cBhvr>
+                                      <p:to>
+                                        <p:strVal val="visible"/>
+                                      </p:to>
+                                    </p:set>
+                                  </p:childTnLst>
+                                </p:cTn>
+                              </p:par>
+                              <p:par>
+                                <p:cTn id="25" presetID="1" presetClass="entr" presetSubtype="0" fill="hold" nodeType="withEffect">
+                                  <p:stCondLst>
+                                    <p:cond delay="0"/>
+                                  </p:stCondLst>
+                                  <p:childTnLst>
+                                    <p:set>
+                                      <p:cBhvr>
+                                        <p:cTn id="26" dur="1" fill="hold">
+                                          <p:stCondLst>
+                                            <p:cond delay="0"/>
+                                          </p:stCondLst>
+                                        </p:cTn>
+                                        <p:tgtEl>
+                                          <p:spTgt spid="16386">
+                                            <p:txEl>
+                                              <p:pRg st="11" end="11"/>
                                             </p:txEl>
                                           </p:spTgt>
                                         </p:tgtEl>
@@ -27352,18 +27652,21 @@
             </a:pPr>
             <a:r>
               <a:rPr lang="en-US" altLang="en-US" sz="2000" dirty="0">
+                <a:solidFill>
+                  <a:srgbClr val="FF0000"/>
+                </a:solidFill>
                 <a:latin typeface="Gill Sans MT" panose="020B0502020104020203" pitchFamily="34" charset="77"/>
                 <a:ea typeface="ＭＳ Ｐゴシック" panose="020B0600070205080204" pitchFamily="34" charset="-128"/>
               </a:rPr>
-              <a:t>Let's generalize this and put our code into a loop to extract all three components, create three set of axes on Matplotlib and plot all components!</a:t>
+              <a:t>The following code continues from the previous slide:</a:t>
             </a:r>
           </a:p>
           <a:p>
             <a:pPr marL="0" indent="0">
               <a:buNone/>
             </a:pPr>
-            <a:endParaRPr lang="en-US" altLang="en-US" sz="2000" dirty="0">
-              <a:latin typeface="Gill Sans MT" panose="020B0502020104020203" pitchFamily="34" charset="77"/>
+            <a:endParaRPr lang="en-US" altLang="en-US" sz="2000" b="1" dirty="0">
+              <a:latin typeface="Inconsolata" panose="020B0609030003000000" pitchFamily="49" charset="77"/>
               <a:ea typeface="ＭＳ Ｐゴシック" panose="020B0600070205080204" pitchFamily="34" charset="-128"/>
             </a:endParaRPr>
           </a:p>
@@ -27372,82 +27675,86 @@
               <a:buNone/>
             </a:pPr>
             <a:r>
-              <a:rPr lang="en-US" sz="2000" b="1" dirty="0">
-                <a:solidFill>
-                  <a:srgbClr val="34A327"/>
-                </a:solidFill>
+              <a:rPr lang="en-US" altLang="en-US" sz="2000" b="1" dirty="0">
                 <a:latin typeface="Inconsolata" panose="020B0609030003000000" pitchFamily="49" charset="77"/>
-              </a:rPr>
-              <a:t>import</a:t>
-            </a:r>
-            <a:r>
-              <a:rPr lang="en-US" sz="2000" b="1" dirty="0">
-                <a:solidFill>
-                  <a:srgbClr val="000000"/>
-                </a:solidFill>
+                <a:ea typeface="ＭＳ Ｐゴシック" panose="020B0600070205080204" pitchFamily="34" charset="-128"/>
+              </a:rPr>
+              <a:t>fig, </a:t>
+            </a:r>
+            <a:r>
+              <a:rPr lang="en-US" altLang="en-US" sz="2000" b="1" dirty="0" err="1">
                 <a:latin typeface="Inconsolata" panose="020B0609030003000000" pitchFamily="49" charset="77"/>
-              </a:rPr>
-              <a:t> </a:t>
-            </a:r>
-            <a:r>
-              <a:rPr lang="en-US" sz="2000" b="1" dirty="0" err="1">
-                <a:solidFill>
-                  <a:srgbClr val="3C9FF2"/>
-                </a:solidFill>
+                <a:ea typeface="ＭＳ Ｐゴシック" panose="020B0600070205080204" pitchFamily="34" charset="-128"/>
+              </a:rPr>
+              <a:t>axs</a:t>
+            </a:r>
+            <a:r>
+              <a:rPr lang="en-US" altLang="en-US" sz="2000" b="1" dirty="0">
                 <a:latin typeface="Inconsolata" panose="020B0609030003000000" pitchFamily="49" charset="77"/>
-              </a:rPr>
-              <a:t>matplotlib.pyplot</a:t>
-            </a:r>
-            <a:r>
-              <a:rPr lang="en-US" sz="2000" b="1" dirty="0">
-                <a:solidFill>
-                  <a:srgbClr val="000000"/>
-                </a:solidFill>
+                <a:ea typeface="ＭＳ Ｐゴシック" panose="020B0600070205080204" pitchFamily="34" charset="-128"/>
+              </a:rPr>
+              <a:t> = </a:t>
+            </a:r>
+            <a:r>
+              <a:rPr lang="en-US" altLang="en-US" sz="2000" b="1" dirty="0" err="1">
                 <a:latin typeface="Inconsolata" panose="020B0609030003000000" pitchFamily="49" charset="77"/>
-              </a:rPr>
-              <a:t> </a:t>
-            </a:r>
-            <a:r>
-              <a:rPr lang="en-US" sz="2000" b="1" dirty="0">
-                <a:solidFill>
-                  <a:srgbClr val="34A327"/>
-                </a:solidFill>
+                <a:ea typeface="ＭＳ Ｐゴシック" panose="020B0600070205080204" pitchFamily="34" charset="-128"/>
+              </a:rPr>
+              <a:t>plt.subplots</a:t>
+            </a:r>
+            <a:r>
+              <a:rPr lang="en-US" altLang="en-US" sz="2000" b="1" dirty="0">
                 <a:latin typeface="Inconsolata" panose="020B0609030003000000" pitchFamily="49" charset="77"/>
-              </a:rPr>
-              <a:t>as</a:t>
-            </a:r>
-            <a:r>
-              <a:rPr lang="en-US" sz="2000" b="1" dirty="0">
-                <a:solidFill>
-                  <a:srgbClr val="000000"/>
-                </a:solidFill>
+                <a:ea typeface="ＭＳ Ｐゴシック" panose="020B0600070205080204" pitchFamily="34" charset="-128"/>
+              </a:rPr>
+              <a:t>(</a:t>
+            </a:r>
+            <a:r>
+              <a:rPr lang="en-US" altLang="en-US" sz="2000" b="1" dirty="0" err="1">
                 <a:latin typeface="Inconsolata" panose="020B0609030003000000" pitchFamily="49" charset="77"/>
-              </a:rPr>
-              <a:t> </a:t>
-            </a:r>
-            <a:r>
-              <a:rPr lang="en-US" sz="2000" b="1" dirty="0" err="1">
-                <a:solidFill>
-                  <a:srgbClr val="3C9FF2"/>
-                </a:solidFill>
+                <a:ea typeface="ＭＳ Ｐゴシック" panose="020B0600070205080204" pitchFamily="34" charset="-128"/>
+              </a:rPr>
+              <a:t>nrows</a:t>
+            </a:r>
+            <a:r>
+              <a:rPr lang="en-US" altLang="en-US" sz="2000" b="1" dirty="0">
                 <a:latin typeface="Inconsolata" panose="020B0609030003000000" pitchFamily="49" charset="77"/>
-              </a:rPr>
-              <a:t>plt</a:t>
-            </a:r>
-            <a:r>
-              <a:rPr lang="en-US" sz="2000" b="1" dirty="0">
-                <a:solidFill>
-                  <a:srgbClr val="000000"/>
-                </a:solidFill>
+                <a:ea typeface="ＭＳ Ｐゴシック" panose="020B0600070205080204" pitchFamily="34" charset="-128"/>
+              </a:rPr>
+              <a:t>=1, </a:t>
+            </a:r>
+            <a:r>
+              <a:rPr lang="en-US" altLang="en-US" sz="2000" b="1" dirty="0" err="1">
                 <a:latin typeface="Inconsolata" panose="020B0609030003000000" pitchFamily="49" charset="77"/>
-              </a:rPr>
-              <a:t> </a:t>
-            </a:r>
-            <a:endParaRPr lang="en-US" sz="2000" b="1" dirty="0">
-              <a:solidFill>
-                <a:srgbClr val="34A327"/>
-              </a:solidFill>
-              <a:latin typeface="Inconsolata" panose="020B0609030003000000" pitchFamily="49" charset="77"/>
+                <a:ea typeface="ＭＳ Ｐゴシック" panose="020B0600070205080204" pitchFamily="34" charset="-128"/>
+              </a:rPr>
+              <a:t>ncols</a:t>
+            </a:r>
+            <a:r>
+              <a:rPr lang="en-US" altLang="en-US" sz="2000" b="1" dirty="0">
+                <a:latin typeface="Inconsolata" panose="020B0609030003000000" pitchFamily="49" charset="77"/>
+                <a:ea typeface="ＭＳ Ｐゴシック" panose="020B0600070205080204" pitchFamily="34" charset="-128"/>
+              </a:rPr>
+              <a:t>=3, </a:t>
+            </a:r>
+            <a:r>
+              <a:rPr lang="en-US" altLang="en-US" sz="2000" b="1" dirty="0" err="1">
+                <a:latin typeface="Inconsolata" panose="020B0609030003000000" pitchFamily="49" charset="77"/>
+                <a:ea typeface="ＭＳ Ｐゴシック" panose="020B0600070205080204" pitchFamily="34" charset="-128"/>
+              </a:rPr>
+              <a:t>figsize</a:t>
+            </a:r>
+            <a:r>
+              <a:rPr lang="en-US" altLang="en-US" sz="2000" b="1" dirty="0">
+                <a:latin typeface="Inconsolata" panose="020B0609030003000000" pitchFamily="49" charset="77"/>
+                <a:ea typeface="ＭＳ Ｐゴシック" panose="020B0600070205080204" pitchFamily="34" charset="-128"/>
+              </a:rPr>
+              <a:t>=(15,5))</a:t>
+            </a:r>
+            <a:endParaRPr lang="en-US" altLang="en-US" sz="2000" b="1" dirty="0">
+              <a:latin typeface="INCONSOLATA" panose="020B0609030003000000" pitchFamily="49" charset="77"/>
+              <a:ea typeface="ＭＳ Ｐゴシック" panose="020B0600070205080204" pitchFamily="34" charset="-128"/>
+              <a:cs typeface="InaiMathi" pitchFamily="2" charset="0"/>
             </a:endParaRPr>
           </a:p>
           <a:p>
@@ -27455,144 +27762,105 @@
               <a:buNone/>
             </a:pPr>
             <a:r>
-              <a:rPr lang="en-US" sz="2000" b="1" dirty="0" err="1">
-                <a:solidFill>
-                  <a:srgbClr val="000000"/>
-                </a:solidFill>
-                <a:latin typeface="Inconsolata" panose="020B0609030003000000" pitchFamily="49" charset="77"/>
-              </a:rPr>
-              <a:t>img</a:t>
-            </a:r>
-            <a:r>
-              <a:rPr lang="en-US" sz="2000" b="1" dirty="0">
-                <a:solidFill>
-                  <a:srgbClr val="000000"/>
-                </a:solidFill>
-                <a:latin typeface="Inconsolata" panose="020B0609030003000000" pitchFamily="49" charset="77"/>
-              </a:rPr>
-              <a:t> = </a:t>
-            </a:r>
-            <a:r>
-              <a:rPr lang="en-US" sz="2000" b="1" dirty="0" err="1">
-                <a:solidFill>
-                  <a:srgbClr val="000000"/>
-                </a:solidFill>
-                <a:latin typeface="Inconsolata" panose="020B0609030003000000" pitchFamily="49" charset="77"/>
-              </a:rPr>
-              <a:t>plt.imread</a:t>
-            </a:r>
-            <a:r>
-              <a:rPr lang="en-US" sz="2000" b="1" dirty="0">
-                <a:solidFill>
-                  <a:srgbClr val="000000"/>
-                </a:solidFill>
-                <a:latin typeface="Inconsolata" panose="020B0609030003000000" pitchFamily="49" charset="77"/>
-              </a:rPr>
-              <a:t>("</a:t>
-            </a:r>
-            <a:r>
-              <a:rPr lang="en-US" sz="2000" b="1" dirty="0" err="1">
-                <a:solidFill>
-                  <a:srgbClr val="000000"/>
-                </a:solidFill>
-                <a:latin typeface="Inconsolata" panose="020B0609030003000000" pitchFamily="49" charset="77"/>
-              </a:rPr>
-              <a:t>flower.jpg</a:t>
-            </a:r>
-            <a:r>
-              <a:rPr lang="en-US" sz="2000" b="1" dirty="0">
-                <a:solidFill>
-                  <a:srgbClr val="000000"/>
-                </a:solidFill>
-                <a:latin typeface="Inconsolata" panose="020B0609030003000000" pitchFamily="49" charset="77"/>
-              </a:rPr>
-              <a:t>")</a:t>
-            </a:r>
-            <a:endParaRPr lang="en-US" altLang="en-US" sz="2000" dirty="0">
-              <a:latin typeface="Gill Sans MT" panose="020B0502020104020203" pitchFamily="34" charset="77"/>
-              <a:ea typeface="ＭＳ Ｐゴシック" panose="020B0600070205080204" pitchFamily="34" charset="-128"/>
-            </a:endParaRPr>
+              <a:rPr lang="en-US" altLang="en-US" sz="2000" b="1" dirty="0" err="1">
+                <a:latin typeface="INCONSOLATA" panose="020B0609030003000000" pitchFamily="49" charset="77"/>
+                <a:ea typeface="ＭＳ Ｐゴシック" panose="020B0600070205080204" pitchFamily="34" charset="-128"/>
+                <a:cs typeface="InaiMathi" pitchFamily="2" charset="0"/>
+              </a:rPr>
+              <a:t>axs</a:t>
+            </a:r>
+            <a:r>
+              <a:rPr lang="en-US" altLang="en-US" sz="2000" b="1" dirty="0">
+                <a:latin typeface="INCONSOLATA" panose="020B0609030003000000" pitchFamily="49" charset="77"/>
+                <a:ea typeface="ＭＳ Ｐゴシック" panose="020B0600070205080204" pitchFamily="34" charset="-128"/>
+                <a:cs typeface="InaiMathi" pitchFamily="2" charset="0"/>
+              </a:rPr>
+              <a:t>[0].</a:t>
+            </a:r>
+            <a:r>
+              <a:rPr lang="en-US" altLang="en-US" sz="2000" b="1" dirty="0" err="1">
+                <a:latin typeface="INCONSOLATA" panose="020B0609030003000000" pitchFamily="49" charset="77"/>
+                <a:ea typeface="ＭＳ Ｐゴシック" panose="020B0600070205080204" pitchFamily="34" charset="-128"/>
+                <a:cs typeface="InaiMathi" pitchFamily="2" charset="0"/>
+              </a:rPr>
+              <a:t>imshow</a:t>
+            </a:r>
+            <a:r>
+              <a:rPr lang="en-US" altLang="en-US" sz="2000" b="1" dirty="0">
+                <a:latin typeface="INCONSOLATA" panose="020B0609030003000000" pitchFamily="49" charset="77"/>
+                <a:ea typeface="ＭＳ Ｐゴシック" panose="020B0600070205080204" pitchFamily="34" charset="-128"/>
+                <a:cs typeface="InaiMathi" pitchFamily="2" charset="0"/>
+              </a:rPr>
+              <a:t>(</a:t>
+            </a:r>
+            <a:r>
+              <a:rPr lang="en-US" altLang="en-US" sz="2000" b="1" dirty="0" err="1">
+                <a:latin typeface="INCONSOLATA" panose="020B0609030003000000" pitchFamily="49" charset="77"/>
+                <a:ea typeface="ＭＳ Ｐゴシック" panose="020B0600070205080204" pitchFamily="34" charset="-128"/>
+                <a:cs typeface="InaiMathi" pitchFamily="2" charset="0"/>
+              </a:rPr>
+              <a:t>img_red</a:t>
+            </a:r>
+            <a:r>
+              <a:rPr lang="en-US" altLang="en-US" sz="2000" b="1" dirty="0">
+                <a:latin typeface="INCONSOLATA" panose="020B0609030003000000" pitchFamily="49" charset="77"/>
+                <a:ea typeface="ＭＳ Ｐゴシック" panose="020B0600070205080204" pitchFamily="34" charset="-128"/>
+                <a:cs typeface="InaiMathi" pitchFamily="2" charset="0"/>
+              </a:rPr>
+              <a:t>)</a:t>
+            </a:r>
           </a:p>
           <a:p>
             <a:pPr marL="0" indent="0">
               <a:buNone/>
             </a:pPr>
             <a:r>
+              <a:rPr lang="en-US" altLang="en-US" sz="2000" b="1" dirty="0" err="1">
+                <a:latin typeface="INCONSOLATA" panose="020B0609030003000000" pitchFamily="49" charset="77"/>
+                <a:ea typeface="ＭＳ Ｐゴシック" panose="020B0600070205080204" pitchFamily="34" charset="-128"/>
+                <a:cs typeface="InaiMathi" pitchFamily="2" charset="0"/>
+              </a:rPr>
+              <a:t>axs</a:t>
+            </a:r>
+            <a:r>
               <a:rPr lang="en-US" altLang="en-US" sz="2000" b="1" dirty="0">
-                <a:latin typeface="Inconsolata" panose="020B0609030003000000" pitchFamily="49" charset="77"/>
-                <a:ea typeface="ＭＳ Ｐゴシック" panose="020B0600070205080204" pitchFamily="34" charset="-128"/>
-              </a:rPr>
-              <a:t>fig, </a:t>
+                <a:latin typeface="INCONSOLATA" panose="020B0609030003000000" pitchFamily="49" charset="77"/>
+                <a:ea typeface="ＭＳ Ｐゴシック" panose="020B0600070205080204" pitchFamily="34" charset="-128"/>
+                <a:cs typeface="InaiMathi" pitchFamily="2" charset="0"/>
+              </a:rPr>
+              <a:t>[1].</a:t>
             </a:r>
             <a:r>
               <a:rPr lang="en-US" altLang="en-US" sz="2000" b="1" dirty="0" err="1">
-                <a:latin typeface="Inconsolata" panose="020B0609030003000000" pitchFamily="49" charset="77"/>
-                <a:ea typeface="ＭＳ Ｐゴシック" panose="020B0600070205080204" pitchFamily="34" charset="-128"/>
-              </a:rPr>
-              <a:t>axs</a:t>
+                <a:latin typeface="INCONSOLATA" panose="020B0609030003000000" pitchFamily="49" charset="77"/>
+                <a:ea typeface="ＭＳ Ｐゴシック" panose="020B0600070205080204" pitchFamily="34" charset="-128"/>
+                <a:cs typeface="InaiMathi" pitchFamily="2" charset="0"/>
+              </a:rPr>
+              <a:t>imshow</a:t>
             </a:r>
             <a:r>
               <a:rPr lang="en-US" altLang="en-US" sz="2000" b="1" dirty="0">
-                <a:latin typeface="Inconsolata" panose="020B0609030003000000" pitchFamily="49" charset="77"/>
-                <a:ea typeface="ＭＳ Ｐゴシック" panose="020B0600070205080204" pitchFamily="34" charset="-128"/>
-              </a:rPr>
-              <a:t> = </a:t>
+                <a:latin typeface="INCONSOLATA" panose="020B0609030003000000" pitchFamily="49" charset="77"/>
+                <a:ea typeface="ＭＳ Ｐゴシック" panose="020B0600070205080204" pitchFamily="34" charset="-128"/>
+                <a:cs typeface="InaiMathi" pitchFamily="2" charset="0"/>
+              </a:rPr>
+              <a:t>(</a:t>
             </a:r>
             <a:r>
               <a:rPr lang="en-US" altLang="en-US" sz="2000" b="1" dirty="0" err="1">
-                <a:latin typeface="Inconsolata" panose="020B0609030003000000" pitchFamily="49" charset="77"/>
-                <a:ea typeface="ＭＳ Ｐゴシック" panose="020B0600070205080204" pitchFamily="34" charset="-128"/>
-              </a:rPr>
-              <a:t>plt.subplots</a:t>
+                <a:latin typeface="INCONSOLATA" panose="020B0609030003000000" pitchFamily="49" charset="77"/>
+                <a:ea typeface="ＭＳ Ｐゴシック" panose="020B0600070205080204" pitchFamily="34" charset="-128"/>
+                <a:cs typeface="InaiMathi" pitchFamily="2" charset="0"/>
+              </a:rPr>
+              <a:t>img_green</a:t>
             </a:r>
             <a:r>
               <a:rPr lang="en-US" altLang="en-US" sz="2000" b="1" dirty="0">
-                <a:latin typeface="Inconsolata" panose="020B0609030003000000" pitchFamily="49" charset="77"/>
-                <a:ea typeface="ＭＳ Ｐゴシック" panose="020B0600070205080204" pitchFamily="34" charset="-128"/>
-              </a:rPr>
-              <a:t>(</a:t>
-            </a:r>
-            <a:r>
-              <a:rPr lang="en-US" altLang="en-US" sz="2000" b="1" dirty="0" err="1">
-                <a:latin typeface="Inconsolata" panose="020B0609030003000000" pitchFamily="49" charset="77"/>
-                <a:ea typeface="ＭＳ Ｐゴシック" panose="020B0600070205080204" pitchFamily="34" charset="-128"/>
-              </a:rPr>
-              <a:t>nrows</a:t>
-            </a:r>
-            <a:r>
-              <a:rPr lang="en-US" altLang="en-US" sz="2000" b="1" dirty="0">
-                <a:latin typeface="Inconsolata" panose="020B0609030003000000" pitchFamily="49" charset="77"/>
-                <a:ea typeface="ＭＳ Ｐゴシック" panose="020B0600070205080204" pitchFamily="34" charset="-128"/>
-              </a:rPr>
-              <a:t>=1, </a:t>
-            </a:r>
-            <a:r>
-              <a:rPr lang="en-US" altLang="en-US" sz="2000" b="1" dirty="0" err="1">
-                <a:latin typeface="Inconsolata" panose="020B0609030003000000" pitchFamily="49" charset="77"/>
-                <a:ea typeface="ＭＳ Ｐゴシック" panose="020B0600070205080204" pitchFamily="34" charset="-128"/>
-              </a:rPr>
-              <a:t>ncols</a:t>
-            </a:r>
-            <a:r>
-              <a:rPr lang="en-US" altLang="en-US" sz="2000" b="1" dirty="0">
-                <a:latin typeface="Inconsolata" panose="020B0609030003000000" pitchFamily="49" charset="77"/>
-                <a:ea typeface="ＭＳ Ｐゴシック" panose="020B0600070205080204" pitchFamily="34" charset="-128"/>
-              </a:rPr>
-              <a:t>=3, </a:t>
-            </a:r>
-            <a:r>
-              <a:rPr lang="en-US" altLang="en-US" sz="2000" b="1" dirty="0" err="1">
-                <a:latin typeface="Inconsolata" panose="020B0609030003000000" pitchFamily="49" charset="77"/>
-                <a:ea typeface="ＭＳ Ｐゴシック" panose="020B0600070205080204" pitchFamily="34" charset="-128"/>
-              </a:rPr>
-              <a:t>figsize</a:t>
-            </a:r>
-            <a:r>
-              <a:rPr lang="en-US" altLang="en-US" sz="2000" b="1" dirty="0">
-                <a:latin typeface="Inconsolata" panose="020B0609030003000000" pitchFamily="49" charset="77"/>
-                <a:ea typeface="ＭＳ Ｐゴシック" panose="020B0600070205080204" pitchFamily="34" charset="-128"/>
-              </a:rPr>
-              <a:t>=(15,5))</a:t>
+                <a:latin typeface="INCONSOLATA" panose="020B0609030003000000" pitchFamily="49" charset="77"/>
+                <a:ea typeface="ＭＳ Ｐゴシック" panose="020B0600070205080204" pitchFamily="34" charset="-128"/>
+                <a:cs typeface="InaiMathi" pitchFamily="2" charset="0"/>
+              </a:rPr>
+              <a:t>)</a:t>
             </a:r>
           </a:p>
           <a:p>
@@ -27600,91 +27868,28 @@
               <a:buNone/>
             </a:pPr>
             <a:r>
-              <a:rPr lang="en-US" altLang="en-US" sz="2000" b="1" dirty="0">
-                <a:latin typeface="Inconsolata" panose="020B0609030003000000" pitchFamily="49" charset="77"/>
-                <a:ea typeface="ＭＳ Ｐゴシック" panose="020B0600070205080204" pitchFamily="34" charset="-128"/>
-              </a:rPr>
-              <a:t>red = </a:t>
-            </a:r>
-            <a:r>
               <a:rPr lang="en-US" altLang="en-US" sz="2000" b="1" dirty="0" err="1">
-                <a:latin typeface="Inconsolata" panose="020B0609030003000000" pitchFamily="49" charset="77"/>
-                <a:ea typeface="ＭＳ Ｐゴシック" panose="020B0600070205080204" pitchFamily="34" charset="-128"/>
-              </a:rPr>
-              <a:t>np.zeros</a:t>
-            </a:r>
-            <a:r>
-              <a:rPr lang="en-US" altLang="en-US" sz="2000" b="1" dirty="0">
-                <a:latin typeface="Inconsolata" panose="020B0609030003000000" pitchFamily="49" charset="77"/>
-                <a:ea typeface="ＭＳ Ｐゴシック" panose="020B0600070205080204" pitchFamily="34" charset="-128"/>
-              </a:rPr>
-              <a:t>(</a:t>
-            </a:r>
-            <a:r>
-              <a:rPr lang="en-US" altLang="en-US" sz="2000" b="1" dirty="0" err="1">
-                <a:latin typeface="Inconsolata" panose="020B0609030003000000" pitchFamily="49" charset="77"/>
-                <a:ea typeface="ＭＳ Ｐゴシック" panose="020B0600070205080204" pitchFamily="34" charset="-128"/>
-              </a:rPr>
-              <a:t>img.shape,dtype</a:t>
-            </a:r>
-            <a:r>
-              <a:rPr lang="en-US" altLang="en-US" sz="2000" b="1" dirty="0">
-                <a:latin typeface="Inconsolata" panose="020B0609030003000000" pitchFamily="49" charset="77"/>
-                <a:ea typeface="ＭＳ Ｐゴシック" panose="020B0600070205080204" pitchFamily="34" charset="-128"/>
-              </a:rPr>
-              <a:t>="uint8")    </a:t>
-            </a:r>
-          </a:p>
-          <a:p>
-            <a:pPr marL="0" indent="0">
-              <a:buNone/>
-            </a:pPr>
-            <a:r>
-              <a:rPr lang="en-US" altLang="en-US" sz="2000" b="1" dirty="0">
-                <a:latin typeface="Inconsolata" panose="020B0609030003000000" pitchFamily="49" charset="77"/>
-                <a:ea typeface="ＭＳ Ｐゴシック" panose="020B0600070205080204" pitchFamily="34" charset="-128"/>
-              </a:rPr>
-              <a:t>red[:,:,0] = </a:t>
-            </a:r>
-            <a:r>
-              <a:rPr lang="en-US" altLang="en-US" sz="2000" b="1" dirty="0" err="1">
-                <a:latin typeface="Inconsolata" panose="020B0609030003000000" pitchFamily="49" charset="77"/>
-                <a:ea typeface="ＭＳ Ｐゴシック" panose="020B0600070205080204" pitchFamily="34" charset="-128"/>
-              </a:rPr>
-              <a:t>img</a:t>
-            </a:r>
-            <a:r>
-              <a:rPr lang="en-US" altLang="en-US" sz="2000" b="1" dirty="0">
-                <a:latin typeface="Inconsolata" panose="020B0609030003000000" pitchFamily="49" charset="77"/>
-                <a:ea typeface="ＭＳ Ｐゴシック" panose="020B0600070205080204" pitchFamily="34" charset="-128"/>
-              </a:rPr>
-              <a:t>[:,:,0]</a:t>
-            </a:r>
-          </a:p>
-          <a:p>
-            <a:pPr marL="0" indent="0">
-              <a:buNone/>
-            </a:pPr>
+                <a:latin typeface="INCONSOLATA" panose="020B0609030003000000" pitchFamily="49" charset="77"/>
+                <a:ea typeface="ＭＳ Ｐゴシック" panose="020B0600070205080204" pitchFamily="34" charset="-128"/>
+                <a:cs typeface="InaiMathi" pitchFamily="2" charset="0"/>
+              </a:rPr>
+              <a:t>axs</a:t>
+            </a:r>
             <a:r>
               <a:rPr lang="en-US" altLang="en-US" sz="2000" b="1" dirty="0">
                 <a:latin typeface="INCONSOLATA" panose="020B0609030003000000" pitchFamily="49" charset="77"/>
                 <a:ea typeface="ＭＳ Ｐゴシック" panose="020B0600070205080204" pitchFamily="34" charset="-128"/>
                 <a:cs typeface="InaiMathi" pitchFamily="2" charset="0"/>
               </a:rPr>
-              <a:t># similarly for blue and green</a:t>
-            </a:r>
-          </a:p>
-          <a:p>
-            <a:pPr marL="0" indent="0">
-              <a:buNone/>
-            </a:pPr>
+              <a:t>[2].</a:t>
+            </a:r>
             <a:r>
               <a:rPr lang="en-US" altLang="en-US" sz="2000" b="1" dirty="0" err="1">
                 <a:latin typeface="INCONSOLATA" panose="020B0609030003000000" pitchFamily="49" charset="77"/>
                 <a:ea typeface="ＭＳ Ｐゴシック" panose="020B0600070205080204" pitchFamily="34" charset="-128"/>
                 <a:cs typeface="InaiMathi" pitchFamily="2" charset="0"/>
               </a:rPr>
-              <a:t>axs</a:t>
+              <a:t>imshow</a:t>
             </a:r>
             <a:r>
               <a:rPr lang="en-US" altLang="en-US" sz="2000" b="1" dirty="0">
@@ -27692,7 +27897,7 @@
                 <a:ea typeface="ＭＳ Ｐゴシック" panose="020B0600070205080204" pitchFamily="34" charset="-128"/>
                 <a:cs typeface="InaiMathi" pitchFamily="2" charset="0"/>
               </a:rPr>
-              <a:t>[0].</a:t>
+              <a:t>(</a:t>
             </a:r>
             <a:r>
               <a:rPr lang="en-US" altLang="en-US" sz="2000" b="1" dirty="0" err="1">
@@ -27700,7 +27905,7 @@
                 <a:ea typeface="ＭＳ Ｐゴシック" panose="020B0600070205080204" pitchFamily="34" charset="-128"/>
                 <a:cs typeface="InaiMathi" pitchFamily="2" charset="0"/>
               </a:rPr>
-              <a:t>imshow</a:t>
+              <a:t>img_blue</a:t>
             </a:r>
             <a:r>
               <a:rPr lang="en-US" altLang="en-US" sz="2000" b="1" dirty="0">
@@ -27708,81 +27913,7 @@
                 <a:ea typeface="ＭＳ Ｐゴシック" panose="020B0600070205080204" pitchFamily="34" charset="-128"/>
                 <a:cs typeface="InaiMathi" pitchFamily="2" charset="0"/>
               </a:rPr>
-              <a:t>(red)</a:t>
-            </a:r>
-          </a:p>
-          <a:p>
-            <a:pPr marL="0" indent="0">
-              <a:buNone/>
-            </a:pPr>
-            <a:r>
-              <a:rPr lang="en-US" altLang="en-US" sz="2000" b="1" dirty="0" err="1">
-                <a:latin typeface="INCONSOLATA" panose="020B0609030003000000" pitchFamily="49" charset="77"/>
-                <a:ea typeface="ＭＳ Ｐゴシック" panose="020B0600070205080204" pitchFamily="34" charset="-128"/>
-                <a:cs typeface="InaiMathi" pitchFamily="2" charset="0"/>
-              </a:rPr>
-              <a:t>axs</a:t>
-            </a:r>
-            <a:r>
-              <a:rPr lang="en-US" altLang="en-US" sz="2000" b="1" dirty="0">
-                <a:latin typeface="INCONSOLATA" panose="020B0609030003000000" pitchFamily="49" charset="77"/>
-                <a:ea typeface="ＭＳ Ｐゴシック" panose="020B0600070205080204" pitchFamily="34" charset="-128"/>
-                <a:cs typeface="InaiMathi" pitchFamily="2" charset="0"/>
-              </a:rPr>
-              <a:t>[1].</a:t>
-            </a:r>
-            <a:r>
-              <a:rPr lang="en-US" altLang="en-US" sz="2000" b="1" dirty="0" err="1">
-                <a:latin typeface="INCONSOLATA" panose="020B0609030003000000" pitchFamily="49" charset="77"/>
-                <a:ea typeface="ＭＳ Ｐゴシック" panose="020B0600070205080204" pitchFamily="34" charset="-128"/>
-                <a:cs typeface="InaiMathi" pitchFamily="2" charset="0"/>
-              </a:rPr>
-              <a:t>imshow</a:t>
-            </a:r>
-            <a:r>
-              <a:rPr lang="en-US" altLang="en-US" sz="2000" b="1" dirty="0">
-                <a:latin typeface="INCONSOLATA" panose="020B0609030003000000" pitchFamily="49" charset="77"/>
-                <a:ea typeface="ＭＳ Ｐゴシック" panose="020B0600070205080204" pitchFamily="34" charset="-128"/>
-                <a:cs typeface="InaiMathi" pitchFamily="2" charset="0"/>
-              </a:rPr>
-              <a:t>(green)</a:t>
-            </a:r>
-          </a:p>
-          <a:p>
-            <a:pPr marL="0" indent="0">
-              <a:buNone/>
-            </a:pPr>
-            <a:r>
-              <a:rPr lang="en-US" altLang="en-US" sz="2000" b="1" dirty="0" err="1">
-                <a:latin typeface="INCONSOLATA" panose="020B0609030003000000" pitchFamily="49" charset="77"/>
-                <a:ea typeface="ＭＳ Ｐゴシック" panose="020B0600070205080204" pitchFamily="34" charset="-128"/>
-                <a:cs typeface="InaiMathi" pitchFamily="2" charset="0"/>
-              </a:rPr>
-              <a:t>axs</a:t>
-            </a:r>
-            <a:r>
-              <a:rPr lang="en-US" altLang="en-US" sz="2000" b="1" dirty="0">
-                <a:latin typeface="INCONSOLATA" panose="020B0609030003000000" pitchFamily="49" charset="77"/>
-                <a:ea typeface="ＭＳ Ｐゴシック" panose="020B0600070205080204" pitchFamily="34" charset="-128"/>
-                <a:cs typeface="InaiMathi" pitchFamily="2" charset="0"/>
-              </a:rPr>
-              <a:t>[2].</a:t>
-            </a:r>
-            <a:r>
-              <a:rPr lang="en-US" altLang="en-US" sz="2000" b="1" dirty="0" err="1">
-                <a:latin typeface="INCONSOLATA" panose="020B0609030003000000" pitchFamily="49" charset="77"/>
-                <a:ea typeface="ＭＳ Ｐゴシック" panose="020B0600070205080204" pitchFamily="34" charset="-128"/>
-                <a:cs typeface="InaiMathi" pitchFamily="2" charset="0"/>
-              </a:rPr>
-              <a:t>imshow</a:t>
-            </a:r>
-            <a:r>
-              <a:rPr lang="en-US" altLang="en-US" sz="2000" b="1" dirty="0">
-                <a:latin typeface="INCONSOLATA" panose="020B0609030003000000" pitchFamily="49" charset="77"/>
-                <a:ea typeface="ＭＳ Ｐゴシック" panose="020B0600070205080204" pitchFamily="34" charset="-128"/>
-                <a:cs typeface="InaiMathi" pitchFamily="2" charset="0"/>
-              </a:rPr>
-              <a:t>(blue)</a:t>
+              <a:t>)</a:t>
             </a:r>
           </a:p>
         </p:txBody>
@@ -28001,7 +28132,7 @@
         </p:nvSpPr>
         <p:spPr>
           <a:xfrm>
-            <a:off x="5272755" y="1478137"/>
+            <a:off x="5990602" y="935753"/>
             <a:ext cx="2956845" cy="1200329"/>
           </a:xfrm>
           <a:prstGeom prst="rect">
@@ -28056,8 +28187,8 @@
         </p:nvCxnSpPr>
         <p:spPr>
           <a:xfrm flipH="1">
-            <a:off x="5516525" y="2090820"/>
-            <a:ext cx="1256615" cy="386229"/>
+            <a:off x="4689987" y="1222267"/>
+            <a:ext cx="1300615" cy="202580"/>
           </a:xfrm>
           <a:prstGeom prst="straightConnector1">
             <a:avLst/>
@@ -28098,7 +28229,7 @@
         </p:nvSpPr>
         <p:spPr>
           <a:xfrm>
-            <a:off x="6773140" y="3774896"/>
+            <a:off x="5746125" y="2463806"/>
             <a:ext cx="2318137" cy="923330"/>
           </a:xfrm>
           <a:prstGeom prst="rect">
@@ -28146,8 +28277,8 @@
         </p:nvCxnSpPr>
         <p:spPr>
           <a:xfrm flipV="1">
-            <a:off x="7492710" y="3060966"/>
-            <a:ext cx="0" cy="713930"/>
+            <a:off x="6477910" y="1921353"/>
+            <a:ext cx="0" cy="458053"/>
           </a:xfrm>
           <a:prstGeom prst="straightConnector1">
             <a:avLst/>
@@ -28174,6 +28305,36 @@
           </a:fontRef>
         </p:style>
       </p:cxnSp>
+      <p:pic>
+        <p:nvPicPr>
+          <p:cNvPr id="13" name="Picture 12">
+            <a:extLst>
+              <a:ext uri="{FF2B5EF4-FFF2-40B4-BE49-F238E27FC236}">
+                <a16:creationId xmlns:a16="http://schemas.microsoft.com/office/drawing/2014/main" id="{189E7DC2-C7B2-2646-B742-09A4F410ACA4}"/>
+              </a:ext>
+            </a:extLst>
+          </p:cNvPr>
+          <p:cNvPicPr>
+            <a:picLocks noChangeAspect="1"/>
+          </p:cNvPicPr>
+          <p:nvPr/>
+        </p:nvPicPr>
+        <p:blipFill>
+          <a:blip r:embed="rId3"/>
+          <a:stretch>
+            <a:fillRect/>
+          </a:stretch>
+        </p:blipFill>
+        <p:spPr>
+          <a:xfrm>
+            <a:off x="526997" y="3299960"/>
+            <a:ext cx="7669319" cy="2288040"/>
+          </a:xfrm>
+          <a:prstGeom prst="rect">
+            <a:avLst/>
+          </a:prstGeom>
+        </p:spPr>
+      </p:pic>
     </p:spTree>
     <p:extLst>
       <p:ext uri="{BB962C8B-B14F-4D97-AF65-F5344CB8AC3E}">
@@ -28219,11 +28380,34 @@
                                           </p:stCondLst>
                                         </p:cTn>
                                         <p:tgtEl>
-                                          <p:spTgt spid="16386">
-                                            <p:txEl>
-                                              <p:pRg st="5" end="5"/>
-                                            </p:txEl>
-                                          </p:spTgt>
+                                          <p:spTgt spid="6"/>
+                                        </p:tgtEl>
+                                        <p:attrNameLst>
+                                          <p:attrName>style.visibility</p:attrName>
+                                        </p:attrNameLst>
+                                      </p:cBhvr>
+                                      <p:to>
+                                        <p:strVal val="visible"/>
+                                      </p:to>
+                                    </p:set>
+                                  </p:childTnLst>
+                                </p:cTn>
+                              </p:par>
+                              <p:par>
+                                <p:cTn id="7" presetID="1" presetClass="entr" presetSubtype="0" fill="hold" grpId="0" nodeType="withEffect">
+                                  <p:stCondLst>
+                                    <p:cond delay="0"/>
+                                  </p:stCondLst>
+                                  <p:childTnLst>
+                                    <p:set>
+                                      <p:cBhvr>
+                                        <p:cTn id="8" dur="1" fill="hold">
+                                          <p:stCondLst>
+                                            <p:cond delay="0"/>
+                                          </p:stCondLst>
+                                        </p:cTn>
+                                        <p:tgtEl>
+                                          <p:spTgt spid="5"/>
                                         </p:tgtEl>
                                         <p:attrNameLst>
                                           <p:attrName>style.visibility</p:attrName>
@@ -28243,36 +28427,32 @@
                     </p:cTn>
                   </p:par>
                   <p:par>
-                    <p:cTn id="7" fill="hold">
+                    <p:cTn id="9" fill="hold">
                       <p:stCondLst>
                         <p:cond delay="indefinite"/>
                       </p:stCondLst>
                       <p:childTnLst>
                         <p:par>
-                          <p:cTn id="8" fill="hold">
+                          <p:cTn id="10" fill="hold">
                             <p:stCondLst>
                               <p:cond delay="0"/>
                             </p:stCondLst>
                             <p:childTnLst>
                               <p:par>
-                                <p:cTn id="9" presetID="1" presetClass="entr" presetSubtype="0" fill="hold" nodeType="clickEffect">
+                                <p:cTn id="11" presetID="1" presetClass="entr" presetSubtype="0" fill="hold" grpId="0" nodeType="clickEffect">
                                   <p:stCondLst>
                                     <p:cond delay="0"/>
                                   </p:stCondLst>
                                   <p:childTnLst>
                                     <p:set>
                                       <p:cBhvr>
-                                        <p:cTn id="10" dur="1" fill="hold">
+                                        <p:cTn id="12" dur="1" fill="hold">
                                           <p:stCondLst>
                                             <p:cond delay="0"/>
                                           </p:stCondLst>
                                         </p:cTn>
                                         <p:tgtEl>
-                                          <p:spTgt spid="16386">
-                                            <p:txEl>
-                                              <p:pRg st="6" end="6"/>
-                                            </p:txEl>
-                                          </p:spTgt>
+                                          <p:spTgt spid="9"/>
                                         </p:tgtEl>
                                         <p:attrNameLst>
                                           <p:attrName>style.visibility</p:attrName>
@@ -28285,26 +28465,8 @@
                                   </p:childTnLst>
                                 </p:cTn>
                               </p:par>
-                            </p:childTnLst>
-                          </p:cTn>
-                        </p:par>
-                      </p:childTnLst>
-                    </p:cTn>
-                  </p:par>
-                  <p:par>
-                    <p:cTn id="11" fill="hold">
-                      <p:stCondLst>
-                        <p:cond delay="indefinite"/>
-                      </p:stCondLst>
-                      <p:childTnLst>
-                        <p:par>
-                          <p:cTn id="12" fill="hold">
-                            <p:stCondLst>
-                              <p:cond delay="0"/>
-                            </p:stCondLst>
-                            <p:childTnLst>
                               <p:par>
-                                <p:cTn id="13" presetID="1" presetClass="entr" presetSubtype="0" fill="hold" nodeType="clickEffect">
+                                <p:cTn id="13" presetID="1" presetClass="entr" presetSubtype="0" fill="hold" nodeType="withEffect">
                                   <p:stCondLst>
                                     <p:cond delay="0"/>
                                   </p:stCondLst>
@@ -28317,11 +28479,7 @@
                                           </p:stCondLst>
                                         </p:cTn>
                                         <p:tgtEl>
-                                          <p:spTgt spid="16386">
-                                            <p:txEl>
-                                              <p:pRg st="7" end="7"/>
-                                            </p:txEl>
-                                          </p:spTgt>
+                                          <p:spTgt spid="10"/>
                                         </p:tgtEl>
                                         <p:attrNameLst>
                                           <p:attrName>style.visibility</p:attrName>
@@ -28368,7 +28526,7 @@
                                         <p:tgtEl>
                                           <p:spTgt spid="16386">
                                             <p:txEl>
-                                              <p:pRg st="8" end="8"/>
+                                              <p:pRg st="3" end="3"/>
                                             </p:txEl>
                                           </p:spTgt>
                                         </p:tgtEl>
@@ -28399,7 +28557,7 @@
                                         <p:tgtEl>
                                           <p:spTgt spid="16386">
                                             <p:txEl>
-                                              <p:pRg st="9" end="9"/>
+                                              <p:pRg st="4" end="4"/>
                                             </p:txEl>
                                           </p:spTgt>
                                         </p:tgtEl>
@@ -28430,9 +28588,54 @@
                                         <p:tgtEl>
                                           <p:spTgt spid="16386">
                                             <p:txEl>
-                                              <p:pRg st="10" end="10"/>
+                                              <p:pRg st="5" end="5"/>
                                             </p:txEl>
                                           </p:spTgt>
+                                        </p:tgtEl>
+                                        <p:attrNameLst>
+                                          <p:attrName>style.visibility</p:attrName>
+                                        </p:attrNameLst>
+                                      </p:cBhvr>
+                                      <p:to>
+                                        <p:strVal val="visible"/>
+                                      </p:to>
+                                    </p:set>
+                                  </p:childTnLst>
+                                </p:cTn>
+                              </p:par>
+                            </p:childTnLst>
+                          </p:cTn>
+                        </p:par>
+                      </p:childTnLst>
+                    </p:cTn>
+                  </p:par>
+                  <p:par>
+                    <p:cTn id="23" fill="hold">
+                      <p:stCondLst>
+                        <p:cond delay="indefinite"/>
+                      </p:stCondLst>
+                      <p:childTnLst>
+                        <p:par>
+                          <p:cTn id="24" fill="hold">
+                            <p:stCondLst>
+                              <p:cond delay="0"/>
+                            </p:stCondLst>
+                            <p:childTnLst>
+                              <p:par>
+                                <p:cTn id="25" presetID="1" presetClass="entr" presetSubtype="0" fill="hold" nodeType="clickEffect">
+                                  <p:stCondLst>
+                                    <p:cond delay="0"/>
+                                  </p:stCondLst>
+                                  <p:childTnLst>
+                                    <p:set>
+                                      <p:cBhvr>
+                                        <p:cTn id="26" dur="1" fill="hold">
+                                          <p:stCondLst>
+                                            <p:cond delay="0"/>
+                                          </p:stCondLst>
+                                        </p:cTn>
+                                        <p:tgtEl>
+                                          <p:spTgt spid="13"/>
                                         </p:tgtEl>
                                         <p:attrNameLst>
                                           <p:attrName>style.visibility</p:attrName>
@@ -28472,6 +28675,10 @@
         </p:cTn>
       </p:par>
     </p:tnLst>
+    <p:bldLst>
+      <p:bldP spid="5" grpId="0"/>
+      <p:bldP spid="9" grpId="0"/>
+    </p:bldLst>
   </p:timing>
 </p:sld>
 </file>
@@ -28524,7 +28731,24 @@
                 <a:latin typeface="Tahoma" panose="020B0604030504040204" pitchFamily="34" charset="0"/>
                 <a:ea typeface="ＭＳ Ｐゴシック" panose="020B0600070205080204" pitchFamily="34" charset="-128"/>
               </a:rPr>
-              <a:t>Decomposing an Image</a:t>
+              <a:t>Decomposing an Image(</a:t>
+            </a:r>
+            <a:r>
+              <a:rPr lang="en-US" altLang="en-US" dirty="0">
+                <a:solidFill>
+                  <a:srgbClr val="FF0000"/>
+                </a:solidFill>
+                <a:latin typeface="Tahoma" panose="020B0604030504040204" pitchFamily="34" charset="0"/>
+                <a:ea typeface="ＭＳ Ｐゴシック" panose="020B0600070205080204" pitchFamily="34" charset="-128"/>
+              </a:rPr>
+              <a:t>Optional</a:t>
+            </a:r>
+            <a:r>
+              <a:rPr lang="en-US" altLang="en-US" dirty="0">
+                <a:latin typeface="Tahoma" panose="020B0604030504040204" pitchFamily="34" charset="0"/>
+                <a:ea typeface="ＭＳ Ｐゴシック" panose="020B0600070205080204" pitchFamily="34" charset="-128"/>
+              </a:rPr>
+              <a:t>)</a:t>
             </a:r>
           </a:p>
         </p:txBody>
@@ -29860,400 +30084,6 @@
           <a:bodyPr/>
           <a:lstStyle/>
           <a:p>
-            <a:r>
-              <a:rPr lang="en-US" altLang="en-US" dirty="0">
-                <a:latin typeface="Tahoma" panose="020B0604030504040204" pitchFamily="34" charset="0"/>
-                <a:ea typeface="ＭＳ Ｐゴシック" panose="020B0600070205080204" pitchFamily="34" charset="-128"/>
-              </a:rPr>
-              <a:t>Decomposing an Image</a:t>
-            </a:r>
-          </a:p>
-        </p:txBody>
-      </p:sp>
-      <p:sp>
-        <p:nvSpPr>
-          <p:cNvPr id="16386" name="Rectangle 3">
-            <a:extLst>
-              <a:ext uri="{FF2B5EF4-FFF2-40B4-BE49-F238E27FC236}">
-                <a16:creationId xmlns:a16="http://schemas.microsoft.com/office/drawing/2014/main" id="{B58E18ED-8D49-8844-A857-3DC2CAD817CB}"/>
-              </a:ext>
-            </a:extLst>
-          </p:cNvPr>
-          <p:cNvSpPr>
-            <a:spLocks noGrp="1" noChangeArrowheads="1"/>
-          </p:cNvSpPr>
-          <p:nvPr>
-            <p:ph type="body" idx="1"/>
-          </p:nvPr>
-        </p:nvSpPr>
-        <p:spPr>
-          <a:xfrm>
-            <a:off x="262890" y="925830"/>
-            <a:ext cx="8538210" cy="4662170"/>
-          </a:xfrm>
-        </p:spPr>
-        <p:txBody>
-          <a:bodyPr>
-            <a:normAutofit/>
-          </a:bodyPr>
-          <a:lstStyle/>
-          <a:p>
-            <a:pPr marL="0" indent="0">
-              <a:buNone/>
-            </a:pPr>
-            <a:r>
-              <a:rPr lang="en-US" altLang="en-US" sz="2000" dirty="0">
-                <a:latin typeface="Gill Sans MT" panose="020B0502020104020203" pitchFamily="34" charset="77"/>
-                <a:ea typeface="ＭＳ Ｐゴシック" panose="020B0600070205080204" pitchFamily="34" charset="-128"/>
-              </a:rPr>
-              <a:t>This output is generated from the previous slide of code in </a:t>
-            </a:r>
-            <a:r>
-              <a:rPr lang="en-US" altLang="en-US" sz="2000" dirty="0" err="1">
-                <a:latin typeface="Gill Sans MT" panose="020B0502020104020203" pitchFamily="34" charset="77"/>
-                <a:ea typeface="ＭＳ Ｐゴシック" panose="020B0600070205080204" pitchFamily="34" charset="-128"/>
-              </a:rPr>
-              <a:t>Jupyter</a:t>
-            </a:r>
-            <a:r>
-              <a:rPr lang="en-US" altLang="en-US" sz="2000" dirty="0">
-                <a:latin typeface="Gill Sans MT" panose="020B0502020104020203" pitchFamily="34" charset="77"/>
-                <a:ea typeface="ＭＳ Ｐゴシック" panose="020B0600070205080204" pitchFamily="34" charset="-128"/>
-              </a:rPr>
-              <a:t> Notebook.</a:t>
-            </a:r>
-          </a:p>
-          <a:p>
-            <a:pPr marL="0" indent="0">
-              <a:buNone/>
-            </a:pPr>
-            <a:r>
-              <a:rPr lang="en-US" altLang="en-US" sz="2000" dirty="0">
-                <a:latin typeface="Gill Sans MT" panose="020B0502020104020203" pitchFamily="34" charset="77"/>
-                <a:ea typeface="ＭＳ Ｐゴシック" panose="020B0600070205080204" pitchFamily="34" charset="-128"/>
-              </a:rPr>
-              <a:t>Pretty good for just a few lines of Python code!</a:t>
-            </a:r>
-          </a:p>
-          <a:p>
-            <a:pPr marL="0" indent="0">
-              <a:buNone/>
-            </a:pPr>
-            <a:endParaRPr lang="en-US" altLang="en-US" sz="2000" dirty="0">
-              <a:latin typeface="Gill Sans MT" panose="020B0502020104020203" pitchFamily="34" charset="77"/>
-              <a:ea typeface="ＭＳ Ｐゴシック" panose="020B0600070205080204" pitchFamily="34" charset="-128"/>
-            </a:endParaRPr>
-          </a:p>
-          <a:p>
-            <a:pPr marL="0" indent="0">
-              <a:buNone/>
-            </a:pPr>
-            <a:r>
-              <a:rPr lang="en-US" altLang="en-US" sz="2000" dirty="0">
-                <a:latin typeface="Gill Sans MT" panose="020B0502020104020203" pitchFamily="34" charset="77"/>
-                <a:ea typeface="ＭＳ Ｐゴシック" panose="020B0600070205080204" pitchFamily="34" charset="-128"/>
-              </a:rPr>
-              <a:t> </a:t>
-            </a:r>
-          </a:p>
-          <a:p>
-            <a:pPr marL="0" indent="0">
-              <a:buNone/>
-            </a:pPr>
-            <a:endParaRPr lang="en-US" altLang="en-US" sz="2000" dirty="0">
-              <a:latin typeface="Gill Sans MT" panose="020B0502020104020203" pitchFamily="34" charset="77"/>
-              <a:ea typeface="ＭＳ Ｐゴシック" panose="020B0600070205080204" pitchFamily="34" charset="-128"/>
-            </a:endParaRPr>
-          </a:p>
-        </p:txBody>
-      </p:sp>
-      <p:sp>
-        <p:nvSpPr>
-          <p:cNvPr id="38915" name="Picture 5" descr="sqrt_b^2-4ac.pdf">
-            <a:extLst>
-              <a:ext uri="{FF2B5EF4-FFF2-40B4-BE49-F238E27FC236}">
-                <a16:creationId xmlns:a16="http://schemas.microsoft.com/office/drawing/2014/main" id="{96383EC4-01AF-BA4A-B24B-794940A33441}"/>
-              </a:ext>
-            </a:extLst>
-          </p:cNvPr>
-          <p:cNvSpPr>
-            <a:spLocks noChangeAspect="1"/>
-          </p:cNvSpPr>
-          <p:nvPr/>
-        </p:nvSpPr>
-        <p:spPr bwMode="auto">
-          <a:xfrm>
-            <a:off x="791105" y="3366823"/>
-            <a:ext cx="7141104" cy="1951302"/>
-          </a:xfrm>
-          <a:prstGeom prst="rect">
-            <a:avLst/>
-          </a:prstGeom>
-          <a:noFill/>
-          <a:ln>
-            <a:noFill/>
-          </a:ln>
-          <a:extLst>
-            <a:ext uri="{909E8E84-426E-40DD-AFC4-6F175D3DCCD1}">
-              <a14:hiddenFill xmlns:a14="http://schemas.microsoft.com/office/drawing/2010/main">
-                <a:solidFill>
-                  <a:srgbClr val="FFFFFF"/>
-                </a:solidFill>
-              </a14:hiddenFill>
-            </a:ext>
-            <a:ext uri="{91240B29-F687-4F45-9708-019B960494DF}">
-              <a14:hiddenLine xmlns:a14="http://schemas.microsoft.com/office/drawing/2010/main" w="9525">
-                <a:solidFill>
-                  <a:srgbClr val="000000"/>
-                </a:solidFill>
-                <a:miter lim="800000"/>
-                <a:headEnd/>
-                <a:tailEnd/>
-              </a14:hiddenLine>
-            </a:ext>
-          </a:extLst>
-        </p:spPr>
-        <p:txBody>
-          <a:bodyPr/>
-          <a:lstStyle>
-            <a:lvl1pPr>
-              <a:spcBef>
-                <a:spcPct val="20000"/>
-              </a:spcBef>
-              <a:buChar char="•"/>
-              <a:defRPr sz="3200">
-                <a:solidFill>
-                  <a:schemeClr val="tx1"/>
-                </a:solidFill>
-                <a:latin typeface="Arial" panose="020B0604020202020204" pitchFamily="34" charset="0"/>
-                <a:ea typeface="ＭＳ Ｐゴシック" panose="020B0600070205080204" pitchFamily="34" charset="-128"/>
-                <a:cs typeface="Arial" panose="020B0604020202020204" pitchFamily="34" charset="0"/>
-              </a:defRPr>
-            </a:lvl1pPr>
-            <a:lvl2pPr marL="742950" indent="-285750">
-              <a:spcBef>
-                <a:spcPct val="20000"/>
-              </a:spcBef>
-              <a:buChar char="–"/>
-              <a:defRPr sz="2800">
-                <a:solidFill>
-                  <a:schemeClr val="tx1"/>
-                </a:solidFill>
-                <a:latin typeface="Arial" panose="020B0604020202020204" pitchFamily="34" charset="0"/>
-                <a:ea typeface="Arial" panose="020B0604020202020204" pitchFamily="34" charset="0"/>
-                <a:cs typeface="Arial" panose="020B0604020202020204" pitchFamily="34" charset="0"/>
-              </a:defRPr>
-            </a:lvl2pPr>
-            <a:lvl3pPr marL="1143000" indent="-228600">
-              <a:spcBef>
-                <a:spcPct val="20000"/>
-              </a:spcBef>
-              <a:buChar char="•"/>
-              <a:defRPr sz="2400">
-                <a:solidFill>
-                  <a:schemeClr val="tx1"/>
-                </a:solidFill>
-                <a:latin typeface="Arial" panose="020B0604020202020204" pitchFamily="34" charset="0"/>
-                <a:ea typeface="Arial" panose="020B0604020202020204" pitchFamily="34" charset="0"/>
-                <a:cs typeface="Arial" panose="020B0604020202020204" pitchFamily="34" charset="0"/>
-              </a:defRPr>
-            </a:lvl3pPr>
-            <a:lvl4pPr marL="1600200" indent="-228600">
-              <a:spcBef>
-                <a:spcPct val="20000"/>
-              </a:spcBef>
-              <a:buChar char="–"/>
-              <a:defRPr sz="2000">
-                <a:solidFill>
-                  <a:schemeClr val="tx1"/>
-                </a:solidFill>
-                <a:latin typeface="Arial" panose="020B0604020202020204" pitchFamily="34" charset="0"/>
-                <a:ea typeface="Arial" panose="020B0604020202020204" pitchFamily="34" charset="0"/>
-                <a:cs typeface="Arial" panose="020B0604020202020204" pitchFamily="34" charset="0"/>
-              </a:defRPr>
-            </a:lvl4pPr>
-            <a:lvl5pPr marL="2057400" indent="-228600">
-              <a:spcBef>
-                <a:spcPct val="20000"/>
-              </a:spcBef>
-              <a:buChar char="»"/>
-              <a:defRPr sz="2000">
-                <a:solidFill>
-                  <a:schemeClr val="tx1"/>
-                </a:solidFill>
-                <a:latin typeface="Arial" panose="020B0604020202020204" pitchFamily="34" charset="0"/>
-                <a:ea typeface="Arial" panose="020B0604020202020204" pitchFamily="34" charset="0"/>
-                <a:cs typeface="Arial" panose="020B0604020202020204" pitchFamily="34" charset="0"/>
-              </a:defRPr>
-            </a:lvl5pPr>
-            <a:lvl6pPr marL="2514600" indent="-228600" eaLnBrk="0" fontAlgn="base" hangingPunct="0">
-              <a:spcBef>
-                <a:spcPct val="20000"/>
-              </a:spcBef>
-              <a:spcAft>
-                <a:spcPct val="0"/>
-              </a:spcAft>
-              <a:buChar char="»"/>
-              <a:defRPr sz="2000">
-                <a:solidFill>
-                  <a:schemeClr val="tx1"/>
-                </a:solidFill>
-                <a:latin typeface="Arial" panose="020B0604020202020204" pitchFamily="34" charset="0"/>
-                <a:ea typeface="Arial" panose="020B0604020202020204" pitchFamily="34" charset="0"/>
-                <a:cs typeface="Arial" panose="020B0604020202020204" pitchFamily="34" charset="0"/>
-              </a:defRPr>
-            </a:lvl6pPr>
-            <a:lvl7pPr marL="2971800" indent="-228600" eaLnBrk="0" fontAlgn="base" hangingPunct="0">
-              <a:spcBef>
-                <a:spcPct val="20000"/>
-              </a:spcBef>
-              <a:spcAft>
-                <a:spcPct val="0"/>
-              </a:spcAft>
-              <a:buChar char="»"/>
-              <a:defRPr sz="2000">
-                <a:solidFill>
-                  <a:schemeClr val="tx1"/>
-                </a:solidFill>
-                <a:latin typeface="Arial" panose="020B0604020202020204" pitchFamily="34" charset="0"/>
-                <a:ea typeface="Arial" panose="020B0604020202020204" pitchFamily="34" charset="0"/>
-                <a:cs typeface="Arial" panose="020B0604020202020204" pitchFamily="34" charset="0"/>
-              </a:defRPr>
-            </a:lvl7pPr>
-            <a:lvl8pPr marL="3429000" indent="-228600" eaLnBrk="0" fontAlgn="base" hangingPunct="0">
-              <a:spcBef>
-                <a:spcPct val="20000"/>
-              </a:spcBef>
-              <a:spcAft>
-                <a:spcPct val="0"/>
-              </a:spcAft>
-              <a:buChar char="»"/>
-              <a:defRPr sz="2000">
-                <a:solidFill>
-                  <a:schemeClr val="tx1"/>
-                </a:solidFill>
-                <a:latin typeface="Arial" panose="020B0604020202020204" pitchFamily="34" charset="0"/>
-                <a:ea typeface="Arial" panose="020B0604020202020204" pitchFamily="34" charset="0"/>
-                <a:cs typeface="Arial" panose="020B0604020202020204" pitchFamily="34" charset="0"/>
-              </a:defRPr>
-            </a:lvl8pPr>
-            <a:lvl9pPr marL="3886200" indent="-228600" eaLnBrk="0" fontAlgn="base" hangingPunct="0">
-              <a:spcBef>
-                <a:spcPct val="20000"/>
-              </a:spcBef>
-              <a:spcAft>
-                <a:spcPct val="0"/>
-              </a:spcAft>
-              <a:buChar char="»"/>
-              <a:defRPr sz="2000">
-                <a:solidFill>
-                  <a:schemeClr val="tx1"/>
-                </a:solidFill>
-                <a:latin typeface="Arial" panose="020B0604020202020204" pitchFamily="34" charset="0"/>
-                <a:ea typeface="Arial" panose="020B0604020202020204" pitchFamily="34" charset="0"/>
-                <a:cs typeface="Arial" panose="020B0604020202020204" pitchFamily="34" charset="0"/>
-              </a:defRPr>
-            </a:lvl9pPr>
-          </a:lstStyle>
-          <a:p>
-            <a:pPr>
-              <a:spcBef>
-                <a:spcPct val="0"/>
-              </a:spcBef>
-              <a:buFontTx/>
-              <a:buNone/>
-            </a:pPr>
-            <a:endParaRPr lang="en-US" altLang="en-US" sz="1500"/>
-          </a:p>
-        </p:txBody>
-      </p:sp>
-      <p:pic>
-        <p:nvPicPr>
-          <p:cNvPr id="2" name="Picture 1">
-            <a:extLst>
-              <a:ext uri="{FF2B5EF4-FFF2-40B4-BE49-F238E27FC236}">
-                <a16:creationId xmlns:a16="http://schemas.microsoft.com/office/drawing/2014/main" id="{ECFA4B18-2409-7443-BAB9-279603F80A69}"/>
-              </a:ext>
-            </a:extLst>
-          </p:cNvPr>
-          <p:cNvPicPr>
-            <a:picLocks noChangeAspect="1"/>
-          </p:cNvPicPr>
-          <p:nvPr/>
-        </p:nvPicPr>
-        <p:blipFill>
-          <a:blip r:embed="rId3"/>
-          <a:stretch>
-            <a:fillRect/>
-          </a:stretch>
-        </p:blipFill>
-        <p:spPr>
-          <a:xfrm>
-            <a:off x="528215" y="2297194"/>
-            <a:ext cx="8352895" cy="2491976"/>
-          </a:xfrm>
-          <a:prstGeom prst="rect">
-            <a:avLst/>
-          </a:prstGeom>
-        </p:spPr>
-      </p:pic>
-    </p:spTree>
-    <p:extLst>
-      <p:ext uri="{BB962C8B-B14F-4D97-AF65-F5344CB8AC3E}">
-        <p14:creationId xmlns:p14="http://schemas.microsoft.com/office/powerpoint/2010/main" val="4193751558"/>
-      </p:ext>
-    </p:extLst>
-  </p:cSld>
-  <p:clrMapOvr>
-    <a:masterClrMapping/>
-  </p:clrMapOvr>
-  <p:transition/>
-</p:sld>
-</file>
-
-<file path=ppt/slides/slide25.xml><?xml version="1.0" encoding="utf-8"?>
-<p:sld xmlns:a="http://schemas.openxmlformats.org/drawingml/2006/main" xmlns:r="http://schemas.openxmlformats.org/officeDocument/2006/relationships" xmlns:p="http://schemas.openxmlformats.org/presentationml/2006/main">
-  <p:cSld>
-    <p:spTree>
-      <p:nvGrpSpPr>
-        <p:cNvPr id="1" name=""/>
-        <p:cNvGrpSpPr/>
-        <p:nvPr/>
-      </p:nvGrpSpPr>
-      <p:grpSpPr>
-        <a:xfrm>
-          <a:off x="0" y="0"/>
-          <a:ext cx="0" cy="0"/>
-          <a:chOff x="0" y="0"/>
-          <a:chExt cx="0" cy="0"/>
-        </a:xfrm>
-      </p:grpSpPr>
-      <p:sp>
-        <p:nvSpPr>
-          <p:cNvPr id="38913" name="Rectangle 2">
-            <a:extLst>
-              <a:ext uri="{FF2B5EF4-FFF2-40B4-BE49-F238E27FC236}">
-                <a16:creationId xmlns:a16="http://schemas.microsoft.com/office/drawing/2014/main" id="{01ABAB85-1B1D-E842-8BF4-B8AF13377E9C}"/>
-              </a:ext>
-            </a:extLst>
-          </p:cNvPr>
-          <p:cNvSpPr>
-            <a:spLocks noGrp="1" noChangeArrowheads="1"/>
-          </p:cNvSpPr>
-          <p:nvPr>
-            <p:ph type="title"/>
-          </p:nvPr>
-        </p:nvSpPr>
-        <p:spPr>
-          <a:xfrm>
-            <a:off x="182880" y="127000"/>
-            <a:ext cx="7886700" cy="832591"/>
-          </a:xfrm>
-        </p:spPr>
-        <p:txBody>
-          <a:bodyPr/>
-          <a:lstStyle/>
-          <a:p>
             <a:pPr eaLnBrk="1" hangingPunct="1"/>
             <a:r>
               <a:rPr lang="en-US" altLang="en-US" dirty="0">
@@ -30762,7 +30592,7 @@
 </p:sld>
 </file>
 
-<file path=ppt/slides/slide26.xml><?xml version="1.0" encoding="utf-8"?>
+<file path=ppt/slides/slide25.xml><?xml version="1.0" encoding="utf-8"?>
 <p:sld xmlns:a="http://schemas.openxmlformats.org/drawingml/2006/main" xmlns:r="http://schemas.openxmlformats.org/officeDocument/2006/relationships" xmlns:p="http://schemas.openxmlformats.org/presentationml/2006/main">
   <p:cSld>
     <p:spTree>
@@ -31314,7 +31144,7 @@
 </p:sld>
 </file>
 
-<file path=ppt/slides/slide27.xml><?xml version="1.0" encoding="utf-8"?>
+<file path=ppt/slides/slide26.xml><?xml version="1.0" encoding="utf-8"?>
 <p:sld xmlns:a="http://schemas.openxmlformats.org/drawingml/2006/main" xmlns:r="http://schemas.openxmlformats.org/officeDocument/2006/relationships" xmlns:p="http://schemas.openxmlformats.org/presentationml/2006/main">
   <p:cSld>
     <p:spTree>
@@ -31392,7 +31222,7 @@
         </p:spPr>
         <p:txBody>
           <a:bodyPr>
-            <a:normAutofit/>
+            <a:normAutofit fontScale="92500" lnSpcReduction="10000"/>
           </a:bodyPr>
           <a:lstStyle/>
           <a:p>
@@ -32025,7 +31855,7 @@
 </p:sld>
 </file>
 
-<file path=ppt/slides/slide28.xml><?xml version="1.0" encoding="utf-8"?>
+<file path=ppt/slides/slide27.xml><?xml version="1.0" encoding="utf-8"?>
 <p:sld xmlns:a="http://schemas.openxmlformats.org/drawingml/2006/main" xmlns:r="http://schemas.openxmlformats.org/officeDocument/2006/relationships" xmlns:p="http://schemas.openxmlformats.org/presentationml/2006/main">
   <p:cSld>
     <p:spTree>
@@ -32823,7 +32653,7 @@
 </p:sld>
 </file>
 
-<file path=ppt/slides/slide29.xml><?xml version="1.0" encoding="utf-8"?>
+<file path=ppt/slides/slide28.xml><?xml version="1.0" encoding="utf-8"?>
 <p:sld xmlns:a="http://schemas.openxmlformats.org/drawingml/2006/main" xmlns:r="http://schemas.openxmlformats.org/officeDocument/2006/relationships" xmlns:p="http://schemas.openxmlformats.org/presentationml/2006/main">
   <p:cSld>
     <p:spTree>
@@ -33183,6 +33013,237 @@
     <a:masterClrMapping/>
   </p:clrMapOvr>
   <p:transition/>
+</p:sld>
+</file>
+
+<file path=ppt/slides/slide29.xml><?xml version="1.0" encoding="utf-8"?>
+<p:sld xmlns:a="http://schemas.openxmlformats.org/drawingml/2006/main" xmlns:r="http://schemas.openxmlformats.org/officeDocument/2006/relationships" xmlns:p="http://schemas.openxmlformats.org/presentationml/2006/main">
+  <p:cSld>
+    <p:spTree>
+      <p:nvGrpSpPr>
+        <p:cNvPr id="1" name=""/>
+        <p:cNvGrpSpPr/>
+        <p:nvPr/>
+      </p:nvGrpSpPr>
+      <p:grpSpPr>
+        <a:xfrm>
+          <a:off x="0" y="0"/>
+          <a:ext cx="0" cy="0"/>
+          <a:chOff x="0" y="0"/>
+          <a:chExt cx="0" cy="0"/>
+        </a:xfrm>
+      </p:grpSpPr>
+      <p:sp>
+        <p:nvSpPr>
+          <p:cNvPr id="55297" name="Title 1">
+            <a:extLst>
+              <a:ext uri="{FF2B5EF4-FFF2-40B4-BE49-F238E27FC236}">
+                <a16:creationId xmlns:a16="http://schemas.microsoft.com/office/drawing/2014/main" id="{04EF925E-10C6-394F-AB0C-F09871E99CC4}"/>
+              </a:ext>
+            </a:extLst>
+          </p:cNvPr>
+          <p:cNvSpPr>
+            <a:spLocks noGrp="1" noChangeArrowheads="1"/>
+          </p:cNvSpPr>
+          <p:nvPr>
+            <p:ph type="title"/>
+          </p:nvPr>
+        </p:nvSpPr>
+        <p:spPr/>
+        <p:txBody>
+          <a:bodyPr/>
+          <a:lstStyle/>
+          <a:p>
+            <a:pPr eaLnBrk="1" hangingPunct="1"/>
+            <a:r>
+              <a:rPr lang="en-US" altLang="en-US">
+                <a:ea typeface="ＭＳ Ｐゴシック" panose="020B0600070205080204" pitchFamily="34" charset="-128"/>
+              </a:rPr>
+              <a:t>References</a:t>
+            </a:r>
+          </a:p>
+        </p:txBody>
+      </p:sp>
+      <p:sp>
+        <p:nvSpPr>
+          <p:cNvPr id="55298" name="Content Placeholder 2">
+            <a:extLst>
+              <a:ext uri="{FF2B5EF4-FFF2-40B4-BE49-F238E27FC236}">
+                <a16:creationId xmlns:a16="http://schemas.microsoft.com/office/drawing/2014/main" id="{4AA38F8C-E2AA-EA4D-A486-FA2F457B38F7}"/>
+              </a:ext>
+            </a:extLst>
+          </p:cNvPr>
+          <p:cNvSpPr>
+            <a:spLocks noGrp="1" noChangeArrowheads="1"/>
+          </p:cNvSpPr>
+          <p:nvPr>
+            <p:ph idx="1"/>
+          </p:nvPr>
+        </p:nvSpPr>
+        <p:spPr>
+          <a:xfrm>
+            <a:off x="308610" y="1177290"/>
+            <a:ext cx="8595360" cy="4140835"/>
+          </a:xfrm>
+        </p:spPr>
+        <p:txBody>
+          <a:bodyPr/>
+          <a:lstStyle/>
+          <a:p>
+            <a:pPr marL="0" indent="0">
+              <a:buNone/>
+            </a:pPr>
+            <a:endParaRPr lang="en-US" altLang="en-US" sz="2000" dirty="0">
+              <a:latin typeface="Tahoma" panose="020B0604030504040204" pitchFamily="34" charset="0"/>
+              <a:ea typeface="ＭＳ Ｐゴシック" panose="020B0600070205080204" pitchFamily="34" charset="-128"/>
+            </a:endParaRPr>
+          </a:p>
+          <a:p>
+            <a:pPr marL="0" indent="0">
+              <a:buNone/>
+            </a:pPr>
+            <a:endParaRPr lang="en-US" altLang="en-US" sz="2000" dirty="0">
+              <a:latin typeface="Tahoma" panose="020B0604030504040204" pitchFamily="34" charset="0"/>
+              <a:ea typeface="ＭＳ Ｐゴシック" panose="020B0600070205080204" pitchFamily="34" charset="-128"/>
+            </a:endParaRPr>
+          </a:p>
+          <a:p>
+            <a:pPr marL="0" indent="0">
+              <a:buNone/>
+            </a:pPr>
+            <a:r>
+              <a:rPr lang="en-US" altLang="en-US" sz="2000" dirty="0">
+                <a:latin typeface="Tahoma" panose="020B0604030504040204" pitchFamily="34" charset="0"/>
+                <a:ea typeface="ＭＳ Ｐゴシック" panose="020B0600070205080204" pitchFamily="34" charset="-128"/>
+              </a:rPr>
+              <a:t>1) Part of this lecture is taken from a lecture from an </a:t>
+            </a:r>
+            <a:r>
+              <a:rPr lang="en-US" altLang="en-US" sz="2000" dirty="0" err="1">
+                <a:latin typeface="Tahoma" panose="020B0604030504040204" pitchFamily="34" charset="0"/>
+                <a:ea typeface="ＭＳ Ｐゴシック" panose="020B0600070205080204" pitchFamily="34" charset="-128"/>
+              </a:rPr>
+              <a:t>OpenCourseWare</a:t>
+            </a:r>
+            <a:r>
+              <a:rPr lang="en-US" altLang="en-US" sz="2000" dirty="0">
+                <a:latin typeface="Tahoma" panose="020B0604030504040204" pitchFamily="34" charset="0"/>
+                <a:ea typeface="ＭＳ Ｐゴシック" panose="020B0600070205080204" pitchFamily="34" charset="-128"/>
+              </a:rPr>
+              <a:t> course below.</a:t>
+            </a:r>
+          </a:p>
+          <a:p>
+            <a:pPr marL="0" indent="0">
+              <a:buNone/>
+            </a:pPr>
+            <a:r>
+              <a:rPr lang="en-US" altLang="en-US" sz="2000" dirty="0">
+                <a:latin typeface="Tahoma" panose="020B0604030504040204" pitchFamily="34" charset="0"/>
+                <a:ea typeface="ＭＳ Ｐゴシック" panose="020B0600070205080204" pitchFamily="34" charset="-128"/>
+              </a:rPr>
+              <a:t>Computer Science E-1 at Harvard Extension School</a:t>
+            </a:r>
+          </a:p>
+          <a:p>
+            <a:pPr marL="0" indent="0">
+              <a:buNone/>
+            </a:pPr>
+            <a:r>
+              <a:rPr lang="en-US" altLang="en-US" sz="2000" dirty="0">
+                <a:latin typeface="Tahoma" panose="020B0604030504040204" pitchFamily="34" charset="0"/>
+                <a:ea typeface="ＭＳ Ｐゴシック" panose="020B0600070205080204" pitchFamily="34" charset="-128"/>
+              </a:rPr>
+              <a:t>Understanding Computers and the Internet</a:t>
+            </a:r>
+          </a:p>
+          <a:p>
+            <a:pPr marL="0" indent="0">
+              <a:buNone/>
+            </a:pPr>
+            <a:r>
+              <a:rPr lang="en-US" altLang="en-US" sz="2000" dirty="0">
+                <a:latin typeface="Tahoma" panose="020B0604030504040204" pitchFamily="34" charset="0"/>
+                <a:ea typeface="ＭＳ Ｐゴシック" panose="020B0600070205080204" pitchFamily="34" charset="-128"/>
+              </a:rPr>
+              <a:t>by Tommy </a:t>
+            </a:r>
+            <a:r>
+              <a:rPr lang="en-US" altLang="en-US" sz="2000" dirty="0" err="1">
+                <a:latin typeface="Tahoma" panose="020B0604030504040204" pitchFamily="34" charset="0"/>
+                <a:ea typeface="ＭＳ Ｐゴシック" panose="020B0600070205080204" pitchFamily="34" charset="-128"/>
+              </a:rPr>
+              <a:t>MacWilliam</a:t>
+            </a:r>
+            <a:r>
+              <a:rPr lang="en-US" altLang="en-US" sz="2000" dirty="0">
+                <a:latin typeface="Tahoma" panose="020B0604030504040204" pitchFamily="34" charset="0"/>
+                <a:ea typeface="ＭＳ Ｐゴシック" panose="020B0600070205080204" pitchFamily="34" charset="-128"/>
+              </a:rPr>
+              <a:t>.</a:t>
+            </a:r>
+          </a:p>
+          <a:p>
+            <a:pPr marL="0" indent="0">
+              <a:buNone/>
+            </a:pPr>
+            <a:endParaRPr lang="en-US" altLang="en-US" sz="2000" dirty="0">
+              <a:latin typeface="Tahoma" panose="020B0604030504040204" pitchFamily="34" charset="0"/>
+              <a:ea typeface="ＭＳ Ｐゴシック" panose="020B0600070205080204" pitchFamily="34" charset="-128"/>
+            </a:endParaRPr>
+          </a:p>
+          <a:p>
+            <a:pPr marL="0" indent="0">
+              <a:buNone/>
+            </a:pPr>
+            <a:r>
+              <a:rPr lang="en-US" altLang="en-US" sz="2000" dirty="0">
+                <a:latin typeface="Tahoma" panose="020B0604030504040204" pitchFamily="34" charset="0"/>
+                <a:ea typeface="ＭＳ Ｐゴシック" panose="020B0600070205080204" pitchFamily="34" charset="-128"/>
+              </a:rPr>
+              <a:t>2) The formulas for converting RGB to grayscale can be found in the GIMP documentation: </a:t>
+            </a:r>
+            <a:r>
+              <a:rPr lang="en-US" sz="2000" dirty="0">
+                <a:hlinkClick r:id="rId2"/>
+              </a:rPr>
+              <a:t>https://docs.gimp.org/2.6/en/gimp-tool-desaturate.html</a:t>
+            </a:r>
+            <a:endParaRPr lang="en-US" altLang="en-US" sz="2000" dirty="0">
+              <a:latin typeface="Tahoma" panose="020B0604030504040204" pitchFamily="34" charset="0"/>
+              <a:ea typeface="ＭＳ Ｐゴシック" panose="020B0600070205080204" pitchFamily="34" charset="-128"/>
+            </a:endParaRPr>
+          </a:p>
+          <a:p>
+            <a:pPr marL="0" indent="0">
+              <a:buNone/>
+            </a:pPr>
+            <a:endParaRPr lang="en-US" altLang="en-US" sz="2000" dirty="0">
+              <a:latin typeface="Tahoma" panose="020B0604030504040204" pitchFamily="34" charset="0"/>
+              <a:ea typeface="ＭＳ Ｐゴシック" panose="020B0600070205080204" pitchFamily="34" charset="-128"/>
+            </a:endParaRPr>
+          </a:p>
+          <a:p>
+            <a:pPr marL="0" indent="0">
+              <a:buNone/>
+            </a:pPr>
+            <a:endParaRPr lang="en-US" altLang="en-US" sz="2000" dirty="0">
+              <a:latin typeface="Tahoma" panose="020B0604030504040204" pitchFamily="34" charset="0"/>
+              <a:ea typeface="ＭＳ Ｐゴシック" panose="020B0600070205080204" pitchFamily="34" charset="-128"/>
+            </a:endParaRPr>
+          </a:p>
+        </p:txBody>
+      </p:sp>
+    </p:spTree>
+    <p:extLst>
+      <p:ext uri="{BB962C8B-B14F-4D97-AF65-F5344CB8AC3E}">
+        <p14:creationId xmlns:p14="http://schemas.microsoft.com/office/powerpoint/2010/main" val="2310690584"/>
+      </p:ext>
+    </p:extLst>
+  </p:cSld>
+  <p:clrMapOvr>
+    <a:masterClrMapping/>
+  </p:clrMapOvr>
 </p:sld>
 </file>
 
@@ -33646,237 +33707,6 @@
       </p:par>
     </p:tnLst>
   </p:timing>
-</p:sld>
-</file>
-
-<file path=ppt/slides/slide30.xml><?xml version="1.0" encoding="utf-8"?>
-<p:sld xmlns:a="http://schemas.openxmlformats.org/drawingml/2006/main" xmlns:r="http://schemas.openxmlformats.org/officeDocument/2006/relationships" xmlns:p="http://schemas.openxmlformats.org/presentationml/2006/main">
-  <p:cSld>
-    <p:spTree>
-      <p:nvGrpSpPr>
-        <p:cNvPr id="1" name=""/>
-        <p:cNvGrpSpPr/>
-        <p:nvPr/>
-      </p:nvGrpSpPr>
-      <p:grpSpPr>
-        <a:xfrm>
-          <a:off x="0" y="0"/>
-          <a:ext cx="0" cy="0"/>
-          <a:chOff x="0" y="0"/>
-          <a:chExt cx="0" cy="0"/>
-        </a:xfrm>
-      </p:grpSpPr>
-      <p:sp>
-        <p:nvSpPr>
-          <p:cNvPr id="55297" name="Title 1">
-            <a:extLst>
-              <a:ext uri="{FF2B5EF4-FFF2-40B4-BE49-F238E27FC236}">
-                <a16:creationId xmlns:a16="http://schemas.microsoft.com/office/drawing/2014/main" id="{04EF925E-10C6-394F-AB0C-F09871E99CC4}"/>
-              </a:ext>
-            </a:extLst>
-          </p:cNvPr>
-          <p:cNvSpPr>
-            <a:spLocks noGrp="1" noChangeArrowheads="1"/>
-          </p:cNvSpPr>
-          <p:nvPr>
-            <p:ph type="title"/>
-          </p:nvPr>
-        </p:nvSpPr>
-        <p:spPr/>
-        <p:txBody>
-          <a:bodyPr/>
-          <a:lstStyle/>
-          <a:p>
-            <a:pPr eaLnBrk="1" hangingPunct="1"/>
-            <a:r>
-              <a:rPr lang="en-US" altLang="en-US">
-                <a:ea typeface="ＭＳ Ｐゴシック" panose="020B0600070205080204" pitchFamily="34" charset="-128"/>
-              </a:rPr>
-              <a:t>References</a:t>
-            </a:r>
-          </a:p>
-        </p:txBody>
-      </p:sp>
-      <p:sp>
-        <p:nvSpPr>
-          <p:cNvPr id="55298" name="Content Placeholder 2">
-            <a:extLst>
-              <a:ext uri="{FF2B5EF4-FFF2-40B4-BE49-F238E27FC236}">
-                <a16:creationId xmlns:a16="http://schemas.microsoft.com/office/drawing/2014/main" id="{4AA38F8C-E2AA-EA4D-A486-FA2F457B38F7}"/>
-              </a:ext>
-            </a:extLst>
-          </p:cNvPr>
-          <p:cNvSpPr>
-            <a:spLocks noGrp="1" noChangeArrowheads="1"/>
-          </p:cNvSpPr>
-          <p:nvPr>
-            <p:ph idx="1"/>
-          </p:nvPr>
-        </p:nvSpPr>
-        <p:spPr>
-          <a:xfrm>
-            <a:off x="308610" y="1177290"/>
-            <a:ext cx="8595360" cy="4140835"/>
-          </a:xfrm>
-        </p:spPr>
-        <p:txBody>
-          <a:bodyPr/>
-          <a:lstStyle/>
-          <a:p>
-            <a:pPr marL="0" indent="0">
-              <a:buNone/>
-            </a:pPr>
-            <a:endParaRPr lang="en-US" altLang="en-US" sz="2000" dirty="0">
-              <a:latin typeface="Tahoma" panose="020B0604030504040204" pitchFamily="34" charset="0"/>
-              <a:ea typeface="ＭＳ Ｐゴシック" panose="020B0600070205080204" pitchFamily="34" charset="-128"/>
-            </a:endParaRPr>
-          </a:p>
-          <a:p>
-            <a:pPr marL="0" indent="0">
-              <a:buNone/>
-            </a:pPr>
-            <a:endParaRPr lang="en-US" altLang="en-US" sz="2000" dirty="0">
-              <a:latin typeface="Tahoma" panose="020B0604030504040204" pitchFamily="34" charset="0"/>
-              <a:ea typeface="ＭＳ Ｐゴシック" panose="020B0600070205080204" pitchFamily="34" charset="-128"/>
-            </a:endParaRPr>
-          </a:p>
-          <a:p>
-            <a:pPr marL="0" indent="0">
-              <a:buNone/>
-            </a:pPr>
-            <a:r>
-              <a:rPr lang="en-US" altLang="en-US" sz="2000" dirty="0">
-                <a:latin typeface="Tahoma" panose="020B0604030504040204" pitchFamily="34" charset="0"/>
-                <a:ea typeface="ＭＳ Ｐゴシック" panose="020B0600070205080204" pitchFamily="34" charset="-128"/>
-              </a:rPr>
-              <a:t>1) Part of this lecture is taken from a lecture from an </a:t>
-            </a:r>
-            <a:r>
-              <a:rPr lang="en-US" altLang="en-US" sz="2000" dirty="0" err="1">
-                <a:latin typeface="Tahoma" panose="020B0604030504040204" pitchFamily="34" charset="0"/>
-                <a:ea typeface="ＭＳ Ｐゴシック" panose="020B0600070205080204" pitchFamily="34" charset="-128"/>
-              </a:rPr>
-              <a:t>OpenCourseWare</a:t>
-            </a:r>
-            <a:r>
-              <a:rPr lang="en-US" altLang="en-US" sz="2000" dirty="0">
-                <a:latin typeface="Tahoma" panose="020B0604030504040204" pitchFamily="34" charset="0"/>
-                <a:ea typeface="ＭＳ Ｐゴシック" panose="020B0600070205080204" pitchFamily="34" charset="-128"/>
-              </a:rPr>
-              <a:t> course below.</a:t>
-            </a:r>
-          </a:p>
-          <a:p>
-            <a:pPr marL="0" indent="0">
-              <a:buNone/>
-            </a:pPr>
-            <a:r>
-              <a:rPr lang="en-US" altLang="en-US" sz="2000" dirty="0">
-                <a:latin typeface="Tahoma" panose="020B0604030504040204" pitchFamily="34" charset="0"/>
-                <a:ea typeface="ＭＳ Ｐゴシック" panose="020B0600070205080204" pitchFamily="34" charset="-128"/>
-              </a:rPr>
-              <a:t>Computer Science E-1 at Harvard Extension School</a:t>
-            </a:r>
-          </a:p>
-          <a:p>
-            <a:pPr marL="0" indent="0">
-              <a:buNone/>
-            </a:pPr>
-            <a:r>
-              <a:rPr lang="en-US" altLang="en-US" sz="2000" dirty="0">
-                <a:latin typeface="Tahoma" panose="020B0604030504040204" pitchFamily="34" charset="0"/>
-                <a:ea typeface="ＭＳ Ｐゴシック" panose="020B0600070205080204" pitchFamily="34" charset="-128"/>
-              </a:rPr>
-              <a:t>Understanding Computers and the Internet</a:t>
-            </a:r>
-          </a:p>
-          <a:p>
-            <a:pPr marL="0" indent="0">
-              <a:buNone/>
-            </a:pPr>
-            <a:r>
-              <a:rPr lang="en-US" altLang="en-US" sz="2000" dirty="0">
-                <a:latin typeface="Tahoma" panose="020B0604030504040204" pitchFamily="34" charset="0"/>
-                <a:ea typeface="ＭＳ Ｐゴシック" panose="020B0600070205080204" pitchFamily="34" charset="-128"/>
-              </a:rPr>
-              <a:t>by Tommy </a:t>
-            </a:r>
-            <a:r>
-              <a:rPr lang="en-US" altLang="en-US" sz="2000" dirty="0" err="1">
-                <a:latin typeface="Tahoma" panose="020B0604030504040204" pitchFamily="34" charset="0"/>
-                <a:ea typeface="ＭＳ Ｐゴシック" panose="020B0600070205080204" pitchFamily="34" charset="-128"/>
-              </a:rPr>
-              <a:t>MacWilliam</a:t>
-            </a:r>
-            <a:r>
-              <a:rPr lang="en-US" altLang="en-US" sz="2000" dirty="0">
-                <a:latin typeface="Tahoma" panose="020B0604030504040204" pitchFamily="34" charset="0"/>
-                <a:ea typeface="ＭＳ Ｐゴシック" panose="020B0600070205080204" pitchFamily="34" charset="-128"/>
-              </a:rPr>
-              <a:t>.</a:t>
-            </a:r>
-          </a:p>
-          <a:p>
-            <a:pPr marL="0" indent="0">
-              <a:buNone/>
-            </a:pPr>
-            <a:endParaRPr lang="en-US" altLang="en-US" sz="2000" dirty="0">
-              <a:latin typeface="Tahoma" panose="020B0604030504040204" pitchFamily="34" charset="0"/>
-              <a:ea typeface="ＭＳ Ｐゴシック" panose="020B0600070205080204" pitchFamily="34" charset="-128"/>
-            </a:endParaRPr>
-          </a:p>
-          <a:p>
-            <a:pPr marL="0" indent="0">
-              <a:buNone/>
-            </a:pPr>
-            <a:r>
-              <a:rPr lang="en-US" altLang="en-US" sz="2000" dirty="0">
-                <a:latin typeface="Tahoma" panose="020B0604030504040204" pitchFamily="34" charset="0"/>
-                <a:ea typeface="ＭＳ Ｐゴシック" panose="020B0600070205080204" pitchFamily="34" charset="-128"/>
-              </a:rPr>
-              <a:t>2) The formulas for converting RGB to grayscale can be found in the GIMP documentation: </a:t>
-            </a:r>
-            <a:r>
-              <a:rPr lang="en-US" sz="2000" dirty="0">
-                <a:hlinkClick r:id="rId2"/>
-              </a:rPr>
-              <a:t>https://docs.gimp.org/2.6/en/gimp-tool-desaturate.html</a:t>
-            </a:r>
-            <a:endParaRPr lang="en-US" altLang="en-US" sz="2000" dirty="0">
-              <a:latin typeface="Tahoma" panose="020B0604030504040204" pitchFamily="34" charset="0"/>
-              <a:ea typeface="ＭＳ Ｐゴシック" panose="020B0600070205080204" pitchFamily="34" charset="-128"/>
-            </a:endParaRPr>
-          </a:p>
-          <a:p>
-            <a:pPr marL="0" indent="0">
-              <a:buNone/>
-            </a:pPr>
-            <a:endParaRPr lang="en-US" altLang="en-US" sz="2000" dirty="0">
-              <a:latin typeface="Tahoma" panose="020B0604030504040204" pitchFamily="34" charset="0"/>
-              <a:ea typeface="ＭＳ Ｐゴシック" panose="020B0600070205080204" pitchFamily="34" charset="-128"/>
-            </a:endParaRPr>
-          </a:p>
-          <a:p>
-            <a:pPr marL="0" indent="0">
-              <a:buNone/>
-            </a:pPr>
-            <a:endParaRPr lang="en-US" altLang="en-US" sz="2000" dirty="0">
-              <a:latin typeface="Tahoma" panose="020B0604030504040204" pitchFamily="34" charset="0"/>
-              <a:ea typeface="ＭＳ Ｐゴシック" panose="020B0600070205080204" pitchFamily="34" charset="-128"/>
-            </a:endParaRPr>
-          </a:p>
-        </p:txBody>
-      </p:sp>
-    </p:spTree>
-    <p:extLst>
-      <p:ext uri="{BB962C8B-B14F-4D97-AF65-F5344CB8AC3E}">
-        <p14:creationId xmlns:p14="http://schemas.microsoft.com/office/powerpoint/2010/main" val="2310690584"/>
-      </p:ext>
-    </p:extLst>
-  </p:cSld>
-  <p:clrMapOvr>
-    <a:masterClrMapping/>
-  </p:clrMapOvr>
 </p:sld>
 </file>
 

--- a/courses/apcsp/lect14b.pptx
+++ b/courses/apcsp/lect14b.pptx
@@ -3539,7 +3539,7 @@
   <pc:docChgLst>
     <pc:chgData name="Long Nguyen" userId="f59fb8f3-a021-417a-8bc1-65c8d471c621" providerId="ADAL" clId="{F28BDA9A-BFEA-0A48-93A2-5F1590075D7B}"/>
     <pc:docChg chg="custSel addSld delSld modSld">
-      <pc:chgData name="Long Nguyen" userId="f59fb8f3-a021-417a-8bc1-65c8d471c621" providerId="ADAL" clId="{F28BDA9A-BFEA-0A48-93A2-5F1590075D7B}" dt="2022-02-08T21:01:54.641" v="320" actId="207"/>
+      <pc:chgData name="Long Nguyen" userId="f59fb8f3-a021-417a-8bc1-65c8d471c621" providerId="ADAL" clId="{F28BDA9A-BFEA-0A48-93A2-5F1590075D7B}" dt="2022-02-09T01:06:09.096" v="344" actId="20577"/>
       <pc:docMkLst>
         <pc:docMk/>
       </pc:docMkLst>
@@ -3640,6 +3640,21 @@
             <pc:docMk/>
             <pc:sldMk cId="1300860084" sldId="611"/>
             <ac:spMk id="16386" creationId="{B58E18ED-8D49-8844-A857-3DC2CAD817CB}"/>
+          </ac:spMkLst>
+        </pc:spChg>
+      </pc:sldChg>
+      <pc:sldChg chg="modSp mod">
+        <pc:chgData name="Long Nguyen" userId="f59fb8f3-a021-417a-8bc1-65c8d471c621" providerId="ADAL" clId="{F28BDA9A-BFEA-0A48-93A2-5F1590075D7B}" dt="2022-02-09T01:06:09.096" v="344" actId="20577"/>
+        <pc:sldMkLst>
+          <pc:docMk/>
+          <pc:sldMk cId="1482758976" sldId="614"/>
+        </pc:sldMkLst>
+        <pc:spChg chg="mod">
+          <ac:chgData name="Long Nguyen" userId="f59fb8f3-a021-417a-8bc1-65c8d471c621" providerId="ADAL" clId="{F28BDA9A-BFEA-0A48-93A2-5F1590075D7B}" dt="2022-02-09T01:06:09.096" v="344" actId="20577"/>
+          <ac:spMkLst>
+            <pc:docMk/>
+            <pc:sldMk cId="1482758976" sldId="614"/>
+            <ac:spMk id="38913" creationId="{01ABAB85-1B1D-E842-8BF4-B8AF13377E9C}"/>
           </ac:spMkLst>
         </pc:spChg>
       </pc:sldChg>
@@ -32702,7 +32717,7 @@
                 <a:latin typeface="Tahoma" panose="020B0604030504040204" pitchFamily="34" charset="0"/>
                 <a:ea typeface="ＭＳ Ｐゴシック" panose="020B0600070205080204" pitchFamily="34" charset="-128"/>
               </a:rPr>
-              <a:t>Tint</a:t>
+              <a:t>Tint(Optional)</a:t>
             </a:r>
           </a:p>
         </p:txBody>

--- a/courses/apcsp/lect14b.pptx
+++ b/courses/apcsp/lect14b.pptx
@@ -146,7 +146,7 @@
 <file path=ppt/revisionInfo.xml><?xml version="1.0" encoding="utf-8"?>
 <p1510:revInfo xmlns:a="http://schemas.openxmlformats.org/drawingml/2006/main" xmlns:r="http://schemas.openxmlformats.org/officeDocument/2006/relationships" xmlns:p1510="http://schemas.microsoft.com/office/powerpoint/2015/10/main">
   <p1510:revLst>
-    <p1510:client id="{F28BDA9A-BFEA-0A48-93A2-5F1590075D7B}" v="272" dt="2022-02-08T21:01:15.036"/>
+    <p1510:client id="{F28BDA9A-BFEA-0A48-93A2-5F1590075D7B}" v="312" dt="2022-02-10T16:46:09.559"/>
   </p1510:revLst>
 </p1510:revInfo>
 </file>
@@ -3539,7 +3539,7 @@
   <pc:docChgLst>
     <pc:chgData name="Long Nguyen" userId="f59fb8f3-a021-417a-8bc1-65c8d471c621" providerId="ADAL" clId="{F28BDA9A-BFEA-0A48-93A2-5F1590075D7B}"/>
     <pc:docChg chg="custSel addSld delSld modSld">
-      <pc:chgData name="Long Nguyen" userId="f59fb8f3-a021-417a-8bc1-65c8d471c621" providerId="ADAL" clId="{F28BDA9A-BFEA-0A48-93A2-5F1590075D7B}" dt="2022-02-09T01:06:09.096" v="344" actId="20577"/>
+      <pc:chgData name="Long Nguyen" userId="f59fb8f3-a021-417a-8bc1-65c8d471c621" providerId="ADAL" clId="{F28BDA9A-BFEA-0A48-93A2-5F1590075D7B}" dt="2022-02-10T16:46:09.559" v="384" actId="1076"/>
       <pc:docMkLst>
         <pc:docMk/>
       </pc:docMkLst>
@@ -3557,6 +3557,29 @@
             <ac:spMk id="16386" creationId="{FDE21009-F167-294A-90DA-D3129AD4DEB7}"/>
           </ac:spMkLst>
         </pc:spChg>
+      </pc:sldChg>
+      <pc:sldChg chg="modSp">
+        <pc:chgData name="Long Nguyen" userId="f59fb8f3-a021-417a-8bc1-65c8d471c621" providerId="ADAL" clId="{F28BDA9A-BFEA-0A48-93A2-5F1590075D7B}" dt="2022-02-10T16:46:09.559" v="384" actId="1076"/>
+        <pc:sldMkLst>
+          <pc:docMk/>
+          <pc:sldMk cId="2963124289" sldId="593"/>
+        </pc:sldMkLst>
+        <pc:picChg chg="mod">
+          <ac:chgData name="Long Nguyen" userId="f59fb8f3-a021-417a-8bc1-65c8d471c621" providerId="ADAL" clId="{F28BDA9A-BFEA-0A48-93A2-5F1590075D7B}" dt="2022-02-10T16:46:09.559" v="384" actId="1076"/>
+          <ac:picMkLst>
+            <pc:docMk/>
+            <pc:sldMk cId="2963124289" sldId="593"/>
+            <ac:picMk id="38916" creationId="{8720B090-DCDD-0E44-B6F5-49D2ED5D8A00}"/>
+          </ac:picMkLst>
+        </pc:picChg>
+        <pc:picChg chg="mod">
+          <ac:chgData name="Long Nguyen" userId="f59fb8f3-a021-417a-8bc1-65c8d471c621" providerId="ADAL" clId="{F28BDA9A-BFEA-0A48-93A2-5F1590075D7B}" dt="2022-02-10T15:14:37.065" v="379" actId="1076"/>
+          <ac:picMkLst>
+            <pc:docMk/>
+            <pc:sldMk cId="2963124289" sldId="593"/>
+            <ac:picMk id="38917" creationId="{1B40FF63-EA73-7A44-8137-79F00DEAEDD8}"/>
+          </ac:picMkLst>
+        </pc:picChg>
       </pc:sldChg>
       <pc:sldChg chg="modSp modAnim">
         <pc:chgData name="Long Nguyen" userId="f59fb8f3-a021-417a-8bc1-65c8d471c621" providerId="ADAL" clId="{F28BDA9A-BFEA-0A48-93A2-5F1590075D7B}" dt="2022-02-08T21:01:15.036" v="306"/>
@@ -4150,7 +4173,7 @@
           <a:p>
             <a:fld id="{11759725-BFEE-644C-A872-B7D4268C5620}" type="datetimeFigureOut">
               <a:rPr lang="en-US" smtClean="0"/>
-              <a:t>2/8/22</a:t>
+              <a:t>2/10/22</a:t>
             </a:fld>
             <a:endParaRPr lang="en-US"/>
           </a:p>
@@ -12036,7 +12059,7 @@
           <a:p>
             <a:fld id="{4AAD347D-5ACD-4C99-B74B-A9C85AD731AF}" type="datetimeFigureOut">
               <a:rPr lang="en-US" smtClean="0"/>
-              <a:t>2/8/22</a:t>
+              <a:t>2/10/22</a:t>
             </a:fld>
             <a:endParaRPr lang="en-US" dirty="0"/>
           </a:p>
@@ -12206,7 +12229,7 @@
           <a:p>
             <a:fld id="{4509A250-FF31-4206-8172-F9D3106AACB1}" type="datetimeFigureOut">
               <a:rPr lang="en-US" smtClean="0"/>
-              <a:t>2/8/22</a:t>
+              <a:t>2/10/22</a:t>
             </a:fld>
             <a:endParaRPr lang="en-US" dirty="0"/>
           </a:p>
@@ -12386,7 +12409,7 @@
           <a:p>
             <a:fld id="{4509A250-FF31-4206-8172-F9D3106AACB1}" type="datetimeFigureOut">
               <a:rPr lang="en-US" smtClean="0"/>
-              <a:t>2/8/22</a:t>
+              <a:t>2/10/22</a:t>
             </a:fld>
             <a:endParaRPr lang="en-US" dirty="0"/>
           </a:p>
@@ -12556,7 +12579,7 @@
           <a:p>
             <a:fld id="{4509A250-FF31-4206-8172-F9D3106AACB1}" type="datetimeFigureOut">
               <a:rPr lang="en-US" smtClean="0"/>
-              <a:t>2/8/22</a:t>
+              <a:t>2/10/22</a:t>
             </a:fld>
             <a:endParaRPr lang="en-US" dirty="0"/>
           </a:p>
@@ -12802,7 +12825,7 @@
           <a:p>
             <a:fld id="{9796027F-7875-4030-9381-8BD8C4F21935}" type="datetimeFigureOut">
               <a:rPr lang="en-US" smtClean="0"/>
-              <a:t>2/8/22</a:t>
+              <a:t>2/10/22</a:t>
             </a:fld>
             <a:endParaRPr lang="en-US" dirty="0"/>
           </a:p>
@@ -13034,7 +13057,7 @@
           <a:p>
             <a:fld id="{9796027F-7875-4030-9381-8BD8C4F21935}" type="datetimeFigureOut">
               <a:rPr lang="en-US" smtClean="0"/>
-              <a:t>2/8/22</a:t>
+              <a:t>2/10/22</a:t>
             </a:fld>
             <a:endParaRPr lang="en-US" dirty="0"/>
           </a:p>
@@ -13401,7 +13424,7 @@
           <a:p>
             <a:fld id="{9796027F-7875-4030-9381-8BD8C4F21935}" type="datetimeFigureOut">
               <a:rPr lang="en-US" smtClean="0"/>
-              <a:t>2/8/22</a:t>
+              <a:t>2/10/22</a:t>
             </a:fld>
             <a:endParaRPr lang="en-US" dirty="0"/>
           </a:p>
@@ -13519,7 +13542,7 @@
           <a:p>
             <a:fld id="{4509A250-FF31-4206-8172-F9D3106AACB1}" type="datetimeFigureOut">
               <a:rPr lang="en-US" smtClean="0"/>
-              <a:t>2/8/22</a:t>
+              <a:t>2/10/22</a:t>
             </a:fld>
             <a:endParaRPr lang="en-US" dirty="0"/>
           </a:p>
@@ -13614,7 +13637,7 @@
           <a:p>
             <a:fld id="{4509A250-FF31-4206-8172-F9D3106AACB1}" type="datetimeFigureOut">
               <a:rPr lang="en-US" smtClean="0"/>
-              <a:t>2/8/22</a:t>
+              <a:t>2/10/22</a:t>
             </a:fld>
             <a:endParaRPr lang="en-US" dirty="0"/>
           </a:p>
@@ -13891,7 +13914,7 @@
           <a:p>
             <a:fld id="{4509A250-FF31-4206-8172-F9D3106AACB1}" type="datetimeFigureOut">
               <a:rPr lang="en-US" smtClean="0"/>
-              <a:t>2/8/22</a:t>
+              <a:t>2/10/22</a:t>
             </a:fld>
             <a:endParaRPr lang="en-US" dirty="0"/>
           </a:p>
@@ -14148,7 +14171,7 @@
           <a:p>
             <a:fld id="{4509A250-FF31-4206-8172-F9D3106AACB1}" type="datetimeFigureOut">
               <a:rPr lang="en-US" smtClean="0"/>
-              <a:t>2/8/22</a:t>
+              <a:t>2/10/22</a:t>
             </a:fld>
             <a:endParaRPr lang="en-US" dirty="0"/>
           </a:p>
@@ -14361,7 +14384,7 @@
           <a:p>
             <a:fld id="{4AAD347D-5ACD-4C99-B74B-A9C85AD731AF}" type="datetimeFigureOut">
               <a:rPr lang="en-US" smtClean="0"/>
-              <a:t>2/8/22</a:t>
+              <a:t>2/10/22</a:t>
             </a:fld>
             <a:endParaRPr lang="en-US" dirty="0"/>
           </a:p>
@@ -16358,8 +16381,8 @@
         </p:blipFill>
         <p:spPr bwMode="auto">
           <a:xfrm>
-            <a:off x="5127118" y="2637997"/>
-            <a:ext cx="1680936" cy="458951"/>
+            <a:off x="4703444" y="2249291"/>
+            <a:ext cx="3060809" cy="835702"/>
           </a:xfrm>
           <a:prstGeom prst="rect">
             <a:avLst/>
@@ -16418,8 +16441,8 @@
         </p:blipFill>
         <p:spPr bwMode="auto">
           <a:xfrm>
-            <a:off x="1655109" y="3606349"/>
-            <a:ext cx="6096671" cy="2058302"/>
+            <a:off x="1651678" y="3194324"/>
+            <a:ext cx="6103533" cy="2060619"/>
           </a:xfrm>
           <a:prstGeom prst="rect">
             <a:avLst/>

--- a/courses/apcsp/lect14b.pptx
+++ b/courses/apcsp/lect14b.pptx
@@ -146,7 +146,7 @@
 <file path=ppt/revisionInfo.xml><?xml version="1.0" encoding="utf-8"?>
 <p1510:revInfo xmlns:a="http://schemas.openxmlformats.org/drawingml/2006/main" xmlns:r="http://schemas.openxmlformats.org/officeDocument/2006/relationships" xmlns:p1510="http://schemas.microsoft.com/office/powerpoint/2015/10/main">
   <p1510:revLst>
-    <p1510:client id="{F28BDA9A-BFEA-0A48-93A2-5F1590075D7B}" v="312" dt="2022-02-10T16:46:09.559"/>
+    <p1510:client id="{F28BDA9A-BFEA-0A48-93A2-5F1590075D7B}" v="316" dt="2022-02-15T18:00:04.097"/>
   </p1510:revLst>
 </p1510:revInfo>
 </file>
@@ -3539,7 +3539,7 @@
   <pc:docChgLst>
     <pc:chgData name="Long Nguyen" userId="f59fb8f3-a021-417a-8bc1-65c8d471c621" providerId="ADAL" clId="{F28BDA9A-BFEA-0A48-93A2-5F1590075D7B}"/>
     <pc:docChg chg="custSel addSld delSld modSld">
-      <pc:chgData name="Long Nguyen" userId="f59fb8f3-a021-417a-8bc1-65c8d471c621" providerId="ADAL" clId="{F28BDA9A-BFEA-0A48-93A2-5F1590075D7B}" dt="2022-02-10T16:46:09.559" v="384" actId="1076"/>
+      <pc:chgData name="Long Nguyen" userId="f59fb8f3-a021-417a-8bc1-65c8d471c621" providerId="ADAL" clId="{F28BDA9A-BFEA-0A48-93A2-5F1590075D7B}" dt="2022-02-15T18:00:04.097" v="388" actId="20577"/>
       <pc:docMkLst>
         <pc:docMk/>
       </pc:docMkLst>
@@ -3582,13 +3582,13 @@
         </pc:picChg>
       </pc:sldChg>
       <pc:sldChg chg="modSp modAnim">
-        <pc:chgData name="Long Nguyen" userId="f59fb8f3-a021-417a-8bc1-65c8d471c621" providerId="ADAL" clId="{F28BDA9A-BFEA-0A48-93A2-5F1590075D7B}" dt="2022-02-08T21:01:15.036" v="306"/>
+        <pc:chgData name="Long Nguyen" userId="f59fb8f3-a021-417a-8bc1-65c8d471c621" providerId="ADAL" clId="{F28BDA9A-BFEA-0A48-93A2-5F1590075D7B}" dt="2022-02-15T18:00:04.097" v="388" actId="20577"/>
         <pc:sldMkLst>
           <pc:docMk/>
           <pc:sldMk cId="1230781990" sldId="606"/>
         </pc:sldMkLst>
         <pc:spChg chg="mod">
-          <ac:chgData name="Long Nguyen" userId="f59fb8f3-a021-417a-8bc1-65c8d471c621" providerId="ADAL" clId="{F28BDA9A-BFEA-0A48-93A2-5F1590075D7B}" dt="2022-02-08T20:56:24.136" v="192" actId="20577"/>
+          <ac:chgData name="Long Nguyen" userId="f59fb8f3-a021-417a-8bc1-65c8d471c621" providerId="ADAL" clId="{F28BDA9A-BFEA-0A48-93A2-5F1590075D7B}" dt="2022-02-15T18:00:04.097" v="388" actId="20577"/>
           <ac:spMkLst>
             <pc:docMk/>
             <pc:sldMk cId="1230781990" sldId="606"/>
@@ -4173,7 +4173,7 @@
           <a:p>
             <a:fld id="{11759725-BFEE-644C-A872-B7D4268C5620}" type="datetimeFigureOut">
               <a:rPr lang="en-US" smtClean="0"/>
-              <a:t>2/10/22</a:t>
+              <a:t>2/15/22</a:t>
             </a:fld>
             <a:endParaRPr lang="en-US"/>
           </a:p>
@@ -12059,7 +12059,7 @@
           <a:p>
             <a:fld id="{4AAD347D-5ACD-4C99-B74B-A9C85AD731AF}" type="datetimeFigureOut">
               <a:rPr lang="en-US" smtClean="0"/>
-              <a:t>2/10/22</a:t>
+              <a:t>2/15/22</a:t>
             </a:fld>
             <a:endParaRPr lang="en-US" dirty="0"/>
           </a:p>
@@ -12229,7 +12229,7 @@
           <a:p>
             <a:fld id="{4509A250-FF31-4206-8172-F9D3106AACB1}" type="datetimeFigureOut">
               <a:rPr lang="en-US" smtClean="0"/>
-              <a:t>2/10/22</a:t>
+              <a:t>2/15/22</a:t>
             </a:fld>
             <a:endParaRPr lang="en-US" dirty="0"/>
           </a:p>
@@ -12409,7 +12409,7 @@
           <a:p>
             <a:fld id="{4509A250-FF31-4206-8172-F9D3106AACB1}" type="datetimeFigureOut">
               <a:rPr lang="en-US" smtClean="0"/>
-              <a:t>2/10/22</a:t>
+              <a:t>2/15/22</a:t>
             </a:fld>
             <a:endParaRPr lang="en-US" dirty="0"/>
           </a:p>
@@ -12579,7 +12579,7 @@
           <a:p>
             <a:fld id="{4509A250-FF31-4206-8172-F9D3106AACB1}" type="datetimeFigureOut">
               <a:rPr lang="en-US" smtClean="0"/>
-              <a:t>2/10/22</a:t>
+              <a:t>2/15/22</a:t>
             </a:fld>
             <a:endParaRPr lang="en-US" dirty="0"/>
           </a:p>
@@ -12825,7 +12825,7 @@
           <a:p>
             <a:fld id="{9796027F-7875-4030-9381-8BD8C4F21935}" type="datetimeFigureOut">
               <a:rPr lang="en-US" smtClean="0"/>
-              <a:t>2/10/22</a:t>
+              <a:t>2/15/22</a:t>
             </a:fld>
             <a:endParaRPr lang="en-US" dirty="0"/>
           </a:p>
@@ -13057,7 +13057,7 @@
           <a:p>
             <a:fld id="{9796027F-7875-4030-9381-8BD8C4F21935}" type="datetimeFigureOut">
               <a:rPr lang="en-US" smtClean="0"/>
-              <a:t>2/10/22</a:t>
+              <a:t>2/15/22</a:t>
             </a:fld>
             <a:endParaRPr lang="en-US" dirty="0"/>
           </a:p>
@@ -13424,7 +13424,7 @@
           <a:p>
             <a:fld id="{9796027F-7875-4030-9381-8BD8C4F21935}" type="datetimeFigureOut">
               <a:rPr lang="en-US" smtClean="0"/>
-              <a:t>2/10/22</a:t>
+              <a:t>2/15/22</a:t>
             </a:fld>
             <a:endParaRPr lang="en-US" dirty="0"/>
           </a:p>
@@ -13542,7 +13542,7 @@
           <a:p>
             <a:fld id="{4509A250-FF31-4206-8172-F9D3106AACB1}" type="datetimeFigureOut">
               <a:rPr lang="en-US" smtClean="0"/>
-              <a:t>2/10/22</a:t>
+              <a:t>2/15/22</a:t>
             </a:fld>
             <a:endParaRPr lang="en-US" dirty="0"/>
           </a:p>
@@ -13637,7 +13637,7 @@
           <a:p>
             <a:fld id="{4509A250-FF31-4206-8172-F9D3106AACB1}" type="datetimeFigureOut">
               <a:rPr lang="en-US" smtClean="0"/>
-              <a:t>2/10/22</a:t>
+              <a:t>2/15/22</a:t>
             </a:fld>
             <a:endParaRPr lang="en-US" dirty="0"/>
           </a:p>
@@ -13914,7 +13914,7 @@
           <a:p>
             <a:fld id="{4509A250-FF31-4206-8172-F9D3106AACB1}" type="datetimeFigureOut">
               <a:rPr lang="en-US" smtClean="0"/>
-              <a:t>2/10/22</a:t>
+              <a:t>2/15/22</a:t>
             </a:fld>
             <a:endParaRPr lang="en-US" dirty="0"/>
           </a:p>
@@ -14171,7 +14171,7 @@
           <a:p>
             <a:fld id="{4509A250-FF31-4206-8172-F9D3106AACB1}" type="datetimeFigureOut">
               <a:rPr lang="en-US" smtClean="0"/>
-              <a:t>2/10/22</a:t>
+              <a:t>2/15/22</a:t>
             </a:fld>
             <a:endParaRPr lang="en-US" dirty="0"/>
           </a:p>
@@ -14384,7 +14384,7 @@
           <a:p>
             <a:fld id="{4AAD347D-5ACD-4C99-B74B-A9C85AD731AF}" type="datetimeFigureOut">
               <a:rPr lang="en-US" smtClean="0"/>
-              <a:t>2/10/22</a:t>
+              <a:t>2/15/22</a:t>
             </a:fld>
             <a:endParaRPr lang="en-US" dirty="0"/>
           </a:p>
@@ -26949,7 +26949,7 @@
                 <a:latin typeface="Inconsolata" panose="020B0609030003000000" pitchFamily="49" charset="77"/>
                 <a:ea typeface="ＭＳ Ｐゴシック" panose="020B0600070205080204" pitchFamily="34" charset="-128"/>
               </a:rPr>
-              <a:t>[:, :, 0] = </a:t>
+              <a:t>[:, :, 1] = </a:t>
             </a:r>
             <a:r>
               <a:rPr lang="en-US" altLang="en-US" sz="2000" b="1" dirty="0" err="1">
@@ -26997,7 +26997,21 @@
                 <a:latin typeface="Inconsolata" panose="020B0609030003000000" pitchFamily="49" charset="77"/>
                 <a:ea typeface="ＭＳ Ｐゴシック" panose="020B0600070205080204" pitchFamily="34" charset="-128"/>
               </a:rPr>
-              <a:t>[:, :, 0] = </a:t>
+              <a:t>[:, </a:t>
+            </a:r>
+            <a:r>
+              <a:rPr lang="en-US" altLang="en-US" sz="2000" b="1">
+                <a:latin typeface="Inconsolata" panose="020B0609030003000000" pitchFamily="49" charset="77"/>
+                <a:ea typeface="ＭＳ Ｐゴシック" panose="020B0600070205080204" pitchFamily="34" charset="-128"/>
+              </a:rPr>
+              <a:t>:, 2] </a:t>
+            </a:r>
+            <a:r>
+              <a:rPr lang="en-US" altLang="en-US" sz="2000" b="1" dirty="0">
+                <a:latin typeface="Inconsolata" panose="020B0609030003000000" pitchFamily="49" charset="77"/>
+                <a:ea typeface="ＭＳ Ｐゴシック" panose="020B0600070205080204" pitchFamily="34" charset="-128"/>
+              </a:rPr>
+              <a:t>= </a:t>
             </a:r>
             <a:r>
               <a:rPr lang="en-US" altLang="en-US" sz="2000" b="1" dirty="0" err="1">

--- a/courses/apcsp/lect14b.pptx
+++ b/courses/apcsp/lect14b.pptx
@@ -146,7 +146,7 @@
 <file path=ppt/revisionInfo.xml><?xml version="1.0" encoding="utf-8"?>
 <p1510:revInfo xmlns:a="http://schemas.openxmlformats.org/drawingml/2006/main" xmlns:r="http://schemas.openxmlformats.org/officeDocument/2006/relationships" xmlns:p1510="http://schemas.microsoft.com/office/powerpoint/2015/10/main">
   <p1510:revLst>
-    <p1510:client id="{F28BDA9A-BFEA-0A48-93A2-5F1590075D7B}" v="316" dt="2022-02-15T18:00:04.097"/>
+    <p1510:client id="{F28BDA9A-BFEA-0A48-93A2-5F1590075D7B}" v="319" dt="2022-02-16T18:32:46.597"/>
   </p1510:revLst>
 </p1510:revInfo>
 </file>
@@ -3539,7 +3539,7 @@
   <pc:docChgLst>
     <pc:chgData name="Long Nguyen" userId="f59fb8f3-a021-417a-8bc1-65c8d471c621" providerId="ADAL" clId="{F28BDA9A-BFEA-0A48-93A2-5F1590075D7B}"/>
     <pc:docChg chg="custSel addSld delSld modSld">
-      <pc:chgData name="Long Nguyen" userId="f59fb8f3-a021-417a-8bc1-65c8d471c621" providerId="ADAL" clId="{F28BDA9A-BFEA-0A48-93A2-5F1590075D7B}" dt="2022-02-15T18:00:04.097" v="388" actId="20577"/>
+      <pc:chgData name="Long Nguyen" userId="f59fb8f3-a021-417a-8bc1-65c8d471c621" providerId="ADAL" clId="{F28BDA9A-BFEA-0A48-93A2-5F1590075D7B}" dt="2022-02-16T18:32:46.597" v="391" actId="20577"/>
       <pc:docMkLst>
         <pc:docMk/>
       </pc:docMkLst>
@@ -3582,13 +3582,13 @@
         </pc:picChg>
       </pc:sldChg>
       <pc:sldChg chg="modSp modAnim">
-        <pc:chgData name="Long Nguyen" userId="f59fb8f3-a021-417a-8bc1-65c8d471c621" providerId="ADAL" clId="{F28BDA9A-BFEA-0A48-93A2-5F1590075D7B}" dt="2022-02-15T18:00:04.097" v="388" actId="20577"/>
+        <pc:chgData name="Long Nguyen" userId="f59fb8f3-a021-417a-8bc1-65c8d471c621" providerId="ADAL" clId="{F28BDA9A-BFEA-0A48-93A2-5F1590075D7B}" dt="2022-02-16T18:32:46.597" v="391" actId="20577"/>
         <pc:sldMkLst>
           <pc:docMk/>
           <pc:sldMk cId="1230781990" sldId="606"/>
         </pc:sldMkLst>
         <pc:spChg chg="mod">
-          <ac:chgData name="Long Nguyen" userId="f59fb8f3-a021-417a-8bc1-65c8d471c621" providerId="ADAL" clId="{F28BDA9A-BFEA-0A48-93A2-5F1590075D7B}" dt="2022-02-15T18:00:04.097" v="388" actId="20577"/>
+          <ac:chgData name="Long Nguyen" userId="f59fb8f3-a021-417a-8bc1-65c8d471c621" providerId="ADAL" clId="{F28BDA9A-BFEA-0A48-93A2-5F1590075D7B}" dt="2022-02-16T18:32:46.597" v="391" actId="20577"/>
           <ac:spMkLst>
             <pc:docMk/>
             <pc:sldMk cId="1230781990" sldId="606"/>
@@ -4173,7 +4173,7 @@
           <a:p>
             <a:fld id="{11759725-BFEE-644C-A872-B7D4268C5620}" type="datetimeFigureOut">
               <a:rPr lang="en-US" smtClean="0"/>
-              <a:t>2/15/22</a:t>
+              <a:t>2/16/22</a:t>
             </a:fld>
             <a:endParaRPr lang="en-US"/>
           </a:p>
@@ -12059,7 +12059,7 @@
           <a:p>
             <a:fld id="{4AAD347D-5ACD-4C99-B74B-A9C85AD731AF}" type="datetimeFigureOut">
               <a:rPr lang="en-US" smtClean="0"/>
-              <a:t>2/15/22</a:t>
+              <a:t>2/16/22</a:t>
             </a:fld>
             <a:endParaRPr lang="en-US" dirty="0"/>
           </a:p>
@@ -12229,7 +12229,7 @@
           <a:p>
             <a:fld id="{4509A250-FF31-4206-8172-F9D3106AACB1}" type="datetimeFigureOut">
               <a:rPr lang="en-US" smtClean="0"/>
-              <a:t>2/15/22</a:t>
+              <a:t>2/16/22</a:t>
             </a:fld>
             <a:endParaRPr lang="en-US" dirty="0"/>
           </a:p>
@@ -12409,7 +12409,7 @@
           <a:p>
             <a:fld id="{4509A250-FF31-4206-8172-F9D3106AACB1}" type="datetimeFigureOut">
               <a:rPr lang="en-US" smtClean="0"/>
-              <a:t>2/15/22</a:t>
+              <a:t>2/16/22</a:t>
             </a:fld>
             <a:endParaRPr lang="en-US" dirty="0"/>
           </a:p>
@@ -12579,7 +12579,7 @@
           <a:p>
             <a:fld id="{4509A250-FF31-4206-8172-F9D3106AACB1}" type="datetimeFigureOut">
               <a:rPr lang="en-US" smtClean="0"/>
-              <a:t>2/15/22</a:t>
+              <a:t>2/16/22</a:t>
             </a:fld>
             <a:endParaRPr lang="en-US" dirty="0"/>
           </a:p>
@@ -12825,7 +12825,7 @@
           <a:p>
             <a:fld id="{9796027F-7875-4030-9381-8BD8C4F21935}" type="datetimeFigureOut">
               <a:rPr lang="en-US" smtClean="0"/>
-              <a:t>2/15/22</a:t>
+              <a:t>2/16/22</a:t>
             </a:fld>
             <a:endParaRPr lang="en-US" dirty="0"/>
           </a:p>
@@ -13057,7 +13057,7 @@
           <a:p>
             <a:fld id="{9796027F-7875-4030-9381-8BD8C4F21935}" type="datetimeFigureOut">
               <a:rPr lang="en-US" smtClean="0"/>
-              <a:t>2/15/22</a:t>
+              <a:t>2/16/22</a:t>
             </a:fld>
             <a:endParaRPr lang="en-US" dirty="0"/>
           </a:p>
@@ -13424,7 +13424,7 @@
           <a:p>
             <a:fld id="{9796027F-7875-4030-9381-8BD8C4F21935}" type="datetimeFigureOut">
               <a:rPr lang="en-US" smtClean="0"/>
-              <a:t>2/15/22</a:t>
+              <a:t>2/16/22</a:t>
             </a:fld>
             <a:endParaRPr lang="en-US" dirty="0"/>
           </a:p>
@@ -13542,7 +13542,7 @@
           <a:p>
             <a:fld id="{4509A250-FF31-4206-8172-F9D3106AACB1}" type="datetimeFigureOut">
               <a:rPr lang="en-US" smtClean="0"/>
-              <a:t>2/15/22</a:t>
+              <a:t>2/16/22</a:t>
             </a:fld>
             <a:endParaRPr lang="en-US" dirty="0"/>
           </a:p>
@@ -13637,7 +13637,7 @@
           <a:p>
             <a:fld id="{4509A250-FF31-4206-8172-F9D3106AACB1}" type="datetimeFigureOut">
               <a:rPr lang="en-US" smtClean="0"/>
-              <a:t>2/15/22</a:t>
+              <a:t>2/16/22</a:t>
             </a:fld>
             <a:endParaRPr lang="en-US" dirty="0"/>
           </a:p>
@@ -13914,7 +13914,7 @@
           <a:p>
             <a:fld id="{4509A250-FF31-4206-8172-F9D3106AACB1}" type="datetimeFigureOut">
               <a:rPr lang="en-US" smtClean="0"/>
-              <a:t>2/15/22</a:t>
+              <a:t>2/16/22</a:t>
             </a:fld>
             <a:endParaRPr lang="en-US" dirty="0"/>
           </a:p>
@@ -14171,7 +14171,7 @@
           <a:p>
             <a:fld id="{4509A250-FF31-4206-8172-F9D3106AACB1}" type="datetimeFigureOut">
               <a:rPr lang="en-US" smtClean="0"/>
-              <a:t>2/15/22</a:t>
+              <a:t>2/16/22</a:t>
             </a:fld>
             <a:endParaRPr lang="en-US" dirty="0"/>
           </a:p>
@@ -14384,7 +14384,7 @@
           <a:p>
             <a:fld id="{4AAD347D-5ACD-4C99-B74B-A9C85AD731AF}" type="datetimeFigureOut">
               <a:rPr lang="en-US" smtClean="0"/>
-              <a:t>2/15/22</a:t>
+              <a:t>2/16/22</a:t>
             </a:fld>
             <a:endParaRPr lang="en-US" dirty="0"/>
           </a:p>
@@ -26647,7 +26647,7 @@
                 </a:solidFill>
                 <a:latin typeface="Inconsolata" panose="020B0609030003000000" pitchFamily="49" charset="77"/>
               </a:rPr>
-              <a:t>np.zeroes</a:t>
+              <a:t>np.zeros</a:t>
             </a:r>
             <a:r>
               <a:rPr lang="en-US" sz="2000" b="1" dirty="0">
@@ -26724,7 +26724,7 @@
                 </a:solidFill>
                 <a:latin typeface="Inconsolata" panose="020B0609030003000000" pitchFamily="49" charset="77"/>
               </a:rPr>
-              <a:t>np.zeroes</a:t>
+              <a:t>np.zeros</a:t>
             </a:r>
             <a:r>
               <a:rPr lang="en-US" sz="2000" b="1" dirty="0">
@@ -26809,7 +26809,7 @@
                 </a:solidFill>
                 <a:latin typeface="Inconsolata" panose="020B0609030003000000" pitchFamily="49" charset="77"/>
               </a:rPr>
-              <a:t>np.zeroes</a:t>
+              <a:t>np.zeros</a:t>
             </a:r>
             <a:r>
               <a:rPr lang="en-US" sz="2000" b="1" dirty="0">
@@ -26997,21 +26997,7 @@
                 <a:latin typeface="Inconsolata" panose="020B0609030003000000" pitchFamily="49" charset="77"/>
                 <a:ea typeface="ＭＳ Ｐゴシック" panose="020B0600070205080204" pitchFamily="34" charset="-128"/>
               </a:rPr>
-              <a:t>[:, </a:t>
-            </a:r>
-            <a:r>
-              <a:rPr lang="en-US" altLang="en-US" sz="2000" b="1">
-                <a:latin typeface="Inconsolata" panose="020B0609030003000000" pitchFamily="49" charset="77"/>
-                <a:ea typeface="ＭＳ Ｐゴシック" panose="020B0600070205080204" pitchFamily="34" charset="-128"/>
-              </a:rPr>
-              <a:t>:, 2] </a:t>
-            </a:r>
-            <a:r>
-              <a:rPr lang="en-US" altLang="en-US" sz="2000" b="1" dirty="0">
-                <a:latin typeface="Inconsolata" panose="020B0609030003000000" pitchFamily="49" charset="77"/>
-                <a:ea typeface="ＭＳ Ｐゴシック" panose="020B0600070205080204" pitchFamily="34" charset="-128"/>
-              </a:rPr>
-              <a:t>= </a:t>
+              <a:t>[:, :, 2] = </a:t>
             </a:r>
             <a:r>
               <a:rPr lang="en-US" altLang="en-US" sz="2000" b="1" dirty="0" err="1">

--- a/courses/apcsp/lect14b.pptx
+++ b/courses/apcsp/lect14b.pptx
@@ -146,7 +146,7 @@
 <file path=ppt/revisionInfo.xml><?xml version="1.0" encoding="utf-8"?>
 <p1510:revInfo xmlns:a="http://schemas.openxmlformats.org/drawingml/2006/main" xmlns:r="http://schemas.openxmlformats.org/officeDocument/2006/relationships" xmlns:p1510="http://schemas.microsoft.com/office/powerpoint/2015/10/main">
   <p1510:revLst>
-    <p1510:client id="{F28BDA9A-BFEA-0A48-93A2-5F1590075D7B}" v="319" dt="2022-02-16T18:32:46.597"/>
+    <p1510:client id="{E750E5C6-FF21-6A4B-87D9-06DAFBDEEAE8}" v="22" dt="2023-02-13T17:12:41.030"/>
   </p1510:revLst>
 </p1510:revInfo>
 </file>
@@ -3537,6 +3537,38 @@
     </pc:docChg>
   </pc:docChgLst>
   <pc:docChgLst>
+    <pc:chgData name="Long Nguyen" userId="f59fb8f3-a021-417a-8bc1-65c8d471c621" providerId="ADAL" clId="{E750E5C6-FF21-6A4B-87D9-06DAFBDEEAE8}"/>
+    <pc:docChg chg="modSld">
+      <pc:chgData name="Long Nguyen" userId="f59fb8f3-a021-417a-8bc1-65c8d471c621" providerId="ADAL" clId="{E750E5C6-FF21-6A4B-87D9-06DAFBDEEAE8}" dt="2023-02-13T17:12:41.030" v="21" actId="1076"/>
+      <pc:docMkLst>
+        <pc:docMk/>
+      </pc:docMkLst>
+      <pc:sldChg chg="modSp">
+        <pc:chgData name="Long Nguyen" userId="f59fb8f3-a021-417a-8bc1-65c8d471c621" providerId="ADAL" clId="{E750E5C6-FF21-6A4B-87D9-06DAFBDEEAE8}" dt="2023-02-13T17:12:41.030" v="21" actId="1076"/>
+        <pc:sldMkLst>
+          <pc:docMk/>
+          <pc:sldMk cId="2963124289" sldId="593"/>
+        </pc:sldMkLst>
+        <pc:picChg chg="mod">
+          <ac:chgData name="Long Nguyen" userId="f59fb8f3-a021-417a-8bc1-65c8d471c621" providerId="ADAL" clId="{E750E5C6-FF21-6A4B-87D9-06DAFBDEEAE8}" dt="2023-02-13T17:12:41.030" v="21" actId="1076"/>
+          <ac:picMkLst>
+            <pc:docMk/>
+            <pc:sldMk cId="2963124289" sldId="593"/>
+            <ac:picMk id="38916" creationId="{8720B090-DCDD-0E44-B6F5-49D2ED5D8A00}"/>
+          </ac:picMkLst>
+        </pc:picChg>
+        <pc:picChg chg="mod">
+          <ac:chgData name="Long Nguyen" userId="f59fb8f3-a021-417a-8bc1-65c8d471c621" providerId="ADAL" clId="{E750E5C6-FF21-6A4B-87D9-06DAFBDEEAE8}" dt="2023-02-13T17:12:03.182" v="15" actId="14100"/>
+          <ac:picMkLst>
+            <pc:docMk/>
+            <pc:sldMk cId="2963124289" sldId="593"/>
+            <ac:picMk id="38917" creationId="{1B40FF63-EA73-7A44-8137-79F00DEAEDD8}"/>
+          </ac:picMkLst>
+        </pc:picChg>
+      </pc:sldChg>
+    </pc:docChg>
+  </pc:docChgLst>
+  <pc:docChgLst>
     <pc:chgData name="Long Nguyen" userId="f59fb8f3-a021-417a-8bc1-65c8d471c621" providerId="ADAL" clId="{F28BDA9A-BFEA-0A48-93A2-5F1590075D7B}"/>
     <pc:docChg chg="custSel addSld delSld modSld">
       <pc:chgData name="Long Nguyen" userId="f59fb8f3-a021-417a-8bc1-65c8d471c621" providerId="ADAL" clId="{F28BDA9A-BFEA-0A48-93A2-5F1590075D7B}" dt="2022-02-16T18:32:46.597" v="391" actId="20577"/>
@@ -4173,7 +4205,7 @@
           <a:p>
             <a:fld id="{11759725-BFEE-644C-A872-B7D4268C5620}" type="datetimeFigureOut">
               <a:rPr lang="en-US" smtClean="0"/>
-              <a:t>2/16/22</a:t>
+              <a:t>2/13/23</a:t>
             </a:fld>
             <a:endParaRPr lang="en-US"/>
           </a:p>
@@ -12059,7 +12091,7 @@
           <a:p>
             <a:fld id="{4AAD347D-5ACD-4C99-B74B-A9C85AD731AF}" type="datetimeFigureOut">
               <a:rPr lang="en-US" smtClean="0"/>
-              <a:t>2/16/22</a:t>
+              <a:t>2/13/23</a:t>
             </a:fld>
             <a:endParaRPr lang="en-US" dirty="0"/>
           </a:p>
@@ -12229,7 +12261,7 @@
           <a:p>
             <a:fld id="{4509A250-FF31-4206-8172-F9D3106AACB1}" type="datetimeFigureOut">
               <a:rPr lang="en-US" smtClean="0"/>
-              <a:t>2/16/22</a:t>
+              <a:t>2/13/23</a:t>
             </a:fld>
             <a:endParaRPr lang="en-US" dirty="0"/>
           </a:p>
@@ -12409,7 +12441,7 @@
           <a:p>
             <a:fld id="{4509A250-FF31-4206-8172-F9D3106AACB1}" type="datetimeFigureOut">
               <a:rPr lang="en-US" smtClean="0"/>
-              <a:t>2/16/22</a:t>
+              <a:t>2/13/23</a:t>
             </a:fld>
             <a:endParaRPr lang="en-US" dirty="0"/>
           </a:p>
@@ -12579,7 +12611,7 @@
           <a:p>
             <a:fld id="{4509A250-FF31-4206-8172-F9D3106AACB1}" type="datetimeFigureOut">
               <a:rPr lang="en-US" smtClean="0"/>
-              <a:t>2/16/22</a:t>
+              <a:t>2/13/23</a:t>
             </a:fld>
             <a:endParaRPr lang="en-US" dirty="0"/>
           </a:p>
@@ -12825,7 +12857,7 @@
           <a:p>
             <a:fld id="{9796027F-7875-4030-9381-8BD8C4F21935}" type="datetimeFigureOut">
               <a:rPr lang="en-US" smtClean="0"/>
-              <a:t>2/16/22</a:t>
+              <a:t>2/13/23</a:t>
             </a:fld>
             <a:endParaRPr lang="en-US" dirty="0"/>
           </a:p>
@@ -13057,7 +13089,7 @@
           <a:p>
             <a:fld id="{9796027F-7875-4030-9381-8BD8C4F21935}" type="datetimeFigureOut">
               <a:rPr lang="en-US" smtClean="0"/>
-              <a:t>2/16/22</a:t>
+              <a:t>2/13/23</a:t>
             </a:fld>
             <a:endParaRPr lang="en-US" dirty="0"/>
           </a:p>
@@ -13424,7 +13456,7 @@
           <a:p>
             <a:fld id="{9796027F-7875-4030-9381-8BD8C4F21935}" type="datetimeFigureOut">
               <a:rPr lang="en-US" smtClean="0"/>
-              <a:t>2/16/22</a:t>
+              <a:t>2/13/23</a:t>
             </a:fld>
             <a:endParaRPr lang="en-US" dirty="0"/>
           </a:p>
@@ -13542,7 +13574,7 @@
           <a:p>
             <a:fld id="{4509A250-FF31-4206-8172-F9D3106AACB1}" type="datetimeFigureOut">
               <a:rPr lang="en-US" smtClean="0"/>
-              <a:t>2/16/22</a:t>
+              <a:t>2/13/23</a:t>
             </a:fld>
             <a:endParaRPr lang="en-US" dirty="0"/>
           </a:p>
@@ -13637,7 +13669,7 @@
           <a:p>
             <a:fld id="{4509A250-FF31-4206-8172-F9D3106AACB1}" type="datetimeFigureOut">
               <a:rPr lang="en-US" smtClean="0"/>
-              <a:t>2/16/22</a:t>
+              <a:t>2/13/23</a:t>
             </a:fld>
             <a:endParaRPr lang="en-US" dirty="0"/>
           </a:p>
@@ -13914,7 +13946,7 @@
           <a:p>
             <a:fld id="{4509A250-FF31-4206-8172-F9D3106AACB1}" type="datetimeFigureOut">
               <a:rPr lang="en-US" smtClean="0"/>
-              <a:t>2/16/22</a:t>
+              <a:t>2/13/23</a:t>
             </a:fld>
             <a:endParaRPr lang="en-US" dirty="0"/>
           </a:p>
@@ -14171,7 +14203,7 @@
           <a:p>
             <a:fld id="{4509A250-FF31-4206-8172-F9D3106AACB1}" type="datetimeFigureOut">
               <a:rPr lang="en-US" smtClean="0"/>
-              <a:t>2/16/22</a:t>
+              <a:t>2/13/23</a:t>
             </a:fld>
             <a:endParaRPr lang="en-US" dirty="0"/>
           </a:p>
@@ -14384,7 +14416,7 @@
           <a:p>
             <a:fld id="{4AAD347D-5ACD-4C99-B74B-A9C85AD731AF}" type="datetimeFigureOut">
               <a:rPr lang="en-US" smtClean="0"/>
-              <a:t>2/16/22</a:t>
+              <a:t>2/13/23</a:t>
             </a:fld>
             <a:endParaRPr lang="en-US" dirty="0"/>
           </a:p>
@@ -16381,8 +16413,8 @@
         </p:blipFill>
         <p:spPr bwMode="auto">
           <a:xfrm>
-            <a:off x="4703444" y="2249291"/>
-            <a:ext cx="3060809" cy="835702"/>
+            <a:off x="-3545354" y="-1577908"/>
+            <a:ext cx="30046034" cy="8203562"/>
           </a:xfrm>
           <a:prstGeom prst="rect">
             <a:avLst/>
@@ -16441,8 +16473,8 @@
         </p:blipFill>
         <p:spPr bwMode="auto">
           <a:xfrm>
-            <a:off x="1651678" y="3194324"/>
-            <a:ext cx="6103533" cy="2060619"/>
+            <a:off x="5021947" y="4635500"/>
+            <a:ext cx="4971690" cy="1678496"/>
           </a:xfrm>
           <a:prstGeom prst="rect">
             <a:avLst/>

--- a/courses/apcsp/lect14b.pptx
+++ b/courses/apcsp/lect14b.pptx
@@ -146,7 +146,7 @@
 <file path=ppt/revisionInfo.xml><?xml version="1.0" encoding="utf-8"?>
 <p1510:revInfo xmlns:a="http://schemas.openxmlformats.org/drawingml/2006/main" xmlns:r="http://schemas.openxmlformats.org/officeDocument/2006/relationships" xmlns:p1510="http://schemas.microsoft.com/office/powerpoint/2015/10/main">
   <p1510:revLst>
-    <p1510:client id="{E750E5C6-FF21-6A4B-87D9-06DAFBDEEAE8}" v="22" dt="2023-02-13T17:12:41.030"/>
+    <p1510:client id="{E750E5C6-FF21-6A4B-87D9-06DAFBDEEAE8}" v="32" dt="2023-02-14T15:07:23.435"/>
   </p1510:revLst>
 </p1510:revInfo>
 </file>
@@ -3539,18 +3539,18 @@
   <pc:docChgLst>
     <pc:chgData name="Long Nguyen" userId="f59fb8f3-a021-417a-8bc1-65c8d471c621" providerId="ADAL" clId="{E750E5C6-FF21-6A4B-87D9-06DAFBDEEAE8}"/>
     <pc:docChg chg="modSld">
-      <pc:chgData name="Long Nguyen" userId="f59fb8f3-a021-417a-8bc1-65c8d471c621" providerId="ADAL" clId="{E750E5C6-FF21-6A4B-87D9-06DAFBDEEAE8}" dt="2023-02-13T17:12:41.030" v="21" actId="1076"/>
+      <pc:chgData name="Long Nguyen" userId="f59fb8f3-a021-417a-8bc1-65c8d471c621" providerId="ADAL" clId="{E750E5C6-FF21-6A4B-87D9-06DAFBDEEAE8}" dt="2023-02-14T15:07:23.435" v="31" actId="1076"/>
       <pc:docMkLst>
         <pc:docMk/>
       </pc:docMkLst>
       <pc:sldChg chg="modSp">
-        <pc:chgData name="Long Nguyen" userId="f59fb8f3-a021-417a-8bc1-65c8d471c621" providerId="ADAL" clId="{E750E5C6-FF21-6A4B-87D9-06DAFBDEEAE8}" dt="2023-02-13T17:12:41.030" v="21" actId="1076"/>
+        <pc:chgData name="Long Nguyen" userId="f59fb8f3-a021-417a-8bc1-65c8d471c621" providerId="ADAL" clId="{E750E5C6-FF21-6A4B-87D9-06DAFBDEEAE8}" dt="2023-02-14T15:07:23.435" v="31" actId="1076"/>
         <pc:sldMkLst>
           <pc:docMk/>
           <pc:sldMk cId="2963124289" sldId="593"/>
         </pc:sldMkLst>
         <pc:picChg chg="mod">
-          <ac:chgData name="Long Nguyen" userId="f59fb8f3-a021-417a-8bc1-65c8d471c621" providerId="ADAL" clId="{E750E5C6-FF21-6A4B-87D9-06DAFBDEEAE8}" dt="2023-02-13T17:12:41.030" v="21" actId="1076"/>
+          <ac:chgData name="Long Nguyen" userId="f59fb8f3-a021-417a-8bc1-65c8d471c621" providerId="ADAL" clId="{E750E5C6-FF21-6A4B-87D9-06DAFBDEEAE8}" dt="2023-02-14T15:07:21.930" v="30" actId="1076"/>
           <ac:picMkLst>
             <pc:docMk/>
             <pc:sldMk cId="2963124289" sldId="593"/>
@@ -3558,7 +3558,7 @@
           </ac:picMkLst>
         </pc:picChg>
         <pc:picChg chg="mod">
-          <ac:chgData name="Long Nguyen" userId="f59fb8f3-a021-417a-8bc1-65c8d471c621" providerId="ADAL" clId="{E750E5C6-FF21-6A4B-87D9-06DAFBDEEAE8}" dt="2023-02-13T17:12:03.182" v="15" actId="14100"/>
+          <ac:chgData name="Long Nguyen" userId="f59fb8f3-a021-417a-8bc1-65c8d471c621" providerId="ADAL" clId="{E750E5C6-FF21-6A4B-87D9-06DAFBDEEAE8}" dt="2023-02-14T15:07:23.435" v="31" actId="1076"/>
           <ac:picMkLst>
             <pc:docMk/>
             <pc:sldMk cId="2963124289" sldId="593"/>
@@ -4205,7 +4205,7 @@
           <a:p>
             <a:fld id="{11759725-BFEE-644C-A872-B7D4268C5620}" type="datetimeFigureOut">
               <a:rPr lang="en-US" smtClean="0"/>
-              <a:t>2/13/23</a:t>
+              <a:t>2/14/23</a:t>
             </a:fld>
             <a:endParaRPr lang="en-US"/>
           </a:p>
@@ -12091,7 +12091,7 @@
           <a:p>
             <a:fld id="{4AAD347D-5ACD-4C99-B74B-A9C85AD731AF}" type="datetimeFigureOut">
               <a:rPr lang="en-US" smtClean="0"/>
-              <a:t>2/13/23</a:t>
+              <a:t>2/14/23</a:t>
             </a:fld>
             <a:endParaRPr lang="en-US" dirty="0"/>
           </a:p>
@@ -12261,7 +12261,7 @@
           <a:p>
             <a:fld id="{4509A250-FF31-4206-8172-F9D3106AACB1}" type="datetimeFigureOut">
               <a:rPr lang="en-US" smtClean="0"/>
-              <a:t>2/13/23</a:t>
+              <a:t>2/14/23</a:t>
             </a:fld>
             <a:endParaRPr lang="en-US" dirty="0"/>
           </a:p>
@@ -12441,7 +12441,7 @@
           <a:p>
             <a:fld id="{4509A250-FF31-4206-8172-F9D3106AACB1}" type="datetimeFigureOut">
               <a:rPr lang="en-US" smtClean="0"/>
-              <a:t>2/13/23</a:t>
+              <a:t>2/14/23</a:t>
             </a:fld>
             <a:endParaRPr lang="en-US" dirty="0"/>
           </a:p>
@@ -12611,7 +12611,7 @@
           <a:p>
             <a:fld id="{4509A250-FF31-4206-8172-F9D3106AACB1}" type="datetimeFigureOut">
               <a:rPr lang="en-US" smtClean="0"/>
-              <a:t>2/13/23</a:t>
+              <a:t>2/14/23</a:t>
             </a:fld>
             <a:endParaRPr lang="en-US" dirty="0"/>
           </a:p>
@@ -12857,7 +12857,7 @@
           <a:p>
             <a:fld id="{9796027F-7875-4030-9381-8BD8C4F21935}" type="datetimeFigureOut">
               <a:rPr lang="en-US" smtClean="0"/>
-              <a:t>2/13/23</a:t>
+              <a:t>2/14/23</a:t>
             </a:fld>
             <a:endParaRPr lang="en-US" dirty="0"/>
           </a:p>
@@ -13089,7 +13089,7 @@
           <a:p>
             <a:fld id="{9796027F-7875-4030-9381-8BD8C4F21935}" type="datetimeFigureOut">
               <a:rPr lang="en-US" smtClean="0"/>
-              <a:t>2/13/23</a:t>
+              <a:t>2/14/23</a:t>
             </a:fld>
             <a:endParaRPr lang="en-US" dirty="0"/>
           </a:p>
@@ -13456,7 +13456,7 @@
           <a:p>
             <a:fld id="{9796027F-7875-4030-9381-8BD8C4F21935}" type="datetimeFigureOut">
               <a:rPr lang="en-US" smtClean="0"/>
-              <a:t>2/13/23</a:t>
+              <a:t>2/14/23</a:t>
             </a:fld>
             <a:endParaRPr lang="en-US" dirty="0"/>
           </a:p>
@@ -13574,7 +13574,7 @@
           <a:p>
             <a:fld id="{4509A250-FF31-4206-8172-F9D3106AACB1}" type="datetimeFigureOut">
               <a:rPr lang="en-US" smtClean="0"/>
-              <a:t>2/13/23</a:t>
+              <a:t>2/14/23</a:t>
             </a:fld>
             <a:endParaRPr lang="en-US" dirty="0"/>
           </a:p>
@@ -13669,7 +13669,7 @@
           <a:p>
             <a:fld id="{4509A250-FF31-4206-8172-F9D3106AACB1}" type="datetimeFigureOut">
               <a:rPr lang="en-US" smtClean="0"/>
-              <a:t>2/13/23</a:t>
+              <a:t>2/14/23</a:t>
             </a:fld>
             <a:endParaRPr lang="en-US" dirty="0"/>
           </a:p>
@@ -13946,7 +13946,7 @@
           <a:p>
             <a:fld id="{4509A250-FF31-4206-8172-F9D3106AACB1}" type="datetimeFigureOut">
               <a:rPr lang="en-US" smtClean="0"/>
-              <a:t>2/13/23</a:t>
+              <a:t>2/14/23</a:t>
             </a:fld>
             <a:endParaRPr lang="en-US" dirty="0"/>
           </a:p>
@@ -14203,7 +14203,7 @@
           <a:p>
             <a:fld id="{4509A250-FF31-4206-8172-F9D3106AACB1}" type="datetimeFigureOut">
               <a:rPr lang="en-US" smtClean="0"/>
-              <a:t>2/13/23</a:t>
+              <a:t>2/14/23</a:t>
             </a:fld>
             <a:endParaRPr lang="en-US" dirty="0"/>
           </a:p>
@@ -14416,7 +14416,7 @@
           <a:p>
             <a:fld id="{4AAD347D-5ACD-4C99-B74B-A9C85AD731AF}" type="datetimeFigureOut">
               <a:rPr lang="en-US" smtClean="0"/>
-              <a:t>2/13/23</a:t>
+              <a:t>2/14/23</a:t>
             </a:fld>
             <a:endParaRPr lang="en-US" dirty="0"/>
           </a:p>
@@ -16413,8 +16413,8 @@
         </p:blipFill>
         <p:spPr bwMode="auto">
           <a:xfrm>
-            <a:off x="-3545354" y="-1577908"/>
-            <a:ext cx="30046034" cy="8203562"/>
+            <a:off x="4349218" y="2416740"/>
+            <a:ext cx="3479734" cy="950083"/>
           </a:xfrm>
           <a:prstGeom prst="rect">
             <a:avLst/>
@@ -16473,7 +16473,7 @@
         </p:blipFill>
         <p:spPr bwMode="auto">
           <a:xfrm>
-            <a:off x="5021947" y="4635500"/>
+            <a:off x="2622992" y="3639629"/>
             <a:ext cx="4971690" cy="1678496"/>
           </a:xfrm>
           <a:prstGeom prst="rect">

--- a/courses/apcsp/lect14b.pptx
+++ b/courses/apcsp/lect14b.pptx
@@ -146,7 +146,7 @@
 <file path=ppt/revisionInfo.xml><?xml version="1.0" encoding="utf-8"?>
 <p1510:revInfo xmlns:a="http://schemas.openxmlformats.org/drawingml/2006/main" xmlns:r="http://schemas.openxmlformats.org/officeDocument/2006/relationships" xmlns:p1510="http://schemas.microsoft.com/office/powerpoint/2015/10/main">
   <p1510:revLst>
-    <p1510:client id="{E750E5C6-FF21-6A4B-87D9-06DAFBDEEAE8}" v="32" dt="2023-02-14T15:07:23.435"/>
+    <p1510:client id="{E750E5C6-FF21-6A4B-87D9-06DAFBDEEAE8}" v="96" dt="2023-02-28T16:53:06.770"/>
   </p1510:revLst>
 </p1510:revInfo>
 </file>
@@ -3539,7 +3539,7 @@
   <pc:docChgLst>
     <pc:chgData name="Long Nguyen" userId="f59fb8f3-a021-417a-8bc1-65c8d471c621" providerId="ADAL" clId="{E750E5C6-FF21-6A4B-87D9-06DAFBDEEAE8}"/>
     <pc:docChg chg="modSld">
-      <pc:chgData name="Long Nguyen" userId="f59fb8f3-a021-417a-8bc1-65c8d471c621" providerId="ADAL" clId="{E750E5C6-FF21-6A4B-87D9-06DAFBDEEAE8}" dt="2023-02-14T15:07:23.435" v="31" actId="1076"/>
+      <pc:chgData name="Long Nguyen" userId="f59fb8f3-a021-417a-8bc1-65c8d471c621" providerId="ADAL" clId="{E750E5C6-FF21-6A4B-87D9-06DAFBDEEAE8}" dt="2023-02-28T16:53:06.770" v="95" actId="20577"/>
       <pc:docMkLst>
         <pc:docMk/>
       </pc:docMkLst>
@@ -3565,6 +3565,36 @@
             <ac:picMk id="38917" creationId="{1B40FF63-EA73-7A44-8137-79F00DEAEDD8}"/>
           </ac:picMkLst>
         </pc:picChg>
+      </pc:sldChg>
+      <pc:sldChg chg="modSp modAnim">
+        <pc:chgData name="Long Nguyen" userId="f59fb8f3-a021-417a-8bc1-65c8d471c621" providerId="ADAL" clId="{E750E5C6-FF21-6A4B-87D9-06DAFBDEEAE8}" dt="2023-02-28T16:53:06.770" v="95" actId="20577"/>
+        <pc:sldMkLst>
+          <pc:docMk/>
+          <pc:sldMk cId="1230781990" sldId="606"/>
+        </pc:sldMkLst>
+        <pc:spChg chg="mod">
+          <ac:chgData name="Long Nguyen" userId="f59fb8f3-a021-417a-8bc1-65c8d471c621" providerId="ADAL" clId="{E750E5C6-FF21-6A4B-87D9-06DAFBDEEAE8}" dt="2023-02-28T16:53:06.770" v="95" actId="20577"/>
+          <ac:spMkLst>
+            <pc:docMk/>
+            <pc:sldMk cId="1230781990" sldId="606"/>
+            <ac:spMk id="16386" creationId="{B58E18ED-8D49-8844-A857-3DC2CAD817CB}"/>
+          </ac:spMkLst>
+        </pc:spChg>
+      </pc:sldChg>
+      <pc:sldChg chg="modSp">
+        <pc:chgData name="Long Nguyen" userId="f59fb8f3-a021-417a-8bc1-65c8d471c621" providerId="ADAL" clId="{E750E5C6-FF21-6A4B-87D9-06DAFBDEEAE8}" dt="2023-02-28T16:52:45.044" v="46" actId="20577"/>
+        <pc:sldMkLst>
+          <pc:docMk/>
+          <pc:sldMk cId="3448653526" sldId="617"/>
+        </pc:sldMkLst>
+        <pc:spChg chg="mod">
+          <ac:chgData name="Long Nguyen" userId="f59fb8f3-a021-417a-8bc1-65c8d471c621" providerId="ADAL" clId="{E750E5C6-FF21-6A4B-87D9-06DAFBDEEAE8}" dt="2023-02-28T16:52:45.044" v="46" actId="20577"/>
+          <ac:spMkLst>
+            <pc:docMk/>
+            <pc:sldMk cId="3448653526" sldId="617"/>
+            <ac:spMk id="16386" creationId="{B58E18ED-8D49-8844-A857-3DC2CAD817CB}"/>
+          </ac:spMkLst>
+        </pc:spChg>
       </pc:sldChg>
     </pc:docChg>
   </pc:docChgLst>
@@ -4205,7 +4235,7 @@
           <a:p>
             <a:fld id="{11759725-BFEE-644C-A872-B7D4268C5620}" type="datetimeFigureOut">
               <a:rPr lang="en-US" smtClean="0"/>
-              <a:t>2/14/23</a:t>
+              <a:t>2/28/23</a:t>
             </a:fld>
             <a:endParaRPr lang="en-US"/>
           </a:p>
@@ -12091,7 +12121,7 @@
           <a:p>
             <a:fld id="{4AAD347D-5ACD-4C99-B74B-A9C85AD731AF}" type="datetimeFigureOut">
               <a:rPr lang="en-US" smtClean="0"/>
-              <a:t>2/14/23</a:t>
+              <a:t>2/28/23</a:t>
             </a:fld>
             <a:endParaRPr lang="en-US" dirty="0"/>
           </a:p>
@@ -12261,7 +12291,7 @@
           <a:p>
             <a:fld id="{4509A250-FF31-4206-8172-F9D3106AACB1}" type="datetimeFigureOut">
               <a:rPr lang="en-US" smtClean="0"/>
-              <a:t>2/14/23</a:t>
+              <a:t>2/28/23</a:t>
             </a:fld>
             <a:endParaRPr lang="en-US" dirty="0"/>
           </a:p>
@@ -12441,7 +12471,7 @@
           <a:p>
             <a:fld id="{4509A250-FF31-4206-8172-F9D3106AACB1}" type="datetimeFigureOut">
               <a:rPr lang="en-US" smtClean="0"/>
-              <a:t>2/14/23</a:t>
+              <a:t>2/28/23</a:t>
             </a:fld>
             <a:endParaRPr lang="en-US" dirty="0"/>
           </a:p>
@@ -12611,7 +12641,7 @@
           <a:p>
             <a:fld id="{4509A250-FF31-4206-8172-F9D3106AACB1}" type="datetimeFigureOut">
               <a:rPr lang="en-US" smtClean="0"/>
-              <a:t>2/14/23</a:t>
+              <a:t>2/28/23</a:t>
             </a:fld>
             <a:endParaRPr lang="en-US" dirty="0"/>
           </a:p>
@@ -12857,7 +12887,7 @@
           <a:p>
             <a:fld id="{9796027F-7875-4030-9381-8BD8C4F21935}" type="datetimeFigureOut">
               <a:rPr lang="en-US" smtClean="0"/>
-              <a:t>2/14/23</a:t>
+              <a:t>2/28/23</a:t>
             </a:fld>
             <a:endParaRPr lang="en-US" dirty="0"/>
           </a:p>
@@ -13089,7 +13119,7 @@
           <a:p>
             <a:fld id="{9796027F-7875-4030-9381-8BD8C4F21935}" type="datetimeFigureOut">
               <a:rPr lang="en-US" smtClean="0"/>
-              <a:t>2/14/23</a:t>
+              <a:t>2/28/23</a:t>
             </a:fld>
             <a:endParaRPr lang="en-US" dirty="0"/>
           </a:p>
@@ -13456,7 +13486,7 @@
           <a:p>
             <a:fld id="{9796027F-7875-4030-9381-8BD8C4F21935}" type="datetimeFigureOut">
               <a:rPr lang="en-US" smtClean="0"/>
-              <a:t>2/14/23</a:t>
+              <a:t>2/28/23</a:t>
             </a:fld>
             <a:endParaRPr lang="en-US" dirty="0"/>
           </a:p>
@@ -13574,7 +13604,7 @@
           <a:p>
             <a:fld id="{4509A250-FF31-4206-8172-F9D3106AACB1}" type="datetimeFigureOut">
               <a:rPr lang="en-US" smtClean="0"/>
-              <a:t>2/14/23</a:t>
+              <a:t>2/28/23</a:t>
             </a:fld>
             <a:endParaRPr lang="en-US" dirty="0"/>
           </a:p>
@@ -13669,7 +13699,7 @@
           <a:p>
             <a:fld id="{4509A250-FF31-4206-8172-F9D3106AACB1}" type="datetimeFigureOut">
               <a:rPr lang="en-US" smtClean="0"/>
-              <a:t>2/14/23</a:t>
+              <a:t>2/28/23</a:t>
             </a:fld>
             <a:endParaRPr lang="en-US" dirty="0"/>
           </a:p>
@@ -13946,7 +13976,7 @@
           <a:p>
             <a:fld id="{4509A250-FF31-4206-8172-F9D3106AACB1}" type="datetimeFigureOut">
               <a:rPr lang="en-US" smtClean="0"/>
-              <a:t>2/14/23</a:t>
+              <a:t>2/28/23</a:t>
             </a:fld>
             <a:endParaRPr lang="en-US" dirty="0"/>
           </a:p>
@@ -14203,7 +14233,7 @@
           <a:p>
             <a:fld id="{4509A250-FF31-4206-8172-F9D3106AACB1}" type="datetimeFigureOut">
               <a:rPr lang="en-US" smtClean="0"/>
-              <a:t>2/14/23</a:t>
+              <a:t>2/28/23</a:t>
             </a:fld>
             <a:endParaRPr lang="en-US" dirty="0"/>
           </a:p>
@@ -14416,7 +14446,7 @@
           <a:p>
             <a:fld id="{4AAD347D-5ACD-4C99-B74B-A9C85AD731AF}" type="datetimeFigureOut">
               <a:rPr lang="en-US" smtClean="0"/>
-              <a:t>2/14/23</a:t>
+              <a:t>2/28/23</a:t>
             </a:fld>
             <a:endParaRPr lang="en-US" dirty="0"/>
           </a:p>
@@ -26621,34 +26651,8 @@
                 </a:solidFill>
                 <a:latin typeface="Inconsolata" panose="020B0609030003000000" pitchFamily="49" charset="77"/>
               </a:rPr>
-              <a:t>, all zeroes, 8-bit unsigned </a:t>
-            </a:r>
-            <a:r>
-              <a:rPr lang="en-US" sz="2000" b="1" dirty="0" err="1">
-                <a:solidFill>
-                  <a:schemeClr val="accent1">
-                    <a:lumMod val="75000"/>
-                  </a:schemeClr>
-                </a:solidFill>
-                <a:latin typeface="Inconsolata" panose="020B0609030003000000" pitchFamily="49" charset="77"/>
-              </a:rPr>
-              <a:t>ints</a:t>
-            </a:r>
-            <a:r>
-              <a:rPr lang="en-US" sz="2000" b="1" dirty="0">
-                <a:solidFill>
-                  <a:schemeClr val="accent1">
-                    <a:lumMod val="75000"/>
-                  </a:schemeClr>
-                </a:solidFill>
-                <a:latin typeface="Inconsolata" panose="020B0609030003000000" pitchFamily="49" charset="77"/>
-              </a:rPr>
-              <a:t>(0-255)</a:t>
-            </a:r>
-            <a:endParaRPr lang="en-US" altLang="en-US" sz="2000" dirty="0">
-              <a:latin typeface="Gill Sans MT" panose="020B0502020104020203" pitchFamily="34" charset="77"/>
-              <a:ea typeface="ＭＳ Ｐゴシック" panose="020B0600070205080204" pitchFamily="34" charset="-128"/>
-            </a:endParaRPr>
+              <a:t>, all zeroes</a:t>
+            </a:r>
           </a:p>
           <a:p>
             <a:pPr marL="0" indent="0">
@@ -26706,25 +26710,7 @@
                 </a:solidFill>
                 <a:latin typeface="Inconsolata" panose="020B0609030003000000" pitchFamily="49" charset="77"/>
               </a:rPr>
-              <a:t>, </a:t>
-            </a:r>
-            <a:r>
-              <a:rPr lang="en-US" sz="2000" b="1" dirty="0" err="1">
-                <a:solidFill>
-                  <a:srgbClr val="000000"/>
-                </a:solidFill>
-                <a:latin typeface="Inconsolata" panose="020B0609030003000000" pitchFamily="49" charset="77"/>
-              </a:rPr>
-              <a:t>dtype</a:t>
-            </a:r>
-            <a:r>
-              <a:rPr lang="en-US" sz="2000" b="1" dirty="0">
-                <a:solidFill>
-                  <a:srgbClr val="000000"/>
-                </a:solidFill>
-                <a:latin typeface="Inconsolata" panose="020B0609030003000000" pitchFamily="49" charset="77"/>
-              </a:rPr>
-              <a:t>="uint8")</a:t>
+              <a:t>)</a:t>
             </a:r>
           </a:p>
           <a:p>
@@ -26783,25 +26769,7 @@
                 </a:solidFill>
                 <a:latin typeface="Inconsolata" panose="020B0609030003000000" pitchFamily="49" charset="77"/>
               </a:rPr>
-              <a:t>, </a:t>
-            </a:r>
-            <a:r>
-              <a:rPr lang="en-US" sz="2000" b="1" dirty="0" err="1">
-                <a:solidFill>
-                  <a:srgbClr val="000000"/>
-                </a:solidFill>
-                <a:latin typeface="Inconsolata" panose="020B0609030003000000" pitchFamily="49" charset="77"/>
-              </a:rPr>
-              <a:t>dtype</a:t>
-            </a:r>
-            <a:r>
-              <a:rPr lang="en-US" sz="2000" b="1" dirty="0">
-                <a:solidFill>
-                  <a:srgbClr val="000000"/>
-                </a:solidFill>
-                <a:latin typeface="Inconsolata" panose="020B0609030003000000" pitchFamily="49" charset="77"/>
-              </a:rPr>
-              <a:t>="uint8")</a:t>
+              <a:t>)</a:t>
             </a:r>
             <a:endParaRPr lang="en-US" sz="2000" b="1" dirty="0">
               <a:solidFill>
@@ -26868,25 +26836,7 @@
                 </a:solidFill>
                 <a:latin typeface="Inconsolata" panose="020B0609030003000000" pitchFamily="49" charset="77"/>
               </a:rPr>
-              <a:t>, </a:t>
-            </a:r>
-            <a:r>
-              <a:rPr lang="en-US" sz="2000" b="1" dirty="0" err="1">
-                <a:solidFill>
-                  <a:srgbClr val="000000"/>
-                </a:solidFill>
-                <a:latin typeface="Inconsolata" panose="020B0609030003000000" pitchFamily="49" charset="77"/>
-              </a:rPr>
-              <a:t>dtype</a:t>
-            </a:r>
-            <a:r>
-              <a:rPr lang="en-US" sz="2000" b="1" dirty="0">
-                <a:solidFill>
-                  <a:srgbClr val="000000"/>
-                </a:solidFill>
-                <a:latin typeface="Inconsolata" panose="020B0609030003000000" pitchFamily="49" charset="77"/>
-              </a:rPr>
-              <a:t>="uint8")</a:t>
+              <a:t>)</a:t>
             </a:r>
             <a:endParaRPr lang="en-US" sz="2000" b="1" dirty="0">
               <a:solidFill>
@@ -29167,21 +29117,7 @@
                 <a:latin typeface="Inconsolata" panose="020B0609030003000000" pitchFamily="49" charset="77"/>
                 <a:ea typeface="ＭＳ Ｐゴシック" panose="020B0600070205080204" pitchFamily="34" charset="-128"/>
               </a:rPr>
-              <a:t>, </a:t>
-            </a:r>
-            <a:r>
-              <a:rPr lang="en-US" altLang="en-US" sz="2000" b="1" dirty="0" err="1">
-                <a:latin typeface="Inconsolata" panose="020B0609030003000000" pitchFamily="49" charset="77"/>
-                <a:ea typeface="ＭＳ Ｐゴシック" panose="020B0600070205080204" pitchFamily="34" charset="-128"/>
-              </a:rPr>
-              <a:t>dtype</a:t>
-            </a:r>
-            <a:r>
-              <a:rPr lang="en-US" altLang="en-US" sz="2000" b="1" dirty="0">
-                <a:latin typeface="Inconsolata" panose="020B0609030003000000" pitchFamily="49" charset="77"/>
-                <a:ea typeface="ＭＳ Ｐゴシック" panose="020B0600070205080204" pitchFamily="34" charset="-128"/>
-              </a:rPr>
-              <a:t>="uint8")</a:t>
+              <a:t>)</a:t>
             </a:r>
           </a:p>
           <a:p>

--- a/courses/apcsp/lect14b.pptx
+++ b/courses/apcsp/lect14b.pptx
@@ -5,38 +5,39 @@
     <p:sldMasterId id="2147483791" r:id="rId1"/>
   </p:sldMasterIdLst>
   <p:notesMasterIdLst>
-    <p:notesMasterId r:id="rId31"/>
+    <p:notesMasterId r:id="rId32"/>
   </p:notesMasterIdLst>
   <p:sldIdLst>
     <p:sldId id="349" r:id="rId2"/>
     <p:sldId id="584" r:id="rId3"/>
-    <p:sldId id="632" r:id="rId4"/>
-    <p:sldId id="630" r:id="rId5"/>
-    <p:sldId id="586" r:id="rId6"/>
-    <p:sldId id="587" r:id="rId7"/>
-    <p:sldId id="589" r:id="rId8"/>
-    <p:sldId id="633" r:id="rId9"/>
-    <p:sldId id="590" r:id="rId10"/>
-    <p:sldId id="591" r:id="rId11"/>
-    <p:sldId id="592" r:id="rId12"/>
-    <p:sldId id="593" r:id="rId13"/>
-    <p:sldId id="598" r:id="rId14"/>
-    <p:sldId id="601" r:id="rId15"/>
-    <p:sldId id="596" r:id="rId16"/>
-    <p:sldId id="599" r:id="rId17"/>
-    <p:sldId id="600" r:id="rId18"/>
-    <p:sldId id="602" r:id="rId19"/>
-    <p:sldId id="603" r:id="rId20"/>
-    <p:sldId id="604" r:id="rId21"/>
-    <p:sldId id="606" r:id="rId22"/>
-    <p:sldId id="607" r:id="rId23"/>
-    <p:sldId id="617" r:id="rId24"/>
-    <p:sldId id="609" r:id="rId25"/>
-    <p:sldId id="610" r:id="rId26"/>
-    <p:sldId id="611" r:id="rId27"/>
-    <p:sldId id="613" r:id="rId28"/>
-    <p:sldId id="614" r:id="rId29"/>
-    <p:sldId id="631" r:id="rId30"/>
+    <p:sldId id="634" r:id="rId4"/>
+    <p:sldId id="632" r:id="rId5"/>
+    <p:sldId id="630" r:id="rId6"/>
+    <p:sldId id="586" r:id="rId7"/>
+    <p:sldId id="587" r:id="rId8"/>
+    <p:sldId id="589" r:id="rId9"/>
+    <p:sldId id="633" r:id="rId10"/>
+    <p:sldId id="590" r:id="rId11"/>
+    <p:sldId id="591" r:id="rId12"/>
+    <p:sldId id="592" r:id="rId13"/>
+    <p:sldId id="593" r:id="rId14"/>
+    <p:sldId id="598" r:id="rId15"/>
+    <p:sldId id="601" r:id="rId16"/>
+    <p:sldId id="596" r:id="rId17"/>
+    <p:sldId id="599" r:id="rId18"/>
+    <p:sldId id="600" r:id="rId19"/>
+    <p:sldId id="602" r:id="rId20"/>
+    <p:sldId id="603" r:id="rId21"/>
+    <p:sldId id="604" r:id="rId22"/>
+    <p:sldId id="606" r:id="rId23"/>
+    <p:sldId id="607" r:id="rId24"/>
+    <p:sldId id="617" r:id="rId25"/>
+    <p:sldId id="609" r:id="rId26"/>
+    <p:sldId id="610" r:id="rId27"/>
+    <p:sldId id="611" r:id="rId28"/>
+    <p:sldId id="613" r:id="rId29"/>
+    <p:sldId id="614" r:id="rId30"/>
+    <p:sldId id="631" r:id="rId31"/>
   </p:sldIdLst>
   <p:sldSz cx="9144000" cy="5715000" type="screen16x10"/>
   <p:notesSz cx="6858000" cy="9144000"/>
@@ -146,7 +147,7 @@
 <file path=ppt/revisionInfo.xml><?xml version="1.0" encoding="utf-8"?>
 <p1510:revInfo xmlns:a="http://schemas.openxmlformats.org/drawingml/2006/main" xmlns:r="http://schemas.openxmlformats.org/officeDocument/2006/relationships" xmlns:p1510="http://schemas.microsoft.com/office/powerpoint/2015/10/main">
   <p1510:revLst>
-    <p1510:client id="{E750E5C6-FF21-6A4B-87D9-06DAFBDEEAE8}" v="96" dt="2023-02-28T16:53:06.770"/>
+    <p1510:client id="{93BB9880-C423-7B4F-8EAD-EF280601F408}" v="4" dt="2024-11-23T13:03:53.440"/>
   </p1510:revLst>
 </p1510:revInfo>
 </file>
@@ -166,22 +167,6 @@
           <pc:docMk/>
           <pc:sldMk cId="924617162" sldId="319"/>
         </pc:sldMkLst>
-        <pc:spChg chg="mod">
-          <ac:chgData name="Long B Nguyen" userId="f59fb8f3-a021-417a-8bc1-65c8d471c621" providerId="ADAL" clId="{CC9C9D9A-5149-2947-86C0-576F501F60DC}" dt="2020-01-04T15:45:14.876" v="4" actId="20577"/>
-          <ac:spMkLst>
-            <pc:docMk/>
-            <pc:sldMk cId="924617162" sldId="319"/>
-            <ac:spMk id="2" creationId="{AA3A228F-61D0-D949-A5E7-F83756230BF8}"/>
-          </ac:spMkLst>
-        </pc:spChg>
-        <pc:spChg chg="mod">
-          <ac:chgData name="Long B Nguyen" userId="f59fb8f3-a021-417a-8bc1-65c8d471c621" providerId="ADAL" clId="{CC9C9D9A-5149-2947-86C0-576F501F60DC}" dt="2020-01-04T15:49:37.373" v="563" actId="20577"/>
-          <ac:spMkLst>
-            <pc:docMk/>
-            <pc:sldMk cId="924617162" sldId="319"/>
-            <ac:spMk id="9" creationId="{E3B2E017-30B2-884B-A113-B419A2ED51AD}"/>
-          </ac:spMkLst>
-        </pc:spChg>
       </pc:sldChg>
       <pc:sldChg chg="modSp add">
         <pc:chgData name="Long B Nguyen" userId="f59fb8f3-a021-417a-8bc1-65c8d471c621" providerId="ADAL" clId="{CC9C9D9A-5149-2947-86C0-576F501F60DC}" dt="2020-01-04T15:57:55.835" v="789" actId="14100"/>
@@ -189,22 +174,6 @@
           <pc:docMk/>
           <pc:sldMk cId="3758830494" sldId="320"/>
         </pc:sldMkLst>
-        <pc:spChg chg="mod">
-          <ac:chgData name="Long B Nguyen" userId="f59fb8f3-a021-417a-8bc1-65c8d471c621" providerId="ADAL" clId="{CC9C9D9A-5149-2947-86C0-576F501F60DC}" dt="2020-01-04T15:57:52.065" v="788" actId="1076"/>
-          <ac:spMkLst>
-            <pc:docMk/>
-            <pc:sldMk cId="3758830494" sldId="320"/>
-            <ac:spMk id="2" creationId="{AA3A228F-61D0-D949-A5E7-F83756230BF8}"/>
-          </ac:spMkLst>
-        </pc:spChg>
-        <pc:spChg chg="mod">
-          <ac:chgData name="Long B Nguyen" userId="f59fb8f3-a021-417a-8bc1-65c8d471c621" providerId="ADAL" clId="{CC9C9D9A-5149-2947-86C0-576F501F60DC}" dt="2020-01-04T15:57:55.835" v="789" actId="14100"/>
-          <ac:spMkLst>
-            <pc:docMk/>
-            <pc:sldMk cId="3758830494" sldId="320"/>
-            <ac:spMk id="9" creationId="{E3B2E017-30B2-884B-A113-B419A2ED51AD}"/>
-          </ac:spMkLst>
-        </pc:spChg>
       </pc:sldChg>
       <pc:sldChg chg="modSp add">
         <pc:chgData name="Long B Nguyen" userId="f59fb8f3-a021-417a-8bc1-65c8d471c621" providerId="ADAL" clId="{CC9C9D9A-5149-2947-86C0-576F501F60DC}" dt="2020-01-05T21:51:37.442" v="2325" actId="20577"/>
@@ -212,22 +181,6 @@
           <pc:docMk/>
           <pc:sldMk cId="1022945305" sldId="321"/>
         </pc:sldMkLst>
-        <pc:spChg chg="mod">
-          <ac:chgData name="Long B Nguyen" userId="f59fb8f3-a021-417a-8bc1-65c8d471c621" providerId="ADAL" clId="{CC9C9D9A-5149-2947-86C0-576F501F60DC}" dt="2020-01-05T21:51:37.442" v="2325" actId="20577"/>
-          <ac:spMkLst>
-            <pc:docMk/>
-            <pc:sldMk cId="1022945305" sldId="321"/>
-            <ac:spMk id="2" creationId="{AA3A228F-61D0-D949-A5E7-F83756230BF8}"/>
-          </ac:spMkLst>
-        </pc:spChg>
-        <pc:spChg chg="mod">
-          <ac:chgData name="Long B Nguyen" userId="f59fb8f3-a021-417a-8bc1-65c8d471c621" providerId="ADAL" clId="{CC9C9D9A-5149-2947-86C0-576F501F60DC}" dt="2020-01-05T21:33:21.485" v="2304" actId="20577"/>
-          <ac:spMkLst>
-            <pc:docMk/>
-            <pc:sldMk cId="1022945305" sldId="321"/>
-            <ac:spMk id="9" creationId="{E3B2E017-30B2-884B-A113-B419A2ED51AD}"/>
-          </ac:spMkLst>
-        </pc:spChg>
       </pc:sldChg>
       <pc:sldChg chg="modSp add">
         <pc:chgData name="Long B Nguyen" userId="f59fb8f3-a021-417a-8bc1-65c8d471c621" providerId="ADAL" clId="{CC9C9D9A-5149-2947-86C0-576F501F60DC}" dt="2020-01-04T17:41:57.489" v="1203" actId="20577"/>
@@ -235,14 +188,6 @@
           <pc:docMk/>
           <pc:sldMk cId="3456840474" sldId="322"/>
         </pc:sldMkLst>
-        <pc:spChg chg="mod">
-          <ac:chgData name="Long B Nguyen" userId="f59fb8f3-a021-417a-8bc1-65c8d471c621" providerId="ADAL" clId="{CC9C9D9A-5149-2947-86C0-576F501F60DC}" dt="2020-01-04T17:41:57.489" v="1203" actId="20577"/>
-          <ac:spMkLst>
-            <pc:docMk/>
-            <pc:sldMk cId="3456840474" sldId="322"/>
-            <ac:spMk id="9" creationId="{E3B2E017-30B2-884B-A113-B419A2ED51AD}"/>
-          </ac:spMkLst>
-        </pc:spChg>
       </pc:sldChg>
       <pc:sldChg chg="modSp add">
         <pc:chgData name="Long B Nguyen" userId="f59fb8f3-a021-417a-8bc1-65c8d471c621" providerId="ADAL" clId="{CC9C9D9A-5149-2947-86C0-576F501F60DC}" dt="2020-01-04T18:38:26.241" v="1214" actId="113"/>
@@ -250,14 +195,6 @@
           <pc:docMk/>
           <pc:sldMk cId="1062075874" sldId="323"/>
         </pc:sldMkLst>
-        <pc:spChg chg="mod">
-          <ac:chgData name="Long B Nguyen" userId="f59fb8f3-a021-417a-8bc1-65c8d471c621" providerId="ADAL" clId="{CC9C9D9A-5149-2947-86C0-576F501F60DC}" dt="2020-01-04T18:38:26.241" v="1214" actId="113"/>
-          <ac:spMkLst>
-            <pc:docMk/>
-            <pc:sldMk cId="1062075874" sldId="323"/>
-            <ac:spMk id="9" creationId="{E3B2E017-30B2-884B-A113-B419A2ED51AD}"/>
-          </ac:spMkLst>
-        </pc:spChg>
       </pc:sldChg>
       <pc:sldChg chg="modSp add">
         <pc:chgData name="Long B Nguyen" userId="f59fb8f3-a021-417a-8bc1-65c8d471c621" providerId="ADAL" clId="{CC9C9D9A-5149-2947-86C0-576F501F60DC}" dt="2020-01-04T20:58:36.932" v="1972" actId="20577"/>
@@ -265,22 +202,6 @@
           <pc:docMk/>
           <pc:sldMk cId="1310010799" sldId="324"/>
         </pc:sldMkLst>
-        <pc:spChg chg="mod">
-          <ac:chgData name="Long B Nguyen" userId="f59fb8f3-a021-417a-8bc1-65c8d471c621" providerId="ADAL" clId="{CC9C9D9A-5149-2947-86C0-576F501F60DC}" dt="2020-01-04T20:55:25.731" v="1962" actId="1076"/>
-          <ac:spMkLst>
-            <pc:docMk/>
-            <pc:sldMk cId="1310010799" sldId="324"/>
-            <ac:spMk id="2" creationId="{AA3A228F-61D0-D949-A5E7-F83756230BF8}"/>
-          </ac:spMkLst>
-        </pc:spChg>
-        <pc:spChg chg="mod">
-          <ac:chgData name="Long B Nguyen" userId="f59fb8f3-a021-417a-8bc1-65c8d471c621" providerId="ADAL" clId="{CC9C9D9A-5149-2947-86C0-576F501F60DC}" dt="2020-01-04T20:58:36.932" v="1972" actId="20577"/>
-          <ac:spMkLst>
-            <pc:docMk/>
-            <pc:sldMk cId="1310010799" sldId="324"/>
-            <ac:spMk id="9" creationId="{E3B2E017-30B2-884B-A113-B419A2ED51AD}"/>
-          </ac:spMkLst>
-        </pc:spChg>
       </pc:sldChg>
       <pc:sldChg chg="modSp add">
         <pc:chgData name="Long B Nguyen" userId="f59fb8f3-a021-417a-8bc1-65c8d471c621" providerId="ADAL" clId="{CC9C9D9A-5149-2947-86C0-576F501F60DC}" dt="2020-01-05T21:27:04.952" v="2119" actId="20577"/>
@@ -288,22 +209,6 @@
           <pc:docMk/>
           <pc:sldMk cId="3314372952" sldId="325"/>
         </pc:sldMkLst>
-        <pc:spChg chg="mod">
-          <ac:chgData name="Long B Nguyen" userId="f59fb8f3-a021-417a-8bc1-65c8d471c621" providerId="ADAL" clId="{CC9C9D9A-5149-2947-86C0-576F501F60DC}" dt="2020-01-05T21:26:41.210" v="2114" actId="20577"/>
-          <ac:spMkLst>
-            <pc:docMk/>
-            <pc:sldMk cId="3314372952" sldId="325"/>
-            <ac:spMk id="2" creationId="{AA3A228F-61D0-D949-A5E7-F83756230BF8}"/>
-          </ac:spMkLst>
-        </pc:spChg>
-        <pc:spChg chg="mod">
-          <ac:chgData name="Long B Nguyen" userId="f59fb8f3-a021-417a-8bc1-65c8d471c621" providerId="ADAL" clId="{CC9C9D9A-5149-2947-86C0-576F501F60DC}" dt="2020-01-05T21:27:04.952" v="2119" actId="20577"/>
-          <ac:spMkLst>
-            <pc:docMk/>
-            <pc:sldMk cId="3314372952" sldId="325"/>
-            <ac:spMk id="9" creationId="{E3B2E017-30B2-884B-A113-B419A2ED51AD}"/>
-          </ac:spMkLst>
-        </pc:spChg>
       </pc:sldChg>
       <pc:sldChg chg="modSp add">
         <pc:chgData name="Long B Nguyen" userId="f59fb8f3-a021-417a-8bc1-65c8d471c621" providerId="ADAL" clId="{CC9C9D9A-5149-2947-86C0-576F501F60DC}" dt="2020-01-05T21:29:58.563" v="2178" actId="20577"/>
@@ -311,14 +216,6 @@
           <pc:docMk/>
           <pc:sldMk cId="3117943122" sldId="326"/>
         </pc:sldMkLst>
-        <pc:spChg chg="mod">
-          <ac:chgData name="Long B Nguyen" userId="f59fb8f3-a021-417a-8bc1-65c8d471c621" providerId="ADAL" clId="{CC9C9D9A-5149-2947-86C0-576F501F60DC}" dt="2020-01-05T21:29:58.563" v="2178" actId="20577"/>
-          <ac:spMkLst>
-            <pc:docMk/>
-            <pc:sldMk cId="3117943122" sldId="326"/>
-            <ac:spMk id="9" creationId="{E3B2E017-30B2-884B-A113-B419A2ED51AD}"/>
-          </ac:spMkLst>
-        </pc:spChg>
       </pc:sldChg>
       <pc:sldChg chg="modSp add">
         <pc:chgData name="Long B Nguyen" userId="f59fb8f3-a021-417a-8bc1-65c8d471c621" providerId="ADAL" clId="{CC9C9D9A-5149-2947-86C0-576F501F60DC}" dt="2020-01-05T21:59:55.597" v="2392" actId="14100"/>
@@ -326,14 +223,6 @@
           <pc:docMk/>
           <pc:sldMk cId="1025618360" sldId="327"/>
         </pc:sldMkLst>
-        <pc:spChg chg="mod">
-          <ac:chgData name="Long B Nguyen" userId="f59fb8f3-a021-417a-8bc1-65c8d471c621" providerId="ADAL" clId="{CC9C9D9A-5149-2947-86C0-576F501F60DC}" dt="2020-01-05T21:59:55.597" v="2392" actId="14100"/>
-          <ac:spMkLst>
-            <pc:docMk/>
-            <pc:sldMk cId="1025618360" sldId="327"/>
-            <ac:spMk id="9" creationId="{E3B2E017-30B2-884B-A113-B419A2ED51AD}"/>
-          </ac:spMkLst>
-        </pc:spChg>
       </pc:sldChg>
       <pc:sldChg chg="modSp add">
         <pc:chgData name="Long B Nguyen" userId="f59fb8f3-a021-417a-8bc1-65c8d471c621" providerId="ADAL" clId="{CC9C9D9A-5149-2947-86C0-576F501F60DC}" dt="2020-01-05T21:54:47.081" v="2356" actId="2711"/>
@@ -341,22 +230,6 @@
           <pc:docMk/>
           <pc:sldMk cId="3894299887" sldId="328"/>
         </pc:sldMkLst>
-        <pc:spChg chg="mod">
-          <ac:chgData name="Long B Nguyen" userId="f59fb8f3-a021-417a-8bc1-65c8d471c621" providerId="ADAL" clId="{CC9C9D9A-5149-2947-86C0-576F501F60DC}" dt="2020-01-05T21:51:41.306" v="2327" actId="20577"/>
-          <ac:spMkLst>
-            <pc:docMk/>
-            <pc:sldMk cId="3894299887" sldId="328"/>
-            <ac:spMk id="2" creationId="{AA3A228F-61D0-D949-A5E7-F83756230BF8}"/>
-          </ac:spMkLst>
-        </pc:spChg>
-        <pc:spChg chg="mod">
-          <ac:chgData name="Long B Nguyen" userId="f59fb8f3-a021-417a-8bc1-65c8d471c621" providerId="ADAL" clId="{CC9C9D9A-5149-2947-86C0-576F501F60DC}" dt="2020-01-05T21:54:47.081" v="2356" actId="2711"/>
-          <ac:spMkLst>
-            <pc:docMk/>
-            <pc:sldMk cId="3894299887" sldId="328"/>
-            <ac:spMk id="9" creationId="{E3B2E017-30B2-884B-A113-B419A2ED51AD}"/>
-          </ac:spMkLst>
-        </pc:spChg>
       </pc:sldChg>
       <pc:sldChg chg="add">
         <pc:chgData name="Long B Nguyen" userId="f59fb8f3-a021-417a-8bc1-65c8d471c621" providerId="ADAL" clId="{CC9C9D9A-5149-2947-86C0-576F501F60DC}" dt="2020-01-05T21:57:38.736" v="2357"/>
@@ -380,14 +253,6 @@
           <pc:docMk/>
           <pc:sldMk cId="4247104139" sldId="256"/>
         </pc:sldMkLst>
-        <pc:spChg chg="mod">
-          <ac:chgData name="Long B Nguyen" userId="f59fb8f3-a021-417a-8bc1-65c8d471c621" providerId="ADAL" clId="{A54A5039-9BC6-1548-AC61-7314DB675A9D}" dt="2019-09-25T14:17:33.020" v="2843" actId="20577"/>
-          <ac:spMkLst>
-            <pc:docMk/>
-            <pc:sldMk cId="4247104139" sldId="256"/>
-            <ac:spMk id="3" creationId="{1BDC47C8-6776-7B44-9CD4-95FC91452D62}"/>
-          </ac:spMkLst>
-        </pc:spChg>
       </pc:sldChg>
       <pc:sldChg chg="modSp modAnim">
         <pc:chgData name="Long B Nguyen" userId="f59fb8f3-a021-417a-8bc1-65c8d471c621" providerId="ADAL" clId="{A54A5039-9BC6-1548-AC61-7314DB675A9D}" dt="2019-09-24T11:45:26.007" v="2185" actId="20577"/>
@@ -395,22 +260,6 @@
           <pc:docMk/>
           <pc:sldMk cId="1438711869" sldId="284"/>
         </pc:sldMkLst>
-        <pc:spChg chg="mod">
-          <ac:chgData name="Long B Nguyen" userId="f59fb8f3-a021-417a-8bc1-65c8d471c621" providerId="ADAL" clId="{A54A5039-9BC6-1548-AC61-7314DB675A9D}" dt="2019-09-24T11:43:23.898" v="2145" actId="20577"/>
-          <ac:spMkLst>
-            <pc:docMk/>
-            <pc:sldMk cId="1438711869" sldId="284"/>
-            <ac:spMk id="2" creationId="{AA3A228F-61D0-D949-A5E7-F83756230BF8}"/>
-          </ac:spMkLst>
-        </pc:spChg>
-        <pc:spChg chg="mod">
-          <ac:chgData name="Long B Nguyen" userId="f59fb8f3-a021-417a-8bc1-65c8d471c621" providerId="ADAL" clId="{A54A5039-9BC6-1548-AC61-7314DB675A9D}" dt="2019-09-24T11:45:26.007" v="2185" actId="20577"/>
-          <ac:spMkLst>
-            <pc:docMk/>
-            <pc:sldMk cId="1438711869" sldId="284"/>
-            <ac:spMk id="9" creationId="{E3B2E017-30B2-884B-A113-B419A2ED51AD}"/>
-          </ac:spMkLst>
-        </pc:spChg>
       </pc:sldChg>
       <pc:sldChg chg="modSp">
         <pc:chgData name="Long B Nguyen" userId="f59fb8f3-a021-417a-8bc1-65c8d471c621" providerId="ADAL" clId="{A54A5039-9BC6-1548-AC61-7314DB675A9D}" dt="2019-09-19T14:18:56.959" v="28" actId="20577"/>
@@ -418,14 +267,6 @@
           <pc:docMk/>
           <pc:sldMk cId="131840209" sldId="286"/>
         </pc:sldMkLst>
-        <pc:spChg chg="mod">
-          <ac:chgData name="Long B Nguyen" userId="f59fb8f3-a021-417a-8bc1-65c8d471c621" providerId="ADAL" clId="{A54A5039-9BC6-1548-AC61-7314DB675A9D}" dt="2019-09-19T14:18:56.959" v="28" actId="20577"/>
-          <ac:spMkLst>
-            <pc:docMk/>
-            <pc:sldMk cId="131840209" sldId="286"/>
-            <ac:spMk id="9" creationId="{E3B2E017-30B2-884B-A113-B419A2ED51AD}"/>
-          </ac:spMkLst>
-        </pc:spChg>
       </pc:sldChg>
       <pc:sldChg chg="modSp add del modAnim">
         <pc:chgData name="Long B Nguyen" userId="f59fb8f3-a021-417a-8bc1-65c8d471c621" providerId="ADAL" clId="{A54A5039-9BC6-1548-AC61-7314DB675A9D}" dt="2019-09-24T11:43:26.738" v="2146" actId="2696"/>
@@ -433,14 +274,6 @@
           <pc:docMk/>
           <pc:sldMk cId="3439768680" sldId="294"/>
         </pc:sldMkLst>
-        <pc:spChg chg="mod">
-          <ac:chgData name="Long B Nguyen" userId="f59fb8f3-a021-417a-8bc1-65c8d471c621" providerId="ADAL" clId="{A54A5039-9BC6-1548-AC61-7314DB675A9D}" dt="2019-09-24T11:40:12.100" v="2004"/>
-          <ac:spMkLst>
-            <pc:docMk/>
-            <pc:sldMk cId="3439768680" sldId="294"/>
-            <ac:spMk id="40963" creationId="{66AA56B3-AB86-6341-92AC-3BDB5774CCA3}"/>
-          </ac:spMkLst>
-        </pc:spChg>
       </pc:sldChg>
       <pc:sldChg chg="addSp modSp modAnim">
         <pc:chgData name="Long B Nguyen" userId="f59fb8f3-a021-417a-8bc1-65c8d471c621" providerId="ADAL" clId="{A54A5039-9BC6-1548-AC61-7314DB675A9D}" dt="2019-09-23T12:04:10.373" v="1911"/>
@@ -448,30 +281,6 @@
           <pc:docMk/>
           <pc:sldMk cId="1816941262" sldId="295"/>
         </pc:sldMkLst>
-        <pc:spChg chg="add mod">
-          <ac:chgData name="Long B Nguyen" userId="f59fb8f3-a021-417a-8bc1-65c8d471c621" providerId="ADAL" clId="{A54A5039-9BC6-1548-AC61-7314DB675A9D}" dt="2019-09-23T12:03:30.239" v="1901" actId="1076"/>
-          <ac:spMkLst>
-            <pc:docMk/>
-            <pc:sldMk cId="1816941262" sldId="295"/>
-            <ac:spMk id="3" creationId="{53AD888D-2F6F-BB43-86CA-1A3B376061A2}"/>
-          </ac:spMkLst>
-        </pc:spChg>
-        <pc:spChg chg="mod">
-          <ac:chgData name="Long B Nguyen" userId="f59fb8f3-a021-417a-8bc1-65c8d471c621" providerId="ADAL" clId="{A54A5039-9BC6-1548-AC61-7314DB675A9D}" dt="2019-09-23T11:58:12.789" v="1765" actId="20577"/>
-          <ac:spMkLst>
-            <pc:docMk/>
-            <pc:sldMk cId="1816941262" sldId="295"/>
-            <ac:spMk id="9" creationId="{E3B2E017-30B2-884B-A113-B419A2ED51AD}"/>
-          </ac:spMkLst>
-        </pc:spChg>
-        <pc:cxnChg chg="add mod">
-          <ac:chgData name="Long B Nguyen" userId="f59fb8f3-a021-417a-8bc1-65c8d471c621" providerId="ADAL" clId="{A54A5039-9BC6-1548-AC61-7314DB675A9D}" dt="2019-09-23T12:03:49.489" v="1909" actId="692"/>
-          <ac:cxnSpMkLst>
-            <pc:docMk/>
-            <pc:sldMk cId="1816941262" sldId="295"/>
-            <ac:cxnSpMk id="5" creationId="{0FA56ED4-EC25-B14C-B73E-DC4E17ADBF86}"/>
-          </ac:cxnSpMkLst>
-        </pc:cxnChg>
       </pc:sldChg>
       <pc:sldChg chg="modSp modAnim">
         <pc:chgData name="Long B Nguyen" userId="f59fb8f3-a021-417a-8bc1-65c8d471c621" providerId="ADAL" clId="{A54A5039-9BC6-1548-AC61-7314DB675A9D}" dt="2019-09-23T11:59:17.508" v="1794"/>
@@ -479,14 +288,6 @@
           <pc:docMk/>
           <pc:sldMk cId="553003360" sldId="296"/>
         </pc:sldMkLst>
-        <pc:spChg chg="mod">
-          <ac:chgData name="Long B Nguyen" userId="f59fb8f3-a021-417a-8bc1-65c8d471c621" providerId="ADAL" clId="{A54A5039-9BC6-1548-AC61-7314DB675A9D}" dt="2019-09-23T11:59:10.982" v="1792" actId="20577"/>
-          <ac:spMkLst>
-            <pc:docMk/>
-            <pc:sldMk cId="553003360" sldId="296"/>
-            <ac:spMk id="9" creationId="{E3B2E017-30B2-884B-A113-B419A2ED51AD}"/>
-          </ac:spMkLst>
-        </pc:spChg>
       </pc:sldChg>
       <pc:sldChg chg="modSp modAnim">
         <pc:chgData name="Long B Nguyen" userId="f59fb8f3-a021-417a-8bc1-65c8d471c621" providerId="ADAL" clId="{A54A5039-9BC6-1548-AC61-7314DB675A9D}" dt="2019-09-23T11:59:34.632" v="1798"/>
@@ -494,14 +295,6 @@
           <pc:docMk/>
           <pc:sldMk cId="3006175481" sldId="297"/>
         </pc:sldMkLst>
-        <pc:spChg chg="mod">
-          <ac:chgData name="Long B Nguyen" userId="f59fb8f3-a021-417a-8bc1-65c8d471c621" providerId="ADAL" clId="{A54A5039-9BC6-1548-AC61-7314DB675A9D}" dt="2019-09-23T11:59:28.174" v="1796" actId="20577"/>
-          <ac:spMkLst>
-            <pc:docMk/>
-            <pc:sldMk cId="3006175481" sldId="297"/>
-            <ac:spMk id="9" creationId="{E3B2E017-30B2-884B-A113-B419A2ED51AD}"/>
-          </ac:spMkLst>
-        </pc:spChg>
       </pc:sldChg>
       <pc:sldChg chg="modSp modAnim">
         <pc:chgData name="Long B Nguyen" userId="f59fb8f3-a021-417a-8bc1-65c8d471c621" providerId="ADAL" clId="{A54A5039-9BC6-1548-AC61-7314DB675A9D}" dt="2019-09-23T12:06:41.861" v="1992"/>
@@ -509,14 +302,6 @@
           <pc:docMk/>
           <pc:sldMk cId="3150557076" sldId="298"/>
         </pc:sldMkLst>
-        <pc:spChg chg="mod">
-          <ac:chgData name="Long B Nguyen" userId="f59fb8f3-a021-417a-8bc1-65c8d471c621" providerId="ADAL" clId="{A54A5039-9BC6-1548-AC61-7314DB675A9D}" dt="2019-09-23T12:05:19.573" v="1985" actId="20577"/>
-          <ac:spMkLst>
-            <pc:docMk/>
-            <pc:sldMk cId="3150557076" sldId="298"/>
-            <ac:spMk id="9" creationId="{E3B2E017-30B2-884B-A113-B419A2ED51AD}"/>
-          </ac:spMkLst>
-        </pc:spChg>
       </pc:sldChg>
       <pc:sldChg chg="addSp delSp modSp modAnim">
         <pc:chgData name="Long B Nguyen" userId="f59fb8f3-a021-417a-8bc1-65c8d471c621" providerId="ADAL" clId="{A54A5039-9BC6-1548-AC61-7314DB675A9D}" dt="2019-09-23T12:01:44.436" v="1840"/>
@@ -524,22 +309,6 @@
           <pc:docMk/>
           <pc:sldMk cId="128704095" sldId="302"/>
         </pc:sldMkLst>
-        <pc:spChg chg="add del">
-          <ac:chgData name="Long B Nguyen" userId="f59fb8f3-a021-417a-8bc1-65c8d471c621" providerId="ADAL" clId="{A54A5039-9BC6-1548-AC61-7314DB675A9D}" dt="2019-09-19T16:47:34.465" v="464"/>
-          <ac:spMkLst>
-            <pc:docMk/>
-            <pc:sldMk cId="128704095" sldId="302"/>
-            <ac:spMk id="3" creationId="{EA19F625-AB76-8A4B-B39A-0F2D018DC68D}"/>
-          </ac:spMkLst>
-        </pc:spChg>
-        <pc:spChg chg="mod">
-          <ac:chgData name="Long B Nguyen" userId="f59fb8f3-a021-417a-8bc1-65c8d471c621" providerId="ADAL" clId="{A54A5039-9BC6-1548-AC61-7314DB675A9D}" dt="2019-09-23T12:01:36.243" v="1838" actId="20577"/>
-          <ac:spMkLst>
-            <pc:docMk/>
-            <pc:sldMk cId="128704095" sldId="302"/>
-            <ac:spMk id="9" creationId="{E3B2E017-30B2-884B-A113-B419A2ED51AD}"/>
-          </ac:spMkLst>
-        </pc:spChg>
       </pc:sldChg>
       <pc:sldChg chg="modSp add modAnim">
         <pc:chgData name="Long B Nguyen" userId="f59fb8f3-a021-417a-8bc1-65c8d471c621" providerId="ADAL" clId="{A54A5039-9BC6-1548-AC61-7314DB675A9D}" dt="2019-09-23T12:00:26.516" v="1826" actId="20577"/>
@@ -547,14 +316,6 @@
           <pc:docMk/>
           <pc:sldMk cId="3275945509" sldId="303"/>
         </pc:sldMkLst>
-        <pc:spChg chg="mod">
-          <ac:chgData name="Long B Nguyen" userId="f59fb8f3-a021-417a-8bc1-65c8d471c621" providerId="ADAL" clId="{A54A5039-9BC6-1548-AC61-7314DB675A9D}" dt="2019-09-23T12:00:26.516" v="1826" actId="20577"/>
-          <ac:spMkLst>
-            <pc:docMk/>
-            <pc:sldMk cId="3275945509" sldId="303"/>
-            <ac:spMk id="9" creationId="{E3B2E017-30B2-884B-A113-B419A2ED51AD}"/>
-          </ac:spMkLst>
-        </pc:spChg>
       </pc:sldChg>
       <pc:sldChg chg="modSp add modAnim">
         <pc:chgData name="Long B Nguyen" userId="f59fb8f3-a021-417a-8bc1-65c8d471c621" providerId="ADAL" clId="{A54A5039-9BC6-1548-AC61-7314DB675A9D}" dt="2019-09-23T12:00:38.314" v="1827"/>
@@ -562,14 +323,6 @@
           <pc:docMk/>
           <pc:sldMk cId="406772024" sldId="304"/>
         </pc:sldMkLst>
-        <pc:spChg chg="mod">
-          <ac:chgData name="Long B Nguyen" userId="f59fb8f3-a021-417a-8bc1-65c8d471c621" providerId="ADAL" clId="{A54A5039-9BC6-1548-AC61-7314DB675A9D}" dt="2019-09-23T12:00:12.500" v="1808" actId="20577"/>
-          <ac:spMkLst>
-            <pc:docMk/>
-            <pc:sldMk cId="406772024" sldId="304"/>
-            <ac:spMk id="9" creationId="{E3B2E017-30B2-884B-A113-B419A2ED51AD}"/>
-          </ac:spMkLst>
-        </pc:spChg>
       </pc:sldChg>
       <pc:sldChg chg="modSp add modAnim">
         <pc:chgData name="Long B Nguyen" userId="f59fb8f3-a021-417a-8bc1-65c8d471c621" providerId="ADAL" clId="{A54A5039-9BC6-1548-AC61-7314DB675A9D}" dt="2019-09-23T13:27:58.707" v="2000" actId="20577"/>
@@ -577,22 +330,6 @@
           <pc:docMk/>
           <pc:sldMk cId="1703902501" sldId="305"/>
         </pc:sldMkLst>
-        <pc:spChg chg="mod">
-          <ac:chgData name="Long B Nguyen" userId="f59fb8f3-a021-417a-8bc1-65c8d471c621" providerId="ADAL" clId="{A54A5039-9BC6-1548-AC61-7314DB675A9D}" dt="2019-09-19T14:31:00.333" v="110" actId="20577"/>
-          <ac:spMkLst>
-            <pc:docMk/>
-            <pc:sldMk cId="1703902501" sldId="305"/>
-            <ac:spMk id="2" creationId="{AA3A228F-61D0-D949-A5E7-F83756230BF8}"/>
-          </ac:spMkLst>
-        </pc:spChg>
-        <pc:spChg chg="mod">
-          <ac:chgData name="Long B Nguyen" userId="f59fb8f3-a021-417a-8bc1-65c8d471c621" providerId="ADAL" clId="{A54A5039-9BC6-1548-AC61-7314DB675A9D}" dt="2019-09-23T13:27:58.707" v="2000" actId="20577"/>
-          <ac:spMkLst>
-            <pc:docMk/>
-            <pc:sldMk cId="1703902501" sldId="305"/>
-            <ac:spMk id="9" creationId="{E3B2E017-30B2-884B-A113-B419A2ED51AD}"/>
-          </ac:spMkLst>
-        </pc:spChg>
       </pc:sldChg>
       <pc:sldChg chg="modSp add modAnim">
         <pc:chgData name="Long B Nguyen" userId="f59fb8f3-a021-417a-8bc1-65c8d471c621" providerId="ADAL" clId="{A54A5039-9BC6-1548-AC61-7314DB675A9D}" dt="2019-09-23T12:01:58.728" v="1843"/>
@@ -600,22 +337,6 @@
           <pc:docMk/>
           <pc:sldMk cId="3614829039" sldId="306"/>
         </pc:sldMkLst>
-        <pc:spChg chg="mod">
-          <ac:chgData name="Long B Nguyen" userId="f59fb8f3-a021-417a-8bc1-65c8d471c621" providerId="ADAL" clId="{A54A5039-9BC6-1548-AC61-7314DB675A9D}" dt="2019-09-19T16:51:57.917" v="536" actId="20577"/>
-          <ac:spMkLst>
-            <pc:docMk/>
-            <pc:sldMk cId="3614829039" sldId="306"/>
-            <ac:spMk id="2" creationId="{AA3A228F-61D0-D949-A5E7-F83756230BF8}"/>
-          </ac:spMkLst>
-        </pc:spChg>
-        <pc:spChg chg="mod">
-          <ac:chgData name="Long B Nguyen" userId="f59fb8f3-a021-417a-8bc1-65c8d471c621" providerId="ADAL" clId="{A54A5039-9BC6-1548-AC61-7314DB675A9D}" dt="2019-09-23T12:01:50.092" v="1842" actId="20577"/>
-          <ac:spMkLst>
-            <pc:docMk/>
-            <pc:sldMk cId="3614829039" sldId="306"/>
-            <ac:spMk id="9" creationId="{E3B2E017-30B2-884B-A113-B419A2ED51AD}"/>
-          </ac:spMkLst>
-        </pc:spChg>
       </pc:sldChg>
       <pc:sldChg chg="modSp add modAnim">
         <pc:chgData name="Long B Nguyen" userId="f59fb8f3-a021-417a-8bc1-65c8d471c621" providerId="ADAL" clId="{A54A5039-9BC6-1548-AC61-7314DB675A9D}" dt="2019-09-23T12:02:15.154" v="1846"/>
@@ -623,22 +344,6 @@
           <pc:docMk/>
           <pc:sldMk cId="295911327" sldId="307"/>
         </pc:sldMkLst>
-        <pc:spChg chg="mod">
-          <ac:chgData name="Long B Nguyen" userId="f59fb8f3-a021-417a-8bc1-65c8d471c621" providerId="ADAL" clId="{A54A5039-9BC6-1548-AC61-7314DB675A9D}" dt="2019-09-19T17:17:25.590" v="539" actId="20577"/>
-          <ac:spMkLst>
-            <pc:docMk/>
-            <pc:sldMk cId="295911327" sldId="307"/>
-            <ac:spMk id="2" creationId="{AA3A228F-61D0-D949-A5E7-F83756230BF8}"/>
-          </ac:spMkLst>
-        </pc:spChg>
-        <pc:spChg chg="mod">
-          <ac:chgData name="Long B Nguyen" userId="f59fb8f3-a021-417a-8bc1-65c8d471c621" providerId="ADAL" clId="{A54A5039-9BC6-1548-AC61-7314DB675A9D}" dt="2019-09-23T12:02:10.526" v="1845" actId="20577"/>
-          <ac:spMkLst>
-            <pc:docMk/>
-            <pc:sldMk cId="295911327" sldId="307"/>
-            <ac:spMk id="9" creationId="{E3B2E017-30B2-884B-A113-B419A2ED51AD}"/>
-          </ac:spMkLst>
-        </pc:spChg>
       </pc:sldChg>
       <pc:sldChg chg="modSp add modAnim">
         <pc:chgData name="Long B Nguyen" userId="f59fb8f3-a021-417a-8bc1-65c8d471c621" providerId="ADAL" clId="{A54A5039-9BC6-1548-AC61-7314DB675A9D}" dt="2019-09-23T12:01:05.311" v="1832"/>
@@ -646,22 +351,6 @@
           <pc:docMk/>
           <pc:sldMk cId="67957925" sldId="308"/>
         </pc:sldMkLst>
-        <pc:spChg chg="mod">
-          <ac:chgData name="Long B Nguyen" userId="f59fb8f3-a021-417a-8bc1-65c8d471c621" providerId="ADAL" clId="{A54A5039-9BC6-1548-AC61-7314DB675A9D}" dt="2019-09-20T12:22:34.233" v="599" actId="20577"/>
-          <ac:spMkLst>
-            <pc:docMk/>
-            <pc:sldMk cId="67957925" sldId="308"/>
-            <ac:spMk id="2" creationId="{AA3A228F-61D0-D949-A5E7-F83756230BF8}"/>
-          </ac:spMkLst>
-        </pc:spChg>
-        <pc:spChg chg="mod">
-          <ac:chgData name="Long B Nguyen" userId="f59fb8f3-a021-417a-8bc1-65c8d471c621" providerId="ADAL" clId="{A54A5039-9BC6-1548-AC61-7314DB675A9D}" dt="2019-09-20T12:37:26.490" v="1123" actId="20577"/>
-          <ac:spMkLst>
-            <pc:docMk/>
-            <pc:sldMk cId="67957925" sldId="308"/>
-            <ac:spMk id="9" creationId="{E3B2E017-30B2-884B-A113-B419A2ED51AD}"/>
-          </ac:spMkLst>
-        </pc:spChg>
       </pc:sldChg>
       <pc:sldChg chg="modSp add modAnim">
         <pc:chgData name="Long B Nguyen" userId="f59fb8f3-a021-417a-8bc1-65c8d471c621" providerId="ADAL" clId="{A54A5039-9BC6-1548-AC61-7314DB675A9D}" dt="2019-09-23T12:01:18.117" v="1835"/>
@@ -669,22 +358,6 @@
           <pc:docMk/>
           <pc:sldMk cId="1872435103" sldId="309"/>
         </pc:sldMkLst>
-        <pc:spChg chg="mod">
-          <ac:chgData name="Long B Nguyen" userId="f59fb8f3-a021-417a-8bc1-65c8d471c621" providerId="ADAL" clId="{A54A5039-9BC6-1548-AC61-7314DB675A9D}" dt="2019-09-20T12:24:39.851" v="793" actId="20577"/>
-          <ac:spMkLst>
-            <pc:docMk/>
-            <pc:sldMk cId="1872435103" sldId="309"/>
-            <ac:spMk id="2" creationId="{AA3A228F-61D0-D949-A5E7-F83756230BF8}"/>
-          </ac:spMkLst>
-        </pc:spChg>
-        <pc:spChg chg="mod">
-          <ac:chgData name="Long B Nguyen" userId="f59fb8f3-a021-417a-8bc1-65c8d471c621" providerId="ADAL" clId="{A54A5039-9BC6-1548-AC61-7314DB675A9D}" dt="2019-09-20T12:37:20.580" v="1117" actId="20577"/>
-          <ac:spMkLst>
-            <pc:docMk/>
-            <pc:sldMk cId="1872435103" sldId="309"/>
-            <ac:spMk id="9" creationId="{E3B2E017-30B2-884B-A113-B419A2ED51AD}"/>
-          </ac:spMkLst>
-        </pc:spChg>
       </pc:sldChg>
       <pc:sldChg chg="modSp add">
         <pc:chgData name="Long B Nguyen" userId="f59fb8f3-a021-417a-8bc1-65c8d471c621" providerId="ADAL" clId="{A54A5039-9BC6-1548-AC61-7314DB675A9D}" dt="2019-09-20T12:40:48.118" v="1409" actId="20577"/>
@@ -692,22 +365,6 @@
           <pc:docMk/>
           <pc:sldMk cId="4088965571" sldId="310"/>
         </pc:sldMkLst>
-        <pc:spChg chg="mod">
-          <ac:chgData name="Long B Nguyen" userId="f59fb8f3-a021-417a-8bc1-65c8d471c621" providerId="ADAL" clId="{A54A5039-9BC6-1548-AC61-7314DB675A9D}" dt="2019-09-20T12:40:48.118" v="1409" actId="20577"/>
-          <ac:spMkLst>
-            <pc:docMk/>
-            <pc:sldMk cId="4088965571" sldId="310"/>
-            <ac:spMk id="2" creationId="{AA3A228F-61D0-D949-A5E7-F83756230BF8}"/>
-          </ac:spMkLst>
-        </pc:spChg>
-        <pc:spChg chg="mod">
-          <ac:chgData name="Long B Nguyen" userId="f59fb8f3-a021-417a-8bc1-65c8d471c621" providerId="ADAL" clId="{A54A5039-9BC6-1548-AC61-7314DB675A9D}" dt="2019-09-20T12:40:27.809" v="1394" actId="255"/>
-          <ac:spMkLst>
-            <pc:docMk/>
-            <pc:sldMk cId="4088965571" sldId="310"/>
-            <ac:spMk id="9" creationId="{E3B2E017-30B2-884B-A113-B419A2ED51AD}"/>
-          </ac:spMkLst>
-        </pc:spChg>
       </pc:sldChg>
       <pc:sldChg chg="modSp add modAnim">
         <pc:chgData name="Long B Nguyen" userId="f59fb8f3-a021-417a-8bc1-65c8d471c621" providerId="ADAL" clId="{A54A5039-9BC6-1548-AC61-7314DB675A9D}" dt="2019-09-23T12:01:26.997" v="1836"/>
@@ -715,22 +372,6 @@
           <pc:docMk/>
           <pc:sldMk cId="2255846137" sldId="311"/>
         </pc:sldMkLst>
-        <pc:spChg chg="mod">
-          <ac:chgData name="Long B Nguyen" userId="f59fb8f3-a021-417a-8bc1-65c8d471c621" providerId="ADAL" clId="{A54A5039-9BC6-1548-AC61-7314DB675A9D}" dt="2019-09-20T12:42:38.115" v="1565" actId="20577"/>
-          <ac:spMkLst>
-            <pc:docMk/>
-            <pc:sldMk cId="2255846137" sldId="311"/>
-            <ac:spMk id="2" creationId="{AA3A228F-61D0-D949-A5E7-F83756230BF8}"/>
-          </ac:spMkLst>
-        </pc:spChg>
-        <pc:spChg chg="mod">
-          <ac:chgData name="Long B Nguyen" userId="f59fb8f3-a021-417a-8bc1-65c8d471c621" providerId="ADAL" clId="{A54A5039-9BC6-1548-AC61-7314DB675A9D}" dt="2019-09-20T12:43:18.312" v="1623" actId="20577"/>
-          <ac:spMkLst>
-            <pc:docMk/>
-            <pc:sldMk cId="2255846137" sldId="311"/>
-            <ac:spMk id="9" creationId="{E3B2E017-30B2-884B-A113-B419A2ED51AD}"/>
-          </ac:spMkLst>
-        </pc:spChg>
       </pc:sldChg>
       <pc:sldChg chg="modSp add">
         <pc:chgData name="Long B Nguyen" userId="f59fb8f3-a021-417a-8bc1-65c8d471c621" providerId="ADAL" clId="{A54A5039-9BC6-1548-AC61-7314DB675A9D}" dt="2019-09-23T11:49:40.764" v="1759" actId="20577"/>
@@ -738,22 +379,6 @@
           <pc:docMk/>
           <pc:sldMk cId="1513627164" sldId="312"/>
         </pc:sldMkLst>
-        <pc:spChg chg="mod">
-          <ac:chgData name="Long B Nguyen" userId="f59fb8f3-a021-417a-8bc1-65c8d471c621" providerId="ADAL" clId="{A54A5039-9BC6-1548-AC61-7314DB675A9D}" dt="2019-09-20T12:44:10.623" v="1625" actId="20577"/>
-          <ac:spMkLst>
-            <pc:docMk/>
-            <pc:sldMk cId="1513627164" sldId="312"/>
-            <ac:spMk id="2" creationId="{AA3A228F-61D0-D949-A5E7-F83756230BF8}"/>
-          </ac:spMkLst>
-        </pc:spChg>
-        <pc:spChg chg="mod">
-          <ac:chgData name="Long B Nguyen" userId="f59fb8f3-a021-417a-8bc1-65c8d471c621" providerId="ADAL" clId="{A54A5039-9BC6-1548-AC61-7314DB675A9D}" dt="2019-09-23T11:49:40.764" v="1759" actId="20577"/>
-          <ac:spMkLst>
-            <pc:docMk/>
-            <pc:sldMk cId="1513627164" sldId="312"/>
-            <ac:spMk id="9" creationId="{E3B2E017-30B2-884B-A113-B419A2ED51AD}"/>
-          </ac:spMkLst>
-        </pc:spChg>
       </pc:sldChg>
       <pc:sldChg chg="modSp add modAnim">
         <pc:chgData name="Long B Nguyen" userId="f59fb8f3-a021-417a-8bc1-65c8d471c621" providerId="ADAL" clId="{A54A5039-9BC6-1548-AC61-7314DB675A9D}" dt="2019-09-23T11:58:57.499" v="1789"/>
@@ -761,14 +386,6 @@
           <pc:docMk/>
           <pc:sldMk cId="2097059918" sldId="313"/>
         </pc:sldMkLst>
-        <pc:spChg chg="mod">
-          <ac:chgData name="Long B Nguyen" userId="f59fb8f3-a021-417a-8bc1-65c8d471c621" providerId="ADAL" clId="{A54A5039-9BC6-1548-AC61-7314DB675A9D}" dt="2019-09-23T11:58:47.576" v="1783" actId="20577"/>
-          <ac:spMkLst>
-            <pc:docMk/>
-            <pc:sldMk cId="2097059918" sldId="313"/>
-            <ac:spMk id="9" creationId="{E3B2E017-30B2-884B-A113-B419A2ED51AD}"/>
-          </ac:spMkLst>
-        </pc:spChg>
       </pc:sldChg>
       <pc:sldChg chg="modSp add del">
         <pc:chgData name="Long B Nguyen" userId="f59fb8f3-a021-417a-8bc1-65c8d471c621" providerId="ADAL" clId="{A54A5039-9BC6-1548-AC61-7314DB675A9D}" dt="2019-09-24T11:43:27.284" v="2147" actId="2696"/>
@@ -776,22 +393,6 @@
           <pc:docMk/>
           <pc:sldMk cId="3916896519" sldId="314"/>
         </pc:sldMkLst>
-        <pc:spChg chg="mod">
-          <ac:chgData name="Long B Nguyen" userId="f59fb8f3-a021-417a-8bc1-65c8d471c621" providerId="ADAL" clId="{A54A5039-9BC6-1548-AC61-7314DB675A9D}" dt="2019-09-24T11:40:07.514" v="2003"/>
-          <ac:spMkLst>
-            <pc:docMk/>
-            <pc:sldMk cId="3916896519" sldId="314"/>
-            <ac:spMk id="2" creationId="{AA3A228F-61D0-D949-A5E7-F83756230BF8}"/>
-          </ac:spMkLst>
-        </pc:spChg>
-        <pc:spChg chg="mod">
-          <ac:chgData name="Long B Nguyen" userId="f59fb8f3-a021-417a-8bc1-65c8d471c621" providerId="ADAL" clId="{A54A5039-9BC6-1548-AC61-7314DB675A9D}" dt="2019-09-24T11:41:32.486" v="2043"/>
-          <ac:spMkLst>
-            <pc:docMk/>
-            <pc:sldMk cId="3916896519" sldId="314"/>
-            <ac:spMk id="9" creationId="{E3B2E017-30B2-884B-A113-B419A2ED51AD}"/>
-          </ac:spMkLst>
-        </pc:spChg>
       </pc:sldChg>
       <pc:sldChg chg="modSp add del">
         <pc:chgData name="Long B Nguyen" userId="f59fb8f3-a021-417a-8bc1-65c8d471c621" providerId="ADAL" clId="{A54A5039-9BC6-1548-AC61-7314DB675A9D}" dt="2019-09-24T14:05:24.942" v="2839" actId="2696"/>
@@ -799,22 +400,6 @@
           <pc:docMk/>
           <pc:sldMk cId="2798321153" sldId="315"/>
         </pc:sldMkLst>
-        <pc:spChg chg="mod">
-          <ac:chgData name="Long B Nguyen" userId="f59fb8f3-a021-417a-8bc1-65c8d471c621" providerId="ADAL" clId="{A54A5039-9BC6-1548-AC61-7314DB675A9D}" dt="2019-09-24T11:47:07.801" v="2189" actId="20577"/>
-          <ac:spMkLst>
-            <pc:docMk/>
-            <pc:sldMk cId="2798321153" sldId="315"/>
-            <ac:spMk id="2" creationId="{AA3A228F-61D0-D949-A5E7-F83756230BF8}"/>
-          </ac:spMkLst>
-        </pc:spChg>
-        <pc:spChg chg="mod">
-          <ac:chgData name="Long B Nguyen" userId="f59fb8f3-a021-417a-8bc1-65c8d471c621" providerId="ADAL" clId="{A54A5039-9BC6-1548-AC61-7314DB675A9D}" dt="2019-09-24T11:53:13.884" v="2630" actId="20577"/>
-          <ac:spMkLst>
-            <pc:docMk/>
-            <pc:sldMk cId="2798321153" sldId="315"/>
-            <ac:spMk id="9" creationId="{E3B2E017-30B2-884B-A113-B419A2ED51AD}"/>
-          </ac:spMkLst>
-        </pc:spChg>
       </pc:sldChg>
       <pc:sldChg chg="add">
         <pc:chgData name="Long B Nguyen" userId="f59fb8f3-a021-417a-8bc1-65c8d471c621" providerId="ADAL" clId="{A54A5039-9BC6-1548-AC61-7314DB675A9D}" dt="2019-09-24T11:47:01.081" v="2186"/>
@@ -829,22 +414,6 @@
           <pc:docMk/>
           <pc:sldMk cId="1787114790" sldId="317"/>
         </pc:sldMkLst>
-        <pc:spChg chg="mod">
-          <ac:chgData name="Long B Nguyen" userId="f59fb8f3-a021-417a-8bc1-65c8d471c621" providerId="ADAL" clId="{A54A5039-9BC6-1548-AC61-7314DB675A9D}" dt="2019-09-24T11:53:24.383" v="2634" actId="20577"/>
-          <ac:spMkLst>
-            <pc:docMk/>
-            <pc:sldMk cId="1787114790" sldId="317"/>
-            <ac:spMk id="2" creationId="{AA3A228F-61D0-D949-A5E7-F83756230BF8}"/>
-          </ac:spMkLst>
-        </pc:spChg>
-        <pc:spChg chg="mod">
-          <ac:chgData name="Long B Nguyen" userId="f59fb8f3-a021-417a-8bc1-65c8d471c621" providerId="ADAL" clId="{A54A5039-9BC6-1548-AC61-7314DB675A9D}" dt="2019-09-25T14:26:33.714" v="2899" actId="20577"/>
-          <ac:spMkLst>
-            <pc:docMk/>
-            <pc:sldMk cId="1787114790" sldId="317"/>
-            <ac:spMk id="9" creationId="{E3B2E017-30B2-884B-A113-B419A2ED51AD}"/>
-          </ac:spMkLst>
-        </pc:spChg>
       </pc:sldChg>
       <pc:sldChg chg="modSp add">
         <pc:chgData name="Long B Nguyen" userId="f59fb8f3-a021-417a-8bc1-65c8d471c621" providerId="ADAL" clId="{A54A5039-9BC6-1548-AC61-7314DB675A9D}" dt="2019-09-24T13:44:10.963" v="2838" actId="20577"/>
@@ -852,14 +421,6 @@
           <pc:docMk/>
           <pc:sldMk cId="1215229427" sldId="318"/>
         </pc:sldMkLst>
-        <pc:spChg chg="mod">
-          <ac:chgData name="Long B Nguyen" userId="f59fb8f3-a021-417a-8bc1-65c8d471c621" providerId="ADAL" clId="{A54A5039-9BC6-1548-AC61-7314DB675A9D}" dt="2019-09-24T13:44:10.963" v="2838" actId="20577"/>
-          <ac:spMkLst>
-            <pc:docMk/>
-            <pc:sldMk cId="1215229427" sldId="318"/>
-            <ac:spMk id="9" creationId="{E3B2E017-30B2-884B-A113-B419A2ED51AD}"/>
-          </ac:spMkLst>
-        </pc:spChg>
       </pc:sldChg>
     </pc:docChg>
   </pc:docChgLst>
@@ -883,22 +444,6 @@
           <pc:docMk/>
           <pc:sldMk cId="833801237" sldId="313"/>
         </pc:sldMkLst>
-        <pc:spChg chg="mod">
-          <ac:chgData name="Long B Nguyen" userId="f59fb8f3-a021-417a-8bc1-65c8d471c621" providerId="ADAL" clId="{7E551B6C-1E81-B548-A72C-C51786C7D0CC}" dt="2021-06-11T12:17:07.088" v="2124" actId="20577"/>
-          <ac:spMkLst>
-            <pc:docMk/>
-            <pc:sldMk cId="833801237" sldId="313"/>
-            <ac:spMk id="3" creationId="{44A58473-3189-0C44-8A5E-E353CDFB3E5C}"/>
-          </ac:spMkLst>
-        </pc:spChg>
-        <pc:spChg chg="mod">
-          <ac:chgData name="Long B Nguyen" userId="f59fb8f3-a021-417a-8bc1-65c8d471c621" providerId="ADAL" clId="{7E551B6C-1E81-B548-A72C-C51786C7D0CC}" dt="2021-06-10T17:08:52.682" v="1374" actId="1076"/>
-          <ac:spMkLst>
-            <pc:docMk/>
-            <pc:sldMk cId="833801237" sldId="313"/>
-            <ac:spMk id="21505" creationId="{BCBA125C-ACA7-FB47-96FC-9420F821AD81}"/>
-          </ac:spMkLst>
-        </pc:spChg>
       </pc:sldChg>
       <pc:sldChg chg="modSp del mod">
         <pc:chgData name="Long B Nguyen" userId="f59fb8f3-a021-417a-8bc1-65c8d471c621" providerId="ADAL" clId="{7E551B6C-1E81-B548-A72C-C51786C7D0CC}" dt="2021-06-10T17:08:32.914" v="1371" actId="2696"/>
@@ -906,14 +451,6 @@
           <pc:docMk/>
           <pc:sldMk cId="3947558204" sldId="313"/>
         </pc:sldMkLst>
-        <pc:spChg chg="mod">
-          <ac:chgData name="Long B Nguyen" userId="f59fb8f3-a021-417a-8bc1-65c8d471c621" providerId="ADAL" clId="{7E551B6C-1E81-B548-A72C-C51786C7D0CC}" dt="2021-06-10T17:07:55.946" v="1369" actId="14100"/>
-          <ac:spMkLst>
-            <pc:docMk/>
-            <pc:sldMk cId="3947558204" sldId="313"/>
-            <ac:spMk id="21505" creationId="{BCBA125C-ACA7-FB47-96FC-9420F821AD81}"/>
-          </ac:spMkLst>
-        </pc:spChg>
       </pc:sldChg>
       <pc:sldChg chg="del">
         <pc:chgData name="Long B Nguyen" userId="f59fb8f3-a021-417a-8bc1-65c8d471c621" providerId="ADAL" clId="{7E551B6C-1E81-B548-A72C-C51786C7D0CC}" dt="2021-06-10T17:02:53.723" v="1102" actId="2696"/>
@@ -928,22 +465,6 @@
           <pc:docMk/>
           <pc:sldMk cId="4199940570" sldId="314"/>
         </pc:sldMkLst>
-        <pc:spChg chg="mod">
-          <ac:chgData name="Long B Nguyen" userId="f59fb8f3-a021-417a-8bc1-65c8d471c621" providerId="ADAL" clId="{7E551B6C-1E81-B548-A72C-C51786C7D0CC}" dt="2021-06-11T12:17:35.863" v="2130" actId="255"/>
-          <ac:spMkLst>
-            <pc:docMk/>
-            <pc:sldMk cId="4199940570" sldId="314"/>
-            <ac:spMk id="3" creationId="{A2015382-9B7F-FE46-8251-9DC1E84F44FE}"/>
-          </ac:spMkLst>
-        </pc:spChg>
-        <pc:spChg chg="mod">
-          <ac:chgData name="Long B Nguyen" userId="f59fb8f3-a021-417a-8bc1-65c8d471c621" providerId="ADAL" clId="{7E551B6C-1E81-B548-A72C-C51786C7D0CC}" dt="2021-06-11T12:17:25.436" v="2126" actId="1076"/>
-          <ac:spMkLst>
-            <pc:docMk/>
-            <pc:sldMk cId="4199940570" sldId="314"/>
-            <ac:spMk id="22529" creationId="{D64B8878-850A-FD49-812E-00E5D00C2909}"/>
-          </ac:spMkLst>
-        </pc:spChg>
       </pc:sldChg>
       <pc:sldChg chg="del">
         <pc:chgData name="Long B Nguyen" userId="f59fb8f3-a021-417a-8bc1-65c8d471c621" providerId="ADAL" clId="{7E551B6C-1E81-B548-A72C-C51786C7D0CC}" dt="2021-06-10T17:02:53.787" v="1105" actId="2696"/>
@@ -958,22 +479,6 @@
           <pc:docMk/>
           <pc:sldMk cId="1902012464" sldId="315"/>
         </pc:sldMkLst>
-        <pc:spChg chg="mod">
-          <ac:chgData name="Long B Nguyen" userId="f59fb8f3-a021-417a-8bc1-65c8d471c621" providerId="ADAL" clId="{7E551B6C-1E81-B548-A72C-C51786C7D0CC}" dt="2021-06-11T12:18:09.763" v="2139" actId="14100"/>
-          <ac:spMkLst>
-            <pc:docMk/>
-            <pc:sldMk cId="1902012464" sldId="315"/>
-            <ac:spMk id="3" creationId="{1749D47C-23C2-834A-9FE9-50A8E8BE40E7}"/>
-          </ac:spMkLst>
-        </pc:spChg>
-        <pc:spChg chg="mod">
-          <ac:chgData name="Long B Nguyen" userId="f59fb8f3-a021-417a-8bc1-65c8d471c621" providerId="ADAL" clId="{7E551B6C-1E81-B548-A72C-C51786C7D0CC}" dt="2021-06-11T12:18:05.222" v="2137" actId="1076"/>
-          <ac:spMkLst>
-            <pc:docMk/>
-            <pc:sldMk cId="1902012464" sldId="315"/>
-            <ac:spMk id="24577" creationId="{44A4C074-C74F-714A-A8EE-ABAB5BC20626}"/>
-          </ac:spMkLst>
-        </pc:spChg>
       </pc:sldChg>
       <pc:sldChg chg="modSp add mod">
         <pc:chgData name="Long B Nguyen" userId="f59fb8f3-a021-417a-8bc1-65c8d471c621" providerId="ADAL" clId="{7E551B6C-1E81-B548-A72C-C51786C7D0CC}" dt="2021-06-11T12:18:43.912" v="2147" actId="255"/>
@@ -981,22 +486,6 @@
           <pc:docMk/>
           <pc:sldMk cId="1824894821" sldId="316"/>
         </pc:sldMkLst>
-        <pc:spChg chg="mod">
-          <ac:chgData name="Long B Nguyen" userId="f59fb8f3-a021-417a-8bc1-65c8d471c621" providerId="ADAL" clId="{7E551B6C-1E81-B548-A72C-C51786C7D0CC}" dt="2021-06-11T12:18:43.912" v="2147" actId="255"/>
-          <ac:spMkLst>
-            <pc:docMk/>
-            <pc:sldMk cId="1824894821" sldId="316"/>
-            <ac:spMk id="3" creationId="{C1BB7D3F-3A2C-0E43-B723-6E892A40421F}"/>
-          </ac:spMkLst>
-        </pc:spChg>
-        <pc:spChg chg="mod">
-          <ac:chgData name="Long B Nguyen" userId="f59fb8f3-a021-417a-8bc1-65c8d471c621" providerId="ADAL" clId="{7E551B6C-1E81-B548-A72C-C51786C7D0CC}" dt="2021-06-11T12:18:17.165" v="2141" actId="1076"/>
-          <ac:spMkLst>
-            <pc:docMk/>
-            <pc:sldMk cId="1824894821" sldId="316"/>
-            <ac:spMk id="25601" creationId="{D924ED1B-1F5B-5B4D-BA47-0A5B5F4A1A7F}"/>
-          </ac:spMkLst>
-        </pc:spChg>
       </pc:sldChg>
       <pc:sldChg chg="del">
         <pc:chgData name="Long B Nguyen" userId="f59fb8f3-a021-417a-8bc1-65c8d471c621" providerId="ADAL" clId="{7E551B6C-1E81-B548-A72C-C51786C7D0CC}" dt="2021-06-10T17:02:53.804" v="1106" actId="2696"/>
@@ -1011,22 +500,6 @@
           <pc:docMk/>
           <pc:sldMk cId="1105327036" sldId="317"/>
         </pc:sldMkLst>
-        <pc:spChg chg="mod">
-          <ac:chgData name="Long B Nguyen" userId="f59fb8f3-a021-417a-8bc1-65c8d471c621" providerId="ADAL" clId="{7E551B6C-1E81-B548-A72C-C51786C7D0CC}" dt="2021-06-11T12:17:48.263" v="2132" actId="1076"/>
-          <ac:spMkLst>
-            <pc:docMk/>
-            <pc:sldMk cId="1105327036" sldId="317"/>
-            <ac:spMk id="23553" creationId="{5E6C904F-B0D2-8542-BF56-4B43E4386E3D}"/>
-          </ac:spMkLst>
-        </pc:spChg>
-        <pc:picChg chg="mod">
-          <ac:chgData name="Long B Nguyen" userId="f59fb8f3-a021-417a-8bc1-65c8d471c621" providerId="ADAL" clId="{7E551B6C-1E81-B548-A72C-C51786C7D0CC}" dt="2021-06-11T12:17:51.591" v="2133" actId="14100"/>
-          <ac:picMkLst>
-            <pc:docMk/>
-            <pc:sldMk cId="1105327036" sldId="317"/>
-            <ac:picMk id="2" creationId="{D5FC4C3C-5059-9845-989F-6DA2B906114F}"/>
-          </ac:picMkLst>
-        </pc:picChg>
       </pc:sldChg>
       <pc:sldChg chg="del">
         <pc:chgData name="Long B Nguyen" userId="f59fb8f3-a021-417a-8bc1-65c8d471c621" providerId="ADAL" clId="{7E551B6C-1E81-B548-A72C-C51786C7D0CC}" dt="2021-06-10T17:02:53.738" v="1103" actId="2696"/>
@@ -1041,22 +514,6 @@
           <pc:docMk/>
           <pc:sldMk cId="1694859685" sldId="319"/>
         </pc:sldMkLst>
-        <pc:spChg chg="mod">
-          <ac:chgData name="Long B Nguyen" userId="f59fb8f3-a021-417a-8bc1-65c8d471c621" providerId="ADAL" clId="{7E551B6C-1E81-B548-A72C-C51786C7D0CC}" dt="2021-06-11T12:19:10.483" v="2165" actId="14100"/>
-          <ac:spMkLst>
-            <pc:docMk/>
-            <pc:sldMk cId="1694859685" sldId="319"/>
-            <ac:spMk id="3" creationId="{6BAAF3A1-8774-5448-8A90-E12045B4D3F2}"/>
-          </ac:spMkLst>
-        </pc:spChg>
-        <pc:spChg chg="mod">
-          <ac:chgData name="Long B Nguyen" userId="f59fb8f3-a021-417a-8bc1-65c8d471c621" providerId="ADAL" clId="{7E551B6C-1E81-B548-A72C-C51786C7D0CC}" dt="2021-06-11T12:19:05.294" v="2163" actId="1076"/>
-          <ac:spMkLst>
-            <pc:docMk/>
-            <pc:sldMk cId="1694859685" sldId="319"/>
-            <ac:spMk id="27649" creationId="{6DF2718B-6957-A844-8110-C38E5F3B4833}"/>
-          </ac:spMkLst>
-        </pc:spChg>
       </pc:sldChg>
       <pc:sldChg chg="del">
         <pc:chgData name="Long B Nguyen" userId="f59fb8f3-a021-417a-8bc1-65c8d471c621" providerId="ADAL" clId="{7E551B6C-1E81-B548-A72C-C51786C7D0CC}" dt="2021-06-10T17:02:53.844" v="1108" actId="2696"/>
@@ -1078,22 +535,6 @@
           <pc:docMk/>
           <pc:sldMk cId="3981954340" sldId="320"/>
         </pc:sldMkLst>
-        <pc:spChg chg="mod">
-          <ac:chgData name="Long B Nguyen" userId="f59fb8f3-a021-417a-8bc1-65c8d471c621" providerId="ADAL" clId="{7E551B6C-1E81-B548-A72C-C51786C7D0CC}" dt="2021-06-11T12:19:53.077" v="2177" actId="20577"/>
-          <ac:spMkLst>
-            <pc:docMk/>
-            <pc:sldMk cId="3981954340" sldId="320"/>
-            <ac:spMk id="3" creationId="{D1CC84C1-64E3-8C44-A271-6413B01F1B9F}"/>
-          </ac:spMkLst>
-        </pc:spChg>
-        <pc:spChg chg="mod">
-          <ac:chgData name="Long B Nguyen" userId="f59fb8f3-a021-417a-8bc1-65c8d471c621" providerId="ADAL" clId="{7E551B6C-1E81-B548-A72C-C51786C7D0CC}" dt="2021-06-11T12:19:34.831" v="2173" actId="1076"/>
-          <ac:spMkLst>
-            <pc:docMk/>
-            <pc:sldMk cId="3981954340" sldId="320"/>
-            <ac:spMk id="29697" creationId="{5D843E53-35E9-E74F-AAF1-1C6E9C7CF5DA}"/>
-          </ac:spMkLst>
-        </pc:spChg>
       </pc:sldChg>
       <pc:sldChg chg="del">
         <pc:chgData name="Long B Nguyen" userId="f59fb8f3-a021-417a-8bc1-65c8d471c621" providerId="ADAL" clId="{7E551B6C-1E81-B548-A72C-C51786C7D0CC}" dt="2021-06-10T17:02:54.010" v="1111" actId="2696"/>
@@ -1115,14 +556,6 @@
           <pc:docMk/>
           <pc:sldMk cId="545779161" sldId="322"/>
         </pc:sldMkLst>
-        <pc:spChg chg="mod">
-          <ac:chgData name="Long B Nguyen" userId="f59fb8f3-a021-417a-8bc1-65c8d471c621" providerId="ADAL" clId="{7E551B6C-1E81-B548-A72C-C51786C7D0CC}" dt="2021-06-11T12:20:03.206" v="2179" actId="1076"/>
-          <ac:spMkLst>
-            <pc:docMk/>
-            <pc:sldMk cId="545779161" sldId="322"/>
-            <ac:spMk id="31745" creationId="{4BD382BA-290D-A94B-A7DD-7AEF84D0700A}"/>
-          </ac:spMkLst>
-        </pc:spChg>
       </pc:sldChg>
       <pc:sldChg chg="del">
         <pc:chgData name="Long B Nguyen" userId="f59fb8f3-a021-417a-8bc1-65c8d471c621" providerId="ADAL" clId="{7E551B6C-1E81-B548-A72C-C51786C7D0CC}" dt="2021-06-10T17:02:54.030" v="1112" actId="2696"/>
@@ -1144,22 +577,6 @@
           <pc:docMk/>
           <pc:sldMk cId="3176068915" sldId="323"/>
         </pc:sldMkLst>
-        <pc:spChg chg="mod">
-          <ac:chgData name="Long B Nguyen" userId="f59fb8f3-a021-417a-8bc1-65c8d471c621" providerId="ADAL" clId="{7E551B6C-1E81-B548-A72C-C51786C7D0CC}" dt="2021-06-11T12:19:28.750" v="2171" actId="20577"/>
-          <ac:spMkLst>
-            <pc:docMk/>
-            <pc:sldMk cId="3176068915" sldId="323"/>
-            <ac:spMk id="3" creationId="{5401327B-FADD-F14B-8EF1-39E2659DA6FA}"/>
-          </ac:spMkLst>
-        </pc:spChg>
-        <pc:spChg chg="mod">
-          <ac:chgData name="Long B Nguyen" userId="f59fb8f3-a021-417a-8bc1-65c8d471c621" providerId="ADAL" clId="{7E551B6C-1E81-B548-A72C-C51786C7D0CC}" dt="2021-06-11T12:19:21.329" v="2167" actId="1076"/>
-          <ac:spMkLst>
-            <pc:docMk/>
-            <pc:sldMk cId="3176068915" sldId="323"/>
-            <ac:spMk id="28673" creationId="{BF249FBE-A176-1A4F-8C85-4F68915D9637}"/>
-          </ac:spMkLst>
-        </pc:spChg>
       </pc:sldChg>
       <pc:sldChg chg="del">
         <pc:chgData name="Long B Nguyen" userId="f59fb8f3-a021-417a-8bc1-65c8d471c621" providerId="ADAL" clId="{7E551B6C-1E81-B548-A72C-C51786C7D0CC}" dt="2021-06-10T17:08:30.582" v="1370" actId="2696"/>
@@ -1181,22 +598,6 @@
           <pc:docMk/>
           <pc:sldMk cId="2087798247" sldId="328"/>
         </pc:sldMkLst>
-        <pc:spChg chg="mod">
-          <ac:chgData name="Long B Nguyen" userId="f59fb8f3-a021-417a-8bc1-65c8d471c621" providerId="ADAL" clId="{7E551B6C-1E81-B548-A72C-C51786C7D0CC}" dt="2021-06-10T17:16:12.092" v="1739" actId="20577"/>
-          <ac:spMkLst>
-            <pc:docMk/>
-            <pc:sldMk cId="2087798247" sldId="328"/>
-            <ac:spMk id="3" creationId="{D7CDD189-AC0E-DF4B-95CF-A617BFC2B7FC}"/>
-          </ac:spMkLst>
-        </pc:spChg>
-        <pc:spChg chg="mod">
-          <ac:chgData name="Long B Nguyen" userId="f59fb8f3-a021-417a-8bc1-65c8d471c621" providerId="ADAL" clId="{7E551B6C-1E81-B548-A72C-C51786C7D0CC}" dt="2021-06-10T13:17:35.866" v="817" actId="1076"/>
-          <ac:spMkLst>
-            <pc:docMk/>
-            <pc:sldMk cId="2087798247" sldId="328"/>
-            <ac:spMk id="37889" creationId="{AC3C8F6C-38DD-984D-AB5D-B5D4807018F9}"/>
-          </ac:spMkLst>
-        </pc:spChg>
       </pc:sldChg>
       <pc:sldChg chg="del">
         <pc:chgData name="Long B Nguyen" userId="f59fb8f3-a021-417a-8bc1-65c8d471c621" providerId="ADAL" clId="{7E551B6C-1E81-B548-A72C-C51786C7D0CC}" dt="2021-06-10T13:17:07.707" v="800" actId="2696"/>
@@ -1211,62 +612,6 @@
           <pc:docMk/>
           <pc:sldMk cId="1447299358" sldId="329"/>
         </pc:sldMkLst>
-        <pc:spChg chg="mod">
-          <ac:chgData name="Long B Nguyen" userId="f59fb8f3-a021-417a-8bc1-65c8d471c621" providerId="ADAL" clId="{7E551B6C-1E81-B548-A72C-C51786C7D0CC}" dt="2021-06-10T13:19:08.237" v="863" actId="14100"/>
-          <ac:spMkLst>
-            <pc:docMk/>
-            <pc:sldMk cId="1447299358" sldId="329"/>
-            <ac:spMk id="3" creationId="{BB8CCA41-667F-A84D-B02D-127C2C6A9C6F}"/>
-          </ac:spMkLst>
-        </pc:spChg>
-        <pc:spChg chg="mod">
-          <ac:chgData name="Long B Nguyen" userId="f59fb8f3-a021-417a-8bc1-65c8d471c621" providerId="ADAL" clId="{7E551B6C-1E81-B548-A72C-C51786C7D0CC}" dt="2021-06-10T13:19:20.801" v="904" actId="1037"/>
-          <ac:spMkLst>
-            <pc:docMk/>
-            <pc:sldMk cId="1447299358" sldId="329"/>
-            <ac:spMk id="6" creationId="{0C12779A-B12E-0448-BF0F-7347D8303363}"/>
-          </ac:spMkLst>
-        </pc:spChg>
-        <pc:spChg chg="mod">
-          <ac:chgData name="Long B Nguyen" userId="f59fb8f3-a021-417a-8bc1-65c8d471c621" providerId="ADAL" clId="{7E551B6C-1E81-B548-A72C-C51786C7D0CC}" dt="2021-06-10T13:19:20.801" v="904" actId="1037"/>
-          <ac:spMkLst>
-            <pc:docMk/>
-            <pc:sldMk cId="1447299358" sldId="329"/>
-            <ac:spMk id="11" creationId="{9C89A8C8-352A-8644-A4A5-084EFF78A7D2}"/>
-          </ac:spMkLst>
-        </pc:spChg>
-        <pc:spChg chg="mod">
-          <ac:chgData name="Long B Nguyen" userId="f59fb8f3-a021-417a-8bc1-65c8d471c621" providerId="ADAL" clId="{7E551B6C-1E81-B548-A72C-C51786C7D0CC}" dt="2021-06-10T13:19:02.158" v="861" actId="1076"/>
-          <ac:spMkLst>
-            <pc:docMk/>
-            <pc:sldMk cId="1447299358" sldId="329"/>
-            <ac:spMk id="38913" creationId="{A620ED67-6E46-7A46-93AD-3EE39C4B8501}"/>
-          </ac:spMkLst>
-        </pc:spChg>
-        <pc:picChg chg="mod">
-          <ac:chgData name="Long B Nguyen" userId="f59fb8f3-a021-417a-8bc1-65c8d471c621" providerId="ADAL" clId="{7E551B6C-1E81-B548-A72C-C51786C7D0CC}" dt="2021-06-10T13:19:20.801" v="904" actId="1037"/>
-          <ac:picMkLst>
-            <pc:docMk/>
-            <pc:sldMk cId="1447299358" sldId="329"/>
-            <ac:picMk id="38916" creationId="{BBEB7BEA-C910-F148-A998-2A272DBB50FE}"/>
-          </ac:picMkLst>
-        </pc:picChg>
-        <pc:cxnChg chg="mod">
-          <ac:chgData name="Long B Nguyen" userId="f59fb8f3-a021-417a-8bc1-65c8d471c621" providerId="ADAL" clId="{7E551B6C-1E81-B548-A72C-C51786C7D0CC}" dt="2021-06-10T13:19:20.801" v="904" actId="1037"/>
-          <ac:cxnSpMkLst>
-            <pc:docMk/>
-            <pc:sldMk cId="1447299358" sldId="329"/>
-            <ac:cxnSpMk id="4" creationId="{F95E1657-42A9-DC49-AFC7-6462A6CBC043}"/>
-          </ac:cxnSpMkLst>
-        </pc:cxnChg>
-        <pc:cxnChg chg="mod">
-          <ac:chgData name="Long B Nguyen" userId="f59fb8f3-a021-417a-8bc1-65c8d471c621" providerId="ADAL" clId="{7E551B6C-1E81-B548-A72C-C51786C7D0CC}" dt="2021-06-10T13:19:20.801" v="904" actId="1037"/>
-          <ac:cxnSpMkLst>
-            <pc:docMk/>
-            <pc:sldMk cId="1447299358" sldId="329"/>
-            <ac:cxnSpMk id="10" creationId="{ABDF95F1-7709-2B48-B322-0972E58D26B3}"/>
-          </ac:cxnSpMkLst>
-        </pc:cxnChg>
       </pc:sldChg>
       <pc:sldChg chg="del">
         <pc:chgData name="Long B Nguyen" userId="f59fb8f3-a021-417a-8bc1-65c8d471c621" providerId="ADAL" clId="{7E551B6C-1E81-B548-A72C-C51786C7D0CC}" dt="2021-06-10T13:17:07.730" v="801" actId="2696"/>
@@ -1288,30 +633,6 @@
           <pc:docMk/>
           <pc:sldMk cId="3718226292" sldId="330"/>
         </pc:sldMkLst>
-        <pc:spChg chg="mod">
-          <ac:chgData name="Long B Nguyen" userId="f59fb8f3-a021-417a-8bc1-65c8d471c621" providerId="ADAL" clId="{7E551B6C-1E81-B548-A72C-C51786C7D0CC}" dt="2021-06-10T13:28:41.438" v="1089" actId="20577"/>
-          <ac:spMkLst>
-            <pc:docMk/>
-            <pc:sldMk cId="3718226292" sldId="330"/>
-            <ac:spMk id="3" creationId="{E5E13A60-825E-8F49-94C7-C8A397D6D52E}"/>
-          </ac:spMkLst>
-        </pc:spChg>
-        <pc:spChg chg="mod">
-          <ac:chgData name="Long B Nguyen" userId="f59fb8f3-a021-417a-8bc1-65c8d471c621" providerId="ADAL" clId="{7E551B6C-1E81-B548-A72C-C51786C7D0CC}" dt="2021-06-10T13:21:37.740" v="906" actId="1076"/>
-          <ac:spMkLst>
-            <pc:docMk/>
-            <pc:sldMk cId="3718226292" sldId="330"/>
-            <ac:spMk id="39937" creationId="{8C524C6D-7080-AE45-B989-CF5B895D67C8}"/>
-          </ac:spMkLst>
-        </pc:spChg>
-        <pc:picChg chg="add mod">
-          <ac:chgData name="Long B Nguyen" userId="f59fb8f3-a021-417a-8bc1-65c8d471c621" providerId="ADAL" clId="{7E551B6C-1E81-B548-A72C-C51786C7D0CC}" dt="2021-06-10T13:28:44.783" v="1090" actId="1076"/>
-          <ac:picMkLst>
-            <pc:docMk/>
-            <pc:sldMk cId="3718226292" sldId="330"/>
-            <ac:picMk id="5" creationId="{924514C3-F39C-7341-93B2-4E0DA224D089}"/>
-          </ac:picMkLst>
-        </pc:picChg>
       </pc:sldChg>
       <pc:sldChg chg="del">
         <pc:chgData name="Long B Nguyen" userId="f59fb8f3-a021-417a-8bc1-65c8d471c621" providerId="ADAL" clId="{7E551B6C-1E81-B548-A72C-C51786C7D0CC}" dt="2021-06-10T13:17:07.770" v="803" actId="2696"/>
@@ -1361,30 +682,6 @@
           <pc:docMk/>
           <pc:sldMk cId="323835452" sldId="334"/>
         </pc:sldMkLst>
-        <pc:spChg chg="mod">
-          <ac:chgData name="Long B Nguyen" userId="f59fb8f3-a021-417a-8bc1-65c8d471c621" providerId="ADAL" clId="{7E551B6C-1E81-B548-A72C-C51786C7D0CC}" dt="2021-06-10T13:29:18.763" v="1095" actId="14100"/>
-          <ac:spMkLst>
-            <pc:docMk/>
-            <pc:sldMk cId="323835452" sldId="334"/>
-            <ac:spMk id="3" creationId="{EB9566AF-2FAA-1C47-B9B8-7EA0473DC635}"/>
-          </ac:spMkLst>
-        </pc:spChg>
-        <pc:spChg chg="mod">
-          <ac:chgData name="Long B Nguyen" userId="f59fb8f3-a021-417a-8bc1-65c8d471c621" providerId="ADAL" clId="{7E551B6C-1E81-B548-A72C-C51786C7D0CC}" dt="2021-06-10T13:29:13.254" v="1093" actId="1076"/>
-          <ac:spMkLst>
-            <pc:docMk/>
-            <pc:sldMk cId="323835452" sldId="334"/>
-            <ac:spMk id="43009" creationId="{3649281C-BA5A-FA43-B3FE-20F4E7A74FE2}"/>
-          </ac:spMkLst>
-        </pc:spChg>
-        <pc:picChg chg="mod">
-          <ac:chgData name="Long B Nguyen" userId="f59fb8f3-a021-417a-8bc1-65c8d471c621" providerId="ADAL" clId="{7E551B6C-1E81-B548-A72C-C51786C7D0CC}" dt="2021-06-10T13:29:21.110" v="1096" actId="1076"/>
-          <ac:picMkLst>
-            <pc:docMk/>
-            <pc:sldMk cId="323835452" sldId="334"/>
-            <ac:picMk id="43012" creationId="{380655BC-1837-ED42-8428-F449A3301456}"/>
-          </ac:picMkLst>
-        </pc:picChg>
       </pc:sldChg>
       <pc:sldChg chg="del">
         <pc:chgData name="Long B Nguyen" userId="f59fb8f3-a021-417a-8bc1-65c8d471c621" providerId="ADAL" clId="{7E551B6C-1E81-B548-A72C-C51786C7D0CC}" dt="2021-06-10T13:17:07.813" v="805" actId="2696"/>
@@ -1399,22 +696,6 @@
           <pc:docMk/>
           <pc:sldMk cId="1198473218" sldId="335"/>
         </pc:sldMkLst>
-        <pc:spChg chg="mod">
-          <ac:chgData name="Long B Nguyen" userId="f59fb8f3-a021-417a-8bc1-65c8d471c621" providerId="ADAL" clId="{7E551B6C-1E81-B548-A72C-C51786C7D0CC}" dt="2021-06-10T17:14:58.328" v="1634" actId="21"/>
-          <ac:spMkLst>
-            <pc:docMk/>
-            <pc:sldMk cId="1198473218" sldId="335"/>
-            <ac:spMk id="3" creationId="{4F1EC0A4-9C99-4C4C-8EB1-0CF10BF35EF6}"/>
-          </ac:spMkLst>
-        </pc:spChg>
-        <pc:spChg chg="mod">
-          <ac:chgData name="Long B Nguyen" userId="f59fb8f3-a021-417a-8bc1-65c8d471c621" providerId="ADAL" clId="{7E551B6C-1E81-B548-A72C-C51786C7D0CC}" dt="2021-06-10T17:04:05.462" v="1118" actId="1076"/>
-          <ac:spMkLst>
-            <pc:docMk/>
-            <pc:sldMk cId="1198473218" sldId="335"/>
-            <ac:spMk id="46081" creationId="{757C5CE4-E449-0B4E-873C-236EF71BBBF0}"/>
-          </ac:spMkLst>
-        </pc:spChg>
       </pc:sldChg>
       <pc:sldChg chg="del">
         <pc:chgData name="Long B Nguyen" userId="f59fb8f3-a021-417a-8bc1-65c8d471c621" providerId="ADAL" clId="{7E551B6C-1E81-B548-A72C-C51786C7D0CC}" dt="2021-06-10T13:17:07.871" v="808" actId="2696"/>
@@ -1429,14 +710,6 @@
           <pc:docMk/>
           <pc:sldMk cId="2376304450" sldId="336"/>
         </pc:sldMkLst>
-        <pc:spChg chg="mod">
-          <ac:chgData name="Long B Nguyen" userId="f59fb8f3-a021-417a-8bc1-65c8d471c621" providerId="ADAL" clId="{7E551B6C-1E81-B548-A72C-C51786C7D0CC}" dt="2021-06-10T17:04:30.364" v="1122" actId="21"/>
-          <ac:spMkLst>
-            <pc:docMk/>
-            <pc:sldMk cId="2376304450" sldId="336"/>
-            <ac:spMk id="3" creationId="{02BD6BC0-0DF6-1C41-B2F6-DF171A4BD0C7}"/>
-          </ac:spMkLst>
-        </pc:spChg>
       </pc:sldChg>
       <pc:sldChg chg="del">
         <pc:chgData name="Long B Nguyen" userId="f59fb8f3-a021-417a-8bc1-65c8d471c621" providerId="ADAL" clId="{7E551B6C-1E81-B548-A72C-C51786C7D0CC}" dt="2021-06-10T13:17:07.893" v="809" actId="2696"/>
@@ -1458,22 +731,6 @@
           <pc:docMk/>
           <pc:sldMk cId="2550687832" sldId="337"/>
         </pc:sldMkLst>
-        <pc:spChg chg="mod">
-          <ac:chgData name="Long B Nguyen" userId="f59fb8f3-a021-417a-8bc1-65c8d471c621" providerId="ADAL" clId="{7E551B6C-1E81-B548-A72C-C51786C7D0CC}" dt="2021-06-10T17:15:23.699" v="1657" actId="21"/>
-          <ac:spMkLst>
-            <pc:docMk/>
-            <pc:sldMk cId="2550687832" sldId="337"/>
-            <ac:spMk id="3" creationId="{EDD173A5-7515-4344-96F1-DFBABC544ED0}"/>
-          </ac:spMkLst>
-        </pc:spChg>
-        <pc:spChg chg="mod">
-          <ac:chgData name="Long B Nguyen" userId="f59fb8f3-a021-417a-8bc1-65c8d471c621" providerId="ADAL" clId="{7E551B6C-1E81-B548-A72C-C51786C7D0CC}" dt="2021-06-10T17:06:52.900" v="1296" actId="20577"/>
-          <ac:spMkLst>
-            <pc:docMk/>
-            <pc:sldMk cId="2550687832" sldId="337"/>
-            <ac:spMk id="48129" creationId="{328FB4D7-49E6-9E40-B559-A0D74E019365}"/>
-          </ac:spMkLst>
-        </pc:spChg>
       </pc:sldChg>
       <pc:sldChg chg="del">
         <pc:chgData name="Long B Nguyen" userId="f59fb8f3-a021-417a-8bc1-65c8d471c621" providerId="ADAL" clId="{7E551B6C-1E81-B548-A72C-C51786C7D0CC}" dt="2021-06-10T13:17:07.933" v="811" actId="2696"/>
@@ -1530,14 +787,6 @@
           <pc:docMk/>
           <pc:sldMk cId="3326640392" sldId="341"/>
         </pc:sldMkLst>
-        <pc:spChg chg="mod">
-          <ac:chgData name="Long B Nguyen" userId="f59fb8f3-a021-417a-8bc1-65c8d471c621" providerId="ADAL" clId="{7E551B6C-1E81-B548-A72C-C51786C7D0CC}" dt="2021-06-10T17:07:07.822" v="1352" actId="21"/>
-          <ac:spMkLst>
-            <pc:docMk/>
-            <pc:sldMk cId="3326640392" sldId="341"/>
-            <ac:spMk id="3" creationId="{C4B2C292-CF9B-CF4B-95A6-2A1828F1B32F}"/>
-          </ac:spMkLst>
-        </pc:spChg>
       </pc:sldChg>
       <pc:sldChg chg="modSp add mod">
         <pc:chgData name="Long B Nguyen" userId="f59fb8f3-a021-417a-8bc1-65c8d471c621" providerId="ADAL" clId="{7E551B6C-1E81-B548-A72C-C51786C7D0CC}" dt="2021-06-11T12:21:04.695" v="2199" actId="1076"/>
@@ -1545,70 +794,6 @@
           <pc:docMk/>
           <pc:sldMk cId="1830555247" sldId="342"/>
         </pc:sldMkLst>
-        <pc:spChg chg="mod">
-          <ac:chgData name="Long B Nguyen" userId="f59fb8f3-a021-417a-8bc1-65c8d471c621" providerId="ADAL" clId="{7E551B6C-1E81-B548-A72C-C51786C7D0CC}" dt="2021-06-11T12:20:25.422" v="2187" actId="14100"/>
-          <ac:spMkLst>
-            <pc:docMk/>
-            <pc:sldMk cId="1830555247" sldId="342"/>
-            <ac:spMk id="3" creationId="{E82DB29A-E2B2-8646-BD98-C234E64E220A}"/>
-          </ac:spMkLst>
-        </pc:spChg>
-        <pc:spChg chg="mod">
-          <ac:chgData name="Long B Nguyen" userId="f59fb8f3-a021-417a-8bc1-65c8d471c621" providerId="ADAL" clId="{7E551B6C-1E81-B548-A72C-C51786C7D0CC}" dt="2021-06-11T12:20:20.014" v="2185" actId="1076"/>
-          <ac:spMkLst>
-            <pc:docMk/>
-            <pc:sldMk cId="1830555247" sldId="342"/>
-            <ac:spMk id="34817" creationId="{DE07AFA2-897D-1246-9C8B-446B67E7BFE4}"/>
-          </ac:spMkLst>
-        </pc:spChg>
-        <pc:picChg chg="mod">
-          <ac:chgData name="Long B Nguyen" userId="f59fb8f3-a021-417a-8bc1-65c8d471c621" providerId="ADAL" clId="{7E551B6C-1E81-B548-A72C-C51786C7D0CC}" dt="2021-06-11T12:21:03.206" v="2198" actId="1076"/>
-          <ac:picMkLst>
-            <pc:docMk/>
-            <pc:sldMk cId="1830555247" sldId="342"/>
-            <ac:picMk id="4" creationId="{FDC9B311-9DA7-9948-8004-00E508A39ED6}"/>
-          </ac:picMkLst>
-        </pc:picChg>
-        <pc:picChg chg="mod">
-          <ac:chgData name="Long B Nguyen" userId="f59fb8f3-a021-417a-8bc1-65c8d471c621" providerId="ADAL" clId="{7E551B6C-1E81-B548-A72C-C51786C7D0CC}" dt="2021-06-11T12:21:04.695" v="2199" actId="1076"/>
-          <ac:picMkLst>
-            <pc:docMk/>
-            <pc:sldMk cId="1830555247" sldId="342"/>
-            <ac:picMk id="5" creationId="{4DCFC96C-D965-244F-9EDF-23EC6C1A18B7}"/>
-          </ac:picMkLst>
-        </pc:picChg>
-        <pc:picChg chg="mod">
-          <ac:chgData name="Long B Nguyen" userId="f59fb8f3-a021-417a-8bc1-65c8d471c621" providerId="ADAL" clId="{7E551B6C-1E81-B548-A72C-C51786C7D0CC}" dt="2021-06-11T12:20:49.972" v="2193" actId="1076"/>
-          <ac:picMkLst>
-            <pc:docMk/>
-            <pc:sldMk cId="1830555247" sldId="342"/>
-            <ac:picMk id="6" creationId="{CDC6C3C4-C8B3-4048-984B-B2480C8C3191}"/>
-          </ac:picMkLst>
-        </pc:picChg>
-        <pc:picChg chg="mod">
-          <ac:chgData name="Long B Nguyen" userId="f59fb8f3-a021-417a-8bc1-65c8d471c621" providerId="ADAL" clId="{7E551B6C-1E81-B548-A72C-C51786C7D0CC}" dt="2021-06-11T12:20:51.345" v="2194" actId="1076"/>
-          <ac:picMkLst>
-            <pc:docMk/>
-            <pc:sldMk cId="1830555247" sldId="342"/>
-            <ac:picMk id="7" creationId="{6E44BAB4-410B-0B4B-BDAF-22047930EE62}"/>
-          </ac:picMkLst>
-        </pc:picChg>
-        <pc:picChg chg="mod">
-          <ac:chgData name="Long B Nguyen" userId="f59fb8f3-a021-417a-8bc1-65c8d471c621" providerId="ADAL" clId="{7E551B6C-1E81-B548-A72C-C51786C7D0CC}" dt="2021-06-11T12:21:01.225" v="2197" actId="1076"/>
-          <ac:picMkLst>
-            <pc:docMk/>
-            <pc:sldMk cId="1830555247" sldId="342"/>
-            <ac:picMk id="8" creationId="{3699A654-DBFF-8E42-9025-0BD47A3552A3}"/>
-          </ac:picMkLst>
-        </pc:picChg>
-        <pc:picChg chg="mod">
-          <ac:chgData name="Long B Nguyen" userId="f59fb8f3-a021-417a-8bc1-65c8d471c621" providerId="ADAL" clId="{7E551B6C-1E81-B548-A72C-C51786C7D0CC}" dt="2021-06-11T12:20:58.217" v="2196" actId="1076"/>
-          <ac:picMkLst>
-            <pc:docMk/>
-            <pc:sldMk cId="1830555247" sldId="342"/>
-            <ac:picMk id="9" creationId="{3581F40A-57CF-324D-91E0-064EA307AAAF}"/>
-          </ac:picMkLst>
-        </pc:picChg>
       </pc:sldChg>
       <pc:sldChg chg="del">
         <pc:chgData name="Long B Nguyen" userId="f59fb8f3-a021-417a-8bc1-65c8d471c621" providerId="ADAL" clId="{7E551B6C-1E81-B548-A72C-C51786C7D0CC}" dt="2021-06-10T17:02:54.078" v="1114" actId="2696"/>
@@ -1630,22 +815,6 @@
           <pc:docMk/>
           <pc:sldMk cId="2861772922" sldId="343"/>
         </pc:sldMkLst>
-        <pc:spChg chg="mod">
-          <ac:chgData name="Long B Nguyen" userId="f59fb8f3-a021-417a-8bc1-65c8d471c621" providerId="ADAL" clId="{7E551B6C-1E81-B548-A72C-C51786C7D0CC}" dt="2021-06-11T12:20:13.671" v="2183" actId="14100"/>
-          <ac:spMkLst>
-            <pc:docMk/>
-            <pc:sldMk cId="2861772922" sldId="343"/>
-            <ac:spMk id="3" creationId="{BB84A3DF-3845-E44E-BE23-31EA988FAEBB}"/>
-          </ac:spMkLst>
-        </pc:spChg>
-        <pc:spChg chg="mod">
-          <ac:chgData name="Long B Nguyen" userId="f59fb8f3-a021-417a-8bc1-65c8d471c621" providerId="ADAL" clId="{7E551B6C-1E81-B548-A72C-C51786C7D0CC}" dt="2021-06-11T12:20:08.739" v="2181" actId="1076"/>
-          <ac:spMkLst>
-            <pc:docMk/>
-            <pc:sldMk cId="2861772922" sldId="343"/>
-            <ac:spMk id="33793" creationId="{EF6B3B38-3472-E741-B04E-BCDB92C17E95}"/>
-          </ac:spMkLst>
-        </pc:spChg>
       </pc:sldChg>
       <pc:sldChg chg="modSp mod">
         <pc:chgData name="Long B Nguyen" userId="f59fb8f3-a021-417a-8bc1-65c8d471c621" providerId="ADAL" clId="{7E551B6C-1E81-B548-A72C-C51786C7D0CC}" dt="2021-06-11T15:53:57.641" v="3218" actId="20577"/>
@@ -1653,14 +822,6 @@
           <pc:docMk/>
           <pc:sldMk cId="1270247652" sldId="344"/>
         </pc:sldMkLst>
-        <pc:spChg chg="mod">
-          <ac:chgData name="Long B Nguyen" userId="f59fb8f3-a021-417a-8bc1-65c8d471c621" providerId="ADAL" clId="{7E551B6C-1E81-B548-A72C-C51786C7D0CC}" dt="2021-06-11T15:53:57.641" v="3218" actId="20577"/>
-          <ac:spMkLst>
-            <pc:docMk/>
-            <pc:sldMk cId="1270247652" sldId="344"/>
-            <ac:spMk id="55298" creationId="{4AA38F8C-E2AA-EA4D-A486-FA2F457B38F7}"/>
-          </ac:spMkLst>
-        </pc:spChg>
       </pc:sldChg>
       <pc:sldChg chg="del">
         <pc:chgData name="Long B Nguyen" userId="f59fb8f3-a021-417a-8bc1-65c8d471c621" providerId="ADAL" clId="{7E551B6C-1E81-B548-A72C-C51786C7D0CC}" dt="2021-06-10T17:02:53.825" v="1107" actId="2696"/>
@@ -1675,30 +836,6 @@
           <pc:docMk/>
           <pc:sldMk cId="2130219534" sldId="345"/>
         </pc:sldMkLst>
-        <pc:spChg chg="mod">
-          <ac:chgData name="Long B Nguyen" userId="f59fb8f3-a021-417a-8bc1-65c8d471c621" providerId="ADAL" clId="{7E551B6C-1E81-B548-A72C-C51786C7D0CC}" dt="2021-06-11T12:18:49.317" v="2149" actId="1076"/>
-          <ac:spMkLst>
-            <pc:docMk/>
-            <pc:sldMk cId="2130219534" sldId="345"/>
-            <ac:spMk id="26625" creationId="{EEE37393-73E7-7A42-A21D-4773DC200BF6}"/>
-          </ac:spMkLst>
-        </pc:spChg>
-        <pc:spChg chg="mod">
-          <ac:chgData name="Long B Nguyen" userId="f59fb8f3-a021-417a-8bc1-65c8d471c621" providerId="ADAL" clId="{7E551B6C-1E81-B548-A72C-C51786C7D0CC}" dt="2021-06-11T12:18:55.117" v="2151" actId="14100"/>
-          <ac:spMkLst>
-            <pc:docMk/>
-            <pc:sldMk cId="2130219534" sldId="345"/>
-            <ac:spMk id="26626" creationId="{EBDCF6EE-E392-F04F-9B69-A1B47BE13E5F}"/>
-          </ac:spMkLst>
-        </pc:spChg>
-        <pc:picChg chg="mod">
-          <ac:chgData name="Long B Nguyen" userId="f59fb8f3-a021-417a-8bc1-65c8d471c621" providerId="ADAL" clId="{7E551B6C-1E81-B548-A72C-C51786C7D0CC}" dt="2021-06-11T12:18:57.762" v="2161" actId="1036"/>
-          <ac:picMkLst>
-            <pc:docMk/>
-            <pc:sldMk cId="2130219534" sldId="345"/>
-            <ac:picMk id="26627" creationId="{4CB819D5-BF58-EF49-ADC3-C5DAC8299BED}"/>
-          </ac:picMkLst>
-        </pc:picChg>
       </pc:sldChg>
       <pc:sldChg chg="add del">
         <pc:chgData name="Long B Nguyen" userId="f59fb8f3-a021-417a-8bc1-65c8d471c621" providerId="ADAL" clId="{7E551B6C-1E81-B548-A72C-C51786C7D0CC}" dt="2021-06-10T13:28:50.891" v="1091" actId="2696"/>
@@ -1720,14 +857,6 @@
           <pc:docMk/>
           <pc:sldMk cId="2921473555" sldId="348"/>
         </pc:sldMkLst>
-        <pc:spChg chg="mod">
-          <ac:chgData name="Long B Nguyen" userId="f59fb8f3-a021-417a-8bc1-65c8d471c621" providerId="ADAL" clId="{7E551B6C-1E81-B548-A72C-C51786C7D0CC}" dt="2021-06-11T12:17:58.259" v="2135" actId="1076"/>
-          <ac:spMkLst>
-            <pc:docMk/>
-            <pc:sldMk cId="2921473555" sldId="348"/>
-            <ac:spMk id="23553" creationId="{5E6C904F-B0D2-8542-BF56-4B43E4386E3D}"/>
-          </ac:spMkLst>
-        </pc:spChg>
       </pc:sldChg>
       <pc:sldChg chg="del">
         <pc:chgData name="Long B Nguyen" userId="f59fb8f3-a021-417a-8bc1-65c8d471c621" providerId="ADAL" clId="{7E551B6C-1E81-B548-A72C-C51786C7D0CC}" dt="2021-06-10T17:02:53.758" v="1104" actId="2696"/>
@@ -1742,14 +871,6 @@
           <pc:docMk/>
           <pc:sldMk cId="1685712336" sldId="349"/>
         </pc:sldMkLst>
-        <pc:spChg chg="mod">
-          <ac:chgData name="Long B Nguyen" userId="f59fb8f3-a021-417a-8bc1-65c8d471c621" providerId="ADAL" clId="{7E551B6C-1E81-B548-A72C-C51786C7D0CC}" dt="2021-06-10T12:21:09.053" v="37" actId="20577"/>
-          <ac:spMkLst>
-            <pc:docMk/>
-            <pc:sldMk cId="1685712336" sldId="349"/>
-            <ac:spMk id="3" creationId="{1BDC47C8-6776-7B44-9CD4-95FC91452D62}"/>
-          </ac:spMkLst>
-        </pc:spChg>
       </pc:sldChg>
       <pc:sldChg chg="modSp add">
         <pc:chgData name="Long B Nguyen" userId="f59fb8f3-a021-417a-8bc1-65c8d471c621" providerId="ADAL" clId="{7E551B6C-1E81-B548-A72C-C51786C7D0CC}" dt="2021-06-11T12:01:35.808" v="1748" actId="20577"/>
@@ -1757,14 +878,6 @@
           <pc:docMk/>
           <pc:sldMk cId="1173183267" sldId="350"/>
         </pc:sldMkLst>
-        <pc:spChg chg="mod">
-          <ac:chgData name="Long B Nguyen" userId="f59fb8f3-a021-417a-8bc1-65c8d471c621" providerId="ADAL" clId="{7E551B6C-1E81-B548-A72C-C51786C7D0CC}" dt="2021-06-11T12:01:35.808" v="1748" actId="20577"/>
-          <ac:spMkLst>
-            <pc:docMk/>
-            <pc:sldMk cId="1173183267" sldId="350"/>
-            <ac:spMk id="3" creationId="{44A58473-3189-0C44-8A5E-E353CDFB3E5C}"/>
-          </ac:spMkLst>
-        </pc:spChg>
       </pc:sldChg>
       <pc:sldChg chg="modSp add del mod modAnim">
         <pc:chgData name="Long B Nguyen" userId="f59fb8f3-a021-417a-8bc1-65c8d471c621" providerId="ADAL" clId="{7E551B6C-1E81-B548-A72C-C51786C7D0CC}" dt="2021-06-10T13:03:10.803" v="496" actId="2696"/>
@@ -1772,22 +885,6 @@
           <pc:docMk/>
           <pc:sldMk cId="1718290988" sldId="350"/>
         </pc:sldMkLst>
-        <pc:spChg chg="mod">
-          <ac:chgData name="Long B Nguyen" userId="f59fb8f3-a021-417a-8bc1-65c8d471c621" providerId="ADAL" clId="{7E551B6C-1E81-B548-A72C-C51786C7D0CC}" dt="2021-06-10T13:02:13.226" v="495" actId="20577"/>
-          <ac:spMkLst>
-            <pc:docMk/>
-            <pc:sldMk cId="1718290988" sldId="350"/>
-            <ac:spMk id="3" creationId="{44A58473-3189-0C44-8A5E-E353CDFB3E5C}"/>
-          </ac:spMkLst>
-        </pc:spChg>
-        <pc:spChg chg="mod">
-          <ac:chgData name="Long B Nguyen" userId="f59fb8f3-a021-417a-8bc1-65c8d471c621" providerId="ADAL" clId="{7E551B6C-1E81-B548-A72C-C51786C7D0CC}" dt="2021-06-10T12:53:16.344" v="47" actId="20577"/>
-          <ac:spMkLst>
-            <pc:docMk/>
-            <pc:sldMk cId="1718290988" sldId="350"/>
-            <ac:spMk id="21505" creationId="{BCBA125C-ACA7-FB47-96FC-9420F821AD81}"/>
-          </ac:spMkLst>
-        </pc:spChg>
       </pc:sldChg>
       <pc:sldChg chg="modSp add mod modAnim">
         <pc:chgData name="Long B Nguyen" userId="f59fb8f3-a021-417a-8bc1-65c8d471c621" providerId="ADAL" clId="{7E551B6C-1E81-B548-A72C-C51786C7D0CC}" dt="2021-06-11T12:21:24.691" v="2200" actId="1076"/>
@@ -1795,22 +892,6 @@
           <pc:docMk/>
           <pc:sldMk cId="1166836157" sldId="351"/>
         </pc:sldMkLst>
-        <pc:spChg chg="mod">
-          <ac:chgData name="Long B Nguyen" userId="f59fb8f3-a021-417a-8bc1-65c8d471c621" providerId="ADAL" clId="{7E551B6C-1E81-B548-A72C-C51786C7D0CC}" dt="2021-06-10T13:06:10.319" v="551"/>
-          <ac:spMkLst>
-            <pc:docMk/>
-            <pc:sldMk cId="1166836157" sldId="351"/>
-            <ac:spMk id="3" creationId="{44A58473-3189-0C44-8A5E-E353CDFB3E5C}"/>
-          </ac:spMkLst>
-        </pc:spChg>
-        <pc:spChg chg="mod">
-          <ac:chgData name="Long B Nguyen" userId="f59fb8f3-a021-417a-8bc1-65c8d471c621" providerId="ADAL" clId="{7E551B6C-1E81-B548-A72C-C51786C7D0CC}" dt="2021-06-11T12:21:24.691" v="2200" actId="1076"/>
-          <ac:spMkLst>
-            <pc:docMk/>
-            <pc:sldMk cId="1166836157" sldId="351"/>
-            <ac:spMk id="21505" creationId="{BCBA125C-ACA7-FB47-96FC-9420F821AD81}"/>
-          </ac:spMkLst>
-        </pc:spChg>
       </pc:sldChg>
       <pc:sldChg chg="modSp add del modAnim">
         <pc:chgData name="Long B Nguyen" userId="f59fb8f3-a021-417a-8bc1-65c8d471c621" providerId="ADAL" clId="{7E551B6C-1E81-B548-A72C-C51786C7D0CC}" dt="2021-06-10T13:08:38.854" v="566" actId="2696"/>
@@ -1818,14 +899,6 @@
           <pc:docMk/>
           <pc:sldMk cId="486956964" sldId="352"/>
         </pc:sldMkLst>
-        <pc:spChg chg="mod">
-          <ac:chgData name="Long B Nguyen" userId="f59fb8f3-a021-417a-8bc1-65c8d471c621" providerId="ADAL" clId="{7E551B6C-1E81-B548-A72C-C51786C7D0CC}" dt="2021-06-10T13:06:23.912" v="564" actId="20577"/>
-          <ac:spMkLst>
-            <pc:docMk/>
-            <pc:sldMk cId="486956964" sldId="352"/>
-            <ac:spMk id="3" creationId="{44A58473-3189-0C44-8A5E-E353CDFB3E5C}"/>
-          </ac:spMkLst>
-        </pc:spChg>
       </pc:sldChg>
       <pc:sldChg chg="delSp modSp add mod modAnim">
         <pc:chgData name="Long B Nguyen" userId="f59fb8f3-a021-417a-8bc1-65c8d471c621" providerId="ADAL" clId="{7E551B6C-1E81-B548-A72C-C51786C7D0CC}" dt="2021-06-11T17:27:42.670" v="4039" actId="20577"/>
@@ -1833,30 +906,6 @@
           <pc:docMk/>
           <pc:sldMk cId="630408664" sldId="598"/>
         </pc:sldMkLst>
-        <pc:spChg chg="mod">
-          <ac:chgData name="Long B Nguyen" userId="f59fb8f3-a021-417a-8bc1-65c8d471c621" providerId="ADAL" clId="{7E551B6C-1E81-B548-A72C-C51786C7D0CC}" dt="2021-06-11T17:27:42.670" v="4039" actId="20577"/>
-          <ac:spMkLst>
-            <pc:docMk/>
-            <pc:sldMk cId="630408664" sldId="598"/>
-            <ac:spMk id="16386" creationId="{BDE71382-597F-7140-BB2A-61A70538093D}"/>
-          </ac:spMkLst>
-        </pc:spChg>
-        <pc:spChg chg="mod">
-          <ac:chgData name="Long B Nguyen" userId="f59fb8f3-a021-417a-8bc1-65c8d471c621" providerId="ADAL" clId="{7E551B6C-1E81-B548-A72C-C51786C7D0CC}" dt="2021-06-11T17:23:30.022" v="3808" actId="1076"/>
-          <ac:spMkLst>
-            <pc:docMk/>
-            <pc:sldMk cId="630408664" sldId="598"/>
-            <ac:spMk id="49153" creationId="{1680CCD0-15B9-9C43-A98A-AA8370C7D7D7}"/>
-          </ac:spMkLst>
-        </pc:spChg>
-        <pc:picChg chg="del mod">
-          <ac:chgData name="Long B Nguyen" userId="f59fb8f3-a021-417a-8bc1-65c8d471c621" providerId="ADAL" clId="{7E551B6C-1E81-B548-A72C-C51786C7D0CC}" dt="2021-06-11T17:27:02.105" v="4027" actId="478"/>
-          <ac:picMkLst>
-            <pc:docMk/>
-            <pc:sldMk cId="630408664" sldId="598"/>
-            <ac:picMk id="47107" creationId="{3DDFC360-56E5-D24E-96BC-A8AE220FFD5D}"/>
-          </ac:picMkLst>
-        </pc:picChg>
       </pc:sldChg>
       <pc:sldChg chg="add del">
         <pc:chgData name="Long B Nguyen" userId="f59fb8f3-a021-417a-8bc1-65c8d471c621" providerId="ADAL" clId="{7E551B6C-1E81-B548-A72C-C51786C7D0CC}" dt="2021-06-11T17:22:36.725" v="3805" actId="2696"/>
@@ -1878,22 +927,6 @@
           <pc:docMk/>
           <pc:sldMk cId="890660370" sldId="626"/>
         </pc:sldMkLst>
-        <pc:spChg chg="mod">
-          <ac:chgData name="Long B Nguyen" userId="f59fb8f3-a021-417a-8bc1-65c8d471c621" providerId="ADAL" clId="{7E551B6C-1E81-B548-A72C-C51786C7D0CC}" dt="2021-06-11T12:02:43.847" v="1765" actId="207"/>
-          <ac:spMkLst>
-            <pc:docMk/>
-            <pc:sldMk cId="890660370" sldId="626"/>
-            <ac:spMk id="6146" creationId="{EAA042DF-FAF2-DA4B-9FB9-A8E93FAB0389}"/>
-          </ac:spMkLst>
-        </pc:spChg>
-        <pc:picChg chg="add mod">
-          <ac:chgData name="Long B Nguyen" userId="f59fb8f3-a021-417a-8bc1-65c8d471c621" providerId="ADAL" clId="{7E551B6C-1E81-B548-A72C-C51786C7D0CC}" dt="2021-06-10T13:14:21.548" v="721" actId="1076"/>
-          <ac:picMkLst>
-            <pc:docMk/>
-            <pc:sldMk cId="890660370" sldId="626"/>
-            <ac:picMk id="3" creationId="{88E06D57-59AD-D342-BCB1-54EACBEAB164}"/>
-          </ac:picMkLst>
-        </pc:picChg>
       </pc:sldChg>
       <pc:sldChg chg="modSp add mod">
         <pc:chgData name="Long B Nguyen" userId="f59fb8f3-a021-417a-8bc1-65c8d471c621" providerId="ADAL" clId="{7E551B6C-1E81-B548-A72C-C51786C7D0CC}" dt="2021-06-10T17:01:49.146" v="1101" actId="20577"/>
@@ -1901,30 +934,6 @@
           <pc:docMk/>
           <pc:sldMk cId="3969006746" sldId="627"/>
         </pc:sldMkLst>
-        <pc:spChg chg="mod">
-          <ac:chgData name="Long B Nguyen" userId="f59fb8f3-a021-417a-8bc1-65c8d471c621" providerId="ADAL" clId="{7E551B6C-1E81-B548-A72C-C51786C7D0CC}" dt="2021-06-10T17:01:49.146" v="1101" actId="20577"/>
-          <ac:spMkLst>
-            <pc:docMk/>
-            <pc:sldMk cId="3969006746" sldId="627"/>
-            <ac:spMk id="3" creationId="{98EB71F4-DBF4-ED4C-9334-B829AAEF3E2C}"/>
-          </ac:spMkLst>
-        </pc:spChg>
-        <pc:spChg chg="mod">
-          <ac:chgData name="Long B Nguyen" userId="f59fb8f3-a021-417a-8bc1-65c8d471c621" providerId="ADAL" clId="{7E551B6C-1E81-B548-A72C-C51786C7D0CC}" dt="2021-06-10T13:15:47.488" v="794" actId="1076"/>
-          <ac:spMkLst>
-            <pc:docMk/>
-            <pc:sldMk cId="3969006746" sldId="627"/>
-            <ac:spMk id="36865" creationId="{80DCD7AD-00FD-2F40-91CE-625DA6FD1285}"/>
-          </ac:spMkLst>
-        </pc:spChg>
-        <pc:picChg chg="mod">
-          <ac:chgData name="Long B Nguyen" userId="f59fb8f3-a021-417a-8bc1-65c8d471c621" providerId="ADAL" clId="{7E551B6C-1E81-B548-A72C-C51786C7D0CC}" dt="2021-06-10T13:18:09.842" v="848" actId="1036"/>
-          <ac:picMkLst>
-            <pc:docMk/>
-            <pc:sldMk cId="3969006746" sldId="627"/>
-            <ac:picMk id="34820" creationId="{88DD05B8-5A7A-0F4F-AC0A-AB11673ED631}"/>
-          </ac:picMkLst>
-        </pc:picChg>
       </pc:sldChg>
       <pc:sldChg chg="modSp add mod modAnim">
         <pc:chgData name="Long B Nguyen" userId="f59fb8f3-a021-417a-8bc1-65c8d471c621" providerId="ADAL" clId="{7E551B6C-1E81-B548-A72C-C51786C7D0CC}" dt="2021-06-11T16:15:09.711" v="3219" actId="20577"/>
@@ -1932,22 +941,6 @@
           <pc:docMk/>
           <pc:sldMk cId="781734240" sldId="628"/>
         </pc:sldMkLst>
-        <pc:spChg chg="mod">
-          <ac:chgData name="Long B Nguyen" userId="f59fb8f3-a021-417a-8bc1-65c8d471c621" providerId="ADAL" clId="{7E551B6C-1E81-B548-A72C-C51786C7D0CC}" dt="2021-06-11T16:15:09.711" v="3219" actId="20577"/>
-          <ac:spMkLst>
-            <pc:docMk/>
-            <pc:sldMk cId="781734240" sldId="628"/>
-            <ac:spMk id="3" creationId="{D7CDD189-AC0E-DF4B-95CF-A617BFC2B7FC}"/>
-          </ac:spMkLst>
-        </pc:spChg>
-        <pc:spChg chg="mod">
-          <ac:chgData name="Long B Nguyen" userId="f59fb8f3-a021-417a-8bc1-65c8d471c621" providerId="ADAL" clId="{7E551B6C-1E81-B548-A72C-C51786C7D0CC}" dt="2021-06-11T12:25:44.185" v="2222" actId="20577"/>
-          <ac:spMkLst>
-            <pc:docMk/>
-            <pc:sldMk cId="781734240" sldId="628"/>
-            <ac:spMk id="37889" creationId="{AC3C8F6C-38DD-984D-AB5D-B5D4807018F9}"/>
-          </ac:spMkLst>
-        </pc:spChg>
       </pc:sldChg>
       <pc:sldChg chg="addSp modSp add mod modAnim">
         <pc:chgData name="Long B Nguyen" userId="f59fb8f3-a021-417a-8bc1-65c8d471c621" providerId="ADAL" clId="{7E551B6C-1E81-B548-A72C-C51786C7D0CC}" dt="2021-06-11T16:15:30.481" v="3246" actId="20577"/>
@@ -1955,46 +948,6 @@
           <pc:docMk/>
           <pc:sldMk cId="4189100123" sldId="629"/>
         </pc:sldMkLst>
-        <pc:spChg chg="mod">
-          <ac:chgData name="Long B Nguyen" userId="f59fb8f3-a021-417a-8bc1-65c8d471c621" providerId="ADAL" clId="{7E551B6C-1E81-B548-A72C-C51786C7D0CC}" dt="2021-06-11T15:50:10.117" v="3216" actId="20577"/>
-          <ac:spMkLst>
-            <pc:docMk/>
-            <pc:sldMk cId="4189100123" sldId="629"/>
-            <ac:spMk id="3" creationId="{D7CDD189-AC0E-DF4B-95CF-A617BFC2B7FC}"/>
-          </ac:spMkLst>
-        </pc:spChg>
-        <pc:spChg chg="add mod">
-          <ac:chgData name="Long B Nguyen" userId="f59fb8f3-a021-417a-8bc1-65c8d471c621" providerId="ADAL" clId="{7E551B6C-1E81-B548-A72C-C51786C7D0CC}" dt="2021-06-11T15:48:49.712" v="3088" actId="20577"/>
-          <ac:spMkLst>
-            <pc:docMk/>
-            <pc:sldMk cId="4189100123" sldId="629"/>
-            <ac:spMk id="4" creationId="{82244787-A2A1-4749-A8B7-E2FA026920E8}"/>
-          </ac:spMkLst>
-        </pc:spChg>
-        <pc:spChg chg="mod">
-          <ac:chgData name="Long B Nguyen" userId="f59fb8f3-a021-417a-8bc1-65c8d471c621" providerId="ADAL" clId="{7E551B6C-1E81-B548-A72C-C51786C7D0CC}" dt="2021-06-11T16:15:30.481" v="3246" actId="20577"/>
-          <ac:spMkLst>
-            <pc:docMk/>
-            <pc:sldMk cId="4189100123" sldId="629"/>
-            <ac:spMk id="37889" creationId="{AC3C8F6C-38DD-984D-AB5D-B5D4807018F9}"/>
-          </ac:spMkLst>
-        </pc:spChg>
-        <pc:picChg chg="add mod">
-          <ac:chgData name="Long B Nguyen" userId="f59fb8f3-a021-417a-8bc1-65c8d471c621" providerId="ADAL" clId="{7E551B6C-1E81-B548-A72C-C51786C7D0CC}" dt="2021-06-11T15:47:39.112" v="2972" actId="14100"/>
-          <ac:picMkLst>
-            <pc:docMk/>
-            <pc:sldMk cId="4189100123" sldId="629"/>
-            <ac:picMk id="2" creationId="{26261424-4D92-434A-9647-D9B174BCFE30}"/>
-          </ac:picMkLst>
-        </pc:picChg>
-        <pc:cxnChg chg="add mod">
-          <ac:chgData name="Long B Nguyen" userId="f59fb8f3-a021-417a-8bc1-65c8d471c621" providerId="ADAL" clId="{7E551B6C-1E81-B548-A72C-C51786C7D0CC}" dt="2021-06-11T15:48:38.223" v="3085" actId="14100"/>
-          <ac:cxnSpMkLst>
-            <pc:docMk/>
-            <pc:sldMk cId="4189100123" sldId="629"/>
-            <ac:cxnSpMk id="7" creationId="{30424A34-CC6B-CA47-AE5D-5E507CCCA0D2}"/>
-          </ac:cxnSpMkLst>
-        </pc:cxnChg>
       </pc:sldChg>
       <pc:sldChg chg="modSp add mod">
         <pc:chgData name="Long B Nguyen" userId="f59fb8f3-a021-417a-8bc1-65c8d471c621" providerId="ADAL" clId="{7E551B6C-1E81-B548-A72C-C51786C7D0CC}" dt="2021-06-11T17:21:15.863" v="3803" actId="20577"/>
@@ -2002,22 +955,6 @@
           <pc:docMk/>
           <pc:sldMk cId="3668115397" sldId="643"/>
         </pc:sldMkLst>
-        <pc:spChg chg="mod">
-          <ac:chgData name="Long B Nguyen" userId="f59fb8f3-a021-417a-8bc1-65c8d471c621" providerId="ADAL" clId="{7E551B6C-1E81-B548-A72C-C51786C7D0CC}" dt="2021-06-11T16:47:42.961" v="3262" actId="20577"/>
-          <ac:spMkLst>
-            <pc:docMk/>
-            <pc:sldMk cId="3668115397" sldId="643"/>
-            <ac:spMk id="2" creationId="{893AF10F-C12D-6B4A-84C5-206A244BF7C6}"/>
-          </ac:spMkLst>
-        </pc:spChg>
-        <pc:spChg chg="mod">
-          <ac:chgData name="Long B Nguyen" userId="f59fb8f3-a021-417a-8bc1-65c8d471c621" providerId="ADAL" clId="{7E551B6C-1E81-B548-A72C-C51786C7D0CC}" dt="2021-06-11T17:21:15.863" v="3803" actId="20577"/>
-          <ac:spMkLst>
-            <pc:docMk/>
-            <pc:sldMk cId="3668115397" sldId="643"/>
-            <ac:spMk id="3" creationId="{8EE44610-8AB0-B84C-9003-2B8BA850F328}"/>
-          </ac:spMkLst>
-        </pc:spChg>
       </pc:sldChg>
       <pc:sldChg chg="delSp modSp add mod">
         <pc:chgData name="Long B Nguyen" userId="f59fb8f3-a021-417a-8bc1-65c8d471c621" providerId="ADAL" clId="{7E551B6C-1E81-B548-A72C-C51786C7D0CC}" dt="2021-06-11T16:51:13.848" v="3411" actId="20577"/>
@@ -2025,30 +962,6 @@
           <pc:docMk/>
           <pc:sldMk cId="3323891907" sldId="647"/>
         </pc:sldMkLst>
-        <pc:spChg chg="mod">
-          <ac:chgData name="Long B Nguyen" userId="f59fb8f3-a021-417a-8bc1-65c8d471c621" providerId="ADAL" clId="{7E551B6C-1E81-B548-A72C-C51786C7D0CC}" dt="2021-06-11T16:51:13.848" v="3411" actId="20577"/>
-          <ac:spMkLst>
-            <pc:docMk/>
-            <pc:sldMk cId="3323891907" sldId="647"/>
-            <ac:spMk id="2" creationId="{893AF10F-C12D-6B4A-84C5-206A244BF7C6}"/>
-          </ac:spMkLst>
-        </pc:spChg>
-        <pc:spChg chg="mod">
-          <ac:chgData name="Long B Nguyen" userId="f59fb8f3-a021-417a-8bc1-65c8d471c621" providerId="ADAL" clId="{7E551B6C-1E81-B548-A72C-C51786C7D0CC}" dt="2021-06-11T16:48:57.583" v="3397" actId="20577"/>
-          <ac:spMkLst>
-            <pc:docMk/>
-            <pc:sldMk cId="3323891907" sldId="647"/>
-            <ac:spMk id="3" creationId="{8EE44610-8AB0-B84C-9003-2B8BA850F328}"/>
-          </ac:spMkLst>
-        </pc:spChg>
-        <pc:picChg chg="del">
-          <ac:chgData name="Long B Nguyen" userId="f59fb8f3-a021-417a-8bc1-65c8d471c621" providerId="ADAL" clId="{7E551B6C-1E81-B548-A72C-C51786C7D0CC}" dt="2021-06-11T16:48:51.409" v="3393" actId="478"/>
-          <ac:picMkLst>
-            <pc:docMk/>
-            <pc:sldMk cId="3323891907" sldId="647"/>
-            <ac:picMk id="5" creationId="{7347089B-D462-CA4B-A5E9-0F42EB323F77}"/>
-          </ac:picMkLst>
-        </pc:picChg>
       </pc:sldChg>
       <pc:sldChg chg="modSp add mod">
         <pc:chgData name="Long B Nguyen" userId="f59fb8f3-a021-417a-8bc1-65c8d471c621" providerId="ADAL" clId="{7E551B6C-1E81-B548-A72C-C51786C7D0CC}" dt="2021-06-11T17:18:06.386" v="3802" actId="20577"/>
@@ -2056,22 +969,6 @@
           <pc:docMk/>
           <pc:sldMk cId="2605170431" sldId="648"/>
         </pc:sldMkLst>
-        <pc:spChg chg="mod">
-          <ac:chgData name="Long B Nguyen" userId="f59fb8f3-a021-417a-8bc1-65c8d471c621" providerId="ADAL" clId="{7E551B6C-1E81-B548-A72C-C51786C7D0CC}" dt="2021-06-11T17:18:06.386" v="3802" actId="20577"/>
-          <ac:spMkLst>
-            <pc:docMk/>
-            <pc:sldMk cId="2605170431" sldId="648"/>
-            <ac:spMk id="3" creationId="{9B071422-AD72-304B-9DED-839E5307DF2B}"/>
-          </ac:spMkLst>
-        </pc:spChg>
-        <pc:spChg chg="mod">
-          <ac:chgData name="Long B Nguyen" userId="f59fb8f3-a021-417a-8bc1-65c8d471c621" providerId="ADAL" clId="{7E551B6C-1E81-B548-A72C-C51786C7D0CC}" dt="2021-06-11T17:10:48.781" v="3428" actId="20577"/>
-          <ac:spMkLst>
-            <pc:docMk/>
-            <pc:sldMk cId="2605170431" sldId="648"/>
-            <ac:spMk id="5" creationId="{EFF5F4AD-D9C7-1040-B066-A50136540666}"/>
-          </ac:spMkLst>
-        </pc:spChg>
       </pc:sldChg>
       <pc:sldChg chg="addSp modSp add modAnim">
         <pc:chgData name="Long B Nguyen" userId="f59fb8f3-a021-417a-8bc1-65c8d471c621" providerId="ADAL" clId="{7E551B6C-1E81-B548-A72C-C51786C7D0CC}" dt="2021-06-11T17:34:26.776" v="4329" actId="1036"/>
@@ -2079,30 +976,6 @@
           <pc:docMk/>
           <pc:sldMk cId="1498021361" sldId="649"/>
         </pc:sldMkLst>
-        <pc:spChg chg="mod">
-          <ac:chgData name="Long B Nguyen" userId="f59fb8f3-a021-417a-8bc1-65c8d471c621" providerId="ADAL" clId="{7E551B6C-1E81-B548-A72C-C51786C7D0CC}" dt="2021-06-11T17:34:09.575" v="4320" actId="20577"/>
-          <ac:spMkLst>
-            <pc:docMk/>
-            <pc:sldMk cId="1498021361" sldId="649"/>
-            <ac:spMk id="16386" creationId="{BDE71382-597F-7140-BB2A-61A70538093D}"/>
-          </ac:spMkLst>
-        </pc:spChg>
-        <pc:picChg chg="add mod">
-          <ac:chgData name="Long B Nguyen" userId="f59fb8f3-a021-417a-8bc1-65c8d471c621" providerId="ADAL" clId="{7E551B6C-1E81-B548-A72C-C51786C7D0CC}" dt="2021-06-11T17:33:09.453" v="4262" actId="1076"/>
-          <ac:picMkLst>
-            <pc:docMk/>
-            <pc:sldMk cId="1498021361" sldId="649"/>
-            <ac:picMk id="5" creationId="{D8EE8A97-9242-D644-A186-3494C7C3D77B}"/>
-          </ac:picMkLst>
-        </pc:picChg>
-        <pc:picChg chg="mod">
-          <ac:chgData name="Long B Nguyen" userId="f59fb8f3-a021-417a-8bc1-65c8d471c621" providerId="ADAL" clId="{7E551B6C-1E81-B548-A72C-C51786C7D0CC}" dt="2021-06-11T17:34:26.776" v="4329" actId="1036"/>
-          <ac:picMkLst>
-            <pc:docMk/>
-            <pc:sldMk cId="1498021361" sldId="649"/>
-            <ac:picMk id="47107" creationId="{3DDFC360-56E5-D24E-96BC-A8AE220FFD5D}"/>
-          </ac:picMkLst>
-        </pc:picChg>
       </pc:sldChg>
     </pc:docChg>
   </pc:docChgLst>
@@ -2119,22 +992,6 @@
           <pc:docMk/>
           <pc:sldMk cId="4247104139" sldId="256"/>
         </pc:sldMkLst>
-        <pc:spChg chg="mod">
-          <ac:chgData name="Long B Nguyen" userId="f59fb8f3-a021-417a-8bc1-65c8d471c621" providerId="ADAL" clId="{6AC26564-89E3-E046-BFB4-F80582D7E17B}" dt="2020-01-13T13:43:45.441" v="40" actId="20577"/>
-          <ac:spMkLst>
-            <pc:docMk/>
-            <pc:sldMk cId="4247104139" sldId="256"/>
-            <ac:spMk id="2" creationId="{6117A749-B1BA-E24B-8FB0-0604EF651FB3}"/>
-          </ac:spMkLst>
-        </pc:spChg>
-        <pc:spChg chg="mod">
-          <ac:chgData name="Long B Nguyen" userId="f59fb8f3-a021-417a-8bc1-65c8d471c621" providerId="ADAL" clId="{6AC26564-89E3-E046-BFB4-F80582D7E17B}" dt="2020-01-13T13:44:20.464" v="85" actId="20577"/>
-          <ac:spMkLst>
-            <pc:docMk/>
-            <pc:sldMk cId="4247104139" sldId="256"/>
-            <ac:spMk id="3" creationId="{1BDC47C8-6776-7B44-9CD4-95FC91452D62}"/>
-          </ac:spMkLst>
-        </pc:spChg>
       </pc:sldChg>
       <pc:sldChg chg="add del">
         <pc:chgData name="Long B Nguyen" userId="f59fb8f3-a021-417a-8bc1-65c8d471c621" providerId="ADAL" clId="{6AC26564-89E3-E046-BFB4-F80582D7E17B}" dt="2020-01-13T13:46:54.924" v="89" actId="2696"/>
@@ -2149,14 +1006,6 @@
           <pc:docMk/>
           <pc:sldMk cId="1758448129" sldId="309"/>
         </pc:sldMkLst>
-        <pc:spChg chg="mod">
-          <ac:chgData name="Long B Nguyen" userId="f59fb8f3-a021-417a-8bc1-65c8d471c621" providerId="ADAL" clId="{6AC26564-89E3-E046-BFB4-F80582D7E17B}" dt="2020-01-13T13:52:43.079" v="100" actId="2711"/>
-          <ac:spMkLst>
-            <pc:docMk/>
-            <pc:sldMk cId="1758448129" sldId="309"/>
-            <ac:spMk id="3" creationId="{4213F693-710A-A34B-8BA8-AF2EE315F4BD}"/>
-          </ac:spMkLst>
-        </pc:spChg>
       </pc:sldChg>
       <pc:sldChg chg="modSp add del">
         <pc:chgData name="Long B Nguyen" userId="f59fb8f3-a021-417a-8bc1-65c8d471c621" providerId="ADAL" clId="{6AC26564-89E3-E046-BFB4-F80582D7E17B}" dt="2020-01-13T13:46:55.484" v="90" actId="2696"/>
@@ -2164,14 +1013,6 @@
           <pc:docMk/>
           <pc:sldMk cId="174202529" sldId="310"/>
         </pc:sldMkLst>
-        <pc:spChg chg="mod">
-          <ac:chgData name="Long B Nguyen" userId="f59fb8f3-a021-417a-8bc1-65c8d471c621" providerId="ADAL" clId="{6AC26564-89E3-E046-BFB4-F80582D7E17B}" dt="2020-01-13T13:44:35.816" v="86" actId="20577"/>
-          <ac:spMkLst>
-            <pc:docMk/>
-            <pc:sldMk cId="174202529" sldId="310"/>
-            <ac:spMk id="18434" creationId="{72F3E48A-CDFA-CE46-B991-D35BF55EC8E6}"/>
-          </ac:spMkLst>
-        </pc:spChg>
       </pc:sldChg>
       <pc:sldChg chg="add del">
         <pc:chgData name="Long B Nguyen" userId="f59fb8f3-a021-417a-8bc1-65c8d471c621" providerId="ADAL" clId="{6AC26564-89E3-E046-BFB4-F80582D7E17B}" dt="2020-01-13T13:46:56.092" v="91" actId="2696"/>
@@ -2193,14 +1034,6 @@
           <pc:docMk/>
           <pc:sldMk cId="3947558204" sldId="313"/>
         </pc:sldMkLst>
-        <pc:spChg chg="mod">
-          <ac:chgData name="Long B Nguyen" userId="f59fb8f3-a021-417a-8bc1-65c8d471c621" providerId="ADAL" clId="{6AC26564-89E3-E046-BFB4-F80582D7E17B}" dt="2020-01-13T14:05:02.598" v="149" actId="20577"/>
-          <ac:spMkLst>
-            <pc:docMk/>
-            <pc:sldMk cId="3947558204" sldId="313"/>
-            <ac:spMk id="3" creationId="{44A58473-3189-0C44-8A5E-E353CDFB3E5C}"/>
-          </ac:spMkLst>
-        </pc:spChg>
       </pc:sldChg>
       <pc:sldChg chg="modSp add modAnim">
         <pc:chgData name="Long B Nguyen" userId="f59fb8f3-a021-417a-8bc1-65c8d471c621" providerId="ADAL" clId="{6AC26564-89E3-E046-BFB4-F80582D7E17B}" dt="2020-01-16T12:46:51.559" v="758" actId="255"/>
@@ -2208,14 +1041,6 @@
           <pc:docMk/>
           <pc:sldMk cId="2054265466" sldId="314"/>
         </pc:sldMkLst>
-        <pc:spChg chg="mod">
-          <ac:chgData name="Long B Nguyen" userId="f59fb8f3-a021-417a-8bc1-65c8d471c621" providerId="ADAL" clId="{6AC26564-89E3-E046-BFB4-F80582D7E17B}" dt="2020-01-16T12:46:51.559" v="758" actId="255"/>
-          <ac:spMkLst>
-            <pc:docMk/>
-            <pc:sldMk cId="2054265466" sldId="314"/>
-            <ac:spMk id="3" creationId="{A2015382-9B7F-FE46-8251-9DC1E84F44FE}"/>
-          </ac:spMkLst>
-        </pc:spChg>
       </pc:sldChg>
       <pc:sldChg chg="modSp add modAnim">
         <pc:chgData name="Long B Nguyen" userId="f59fb8f3-a021-417a-8bc1-65c8d471c621" providerId="ADAL" clId="{6AC26564-89E3-E046-BFB4-F80582D7E17B}" dt="2020-01-16T12:49:13.049" v="816" actId="255"/>
@@ -2223,14 +1048,6 @@
           <pc:docMk/>
           <pc:sldMk cId="917461937" sldId="315"/>
         </pc:sldMkLst>
-        <pc:spChg chg="mod">
-          <ac:chgData name="Long B Nguyen" userId="f59fb8f3-a021-417a-8bc1-65c8d471c621" providerId="ADAL" clId="{6AC26564-89E3-E046-BFB4-F80582D7E17B}" dt="2020-01-16T12:49:13.049" v="816" actId="255"/>
-          <ac:spMkLst>
-            <pc:docMk/>
-            <pc:sldMk cId="917461937" sldId="315"/>
-            <ac:spMk id="3" creationId="{1749D47C-23C2-834A-9FE9-50A8E8BE40E7}"/>
-          </ac:spMkLst>
-        </pc:spChg>
       </pc:sldChg>
       <pc:sldChg chg="del">
         <pc:chgData name="Long B Nguyen" userId="f59fb8f3-a021-417a-8bc1-65c8d471c621" providerId="ADAL" clId="{6AC26564-89E3-E046-BFB4-F80582D7E17B}" dt="2020-01-13T13:43:17.195" v="13" actId="2696"/>
@@ -2245,14 +1062,6 @@
           <pc:docMk/>
           <pc:sldMk cId="3266234076" sldId="316"/>
         </pc:sldMkLst>
-        <pc:spChg chg="mod">
-          <ac:chgData name="Long B Nguyen" userId="f59fb8f3-a021-417a-8bc1-65c8d471c621" providerId="ADAL" clId="{6AC26564-89E3-E046-BFB4-F80582D7E17B}" dt="2020-01-16T12:49:23.670" v="817" actId="255"/>
-          <ac:spMkLst>
-            <pc:docMk/>
-            <pc:sldMk cId="3266234076" sldId="316"/>
-            <ac:spMk id="3" creationId="{C1BB7D3F-3A2C-0E43-B723-6E892A40421F}"/>
-          </ac:spMkLst>
-        </pc:spChg>
       </pc:sldChg>
       <pc:sldChg chg="addSp delSp modSp add">
         <pc:chgData name="Long B Nguyen" userId="f59fb8f3-a021-417a-8bc1-65c8d471c621" providerId="ADAL" clId="{6AC26564-89E3-E046-BFB4-F80582D7E17B}" dt="2020-01-16T12:48:56.620" v="814" actId="20577"/>
@@ -2260,30 +1069,6 @@
           <pc:docMk/>
           <pc:sldMk cId="2886319738" sldId="317"/>
         </pc:sldMkLst>
-        <pc:spChg chg="mod">
-          <ac:chgData name="Long B Nguyen" userId="f59fb8f3-a021-417a-8bc1-65c8d471c621" providerId="ADAL" clId="{6AC26564-89E3-E046-BFB4-F80582D7E17B}" dt="2020-01-16T12:48:56.620" v="814" actId="20577"/>
-          <ac:spMkLst>
-            <pc:docMk/>
-            <pc:sldMk cId="2886319738" sldId="317"/>
-            <ac:spMk id="23553" creationId="{5E6C904F-B0D2-8542-BF56-4B43E4386E3D}"/>
-          </ac:spMkLst>
-        </pc:spChg>
-        <pc:picChg chg="add mod">
-          <ac:chgData name="Long B Nguyen" userId="f59fb8f3-a021-417a-8bc1-65c8d471c621" providerId="ADAL" clId="{6AC26564-89E3-E046-BFB4-F80582D7E17B}" dt="2020-01-16T12:47:30.817" v="764" actId="1076"/>
-          <ac:picMkLst>
-            <pc:docMk/>
-            <pc:sldMk cId="2886319738" sldId="317"/>
-            <ac:picMk id="2" creationId="{D5FC4C3C-5059-9845-989F-6DA2B906114F}"/>
-          </ac:picMkLst>
-        </pc:picChg>
-        <pc:picChg chg="del">
-          <ac:chgData name="Long B Nguyen" userId="f59fb8f3-a021-417a-8bc1-65c8d471c621" providerId="ADAL" clId="{6AC26564-89E3-E046-BFB4-F80582D7E17B}" dt="2020-01-16T12:47:24.975" v="761" actId="478"/>
-          <ac:picMkLst>
-            <pc:docMk/>
-            <pc:sldMk cId="2886319738" sldId="317"/>
-            <ac:picMk id="23555" creationId="{03C56796-055B-E94B-ACE3-C4CD06B2EB8A}"/>
-          </ac:picMkLst>
-        </pc:picChg>
       </pc:sldChg>
       <pc:sldChg chg="del">
         <pc:chgData name="Long B Nguyen" userId="f59fb8f3-a021-417a-8bc1-65c8d471c621" providerId="ADAL" clId="{6AC26564-89E3-E046-BFB4-F80582D7E17B}" dt="2020-01-13T13:43:16.993" v="0" actId="2696"/>
@@ -2298,22 +1083,6 @@
           <pc:docMk/>
           <pc:sldMk cId="3906700287" sldId="319"/>
         </pc:sldMkLst>
-        <pc:spChg chg="mod">
-          <ac:chgData name="Long B Nguyen" userId="f59fb8f3-a021-417a-8bc1-65c8d471c621" providerId="ADAL" clId="{6AC26564-89E3-E046-BFB4-F80582D7E17B}" dt="2020-01-16T12:52:41.941" v="1121" actId="20577"/>
-          <ac:spMkLst>
-            <pc:docMk/>
-            <pc:sldMk cId="3906700287" sldId="319"/>
-            <ac:spMk id="3" creationId="{6BAAF3A1-8774-5448-8A90-E12045B4D3F2}"/>
-          </ac:spMkLst>
-        </pc:spChg>
-        <pc:picChg chg="mod">
-          <ac:chgData name="Long B Nguyen" userId="f59fb8f3-a021-417a-8bc1-65c8d471c621" providerId="ADAL" clId="{6AC26564-89E3-E046-BFB4-F80582D7E17B}" dt="2020-01-16T12:52:39.412" v="1113" actId="1076"/>
-          <ac:picMkLst>
-            <pc:docMk/>
-            <pc:sldMk cId="3906700287" sldId="319"/>
-            <ac:picMk id="27653" creationId="{75F4E284-8B62-804D-956D-6A4F07E681AD}"/>
-          </ac:picMkLst>
-        </pc:picChg>
       </pc:sldChg>
       <pc:sldChg chg="modSp add modAnim">
         <pc:chgData name="Long B Nguyen" userId="f59fb8f3-a021-417a-8bc1-65c8d471c621" providerId="ADAL" clId="{6AC26564-89E3-E046-BFB4-F80582D7E17B}" dt="2020-01-16T12:53:13.597" v="1127"/>
@@ -2321,14 +1090,6 @@
           <pc:docMk/>
           <pc:sldMk cId="1810541734" sldId="320"/>
         </pc:sldMkLst>
-        <pc:spChg chg="mod">
-          <ac:chgData name="Long B Nguyen" userId="f59fb8f3-a021-417a-8bc1-65c8d471c621" providerId="ADAL" clId="{6AC26564-89E3-E046-BFB4-F80582D7E17B}" dt="2020-01-14T14:42:38.364" v="596" actId="20577"/>
-          <ac:spMkLst>
-            <pc:docMk/>
-            <pc:sldMk cId="1810541734" sldId="320"/>
-            <ac:spMk id="3" creationId="{D1CC84C1-64E3-8C44-A271-6413B01F1B9F}"/>
-          </ac:spMkLst>
-        </pc:spChg>
       </pc:sldChg>
       <pc:sldChg chg="del">
         <pc:chgData name="Long B Nguyen" userId="f59fb8f3-a021-417a-8bc1-65c8d471c621" providerId="ADAL" clId="{6AC26564-89E3-E046-BFB4-F80582D7E17B}" dt="2020-01-13T13:43:17.009" v="1" actId="2696"/>
@@ -2427,14 +1188,6 @@
           <pc:docMk/>
           <pc:sldMk cId="4174920299" sldId="327"/>
         </pc:sldMkLst>
-        <pc:spChg chg="mod">
-          <ac:chgData name="Long B Nguyen" userId="f59fb8f3-a021-417a-8bc1-65c8d471c621" providerId="ADAL" clId="{6AC26564-89E3-E046-BFB4-F80582D7E17B}" dt="2020-01-16T12:53:51.150" v="1128" actId="1076"/>
-          <ac:spMkLst>
-            <pc:docMk/>
-            <pc:sldMk cId="4174920299" sldId="327"/>
-            <ac:spMk id="35842" creationId="{0B0C4E89-D419-8343-A309-ADA122397E36}"/>
-          </ac:spMkLst>
-        </pc:spChg>
       </pc:sldChg>
       <pc:sldChg chg="add">
         <pc:chgData name="Long B Nguyen" userId="f59fb8f3-a021-417a-8bc1-65c8d471c621" providerId="ADAL" clId="{6AC26564-89E3-E046-BFB4-F80582D7E17B}" dt="2020-01-13T13:43:29.420" v="22"/>
@@ -2456,46 +1209,6 @@
           <pc:docMk/>
           <pc:sldMk cId="3080714931" sldId="329"/>
         </pc:sldMkLst>
-        <pc:spChg chg="mod">
-          <ac:chgData name="Long B Nguyen" userId="f59fb8f3-a021-417a-8bc1-65c8d471c621" providerId="ADAL" clId="{6AC26564-89E3-E046-BFB4-F80582D7E17B}" dt="2020-01-13T14:12:06.301" v="356" actId="14100"/>
-          <ac:spMkLst>
-            <pc:docMk/>
-            <pc:sldMk cId="3080714931" sldId="329"/>
-            <ac:spMk id="3" creationId="{BB8CCA41-667F-A84D-B02D-127C2C6A9C6F}"/>
-          </ac:spMkLst>
-        </pc:spChg>
-        <pc:spChg chg="add mod">
-          <ac:chgData name="Long B Nguyen" userId="f59fb8f3-a021-417a-8bc1-65c8d471c621" providerId="ADAL" clId="{6AC26564-89E3-E046-BFB4-F80582D7E17B}" dt="2020-01-13T14:12:01.184" v="353" actId="1076"/>
-          <ac:spMkLst>
-            <pc:docMk/>
-            <pc:sldMk cId="3080714931" sldId="329"/>
-            <ac:spMk id="6" creationId="{0C12779A-B12E-0448-BF0F-7347D8303363}"/>
-          </ac:spMkLst>
-        </pc:spChg>
-        <pc:spChg chg="add mod">
-          <ac:chgData name="Long B Nguyen" userId="f59fb8f3-a021-417a-8bc1-65c8d471c621" providerId="ADAL" clId="{6AC26564-89E3-E046-BFB4-F80582D7E17B}" dt="2020-01-13T14:12:14.884" v="363" actId="20577"/>
-          <ac:spMkLst>
-            <pc:docMk/>
-            <pc:sldMk cId="3080714931" sldId="329"/>
-            <ac:spMk id="11" creationId="{9C89A8C8-352A-8644-A4A5-084EFF78A7D2}"/>
-          </ac:spMkLst>
-        </pc:spChg>
-        <pc:cxnChg chg="add mod">
-          <ac:chgData name="Long B Nguyen" userId="f59fb8f3-a021-417a-8bc1-65c8d471c621" providerId="ADAL" clId="{6AC26564-89E3-E046-BFB4-F80582D7E17B}" dt="2020-01-13T14:11:39.483" v="341" actId="692"/>
-          <ac:cxnSpMkLst>
-            <pc:docMk/>
-            <pc:sldMk cId="3080714931" sldId="329"/>
-            <ac:cxnSpMk id="4" creationId="{F95E1657-42A9-DC49-AFC7-6462A6CBC043}"/>
-          </ac:cxnSpMkLst>
-        </pc:cxnChg>
-        <pc:cxnChg chg="add mod">
-          <ac:chgData name="Long B Nguyen" userId="f59fb8f3-a021-417a-8bc1-65c8d471c621" providerId="ADAL" clId="{6AC26564-89E3-E046-BFB4-F80582D7E17B}" dt="2020-01-13T14:12:22.399" v="366" actId="1076"/>
-          <ac:cxnSpMkLst>
-            <pc:docMk/>
-            <pc:sldMk cId="3080714931" sldId="329"/>
-            <ac:cxnSpMk id="10" creationId="{ABDF95F1-7709-2B48-B322-0972E58D26B3}"/>
-          </ac:cxnSpMkLst>
-        </pc:cxnChg>
       </pc:sldChg>
       <pc:sldChg chg="del">
         <pc:chgData name="Long B Nguyen" userId="f59fb8f3-a021-417a-8bc1-65c8d471c621" providerId="ADAL" clId="{6AC26564-89E3-E046-BFB4-F80582D7E17B}" dt="2020-01-13T13:43:17.064" v="4" actId="2696"/>
@@ -2510,14 +1223,6 @@
           <pc:docMk/>
           <pc:sldMk cId="532184546" sldId="330"/>
         </pc:sldMkLst>
-        <pc:spChg chg="mod">
-          <ac:chgData name="Long B Nguyen" userId="f59fb8f3-a021-417a-8bc1-65c8d471c621" providerId="ADAL" clId="{6AC26564-89E3-E046-BFB4-F80582D7E17B}" dt="2020-01-16T12:55:29.239" v="1161" actId="20577"/>
-          <ac:spMkLst>
-            <pc:docMk/>
-            <pc:sldMk cId="532184546" sldId="330"/>
-            <ac:spMk id="39937" creationId="{8C524C6D-7080-AE45-B989-CF5B895D67C8}"/>
-          </ac:spMkLst>
-        </pc:spChg>
       </pc:sldChg>
       <pc:sldChg chg="del">
         <pc:chgData name="Long B Nguyen" userId="f59fb8f3-a021-417a-8bc1-65c8d471c621" providerId="ADAL" clId="{6AC26564-89E3-E046-BFB4-F80582D7E17B}" dt="2020-01-13T13:43:17.136" v="8" actId="2696"/>
@@ -2532,14 +1237,6 @@
           <pc:docMk/>
           <pc:sldMk cId="3264629021" sldId="331"/>
         </pc:sldMkLst>
-        <pc:spChg chg="mod">
-          <ac:chgData name="Long B Nguyen" userId="f59fb8f3-a021-417a-8bc1-65c8d471c621" providerId="ADAL" clId="{6AC26564-89E3-E046-BFB4-F80582D7E17B}" dt="2020-01-16T12:55:34.788" v="1174" actId="20577"/>
-          <ac:spMkLst>
-            <pc:docMk/>
-            <pc:sldMk cId="3264629021" sldId="331"/>
-            <ac:spMk id="40961" creationId="{296F68FC-4103-DB4E-A72A-65C1FF52FEE9}"/>
-          </ac:spMkLst>
-        </pc:spChg>
       </pc:sldChg>
       <pc:sldChg chg="del">
         <pc:chgData name="Long B Nguyen" userId="f59fb8f3-a021-417a-8bc1-65c8d471c621" providerId="ADAL" clId="{6AC26564-89E3-E046-BFB4-F80582D7E17B}" dt="2020-01-13T13:43:17.188" v="12" actId="2696"/>
@@ -2561,14 +1258,6 @@
           <pc:docMk/>
           <pc:sldMk cId="4022722016" sldId="332"/>
         </pc:sldMkLst>
-        <pc:spChg chg="mod">
-          <ac:chgData name="Long B Nguyen" userId="f59fb8f3-a021-417a-8bc1-65c8d471c621" providerId="ADAL" clId="{6AC26564-89E3-E046-BFB4-F80582D7E17B}" dt="2020-01-13T14:18:10.052" v="509" actId="20577"/>
-          <ac:spMkLst>
-            <pc:docMk/>
-            <pc:sldMk cId="4022722016" sldId="332"/>
-            <ac:spMk id="44034" creationId="{0EF23BEA-EF32-984F-8450-57FC941452FE}"/>
-          </ac:spMkLst>
-        </pc:spChg>
       </pc:sldChg>
       <pc:sldChg chg="add">
         <pc:chgData name="Long B Nguyen" userId="f59fb8f3-a021-417a-8bc1-65c8d471c621" providerId="ADAL" clId="{6AC26564-89E3-E046-BFB4-F80582D7E17B}" dt="2020-01-13T13:43:29.420" v="22"/>
@@ -2625,14 +1314,6 @@
           <pc:docMk/>
           <pc:sldMk cId="678299524" sldId="340"/>
         </pc:sldMkLst>
-        <pc:spChg chg="mod">
-          <ac:chgData name="Long B Nguyen" userId="f59fb8f3-a021-417a-8bc1-65c8d471c621" providerId="ADAL" clId="{6AC26564-89E3-E046-BFB4-F80582D7E17B}" dt="2020-01-16T12:56:12.663" v="1177" actId="20577"/>
-          <ac:spMkLst>
-            <pc:docMk/>
-            <pc:sldMk cId="678299524" sldId="340"/>
-            <ac:spMk id="50178" creationId="{67FBFF4E-84BD-104A-B697-66B57B261691}"/>
-          </ac:spMkLst>
-        </pc:spChg>
       </pc:sldChg>
       <pc:sldChg chg="modSp add modAnim">
         <pc:chgData name="Long B Nguyen" userId="f59fb8f3-a021-417a-8bc1-65c8d471c621" providerId="ADAL" clId="{6AC26564-89E3-E046-BFB4-F80582D7E17B}" dt="2020-01-13T14:19:32.433" v="590" actId="20577"/>
@@ -2640,14 +1321,6 @@
           <pc:docMk/>
           <pc:sldMk cId="225127645" sldId="341"/>
         </pc:sldMkLst>
-        <pc:spChg chg="mod">
-          <ac:chgData name="Long B Nguyen" userId="f59fb8f3-a021-417a-8bc1-65c8d471c621" providerId="ADAL" clId="{6AC26564-89E3-E046-BFB4-F80582D7E17B}" dt="2020-01-13T14:19:32.433" v="590" actId="20577"/>
-          <ac:spMkLst>
-            <pc:docMk/>
-            <pc:sldMk cId="225127645" sldId="341"/>
-            <ac:spMk id="3" creationId="{C4B2C292-CF9B-CF4B-95A6-2A1828F1B32F}"/>
-          </ac:spMkLst>
-        </pc:spChg>
       </pc:sldChg>
       <pc:sldChg chg="add">
         <pc:chgData name="Long B Nguyen" userId="f59fb8f3-a021-417a-8bc1-65c8d471c621" providerId="ADAL" clId="{6AC26564-89E3-E046-BFB4-F80582D7E17B}" dt="2020-01-13T13:43:29.420" v="22"/>
@@ -2662,14 +1335,6 @@
           <pc:docMk/>
           <pc:sldMk cId="1356056044" sldId="343"/>
         </pc:sldMkLst>
-        <pc:spChg chg="mod">
-          <ac:chgData name="Long B Nguyen" userId="f59fb8f3-a021-417a-8bc1-65c8d471c621" providerId="ADAL" clId="{6AC26564-89E3-E046-BFB4-F80582D7E17B}" dt="2020-01-14T14:43:22.774" v="624" actId="20577"/>
-          <ac:spMkLst>
-            <pc:docMk/>
-            <pc:sldMk cId="1356056044" sldId="343"/>
-            <ac:spMk id="3" creationId="{BB84A3DF-3845-E44E-BE23-31EA988FAEBB}"/>
-          </ac:spMkLst>
-        </pc:spChg>
       </pc:sldChg>
       <pc:sldChg chg="modSp add">
         <pc:chgData name="Long B Nguyen" userId="f59fb8f3-a021-417a-8bc1-65c8d471c621" providerId="ADAL" clId="{6AC26564-89E3-E046-BFB4-F80582D7E17B}" dt="2020-01-13T13:52:32.924" v="99" actId="2711"/>
@@ -2677,14 +1342,6 @@
           <pc:docMk/>
           <pc:sldMk cId="1270247652" sldId="344"/>
         </pc:sldMkLst>
-        <pc:spChg chg="mod">
-          <ac:chgData name="Long B Nguyen" userId="f59fb8f3-a021-417a-8bc1-65c8d471c621" providerId="ADAL" clId="{6AC26564-89E3-E046-BFB4-F80582D7E17B}" dt="2020-01-13T13:52:32.924" v="99" actId="2711"/>
-          <ac:spMkLst>
-            <pc:docMk/>
-            <pc:sldMk cId="1270247652" sldId="344"/>
-            <ac:spMk id="55298" creationId="{4AA38F8C-E2AA-EA4D-A486-FA2F457B38F7}"/>
-          </ac:spMkLst>
-        </pc:spChg>
       </pc:sldChg>
       <pc:sldChg chg="modSp add modAnim">
         <pc:chgData name="Long B Nguyen" userId="f59fb8f3-a021-417a-8bc1-65c8d471c621" providerId="ADAL" clId="{6AC26564-89E3-E046-BFB4-F80582D7E17B}" dt="2020-01-16T12:52:56.169" v="1124"/>
@@ -2692,30 +1349,6 @@
           <pc:docMk/>
           <pc:sldMk cId="902308803" sldId="345"/>
         </pc:sldMkLst>
-        <pc:spChg chg="mod">
-          <ac:chgData name="Long B Nguyen" userId="f59fb8f3-a021-417a-8bc1-65c8d471c621" providerId="ADAL" clId="{6AC26564-89E3-E046-BFB4-F80582D7E17B}" dt="2020-01-16T12:51:09.080" v="992" actId="1076"/>
-          <ac:spMkLst>
-            <pc:docMk/>
-            <pc:sldMk cId="902308803" sldId="345"/>
-            <ac:spMk id="26625" creationId="{EEE37393-73E7-7A42-A21D-4773DC200BF6}"/>
-          </ac:spMkLst>
-        </pc:spChg>
-        <pc:spChg chg="mod">
-          <ac:chgData name="Long B Nguyen" userId="f59fb8f3-a021-417a-8bc1-65c8d471c621" providerId="ADAL" clId="{6AC26564-89E3-E046-BFB4-F80582D7E17B}" dt="2020-01-16T12:51:14.786" v="994" actId="255"/>
-          <ac:spMkLst>
-            <pc:docMk/>
-            <pc:sldMk cId="902308803" sldId="345"/>
-            <ac:spMk id="26626" creationId="{EBDCF6EE-E392-F04F-9B69-A1B47BE13E5F}"/>
-          </ac:spMkLst>
-        </pc:spChg>
-        <pc:picChg chg="mod">
-          <ac:chgData name="Long B Nguyen" userId="f59fb8f3-a021-417a-8bc1-65c8d471c621" providerId="ADAL" clId="{6AC26564-89E3-E046-BFB4-F80582D7E17B}" dt="2020-01-16T12:51:17.248" v="995" actId="1076"/>
-          <ac:picMkLst>
-            <pc:docMk/>
-            <pc:sldMk cId="902308803" sldId="345"/>
-            <ac:picMk id="26627" creationId="{4CB819D5-BF58-EF49-ADC3-C5DAC8299BED}"/>
-          </ac:picMkLst>
-        </pc:picChg>
       </pc:sldChg>
       <pc:sldChg chg="add">
         <pc:chgData name="Long B Nguyen" userId="f59fb8f3-a021-417a-8bc1-65c8d471c621" providerId="ADAL" clId="{6AC26564-89E3-E046-BFB4-F80582D7E17B}" dt="2020-01-13T13:43:29.420" v="22"/>
@@ -2737,14 +1370,6 @@
           <pc:docMk/>
           <pc:sldMk cId="3556500226" sldId="347"/>
         </pc:sldMkLst>
-        <pc:spChg chg="mod">
-          <ac:chgData name="Long B Nguyen" userId="f59fb8f3-a021-417a-8bc1-65c8d471c621" providerId="ADAL" clId="{6AC26564-89E3-E046-BFB4-F80582D7E17B}" dt="2020-01-14T14:41:50.033" v="591" actId="1076"/>
-          <ac:spMkLst>
-            <pc:docMk/>
-            <pc:sldMk cId="3556500226" sldId="347"/>
-            <ac:spMk id="35842" creationId="{0B0C4E89-D419-8343-A309-ADA122397E36}"/>
-          </ac:spMkLst>
-        </pc:spChg>
       </pc:sldChg>
       <pc:sldChg chg="addSp delSp modSp add">
         <pc:chgData name="Long B Nguyen" userId="f59fb8f3-a021-417a-8bc1-65c8d471c621" providerId="ADAL" clId="{6AC26564-89E3-E046-BFB4-F80582D7E17B}" dt="2020-01-16T12:48:48.788" v="791" actId="20577"/>
@@ -2752,36 +1377,60 @@
           <pc:docMk/>
           <pc:sldMk cId="3512088914" sldId="348"/>
         </pc:sldMkLst>
+      </pc:sldChg>
+    </pc:docChg>
+  </pc:docChgLst>
+  <pc:docChgLst>
+    <pc:chgData name="Long B Nguyen" userId="f59fb8f3-a021-417a-8bc1-65c8d471c621" providerId="ADAL" clId="{93BB9880-C423-7B4F-8EAD-EF280601F408}"/>
+    <pc:docChg chg="addSld modSld">
+      <pc:chgData name="Long B Nguyen" userId="f59fb8f3-a021-417a-8bc1-65c8d471c621" providerId="ADAL" clId="{93BB9880-C423-7B4F-8EAD-EF280601F408}" dt="2024-11-23T13:04:08.775" v="50" actId="1076"/>
+      <pc:docMkLst>
+        <pc:docMk/>
+      </pc:docMkLst>
+      <pc:sldChg chg="addSp delSp modSp add mod modAnim">
+        <pc:chgData name="Long B Nguyen" userId="f59fb8f3-a021-417a-8bc1-65c8d471c621" providerId="ADAL" clId="{93BB9880-C423-7B4F-8EAD-EF280601F408}" dt="2024-11-23T13:04:08.775" v="50" actId="1076"/>
+        <pc:sldMkLst>
+          <pc:docMk/>
+          <pc:sldMk cId="1978195169" sldId="634"/>
+        </pc:sldMkLst>
         <pc:spChg chg="mod">
-          <ac:chgData name="Long B Nguyen" userId="f59fb8f3-a021-417a-8bc1-65c8d471c621" providerId="ADAL" clId="{6AC26564-89E3-E046-BFB4-F80582D7E17B}" dt="2020-01-16T12:48:48.788" v="791" actId="20577"/>
+          <ac:chgData name="Long B Nguyen" userId="f59fb8f3-a021-417a-8bc1-65c8d471c621" providerId="ADAL" clId="{93BB9880-C423-7B4F-8EAD-EF280601F408}" dt="2024-11-23T13:03:31.274" v="40" actId="20577"/>
           <ac:spMkLst>
             <pc:docMk/>
-            <pc:sldMk cId="3512088914" sldId="348"/>
-            <ac:spMk id="23553" creationId="{5E6C904F-B0D2-8542-BF56-4B43E4386E3D}"/>
+            <pc:sldMk cId="1978195169" sldId="634"/>
+            <ac:spMk id="16386" creationId="{EEB3325B-373F-D81A-55F3-2633F3E0D5D2}"/>
           </ac:spMkLst>
         </pc:spChg>
-        <pc:picChg chg="del">
-          <ac:chgData name="Long B Nguyen" userId="f59fb8f3-a021-417a-8bc1-65c8d471c621" providerId="ADAL" clId="{6AC26564-89E3-E046-BFB4-F80582D7E17B}" dt="2020-01-16T12:47:37.467" v="765" actId="478"/>
+        <pc:spChg chg="mod">
+          <ac:chgData name="Long B Nguyen" userId="f59fb8f3-a021-417a-8bc1-65c8d471c621" providerId="ADAL" clId="{93BB9880-C423-7B4F-8EAD-EF280601F408}" dt="2024-11-23T13:03:25.051" v="39" actId="20577"/>
+          <ac:spMkLst>
+            <pc:docMk/>
+            <pc:sldMk cId="1978195169" sldId="634"/>
+            <ac:spMk id="22529" creationId="{87EA8C7D-4BDB-2F51-9763-A78F04930C44}"/>
+          </ac:spMkLst>
+        </pc:spChg>
+        <pc:picChg chg="add mod">
+          <ac:chgData name="Long B Nguyen" userId="f59fb8f3-a021-417a-8bc1-65c8d471c621" providerId="ADAL" clId="{93BB9880-C423-7B4F-8EAD-EF280601F408}" dt="2024-11-23T13:04:07.408" v="49" actId="1076"/>
           <ac:picMkLst>
             <pc:docMk/>
-            <pc:sldMk cId="3512088914" sldId="348"/>
-            <ac:picMk id="2" creationId="{D5FC4C3C-5059-9845-989F-6DA2B906114F}"/>
+            <pc:sldMk cId="1978195169" sldId="634"/>
+            <ac:picMk id="2" creationId="{B94D8BFC-5C84-2B21-1B7D-0D613CCC9F36}"/>
           </ac:picMkLst>
         </pc:picChg>
-        <pc:picChg chg="add mod">
-          <ac:chgData name="Long B Nguyen" userId="f59fb8f3-a021-417a-8bc1-65c8d471c621" providerId="ADAL" clId="{6AC26564-89E3-E046-BFB4-F80582D7E17B}" dt="2020-01-16T12:47:50.861" v="770" actId="1076"/>
+        <pc:picChg chg="mod">
+          <ac:chgData name="Long B Nguyen" userId="f59fb8f3-a021-417a-8bc1-65c8d471c621" providerId="ADAL" clId="{93BB9880-C423-7B4F-8EAD-EF280601F408}" dt="2024-11-23T13:04:08.775" v="50" actId="1076"/>
           <ac:picMkLst>
             <pc:docMk/>
-            <pc:sldMk cId="3512088914" sldId="348"/>
-            <ac:picMk id="3" creationId="{CB795113-FB6C-E648-85D0-183CDD5AF882}"/>
+            <pc:sldMk cId="1978195169" sldId="634"/>
+            <ac:picMk id="5" creationId="{1EC1BD21-EC59-1698-A41E-A0BE9D1FB4FE}"/>
           </ac:picMkLst>
         </pc:picChg>
         <pc:picChg chg="del">
-          <ac:chgData name="Long B Nguyen" userId="f59fb8f3-a021-417a-8bc1-65c8d471c621" providerId="ADAL" clId="{6AC26564-89E3-E046-BFB4-F80582D7E17B}" dt="2020-01-16T12:47:46.031" v="767" actId="478"/>
+          <ac:chgData name="Long B Nguyen" userId="f59fb8f3-a021-417a-8bc1-65c8d471c621" providerId="ADAL" clId="{93BB9880-C423-7B4F-8EAD-EF280601F408}" dt="2024-11-23T13:03:36.023" v="42" actId="478"/>
           <ac:picMkLst>
             <pc:docMk/>
-            <pc:sldMk cId="3512088914" sldId="348"/>
-            <ac:picMk id="23555" creationId="{03C56796-055B-E94B-ACE3-C4CD06B2EB8A}"/>
+            <pc:sldMk cId="1978195169" sldId="634"/>
+            <ac:picMk id="22531" creationId="{07121045-BFA5-5C3C-4AE7-2BCCC5A05219}"/>
           </ac:picMkLst>
         </pc:picChg>
       </pc:sldChg>
@@ -2919,22 +1568,6 @@
           <pc:docMk/>
           <pc:sldMk cId="1685712336" sldId="349"/>
         </pc:sldMkLst>
-        <pc:spChg chg="mod">
-          <ac:chgData name="Long B Nguyen" userId="f59fb8f3-a021-417a-8bc1-65c8d471c621" providerId="ADAL" clId="{B1BC82AE-0B84-6345-94DD-50FF764891EB}" dt="2021-06-14T17:20:27.112" v="1165" actId="20577"/>
-          <ac:spMkLst>
-            <pc:docMk/>
-            <pc:sldMk cId="1685712336" sldId="349"/>
-            <ac:spMk id="2" creationId="{6117A749-B1BA-E24B-8FB0-0604EF651FB3}"/>
-          </ac:spMkLst>
-        </pc:spChg>
-        <pc:spChg chg="mod">
-          <ac:chgData name="Long B Nguyen" userId="f59fb8f3-a021-417a-8bc1-65c8d471c621" providerId="ADAL" clId="{B1BC82AE-0B84-6345-94DD-50FF764891EB}" dt="2021-06-11T17:39:03.006" v="38" actId="20577"/>
-          <ac:spMkLst>
-            <pc:docMk/>
-            <pc:sldMk cId="1685712336" sldId="349"/>
-            <ac:spMk id="3" creationId="{1BDC47C8-6776-7B44-9CD4-95FC91452D62}"/>
-          </ac:spMkLst>
-        </pc:spChg>
       </pc:sldChg>
       <pc:sldChg chg="del">
         <pc:chgData name="Long B Nguyen" userId="f59fb8f3-a021-417a-8bc1-65c8d471c621" providerId="ADAL" clId="{B1BC82AE-0B84-6345-94DD-50FF764891EB}" dt="2021-06-11T17:39:59.740" v="40" actId="2696"/>
@@ -2956,38 +1589,6 @@
           <pc:docMk/>
           <pc:sldMk cId="136760411" sldId="584"/>
         </pc:sldMkLst>
-        <pc:spChg chg="mod">
-          <ac:chgData name="Long B Nguyen" userId="f59fb8f3-a021-417a-8bc1-65c8d471c621" providerId="ADAL" clId="{B1BC82AE-0B84-6345-94DD-50FF764891EB}" dt="2021-06-14T12:29:16.347" v="1023" actId="20577"/>
-          <ac:spMkLst>
-            <pc:docMk/>
-            <pc:sldMk cId="136760411" sldId="584"/>
-            <ac:spMk id="16386" creationId="{FDE21009-F167-294A-90DA-D3129AD4DEB7}"/>
-          </ac:spMkLst>
-        </pc:spChg>
-        <pc:spChg chg="mod">
-          <ac:chgData name="Long B Nguyen" userId="f59fb8f3-a021-417a-8bc1-65c8d471c621" providerId="ADAL" clId="{B1BC82AE-0B84-6345-94DD-50FF764891EB}" dt="2021-06-11T18:09:25.684" v="896" actId="1076"/>
-          <ac:spMkLst>
-            <pc:docMk/>
-            <pc:sldMk cId="136760411" sldId="584"/>
-            <ac:spMk id="22529" creationId="{62D2E821-4DA7-1A4C-90AB-7D29E754B92B}"/>
-          </ac:spMkLst>
-        </pc:spChg>
-        <pc:picChg chg="add mod">
-          <ac:chgData name="Long B Nguyen" userId="f59fb8f3-a021-417a-8bc1-65c8d471c621" providerId="ADAL" clId="{B1BC82AE-0B84-6345-94DD-50FF764891EB}" dt="2021-06-11T17:43:27.132" v="109" actId="1035"/>
-          <ac:picMkLst>
-            <pc:docMk/>
-            <pc:sldMk cId="136760411" sldId="584"/>
-            <ac:picMk id="5" creationId="{6A537AAE-EC0D-054E-82AD-A976564A812F}"/>
-          </ac:picMkLst>
-        </pc:picChg>
-        <pc:picChg chg="mod">
-          <ac:chgData name="Long B Nguyen" userId="f59fb8f3-a021-417a-8bc1-65c8d471c621" providerId="ADAL" clId="{B1BC82AE-0B84-6345-94DD-50FF764891EB}" dt="2021-06-11T17:43:35.651" v="112" actId="14100"/>
-          <ac:picMkLst>
-            <pc:docMk/>
-            <pc:sldMk cId="136760411" sldId="584"/>
-            <ac:picMk id="22531" creationId="{AA6402AE-27BA-C94A-8CDB-C660D25DCDAB}"/>
-          </ac:picMkLst>
-        </pc:picChg>
       </pc:sldChg>
       <pc:sldChg chg="modSp add del mod">
         <pc:chgData name="Long B Nguyen" userId="f59fb8f3-a021-417a-8bc1-65c8d471c621" providerId="ADAL" clId="{B1BC82AE-0B84-6345-94DD-50FF764891EB}" dt="2021-06-11T17:43:49.292" v="113" actId="2696"/>
@@ -2995,22 +1596,6 @@
           <pc:docMk/>
           <pc:sldMk cId="3648112237" sldId="585"/>
         </pc:sldMkLst>
-        <pc:spChg chg="mod">
-          <ac:chgData name="Long B Nguyen" userId="f59fb8f3-a021-417a-8bc1-65c8d471c621" providerId="ADAL" clId="{B1BC82AE-0B84-6345-94DD-50FF764891EB}" dt="2021-06-11T17:41:35.646" v="63" actId="14100"/>
-          <ac:spMkLst>
-            <pc:docMk/>
-            <pc:sldMk cId="3648112237" sldId="585"/>
-            <ac:spMk id="16386" creationId="{C0D80EE7-29AE-AE4C-8195-4D59F658F41D}"/>
-          </ac:spMkLst>
-        </pc:spChg>
-        <pc:spChg chg="mod">
-          <ac:chgData name="Long B Nguyen" userId="f59fb8f3-a021-417a-8bc1-65c8d471c621" providerId="ADAL" clId="{B1BC82AE-0B84-6345-94DD-50FF764891EB}" dt="2021-06-11T17:41:33.559" v="62" actId="1076"/>
-          <ac:spMkLst>
-            <pc:docMk/>
-            <pc:sldMk cId="3648112237" sldId="585"/>
-            <ac:spMk id="24577" creationId="{CC789D21-6605-6A4F-8E82-FA1784227983}"/>
-          </ac:spMkLst>
-        </pc:spChg>
       </pc:sldChg>
       <pc:sldChg chg="modSp add mod">
         <pc:chgData name="Long B Nguyen" userId="f59fb8f3-a021-417a-8bc1-65c8d471c621" providerId="ADAL" clId="{B1BC82AE-0B84-6345-94DD-50FF764891EB}" dt="2021-06-11T18:02:30.563" v="523" actId="1076"/>
@@ -3018,30 +1603,6 @@
           <pc:docMk/>
           <pc:sldMk cId="125234064" sldId="586"/>
         </pc:sldMkLst>
-        <pc:spChg chg="mod">
-          <ac:chgData name="Long B Nguyen" userId="f59fb8f3-a021-417a-8bc1-65c8d471c621" providerId="ADAL" clId="{B1BC82AE-0B84-6345-94DD-50FF764891EB}" dt="2021-06-11T18:02:27.319" v="522" actId="14100"/>
-          <ac:spMkLst>
-            <pc:docMk/>
-            <pc:sldMk cId="125234064" sldId="586"/>
-            <ac:spMk id="16386" creationId="{B7D23A51-CC23-2D46-9966-5D2C05DBBA80}"/>
-          </ac:spMkLst>
-        </pc:spChg>
-        <pc:spChg chg="mod">
-          <ac:chgData name="Long B Nguyen" userId="f59fb8f3-a021-417a-8bc1-65c8d471c621" providerId="ADAL" clId="{B1BC82AE-0B84-6345-94DD-50FF764891EB}" dt="2021-06-11T18:02:24.875" v="521" actId="1076"/>
-          <ac:spMkLst>
-            <pc:docMk/>
-            <pc:sldMk cId="125234064" sldId="586"/>
-            <ac:spMk id="26625" creationId="{34F107FE-33DC-4D41-BCD4-F69C922D4462}"/>
-          </ac:spMkLst>
-        </pc:spChg>
-        <pc:picChg chg="mod">
-          <ac:chgData name="Long B Nguyen" userId="f59fb8f3-a021-417a-8bc1-65c8d471c621" providerId="ADAL" clId="{B1BC82AE-0B84-6345-94DD-50FF764891EB}" dt="2021-06-11T18:02:30.563" v="523" actId="1076"/>
-          <ac:picMkLst>
-            <pc:docMk/>
-            <pc:sldMk cId="125234064" sldId="586"/>
-            <ac:picMk id="26627" creationId="{A446CD24-D602-8541-8180-3194E673D149}"/>
-          </ac:picMkLst>
-        </pc:picChg>
       </pc:sldChg>
       <pc:sldChg chg="modSp add mod modAnim">
         <pc:chgData name="Long B Nguyen" userId="f59fb8f3-a021-417a-8bc1-65c8d471c621" providerId="ADAL" clId="{B1BC82AE-0B84-6345-94DD-50FF764891EB}" dt="2021-06-14T12:40:36.087" v="1147" actId="14100"/>
@@ -3049,30 +1610,6 @@
           <pc:docMk/>
           <pc:sldMk cId="3486834731" sldId="587"/>
         </pc:sldMkLst>
-        <pc:spChg chg="mod">
-          <ac:chgData name="Long B Nguyen" userId="f59fb8f3-a021-417a-8bc1-65c8d471c621" providerId="ADAL" clId="{B1BC82AE-0B84-6345-94DD-50FF764891EB}" dt="2021-06-14T12:40:36.087" v="1147" actId="14100"/>
-          <ac:spMkLst>
-            <pc:docMk/>
-            <pc:sldMk cId="3486834731" sldId="587"/>
-            <ac:spMk id="16386" creationId="{511EFDDD-BDA3-DC45-A705-DF99D46F5242}"/>
-          </ac:spMkLst>
-        </pc:spChg>
-        <pc:spChg chg="mod">
-          <ac:chgData name="Long B Nguyen" userId="f59fb8f3-a021-417a-8bc1-65c8d471c621" providerId="ADAL" clId="{B1BC82AE-0B84-6345-94DD-50FF764891EB}" dt="2021-06-11T18:07:09.910" v="836" actId="1076"/>
-          <ac:spMkLst>
-            <pc:docMk/>
-            <pc:sldMk cId="3486834731" sldId="587"/>
-            <ac:spMk id="28673" creationId="{5132E559-1A3E-C34F-A562-E3FCB5A26E6B}"/>
-          </ac:spMkLst>
-        </pc:spChg>
-        <pc:picChg chg="mod">
-          <ac:chgData name="Long B Nguyen" userId="f59fb8f3-a021-417a-8bc1-65c8d471c621" providerId="ADAL" clId="{B1BC82AE-0B84-6345-94DD-50FF764891EB}" dt="2021-06-14T12:39:57.467" v="1083" actId="1076"/>
-          <ac:picMkLst>
-            <pc:docMk/>
-            <pc:sldMk cId="3486834731" sldId="587"/>
-            <ac:picMk id="28675" creationId="{BCF5C1D4-BD7B-A74D-B5D7-82EC9CAD7759}"/>
-          </ac:picMkLst>
-        </pc:picChg>
       </pc:sldChg>
       <pc:sldChg chg="modSp add mod modAnim">
         <pc:chgData name="Long B Nguyen" userId="f59fb8f3-a021-417a-8bc1-65c8d471c621" providerId="ADAL" clId="{B1BC82AE-0B84-6345-94DD-50FF764891EB}" dt="2021-06-14T12:32:35.492" v="1039" actId="255"/>
@@ -3080,22 +1617,6 @@
           <pc:docMk/>
           <pc:sldMk cId="415119594" sldId="589"/>
         </pc:sldMkLst>
-        <pc:spChg chg="mod">
-          <ac:chgData name="Long B Nguyen" userId="f59fb8f3-a021-417a-8bc1-65c8d471c621" providerId="ADAL" clId="{B1BC82AE-0B84-6345-94DD-50FF764891EB}" dt="2021-06-14T12:32:35.492" v="1039" actId="255"/>
-          <ac:spMkLst>
-            <pc:docMk/>
-            <pc:sldMk cId="415119594" sldId="589"/>
-            <ac:spMk id="16386" creationId="{89B15976-ACD8-4742-B244-3AB3D026215A}"/>
-          </ac:spMkLst>
-        </pc:spChg>
-        <pc:spChg chg="mod">
-          <ac:chgData name="Long B Nguyen" userId="f59fb8f3-a021-417a-8bc1-65c8d471c621" providerId="ADAL" clId="{B1BC82AE-0B84-6345-94DD-50FF764891EB}" dt="2021-06-11T18:12:14.636" v="1019" actId="1076"/>
-          <ac:spMkLst>
-            <pc:docMk/>
-            <pc:sldMk cId="415119594" sldId="589"/>
-            <ac:spMk id="30721" creationId="{7E7F59BF-58A2-1549-8579-E6A7412FA5AB}"/>
-          </ac:spMkLst>
-        </pc:spChg>
       </pc:sldChg>
       <pc:sldChg chg="modSp add mod">
         <pc:chgData name="Long B Nguyen" userId="f59fb8f3-a021-417a-8bc1-65c8d471c621" providerId="ADAL" clId="{B1BC82AE-0B84-6345-94DD-50FF764891EB}" dt="2021-06-14T12:33:38.554" v="1059" actId="20577"/>
@@ -3103,14 +1624,6 @@
           <pc:docMk/>
           <pc:sldMk cId="3691232827" sldId="590"/>
         </pc:sldMkLst>
-        <pc:spChg chg="mod">
-          <ac:chgData name="Long B Nguyen" userId="f59fb8f3-a021-417a-8bc1-65c8d471c621" providerId="ADAL" clId="{B1BC82AE-0B84-6345-94DD-50FF764891EB}" dt="2021-06-14T12:33:38.554" v="1059" actId="20577"/>
-          <ac:spMkLst>
-            <pc:docMk/>
-            <pc:sldMk cId="3691232827" sldId="590"/>
-            <ac:spMk id="32769" creationId="{1B088F74-50C6-5E46-9298-7B7197F07081}"/>
-          </ac:spMkLst>
-        </pc:spChg>
       </pc:sldChg>
       <pc:sldChg chg="modSp add mod">
         <pc:chgData name="Long B Nguyen" userId="f59fb8f3-a021-417a-8bc1-65c8d471c621" providerId="ADAL" clId="{B1BC82AE-0B84-6345-94DD-50FF764891EB}" dt="2021-06-14T12:33:20.785" v="1049" actId="20577"/>
@@ -3118,14 +1631,6 @@
           <pc:docMk/>
           <pc:sldMk cId="120224996" sldId="591"/>
         </pc:sldMkLst>
-        <pc:spChg chg="mod">
-          <ac:chgData name="Long B Nguyen" userId="f59fb8f3-a021-417a-8bc1-65c8d471c621" providerId="ADAL" clId="{B1BC82AE-0B84-6345-94DD-50FF764891EB}" dt="2021-06-14T12:33:20.785" v="1049" actId="20577"/>
-          <ac:spMkLst>
-            <pc:docMk/>
-            <pc:sldMk cId="120224996" sldId="591"/>
-            <ac:spMk id="34817" creationId="{18DA8B69-B798-804C-973E-906C527C34EC}"/>
-          </ac:spMkLst>
-        </pc:spChg>
       </pc:sldChg>
       <pc:sldChg chg="add">
         <pc:chgData name="Long B Nguyen" userId="f59fb8f3-a021-417a-8bc1-65c8d471c621" providerId="ADAL" clId="{B1BC82AE-0B84-6345-94DD-50FF764891EB}" dt="2021-06-11T17:39:51.629" v="39"/>
@@ -3287,14 +1792,6 @@
           <pc:docMk/>
           <pc:sldMk cId="873559899" sldId="615"/>
         </pc:sldMkLst>
-        <pc:spChg chg="mod">
-          <ac:chgData name="Long B Nguyen" userId="f59fb8f3-a021-417a-8bc1-65c8d471c621" providerId="ADAL" clId="{B1BC82AE-0B84-6345-94DD-50FF764891EB}" dt="2021-06-11T18:07:59.145" v="875" actId="20577"/>
-          <ac:spMkLst>
-            <pc:docMk/>
-            <pc:sldMk cId="873559899" sldId="615"/>
-            <ac:spMk id="16386" creationId="{C0D80EE7-29AE-AE4C-8195-4D59F658F41D}"/>
-          </ac:spMkLst>
-        </pc:spChg>
       </pc:sldChg>
       <pc:sldChg chg="modSp add del mod modAnim">
         <pc:chgData name="Long B Nguyen" userId="f59fb8f3-a021-417a-8bc1-65c8d471c621" providerId="ADAL" clId="{B1BC82AE-0B84-6345-94DD-50FF764891EB}" dt="2021-06-11T18:09:48.158" v="909" actId="2696"/>
@@ -3302,22 +1799,6 @@
           <pc:docMk/>
           <pc:sldMk cId="1639420940" sldId="615"/>
         </pc:sldMkLst>
-        <pc:spChg chg="mod">
-          <ac:chgData name="Long B Nguyen" userId="f59fb8f3-a021-417a-8bc1-65c8d471c621" providerId="ADAL" clId="{B1BC82AE-0B84-6345-94DD-50FF764891EB}" dt="2021-06-11T18:09:46.788" v="908" actId="21"/>
-          <ac:spMkLst>
-            <pc:docMk/>
-            <pc:sldMk cId="1639420940" sldId="615"/>
-            <ac:spMk id="16386" creationId="{C0D80EE7-29AE-AE4C-8195-4D59F658F41D}"/>
-          </ac:spMkLst>
-        </pc:spChg>
-        <pc:spChg chg="mod">
-          <ac:chgData name="Long B Nguyen" userId="f59fb8f3-a021-417a-8bc1-65c8d471c621" providerId="ADAL" clId="{B1BC82AE-0B84-6345-94DD-50FF764891EB}" dt="2021-06-11T18:08:37.400" v="882" actId="1076"/>
-          <ac:spMkLst>
-            <pc:docMk/>
-            <pc:sldMk cId="1639420940" sldId="615"/>
-            <ac:spMk id="24577" creationId="{CC789D21-6605-6A4F-8E82-FA1784227983}"/>
-          </ac:spMkLst>
-        </pc:spChg>
       </pc:sldChg>
       <pc:sldChg chg="add del">
         <pc:chgData name="Long B Nguyen" userId="f59fb8f3-a021-417a-8bc1-65c8d471c621" providerId="ADAL" clId="{B1BC82AE-0B84-6345-94DD-50FF764891EB}" dt="2021-06-11T18:08:28.968" v="878" actId="2696"/>
@@ -3381,38 +1862,6 @@
           <pc:docMk/>
           <pc:sldMk cId="3673832115" sldId="630"/>
         </pc:sldMkLst>
-        <pc:spChg chg="add mod">
-          <ac:chgData name="Long B Nguyen" userId="f59fb8f3-a021-417a-8bc1-65c8d471c621" providerId="ADAL" clId="{B1BC82AE-0B84-6345-94DD-50FF764891EB}" dt="2021-06-11T18:02:03.507" v="519" actId="20577"/>
-          <ac:spMkLst>
-            <pc:docMk/>
-            <pc:sldMk cId="3673832115" sldId="630"/>
-            <ac:spMk id="3" creationId="{C6DF1D8F-8D46-4A48-A242-5A85A28AEE11}"/>
-          </ac:spMkLst>
-        </pc:spChg>
-        <pc:spChg chg="mod">
-          <ac:chgData name="Long B Nguyen" userId="f59fb8f3-a021-417a-8bc1-65c8d471c621" providerId="ADAL" clId="{B1BC82AE-0B84-6345-94DD-50FF764891EB}" dt="2021-06-11T17:43:59.404" v="115" actId="1076"/>
-          <ac:spMkLst>
-            <pc:docMk/>
-            <pc:sldMk cId="3673832115" sldId="630"/>
-            <ac:spMk id="32769" creationId="{F93EFB5A-2152-CA4E-8209-79AFCC889655}"/>
-          </ac:spMkLst>
-        </pc:spChg>
-        <pc:picChg chg="del mod">
-          <ac:chgData name="Long B Nguyen" userId="f59fb8f3-a021-417a-8bc1-65c8d471c621" providerId="ADAL" clId="{B1BC82AE-0B84-6345-94DD-50FF764891EB}" dt="2021-06-11T17:43:55.839" v="114" actId="478"/>
-          <ac:picMkLst>
-            <pc:docMk/>
-            <pc:sldMk cId="3673832115" sldId="630"/>
-            <ac:picMk id="2" creationId="{EDE4B9AF-3C62-2D48-9956-AA3566757C7D}"/>
-          </ac:picMkLst>
-        </pc:picChg>
-        <pc:picChg chg="add mod">
-          <ac:chgData name="Long B Nguyen" userId="f59fb8f3-a021-417a-8bc1-65c8d471c621" providerId="ADAL" clId="{B1BC82AE-0B84-6345-94DD-50FF764891EB}" dt="2021-06-11T17:52:02.954" v="116" actId="1076"/>
-          <ac:picMkLst>
-            <pc:docMk/>
-            <pc:sldMk cId="3673832115" sldId="630"/>
-            <ac:picMk id="7" creationId="{3CC77AF3-D007-5C44-97AB-706CC25BBBDB}"/>
-          </ac:picMkLst>
-        </pc:picChg>
       </pc:sldChg>
       <pc:sldChg chg="add">
         <pc:chgData name="Long B Nguyen" userId="f59fb8f3-a021-417a-8bc1-65c8d471c621" providerId="ADAL" clId="{B1BC82AE-0B84-6345-94DD-50FF764891EB}" dt="2021-06-11T17:39:51.629" v="39"/>
@@ -3427,38 +1876,6 @@
           <pc:docMk/>
           <pc:sldMk cId="298785684" sldId="632"/>
         </pc:sldMkLst>
-        <pc:spChg chg="mod">
-          <ac:chgData name="Long B Nguyen" userId="f59fb8f3-a021-417a-8bc1-65c8d471c621" providerId="ADAL" clId="{B1BC82AE-0B84-6345-94DD-50FF764891EB}" dt="2021-06-14T12:47:14.326" v="1149"/>
-          <ac:spMkLst>
-            <pc:docMk/>
-            <pc:sldMk cId="298785684" sldId="632"/>
-            <ac:spMk id="16386" creationId="{FDE21009-F167-294A-90DA-D3129AD4DEB7}"/>
-          </ac:spMkLst>
-        </pc:spChg>
-        <pc:spChg chg="mod">
-          <ac:chgData name="Long B Nguyen" userId="f59fb8f3-a021-417a-8bc1-65c8d471c621" providerId="ADAL" clId="{B1BC82AE-0B84-6345-94DD-50FF764891EB}" dt="2021-06-11T18:12:03.279" v="1017" actId="20577"/>
-          <ac:spMkLst>
-            <pc:docMk/>
-            <pc:sldMk cId="298785684" sldId="632"/>
-            <ac:spMk id="22529" creationId="{62D2E821-4DA7-1A4C-90AB-7D29E754B92B}"/>
-          </ac:spMkLst>
-        </pc:spChg>
-        <pc:picChg chg="del">
-          <ac:chgData name="Long B Nguyen" userId="f59fb8f3-a021-417a-8bc1-65c8d471c621" providerId="ADAL" clId="{B1BC82AE-0B84-6345-94DD-50FF764891EB}" dt="2021-06-11T18:09:58.098" v="913" actId="478"/>
-          <ac:picMkLst>
-            <pc:docMk/>
-            <pc:sldMk cId="298785684" sldId="632"/>
-            <ac:picMk id="5" creationId="{6A537AAE-EC0D-054E-82AD-A976564A812F}"/>
-          </ac:picMkLst>
-        </pc:picChg>
-        <pc:picChg chg="del">
-          <ac:chgData name="Long B Nguyen" userId="f59fb8f3-a021-417a-8bc1-65c8d471c621" providerId="ADAL" clId="{B1BC82AE-0B84-6345-94DD-50FF764891EB}" dt="2021-06-11T18:09:59.597" v="914" actId="478"/>
-          <ac:picMkLst>
-            <pc:docMk/>
-            <pc:sldMk cId="298785684" sldId="632"/>
-            <ac:picMk id="22531" creationId="{AA6402AE-27BA-C94A-8CDB-C660D25DCDAB}"/>
-          </ac:picMkLst>
-        </pc:picChg>
       </pc:sldChg>
       <pc:sldChg chg="modSp add mod modAnim">
         <pc:chgData name="Long B Nguyen" userId="f59fb8f3-a021-417a-8bc1-65c8d471c621" providerId="ADAL" clId="{B1BC82AE-0B84-6345-94DD-50FF764891EB}" dt="2021-06-14T12:39:19.721" v="1081"/>
@@ -3466,22 +1883,6 @@
           <pc:docMk/>
           <pc:sldMk cId="871459493" sldId="633"/>
         </pc:sldMkLst>
-        <pc:spChg chg="mod">
-          <ac:chgData name="Long B Nguyen" userId="f59fb8f3-a021-417a-8bc1-65c8d471c621" providerId="ADAL" clId="{B1BC82AE-0B84-6345-94DD-50FF764891EB}" dt="2021-06-14T12:39:19.721" v="1081"/>
-          <ac:spMkLst>
-            <pc:docMk/>
-            <pc:sldMk cId="871459493" sldId="633"/>
-            <ac:spMk id="16386" creationId="{89B15976-ACD8-4742-B244-3AB3D026215A}"/>
-          </ac:spMkLst>
-        </pc:spChg>
-        <pc:spChg chg="mod">
-          <ac:chgData name="Long B Nguyen" userId="f59fb8f3-a021-417a-8bc1-65c8d471c621" providerId="ADAL" clId="{B1BC82AE-0B84-6345-94DD-50FF764891EB}" dt="2021-06-14T12:38:32.037" v="1074" actId="20577"/>
-          <ac:spMkLst>
-            <pc:docMk/>
-            <pc:sldMk cId="871459493" sldId="633"/>
-            <ac:spMk id="30721" creationId="{7E7F59BF-58A2-1549-8579-E6A7412FA5AB}"/>
-          </ac:spMkLst>
-        </pc:spChg>
       </pc:sldChg>
       <pc:sldChg chg="addSp delSp add del setBg delDesignElem">
         <pc:chgData name="Long B Nguyen" userId="f59fb8f3-a021-417a-8bc1-65c8d471c621" providerId="ADAL" clId="{B1BC82AE-0B84-6345-94DD-50FF764891EB}" dt="2021-06-14T17:20:21.222" v="1152"/>
@@ -3489,22 +1890,6 @@
           <pc:docMk/>
           <pc:sldMk cId="106142046" sldId="634"/>
         </pc:sldMkLst>
-        <pc:spChg chg="add del">
-          <ac:chgData name="Long B Nguyen" userId="f59fb8f3-a021-417a-8bc1-65c8d471c621" providerId="ADAL" clId="{B1BC82AE-0B84-6345-94DD-50FF764891EB}" dt="2021-06-14T17:20:21.222" v="1152"/>
-          <ac:spMkLst>
-            <pc:docMk/>
-            <pc:sldMk cId="106142046" sldId="634"/>
-            <ac:spMk id="9" creationId="{23962611-DFD5-4092-AAFD-559E3DFCE2C9}"/>
-          </ac:spMkLst>
-        </pc:spChg>
-        <pc:picChg chg="add del">
-          <ac:chgData name="Long B Nguyen" userId="f59fb8f3-a021-417a-8bc1-65c8d471c621" providerId="ADAL" clId="{B1BC82AE-0B84-6345-94DD-50FF764891EB}" dt="2021-06-14T17:20:21.222" v="1152"/>
-          <ac:picMkLst>
-            <pc:docMk/>
-            <pc:sldMk cId="106142046" sldId="634"/>
-            <ac:picMk id="11" creationId="{2270F1FA-0425-408F-9861-80BF5AFB276D}"/>
-          </ac:picMkLst>
-        </pc:picChg>
       </pc:sldChg>
       <pc:sldChg chg="del">
         <pc:chgData name="Long B Nguyen" userId="f59fb8f3-a021-417a-8bc1-65c8d471c621" providerId="ADAL" clId="{B1BC82AE-0B84-6345-94DD-50FF764891EB}" dt="2021-06-11T17:38:43.853" v="12" actId="2696"/>
@@ -3549,22 +1934,6 @@
           <pc:docMk/>
           <pc:sldMk cId="2963124289" sldId="593"/>
         </pc:sldMkLst>
-        <pc:picChg chg="mod">
-          <ac:chgData name="Long Nguyen" userId="f59fb8f3-a021-417a-8bc1-65c8d471c621" providerId="ADAL" clId="{E750E5C6-FF21-6A4B-87D9-06DAFBDEEAE8}" dt="2023-02-14T15:07:21.930" v="30" actId="1076"/>
-          <ac:picMkLst>
-            <pc:docMk/>
-            <pc:sldMk cId="2963124289" sldId="593"/>
-            <ac:picMk id="38916" creationId="{8720B090-DCDD-0E44-B6F5-49D2ED5D8A00}"/>
-          </ac:picMkLst>
-        </pc:picChg>
-        <pc:picChg chg="mod">
-          <ac:chgData name="Long Nguyen" userId="f59fb8f3-a021-417a-8bc1-65c8d471c621" providerId="ADAL" clId="{E750E5C6-FF21-6A4B-87D9-06DAFBDEEAE8}" dt="2023-02-14T15:07:23.435" v="31" actId="1076"/>
-          <ac:picMkLst>
-            <pc:docMk/>
-            <pc:sldMk cId="2963124289" sldId="593"/>
-            <ac:picMk id="38917" creationId="{1B40FF63-EA73-7A44-8137-79F00DEAEDD8}"/>
-          </ac:picMkLst>
-        </pc:picChg>
       </pc:sldChg>
       <pc:sldChg chg="modSp modAnim">
         <pc:chgData name="Long Nguyen" userId="f59fb8f3-a021-417a-8bc1-65c8d471c621" providerId="ADAL" clId="{E750E5C6-FF21-6A4B-87D9-06DAFBDEEAE8}" dt="2023-02-28T16:53:06.770" v="95" actId="20577"/>
@@ -3572,14 +1941,6 @@
           <pc:docMk/>
           <pc:sldMk cId="1230781990" sldId="606"/>
         </pc:sldMkLst>
-        <pc:spChg chg="mod">
-          <ac:chgData name="Long Nguyen" userId="f59fb8f3-a021-417a-8bc1-65c8d471c621" providerId="ADAL" clId="{E750E5C6-FF21-6A4B-87D9-06DAFBDEEAE8}" dt="2023-02-28T16:53:06.770" v="95" actId="20577"/>
-          <ac:spMkLst>
-            <pc:docMk/>
-            <pc:sldMk cId="1230781990" sldId="606"/>
-            <ac:spMk id="16386" creationId="{B58E18ED-8D49-8844-A857-3DC2CAD817CB}"/>
-          </ac:spMkLst>
-        </pc:spChg>
       </pc:sldChg>
       <pc:sldChg chg="modSp">
         <pc:chgData name="Long Nguyen" userId="f59fb8f3-a021-417a-8bc1-65c8d471c621" providerId="ADAL" clId="{E750E5C6-FF21-6A4B-87D9-06DAFBDEEAE8}" dt="2023-02-28T16:52:45.044" v="46" actId="20577"/>
@@ -3587,14 +1948,6 @@
           <pc:docMk/>
           <pc:sldMk cId="3448653526" sldId="617"/>
         </pc:sldMkLst>
-        <pc:spChg chg="mod">
-          <ac:chgData name="Long Nguyen" userId="f59fb8f3-a021-417a-8bc1-65c8d471c621" providerId="ADAL" clId="{E750E5C6-FF21-6A4B-87D9-06DAFBDEEAE8}" dt="2023-02-28T16:52:45.044" v="46" actId="20577"/>
-          <ac:spMkLst>
-            <pc:docMk/>
-            <pc:sldMk cId="3448653526" sldId="617"/>
-            <ac:spMk id="16386" creationId="{B58E18ED-8D49-8844-A857-3DC2CAD817CB}"/>
-          </ac:spMkLst>
-        </pc:spChg>
       </pc:sldChg>
     </pc:docChg>
   </pc:docChgLst>
@@ -3611,14 +1964,6 @@
           <pc:docMk/>
           <pc:sldMk cId="136760411" sldId="584"/>
         </pc:sldMkLst>
-        <pc:spChg chg="mod">
-          <ac:chgData name="Long Nguyen" userId="f59fb8f3-a021-417a-8bc1-65c8d471c621" providerId="ADAL" clId="{F28BDA9A-BFEA-0A48-93A2-5F1590075D7B}" dt="2022-02-08T20:45:03.078" v="62" actId="20577"/>
-          <ac:spMkLst>
-            <pc:docMk/>
-            <pc:sldMk cId="136760411" sldId="584"/>
-            <ac:spMk id="16386" creationId="{FDE21009-F167-294A-90DA-D3129AD4DEB7}"/>
-          </ac:spMkLst>
-        </pc:spChg>
       </pc:sldChg>
       <pc:sldChg chg="modSp">
         <pc:chgData name="Long Nguyen" userId="f59fb8f3-a021-417a-8bc1-65c8d471c621" providerId="ADAL" clId="{F28BDA9A-BFEA-0A48-93A2-5F1590075D7B}" dt="2022-02-10T16:46:09.559" v="384" actId="1076"/>
@@ -3626,22 +1971,6 @@
           <pc:docMk/>
           <pc:sldMk cId="2963124289" sldId="593"/>
         </pc:sldMkLst>
-        <pc:picChg chg="mod">
-          <ac:chgData name="Long Nguyen" userId="f59fb8f3-a021-417a-8bc1-65c8d471c621" providerId="ADAL" clId="{F28BDA9A-BFEA-0A48-93A2-5F1590075D7B}" dt="2022-02-10T16:46:09.559" v="384" actId="1076"/>
-          <ac:picMkLst>
-            <pc:docMk/>
-            <pc:sldMk cId="2963124289" sldId="593"/>
-            <ac:picMk id="38916" creationId="{8720B090-DCDD-0E44-B6F5-49D2ED5D8A00}"/>
-          </ac:picMkLst>
-        </pc:picChg>
-        <pc:picChg chg="mod">
-          <ac:chgData name="Long Nguyen" userId="f59fb8f3-a021-417a-8bc1-65c8d471c621" providerId="ADAL" clId="{F28BDA9A-BFEA-0A48-93A2-5F1590075D7B}" dt="2022-02-10T15:14:37.065" v="379" actId="1076"/>
-          <ac:picMkLst>
-            <pc:docMk/>
-            <pc:sldMk cId="2963124289" sldId="593"/>
-            <ac:picMk id="38917" creationId="{1B40FF63-EA73-7A44-8137-79F00DEAEDD8}"/>
-          </ac:picMkLst>
-        </pc:picChg>
       </pc:sldChg>
       <pc:sldChg chg="modSp modAnim">
         <pc:chgData name="Long Nguyen" userId="f59fb8f3-a021-417a-8bc1-65c8d471c621" providerId="ADAL" clId="{F28BDA9A-BFEA-0A48-93A2-5F1590075D7B}" dt="2022-02-16T18:32:46.597" v="391" actId="20577"/>
@@ -3649,14 +1978,6 @@
           <pc:docMk/>
           <pc:sldMk cId="1230781990" sldId="606"/>
         </pc:sldMkLst>
-        <pc:spChg chg="mod">
-          <ac:chgData name="Long Nguyen" userId="f59fb8f3-a021-417a-8bc1-65c8d471c621" providerId="ADAL" clId="{F28BDA9A-BFEA-0A48-93A2-5F1590075D7B}" dt="2022-02-16T18:32:46.597" v="391" actId="20577"/>
-          <ac:spMkLst>
-            <pc:docMk/>
-            <pc:sldMk cId="1230781990" sldId="606"/>
-            <ac:spMk id="16386" creationId="{B58E18ED-8D49-8844-A857-3DC2CAD817CB}"/>
-          </ac:spMkLst>
-        </pc:spChg>
       </pc:sldChg>
       <pc:sldChg chg="addSp modSp mod modAnim">
         <pc:chgData name="Long Nguyen" userId="f59fb8f3-a021-417a-8bc1-65c8d471c621" providerId="ADAL" clId="{F28BDA9A-BFEA-0A48-93A2-5F1590075D7B}" dt="2022-02-08T21:00:51.747" v="302"/>
@@ -3664,54 +1985,6 @@
           <pc:docMk/>
           <pc:sldMk cId="3489750888" sldId="607"/>
         </pc:sldMkLst>
-        <pc:spChg chg="mod">
-          <ac:chgData name="Long Nguyen" userId="f59fb8f3-a021-417a-8bc1-65c8d471c621" providerId="ADAL" clId="{F28BDA9A-BFEA-0A48-93A2-5F1590075D7B}" dt="2022-02-08T20:59:39.235" v="287" actId="1076"/>
-          <ac:spMkLst>
-            <pc:docMk/>
-            <pc:sldMk cId="3489750888" sldId="607"/>
-            <ac:spMk id="5" creationId="{75DF910D-BCDA-814B-AE33-5E262772747F}"/>
-          </ac:spMkLst>
-        </pc:spChg>
-        <pc:spChg chg="mod">
-          <ac:chgData name="Long Nguyen" userId="f59fb8f3-a021-417a-8bc1-65c8d471c621" providerId="ADAL" clId="{F28BDA9A-BFEA-0A48-93A2-5F1590075D7B}" dt="2022-02-08T21:00:06.526" v="296" actId="1076"/>
-          <ac:spMkLst>
-            <pc:docMk/>
-            <pc:sldMk cId="3489750888" sldId="607"/>
-            <ac:spMk id="9" creationId="{69761A01-1D14-8949-B413-803644E65921}"/>
-          </ac:spMkLst>
-        </pc:spChg>
-        <pc:spChg chg="mod">
-          <ac:chgData name="Long Nguyen" userId="f59fb8f3-a021-417a-8bc1-65c8d471c621" providerId="ADAL" clId="{F28BDA9A-BFEA-0A48-93A2-5F1590075D7B}" dt="2022-02-08T21:00:16.413" v="297" actId="207"/>
-          <ac:spMkLst>
-            <pc:docMk/>
-            <pc:sldMk cId="3489750888" sldId="607"/>
-            <ac:spMk id="16386" creationId="{B58E18ED-8D49-8844-A857-3DC2CAD817CB}"/>
-          </ac:spMkLst>
-        </pc:spChg>
-        <pc:picChg chg="add mod">
-          <ac:chgData name="Long Nguyen" userId="f59fb8f3-a021-417a-8bc1-65c8d471c621" providerId="ADAL" clId="{F28BDA9A-BFEA-0A48-93A2-5F1590075D7B}" dt="2022-02-08T21:00:00.865" v="294" actId="1076"/>
-          <ac:picMkLst>
-            <pc:docMk/>
-            <pc:sldMk cId="3489750888" sldId="607"/>
-            <ac:picMk id="13" creationId="{189E7DC2-C7B2-2646-B742-09A4F410ACA4}"/>
-          </ac:picMkLst>
-        </pc:picChg>
-        <pc:cxnChg chg="mod">
-          <ac:chgData name="Long Nguyen" userId="f59fb8f3-a021-417a-8bc1-65c8d471c621" providerId="ADAL" clId="{F28BDA9A-BFEA-0A48-93A2-5F1590075D7B}" dt="2022-02-08T20:59:46.249" v="290" actId="14100"/>
-          <ac:cxnSpMkLst>
-            <pc:docMk/>
-            <pc:sldMk cId="3489750888" sldId="607"/>
-            <ac:cxnSpMk id="6" creationId="{CD375954-2625-3941-A804-760A2DF2B15E}"/>
-          </ac:cxnSpMkLst>
-        </pc:cxnChg>
-        <pc:cxnChg chg="mod">
-          <ac:chgData name="Long Nguyen" userId="f59fb8f3-a021-417a-8bc1-65c8d471c621" providerId="ADAL" clId="{F28BDA9A-BFEA-0A48-93A2-5F1590075D7B}" dt="2022-02-08T21:00:04.317" v="295" actId="14100"/>
-          <ac:cxnSpMkLst>
-            <pc:docMk/>
-            <pc:sldMk cId="3489750888" sldId="607"/>
-            <ac:cxnSpMk id="10" creationId="{1EDCEE4F-12DB-C440-A68D-9EF5BC29E8AE}"/>
-          </ac:cxnSpMkLst>
-        </pc:cxnChg>
       </pc:sldChg>
       <pc:sldChg chg="modSp mod">
         <pc:chgData name="Long Nguyen" userId="f59fb8f3-a021-417a-8bc1-65c8d471c621" providerId="ADAL" clId="{F28BDA9A-BFEA-0A48-93A2-5F1590075D7B}" dt="2022-02-08T20:44:44.402" v="1" actId="27636"/>
@@ -3719,14 +1992,6 @@
           <pc:docMk/>
           <pc:sldMk cId="1300860084" sldId="611"/>
         </pc:sldMkLst>
-        <pc:spChg chg="mod">
-          <ac:chgData name="Long Nguyen" userId="f59fb8f3-a021-417a-8bc1-65c8d471c621" providerId="ADAL" clId="{F28BDA9A-BFEA-0A48-93A2-5F1590075D7B}" dt="2022-02-08T20:44:44.402" v="1" actId="27636"/>
-          <ac:spMkLst>
-            <pc:docMk/>
-            <pc:sldMk cId="1300860084" sldId="611"/>
-            <ac:spMk id="16386" creationId="{B58E18ED-8D49-8844-A857-3DC2CAD817CB}"/>
-          </ac:spMkLst>
-        </pc:spChg>
       </pc:sldChg>
       <pc:sldChg chg="modSp mod">
         <pc:chgData name="Long Nguyen" userId="f59fb8f3-a021-417a-8bc1-65c8d471c621" providerId="ADAL" clId="{F28BDA9A-BFEA-0A48-93A2-5F1590075D7B}" dt="2022-02-09T01:06:09.096" v="344" actId="20577"/>
@@ -3734,14 +1999,6 @@
           <pc:docMk/>
           <pc:sldMk cId="1482758976" sldId="614"/>
         </pc:sldMkLst>
-        <pc:spChg chg="mod">
-          <ac:chgData name="Long Nguyen" userId="f59fb8f3-a021-417a-8bc1-65c8d471c621" providerId="ADAL" clId="{F28BDA9A-BFEA-0A48-93A2-5F1590075D7B}" dt="2022-02-09T01:06:09.096" v="344" actId="20577"/>
-          <ac:spMkLst>
-            <pc:docMk/>
-            <pc:sldMk cId="1482758976" sldId="614"/>
-            <ac:spMk id="38913" creationId="{01ABAB85-1B1D-E842-8BF4-B8AF13377E9C}"/>
-          </ac:spMkLst>
-        </pc:spChg>
       </pc:sldChg>
       <pc:sldChg chg="modSp mod">
         <pc:chgData name="Long Nguyen" userId="f59fb8f3-a021-417a-8bc1-65c8d471c621" providerId="ADAL" clId="{F28BDA9A-BFEA-0A48-93A2-5F1590075D7B}" dt="2022-02-08T21:01:54.641" v="320" actId="207"/>
@@ -3749,14 +2006,6 @@
           <pc:docMk/>
           <pc:sldMk cId="3448653526" sldId="617"/>
         </pc:sldMkLst>
-        <pc:spChg chg="mod">
-          <ac:chgData name="Long Nguyen" userId="f59fb8f3-a021-417a-8bc1-65c8d471c621" providerId="ADAL" clId="{F28BDA9A-BFEA-0A48-93A2-5F1590075D7B}" dt="2022-02-08T21:01:54.641" v="320" actId="207"/>
-          <ac:spMkLst>
-            <pc:docMk/>
-            <pc:sldMk cId="3448653526" sldId="617"/>
-            <ac:spMk id="38913" creationId="{01ABAB85-1B1D-E842-8BF4-B8AF13377E9C}"/>
-          </ac:spMkLst>
-        </pc:spChg>
       </pc:sldChg>
       <pc:sldChg chg="add del">
         <pc:chgData name="Long Nguyen" userId="f59fb8f3-a021-417a-8bc1-65c8d471c621" providerId="ADAL" clId="{F28BDA9A-BFEA-0A48-93A2-5F1590075D7B}" dt="2022-02-08T21:01:28.851" v="307" actId="2696"/>
@@ -3778,22 +2027,6 @@
           <pc:docMk/>
           <pc:sldMk cId="839999011" sldId="634"/>
         </pc:sldMkLst>
-        <pc:spChg chg="mod">
-          <ac:chgData name="Long Nguyen" userId="f59fb8f3-a021-417a-8bc1-65c8d471c621" providerId="ADAL" clId="{F28BDA9A-BFEA-0A48-93A2-5F1590075D7B}" dt="2022-02-08T20:55:32.589" v="143" actId="20577"/>
-          <ac:spMkLst>
-            <pc:docMk/>
-            <pc:sldMk cId="839999011" sldId="634"/>
-            <ac:spMk id="16386" creationId="{B58E18ED-8D49-8844-A857-3DC2CAD817CB}"/>
-          </ac:spMkLst>
-        </pc:spChg>
-        <pc:spChg chg="mod">
-          <ac:chgData name="Long Nguyen" userId="f59fb8f3-a021-417a-8bc1-65c8d471c621" providerId="ADAL" clId="{F28BDA9A-BFEA-0A48-93A2-5F1590075D7B}" dt="2022-02-08T20:54:17.900" v="72" actId="20577"/>
-          <ac:spMkLst>
-            <pc:docMk/>
-            <pc:sldMk cId="839999011" sldId="634"/>
-            <ac:spMk id="38913" creationId="{01ABAB85-1B1D-E842-8BF4-B8AF13377E9C}"/>
-          </ac:spMkLst>
-        </pc:spChg>
       </pc:sldChg>
     </pc:docChg>
   </pc:docChgLst>
@@ -3810,14 +2043,6 @@
           <pc:docMk/>
           <pc:sldMk cId="4247104139" sldId="256"/>
         </pc:sldMkLst>
-        <pc:spChg chg="mod">
-          <ac:chgData name="Long B Nguyen" userId="f59fb8f3-a021-417a-8bc1-65c8d471c621" providerId="ADAL" clId="{AA9102B5-DACA-D841-B260-AEEBF90FC60A}" dt="2020-01-05T22:05:23.536" v="23" actId="20577"/>
-          <ac:spMkLst>
-            <pc:docMk/>
-            <pc:sldMk cId="4247104139" sldId="256"/>
-            <ac:spMk id="3" creationId="{1BDC47C8-6776-7B44-9CD4-95FC91452D62}"/>
-          </ac:spMkLst>
-        </pc:spChg>
       </pc:sldChg>
       <pc:sldChg chg="del">
         <pc:chgData name="Long B Nguyen" userId="f59fb8f3-a021-417a-8bc1-65c8d471c621" providerId="ADAL" clId="{AA9102B5-DACA-D841-B260-AEEBF90FC60A}" dt="2020-01-05T22:05:52.483" v="41" actId="2696"/>
@@ -3951,14 +2176,6 @@
           <pc:docMk/>
           <pc:sldMk cId="1452600724" sldId="316"/>
         </pc:sldMkLst>
-        <pc:spChg chg="mod">
-          <ac:chgData name="Long B Nguyen" userId="f59fb8f3-a021-417a-8bc1-65c8d471c621" providerId="ADAL" clId="{AA9102B5-DACA-D841-B260-AEEBF90FC60A}" dt="2020-01-06T15:37:30.346" v="948" actId="20577"/>
-          <ac:spMkLst>
-            <pc:docMk/>
-            <pc:sldMk cId="1452600724" sldId="316"/>
-            <ac:spMk id="9" creationId="{E3B2E017-30B2-884B-A113-B419A2ED51AD}"/>
-          </ac:spMkLst>
-        </pc:spChg>
       </pc:sldChg>
       <pc:sldChg chg="del">
         <pc:chgData name="Long B Nguyen" userId="f59fb8f3-a021-417a-8bc1-65c8d471c621" providerId="ADAL" clId="{AA9102B5-DACA-D841-B260-AEEBF90FC60A}" dt="2020-01-06T15:03:11.354" v="848" actId="2696"/>
@@ -3980,14 +2197,6 @@
           <pc:docMk/>
           <pc:sldMk cId="924617162" sldId="319"/>
         </pc:sldMkLst>
-        <pc:spChg chg="mod">
-          <ac:chgData name="Long B Nguyen" userId="f59fb8f3-a021-417a-8bc1-65c8d471c621" providerId="ADAL" clId="{AA9102B5-DACA-D841-B260-AEEBF90FC60A}" dt="2020-01-06T01:48:03.413" v="110" actId="20577"/>
-          <ac:spMkLst>
-            <pc:docMk/>
-            <pc:sldMk cId="924617162" sldId="319"/>
-            <ac:spMk id="9" creationId="{E3B2E017-30B2-884B-A113-B419A2ED51AD}"/>
-          </ac:spMkLst>
-        </pc:spChg>
       </pc:sldChg>
       <pc:sldChg chg="modSp">
         <pc:chgData name="Long B Nguyen" userId="f59fb8f3-a021-417a-8bc1-65c8d471c621" providerId="ADAL" clId="{AA9102B5-DACA-D841-B260-AEEBF90FC60A}" dt="2020-01-06T01:56:11.549" v="712" actId="1076"/>
@@ -3995,14 +2204,6 @@
           <pc:docMk/>
           <pc:sldMk cId="1310010799" sldId="324"/>
         </pc:sldMkLst>
-        <pc:spChg chg="mod">
-          <ac:chgData name="Long B Nguyen" userId="f59fb8f3-a021-417a-8bc1-65c8d471c621" providerId="ADAL" clId="{AA9102B5-DACA-D841-B260-AEEBF90FC60A}" dt="2020-01-06T01:56:11.549" v="712" actId="1076"/>
-          <ac:spMkLst>
-            <pc:docMk/>
-            <pc:sldMk cId="1310010799" sldId="324"/>
-            <ac:spMk id="9" creationId="{E3B2E017-30B2-884B-A113-B419A2ED51AD}"/>
-          </ac:spMkLst>
-        </pc:spChg>
       </pc:sldChg>
       <pc:sldChg chg="modSp">
         <pc:chgData name="Long B Nguyen" userId="f59fb8f3-a021-417a-8bc1-65c8d471c621" providerId="ADAL" clId="{AA9102B5-DACA-D841-B260-AEEBF90FC60A}" dt="2020-01-06T15:35:11.658" v="853" actId="20577"/>
@@ -4010,22 +2211,6 @@
           <pc:docMk/>
           <pc:sldMk cId="3314372952" sldId="325"/>
         </pc:sldMkLst>
-        <pc:spChg chg="mod">
-          <ac:chgData name="Long B Nguyen" userId="f59fb8f3-a021-417a-8bc1-65c8d471c621" providerId="ADAL" clId="{AA9102B5-DACA-D841-B260-AEEBF90FC60A}" dt="2020-01-06T15:35:11.658" v="853" actId="20577"/>
-          <ac:spMkLst>
-            <pc:docMk/>
-            <pc:sldMk cId="3314372952" sldId="325"/>
-            <ac:spMk id="2" creationId="{AA3A228F-61D0-D949-A5E7-F83756230BF8}"/>
-          </ac:spMkLst>
-        </pc:spChg>
-        <pc:spChg chg="mod">
-          <ac:chgData name="Long B Nguyen" userId="f59fb8f3-a021-417a-8bc1-65c8d471c621" providerId="ADAL" clId="{AA9102B5-DACA-D841-B260-AEEBF90FC60A}" dt="2020-01-06T15:02:45.351" v="846" actId="20577"/>
-          <ac:spMkLst>
-            <pc:docMk/>
-            <pc:sldMk cId="3314372952" sldId="325"/>
-            <ac:spMk id="9" creationId="{E3B2E017-30B2-884B-A113-B419A2ED51AD}"/>
-          </ac:spMkLst>
-        </pc:spChg>
       </pc:sldChg>
       <pc:sldChg chg="del">
         <pc:chgData name="Long B Nguyen" userId="f59fb8f3-a021-417a-8bc1-65c8d471c621" providerId="ADAL" clId="{AA9102B5-DACA-D841-B260-AEEBF90FC60A}" dt="2020-01-06T15:03:07.580" v="847" actId="2696"/>
@@ -4047,14 +2232,6 @@
           <pc:docMk/>
           <pc:sldMk cId="1724104636" sldId="327"/>
         </pc:sldMkLst>
-        <pc:spChg chg="mod">
-          <ac:chgData name="Long B Nguyen" userId="f59fb8f3-a021-417a-8bc1-65c8d471c621" providerId="ADAL" clId="{AA9102B5-DACA-D841-B260-AEEBF90FC60A}" dt="2020-01-06T15:00:48.763" v="818" actId="113"/>
-          <ac:spMkLst>
-            <pc:docMk/>
-            <pc:sldMk cId="1724104636" sldId="327"/>
-            <ac:spMk id="9" creationId="{E3B2E017-30B2-884B-A113-B419A2ED51AD}"/>
-          </ac:spMkLst>
-        </pc:spChg>
       </pc:sldChg>
       <pc:sldChg chg="modSp">
         <pc:chgData name="Long B Nguyen" userId="f59fb8f3-a021-417a-8bc1-65c8d471c621" providerId="ADAL" clId="{AA9102B5-DACA-D841-B260-AEEBF90FC60A}" dt="2020-01-06T01:55:34.369" v="708" actId="20577"/>
@@ -4062,14 +2239,6 @@
           <pc:docMk/>
           <pc:sldMk cId="4294143140" sldId="329"/>
         </pc:sldMkLst>
-        <pc:spChg chg="mod">
-          <ac:chgData name="Long B Nguyen" userId="f59fb8f3-a021-417a-8bc1-65c8d471c621" providerId="ADAL" clId="{AA9102B5-DACA-D841-B260-AEEBF90FC60A}" dt="2020-01-06T01:55:34.369" v="708" actId="20577"/>
-          <ac:spMkLst>
-            <pc:docMk/>
-            <pc:sldMk cId="4294143140" sldId="329"/>
-            <ac:spMk id="9" creationId="{E3B2E017-30B2-884B-A113-B419A2ED51AD}"/>
-          </ac:spMkLst>
-        </pc:spChg>
       </pc:sldChg>
       <pc:sldChg chg="modSp add">
         <pc:chgData name="Long B Nguyen" userId="f59fb8f3-a021-417a-8bc1-65c8d471c621" providerId="ADAL" clId="{AA9102B5-DACA-D841-B260-AEEBF90FC60A}" dt="2020-01-06T15:01:01.638" v="819" actId="2711"/>
@@ -4077,14 +2246,6 @@
           <pc:docMk/>
           <pc:sldMk cId="3594730708" sldId="330"/>
         </pc:sldMkLst>
-        <pc:spChg chg="mod">
-          <ac:chgData name="Long B Nguyen" userId="f59fb8f3-a021-417a-8bc1-65c8d471c621" providerId="ADAL" clId="{AA9102B5-DACA-D841-B260-AEEBF90FC60A}" dt="2020-01-06T15:01:01.638" v="819" actId="2711"/>
-          <ac:spMkLst>
-            <pc:docMk/>
-            <pc:sldMk cId="3594730708" sldId="330"/>
-            <ac:spMk id="9" creationId="{E3B2E017-30B2-884B-A113-B419A2ED51AD}"/>
-          </ac:spMkLst>
-        </pc:spChg>
       </pc:sldChg>
       <pc:sldChg chg="modSp add">
         <pc:chgData name="Long B Nguyen" userId="f59fb8f3-a021-417a-8bc1-65c8d471c621" providerId="ADAL" clId="{AA9102B5-DACA-D841-B260-AEEBF90FC60A}" dt="2020-01-06T02:00:17.493" v="815" actId="255"/>
@@ -4092,14 +2253,6 @@
           <pc:docMk/>
           <pc:sldMk cId="3870816631" sldId="331"/>
         </pc:sldMkLst>
-        <pc:spChg chg="mod">
-          <ac:chgData name="Long B Nguyen" userId="f59fb8f3-a021-417a-8bc1-65c8d471c621" providerId="ADAL" clId="{AA9102B5-DACA-D841-B260-AEEBF90FC60A}" dt="2020-01-06T02:00:17.493" v="815" actId="255"/>
-          <ac:spMkLst>
-            <pc:docMk/>
-            <pc:sldMk cId="3870816631" sldId="331"/>
-            <ac:spMk id="9" creationId="{E3B2E017-30B2-884B-A113-B419A2ED51AD}"/>
-          </ac:spMkLst>
-        </pc:spChg>
       </pc:sldChg>
       <pc:sldChg chg="modSp add">
         <pc:chgData name="Long B Nguyen" userId="f59fb8f3-a021-417a-8bc1-65c8d471c621" providerId="ADAL" clId="{AA9102B5-DACA-D841-B260-AEEBF90FC60A}" dt="2020-01-06T17:07:10.515" v="1519" actId="2711"/>
@@ -4107,22 +2260,6 @@
           <pc:docMk/>
           <pc:sldMk cId="3124353102" sldId="332"/>
         </pc:sldMkLst>
-        <pc:spChg chg="mod">
-          <ac:chgData name="Long B Nguyen" userId="f59fb8f3-a021-417a-8bc1-65c8d471c621" providerId="ADAL" clId="{AA9102B5-DACA-D841-B260-AEEBF90FC60A}" dt="2020-01-06T17:03:36.721" v="1332" actId="20577"/>
-          <ac:spMkLst>
-            <pc:docMk/>
-            <pc:sldMk cId="3124353102" sldId="332"/>
-            <ac:spMk id="2" creationId="{AA3A228F-61D0-D949-A5E7-F83756230BF8}"/>
-          </ac:spMkLst>
-        </pc:spChg>
-        <pc:spChg chg="mod">
-          <ac:chgData name="Long B Nguyen" userId="f59fb8f3-a021-417a-8bc1-65c8d471c621" providerId="ADAL" clId="{AA9102B5-DACA-D841-B260-AEEBF90FC60A}" dt="2020-01-06T17:07:10.515" v="1519" actId="2711"/>
-          <ac:spMkLst>
-            <pc:docMk/>
-            <pc:sldMk cId="3124353102" sldId="332"/>
-            <ac:spMk id="9" creationId="{E3B2E017-30B2-884B-A113-B419A2ED51AD}"/>
-          </ac:spMkLst>
-        </pc:spChg>
       </pc:sldChg>
     </pc:docChg>
   </pc:docChgLst>
@@ -4139,14 +2276,6 @@
           <pc:docMk/>
           <pc:sldMk cId="4247104139" sldId="256"/>
         </pc:sldMkLst>
-        <pc:spChg chg="mod">
-          <ac:chgData name="Long B Nguyen" userId="f59fb8f3-a021-417a-8bc1-65c8d471c621" providerId="ADAL" clId="{B5860C40-AA08-4447-A918-2D2782E0FC0B}" dt="2019-09-16T13:58:36.640" v="18" actId="20577"/>
-          <ac:spMkLst>
-            <pc:docMk/>
-            <pc:sldMk cId="4247104139" sldId="256"/>
-            <ac:spMk id="3" creationId="{1BDC47C8-6776-7B44-9CD4-95FC91452D62}"/>
-          </ac:spMkLst>
-        </pc:spChg>
       </pc:sldChg>
     </pc:docChg>
   </pc:docChgLst>
@@ -4235,7 +2364,7 @@
           <a:p>
             <a:fld id="{11759725-BFEE-644C-A872-B7D4268C5620}" type="datetimeFigureOut">
               <a:rPr lang="en-US" smtClean="0"/>
-              <a:t>2/28/23</a:t>
+              <a:t>11/23/24</a:t>
             </a:fld>
             <a:endParaRPr lang="en-US"/>
           </a:p>
@@ -4809,10 +2938,10 @@
       </p:grpSpPr>
       <p:sp>
         <p:nvSpPr>
-          <p:cNvPr id="39937" name="Rectangle 7">
+          <p:cNvPr id="37889" name="Rectangle 7">
             <a:extLst>
               <a:ext uri="{FF2B5EF4-FFF2-40B4-BE49-F238E27FC236}">
-                <a16:creationId xmlns:a16="http://schemas.microsoft.com/office/drawing/2014/main" id="{7264E55D-2FAC-504E-8F76-AF69BC0338DF}"/>
+                <a16:creationId xmlns:a16="http://schemas.microsoft.com/office/drawing/2014/main" id="{0B0900A4-EBDD-884D-BBCE-182364D35415}"/>
               </a:ext>
             </a:extLst>
           </p:cNvPr>
@@ -4955,7 +3084,7 @@
             </a:lvl9pPr>
           </a:lstStyle>
           <a:p>
-            <a:fld id="{281680EB-C86D-2347-AE16-D730A41D6A9A}" type="slidenum">
+            <a:fld id="{902D3D98-C5C7-2248-8B26-216E519D6D32}" type="slidenum">
               <a:rPr lang="en-US" altLang="en-US" smtClean="0"/>
               <a:pPr/>
               <a:t>12</a:t>
@@ -4966,10 +3095,10 @@
       </p:sp>
       <p:sp>
         <p:nvSpPr>
-          <p:cNvPr id="39938" name="Rectangle 2">
+          <p:cNvPr id="37890" name="Rectangle 2">
             <a:extLst>
               <a:ext uri="{FF2B5EF4-FFF2-40B4-BE49-F238E27FC236}">
-                <a16:creationId xmlns:a16="http://schemas.microsoft.com/office/drawing/2014/main" id="{65402874-F9B7-4D4A-9A88-499672169530}"/>
+                <a16:creationId xmlns:a16="http://schemas.microsoft.com/office/drawing/2014/main" id="{953AA851-64E7-704E-A45B-46EC3FD42F4E}"/>
               </a:ext>
             </a:extLst>
           </p:cNvPr>
@@ -5007,10 +3136,10 @@
       </p:sp>
       <p:sp>
         <p:nvSpPr>
-          <p:cNvPr id="39939" name="Rectangle 3">
+          <p:cNvPr id="37891" name="Rectangle 3">
             <a:extLst>
               <a:ext uri="{FF2B5EF4-FFF2-40B4-BE49-F238E27FC236}">
-                <a16:creationId xmlns:a16="http://schemas.microsoft.com/office/drawing/2014/main" id="{04232413-FB05-4844-B594-DAF3406D2463}"/>
+                <a16:creationId xmlns:a16="http://schemas.microsoft.com/office/drawing/2014/main" id="{1B588807-2342-3A45-8D0D-80FCCE5EA9AE}"/>
               </a:ext>
             </a:extLst>
           </p:cNvPr>
@@ -5068,7 +3197,7 @@
     </p:spTree>
     <p:extLst>
       <p:ext uri="{BB962C8B-B14F-4D97-AF65-F5344CB8AC3E}">
-        <p14:creationId xmlns:p14="http://schemas.microsoft.com/office/powerpoint/2010/main" val="2943432754"/>
+        <p14:creationId xmlns:p14="http://schemas.microsoft.com/office/powerpoint/2010/main" val="1754129586"/>
       </p:ext>
     </p:extLst>
   </p:cSld>
@@ -5356,7 +3485,7 @@
     </p:spTree>
     <p:extLst>
       <p:ext uri="{BB962C8B-B14F-4D97-AF65-F5344CB8AC3E}">
-        <p14:creationId xmlns:p14="http://schemas.microsoft.com/office/powerpoint/2010/main" val="3173632158"/>
+        <p14:creationId xmlns:p14="http://schemas.microsoft.com/office/powerpoint/2010/main" val="2943432754"/>
       </p:ext>
     </p:extLst>
   </p:cSld>
@@ -5644,7 +3773,7 @@
     </p:spTree>
     <p:extLst>
       <p:ext uri="{BB962C8B-B14F-4D97-AF65-F5344CB8AC3E}">
-        <p14:creationId xmlns:p14="http://schemas.microsoft.com/office/powerpoint/2010/main" val="1571164298"/>
+        <p14:creationId xmlns:p14="http://schemas.microsoft.com/office/powerpoint/2010/main" val="3173632158"/>
       </p:ext>
     </p:extLst>
   </p:cSld>
@@ -5932,7 +4061,7 @@
     </p:spTree>
     <p:extLst>
       <p:ext uri="{BB962C8B-B14F-4D97-AF65-F5344CB8AC3E}">
-        <p14:creationId xmlns:p14="http://schemas.microsoft.com/office/powerpoint/2010/main" val="1610883897"/>
+        <p14:creationId xmlns:p14="http://schemas.microsoft.com/office/powerpoint/2010/main" val="1571164298"/>
       </p:ext>
     </p:extLst>
   </p:cSld>
@@ -6220,7 +4349,7 @@
     </p:spTree>
     <p:extLst>
       <p:ext uri="{BB962C8B-B14F-4D97-AF65-F5344CB8AC3E}">
-        <p14:creationId xmlns:p14="http://schemas.microsoft.com/office/powerpoint/2010/main" val="3516080195"/>
+        <p14:creationId xmlns:p14="http://schemas.microsoft.com/office/powerpoint/2010/main" val="1610883897"/>
       </p:ext>
     </p:extLst>
   </p:cSld>
@@ -6508,7 +4637,7 @@
     </p:spTree>
     <p:extLst>
       <p:ext uri="{BB962C8B-B14F-4D97-AF65-F5344CB8AC3E}">
-        <p14:creationId xmlns:p14="http://schemas.microsoft.com/office/powerpoint/2010/main" val="1761766495"/>
+        <p14:creationId xmlns:p14="http://schemas.microsoft.com/office/powerpoint/2010/main" val="3516080195"/>
       </p:ext>
     </p:extLst>
   </p:cSld>
@@ -6796,7 +4925,7 @@
     </p:spTree>
     <p:extLst>
       <p:ext uri="{BB962C8B-B14F-4D97-AF65-F5344CB8AC3E}">
-        <p14:creationId xmlns:p14="http://schemas.microsoft.com/office/powerpoint/2010/main" val="2571734966"/>
+        <p14:creationId xmlns:p14="http://schemas.microsoft.com/office/powerpoint/2010/main" val="1761766495"/>
       </p:ext>
     </p:extLst>
   </p:cSld>
@@ -7084,7 +5213,7 @@
     </p:spTree>
     <p:extLst>
       <p:ext uri="{BB962C8B-B14F-4D97-AF65-F5344CB8AC3E}">
-        <p14:creationId xmlns:p14="http://schemas.microsoft.com/office/powerpoint/2010/main" val="3928802073"/>
+        <p14:creationId xmlns:p14="http://schemas.microsoft.com/office/powerpoint/2010/main" val="2571734966"/>
       </p:ext>
     </p:extLst>
   </p:cSld>
@@ -7372,7 +5501,7 @@
     </p:spTree>
     <p:extLst>
       <p:ext uri="{BB962C8B-B14F-4D97-AF65-F5344CB8AC3E}">
-        <p14:creationId xmlns:p14="http://schemas.microsoft.com/office/powerpoint/2010/main" val="2072700165"/>
+        <p14:creationId xmlns:p14="http://schemas.microsoft.com/office/powerpoint/2010/main" val="3928802073"/>
       </p:ext>
     </p:extLst>
   </p:cSld>
@@ -7660,7 +5789,7 @@
     </p:spTree>
     <p:extLst>
       <p:ext uri="{BB962C8B-B14F-4D97-AF65-F5344CB8AC3E}">
-        <p14:creationId xmlns:p14="http://schemas.microsoft.com/office/powerpoint/2010/main" val="2287200126"/>
+        <p14:creationId xmlns:p14="http://schemas.microsoft.com/office/powerpoint/2010/main" val="2072700165"/>
       </p:ext>
     </p:extLst>
   </p:cSld>
@@ -7675,7 +5804,13 @@
   <p:cSld>
     <p:spTree>
       <p:nvGrpSpPr>
-        <p:cNvPr id="1" name=""/>
+        <p:cNvPr id="1" name="">
+          <a:extLst>
+            <a:ext uri="{FF2B5EF4-FFF2-40B4-BE49-F238E27FC236}">
+              <a16:creationId xmlns:a16="http://schemas.microsoft.com/office/drawing/2014/main" id="{3D7009B3-083A-732E-4FF8-BF0ED75C2AD4}"/>
+            </a:ext>
+          </a:extLst>
+        </p:cNvPr>
         <p:cNvGrpSpPr/>
         <p:nvPr/>
       </p:nvGrpSpPr>
@@ -7692,7 +5827,7 @@
           <p:cNvPr id="23553" name="Rectangle 7">
             <a:extLst>
               <a:ext uri="{FF2B5EF4-FFF2-40B4-BE49-F238E27FC236}">
-                <a16:creationId xmlns:a16="http://schemas.microsoft.com/office/drawing/2014/main" id="{8E3A1009-731F-C64E-AD8E-D1DB73ACC09F}"/>
+                <a16:creationId xmlns:a16="http://schemas.microsoft.com/office/drawing/2014/main" id="{61E570DF-15C9-CB2C-38D2-735DE38A08F1}"/>
               </a:ext>
             </a:extLst>
           </p:cNvPr>
@@ -7849,7 +5984,7 @@
           <p:cNvPr id="23554" name="Rectangle 2">
             <a:extLst>
               <a:ext uri="{FF2B5EF4-FFF2-40B4-BE49-F238E27FC236}">
-                <a16:creationId xmlns:a16="http://schemas.microsoft.com/office/drawing/2014/main" id="{75DAFCEC-735E-3C4C-9766-B03B39AF9033}"/>
+                <a16:creationId xmlns:a16="http://schemas.microsoft.com/office/drawing/2014/main" id="{A5A1C9AF-E756-8872-59F3-EEAB90FD23C7}"/>
               </a:ext>
             </a:extLst>
           </p:cNvPr>
@@ -7890,7 +6025,7 @@
           <p:cNvPr id="23555" name="Rectangle 3">
             <a:extLst>
               <a:ext uri="{FF2B5EF4-FFF2-40B4-BE49-F238E27FC236}">
-                <a16:creationId xmlns:a16="http://schemas.microsoft.com/office/drawing/2014/main" id="{16AF218D-0C4A-AB42-ACEA-759FBC9D1F00}"/>
+                <a16:creationId xmlns:a16="http://schemas.microsoft.com/office/drawing/2014/main" id="{574FAFF7-D849-59BB-9184-4C31ECBB26C0}"/>
               </a:ext>
             </a:extLst>
           </p:cNvPr>
@@ -7948,7 +6083,7 @@
     </p:spTree>
     <p:extLst>
       <p:ext uri="{BB962C8B-B14F-4D97-AF65-F5344CB8AC3E}">
-        <p14:creationId xmlns:p14="http://schemas.microsoft.com/office/powerpoint/2010/main" val="938725254"/>
+        <p14:creationId xmlns:p14="http://schemas.microsoft.com/office/powerpoint/2010/main" val="3671925342"/>
       </p:ext>
     </p:extLst>
   </p:cSld>
@@ -8236,7 +6371,7 @@
     </p:spTree>
     <p:extLst>
       <p:ext uri="{BB962C8B-B14F-4D97-AF65-F5344CB8AC3E}">
-        <p14:creationId xmlns:p14="http://schemas.microsoft.com/office/powerpoint/2010/main" val="3384761286"/>
+        <p14:creationId xmlns:p14="http://schemas.microsoft.com/office/powerpoint/2010/main" val="2287200126"/>
       </p:ext>
     </p:extLst>
   </p:cSld>
@@ -8524,7 +6659,7 @@
     </p:spTree>
     <p:extLst>
       <p:ext uri="{BB962C8B-B14F-4D97-AF65-F5344CB8AC3E}">
-        <p14:creationId xmlns:p14="http://schemas.microsoft.com/office/powerpoint/2010/main" val="350413058"/>
+        <p14:creationId xmlns:p14="http://schemas.microsoft.com/office/powerpoint/2010/main" val="3384761286"/>
       </p:ext>
     </p:extLst>
   </p:cSld>
@@ -8812,7 +6947,7 @@
     </p:spTree>
     <p:extLst>
       <p:ext uri="{BB962C8B-B14F-4D97-AF65-F5344CB8AC3E}">
-        <p14:creationId xmlns:p14="http://schemas.microsoft.com/office/powerpoint/2010/main" val="1382671311"/>
+        <p14:creationId xmlns:p14="http://schemas.microsoft.com/office/powerpoint/2010/main" val="350413058"/>
       </p:ext>
     </p:extLst>
   </p:cSld>
@@ -9100,7 +7235,7 @@
     </p:spTree>
     <p:extLst>
       <p:ext uri="{BB962C8B-B14F-4D97-AF65-F5344CB8AC3E}">
-        <p14:creationId xmlns:p14="http://schemas.microsoft.com/office/powerpoint/2010/main" val="3253277988"/>
+        <p14:creationId xmlns:p14="http://schemas.microsoft.com/office/powerpoint/2010/main" val="1382671311"/>
       </p:ext>
     </p:extLst>
   </p:cSld>
@@ -9388,7 +7523,7 @@
     </p:spTree>
     <p:extLst>
       <p:ext uri="{BB962C8B-B14F-4D97-AF65-F5344CB8AC3E}">
-        <p14:creationId xmlns:p14="http://schemas.microsoft.com/office/powerpoint/2010/main" val="665128334"/>
+        <p14:creationId xmlns:p14="http://schemas.microsoft.com/office/powerpoint/2010/main" val="3253277988"/>
       </p:ext>
     </p:extLst>
   </p:cSld>
@@ -9676,7 +7811,7 @@
     </p:spTree>
     <p:extLst>
       <p:ext uri="{BB962C8B-B14F-4D97-AF65-F5344CB8AC3E}">
-        <p14:creationId xmlns:p14="http://schemas.microsoft.com/office/powerpoint/2010/main" val="1767850650"/>
+        <p14:creationId xmlns:p14="http://schemas.microsoft.com/office/powerpoint/2010/main" val="665128334"/>
       </p:ext>
     </p:extLst>
   </p:cSld>
@@ -9964,6 +8099,294 @@
     </p:spTree>
     <p:extLst>
       <p:ext uri="{BB962C8B-B14F-4D97-AF65-F5344CB8AC3E}">
+        <p14:creationId xmlns:p14="http://schemas.microsoft.com/office/powerpoint/2010/main" val="1767850650"/>
+      </p:ext>
+    </p:extLst>
+  </p:cSld>
+  <p:clrMapOvr>
+    <a:masterClrMapping/>
+  </p:clrMapOvr>
+</p:notes>
+</file>
+
+<file path=ppt/notesSlides/notesSlide27.xml><?xml version="1.0" encoding="utf-8"?>
+<p:notes xmlns:a="http://schemas.openxmlformats.org/drawingml/2006/main" xmlns:r="http://schemas.openxmlformats.org/officeDocument/2006/relationships" xmlns:p="http://schemas.openxmlformats.org/presentationml/2006/main">
+  <p:cSld>
+    <p:spTree>
+      <p:nvGrpSpPr>
+        <p:cNvPr id="1" name=""/>
+        <p:cNvGrpSpPr/>
+        <p:nvPr/>
+      </p:nvGrpSpPr>
+      <p:grpSpPr>
+        <a:xfrm>
+          <a:off x="0" y="0"/>
+          <a:ext cx="0" cy="0"/>
+          <a:chOff x="0" y="0"/>
+          <a:chExt cx="0" cy="0"/>
+        </a:xfrm>
+      </p:grpSpPr>
+      <p:sp>
+        <p:nvSpPr>
+          <p:cNvPr id="39937" name="Rectangle 7">
+            <a:extLst>
+              <a:ext uri="{FF2B5EF4-FFF2-40B4-BE49-F238E27FC236}">
+                <a16:creationId xmlns:a16="http://schemas.microsoft.com/office/drawing/2014/main" id="{7264E55D-2FAC-504E-8F76-AF69BC0338DF}"/>
+              </a:ext>
+            </a:extLst>
+          </p:cNvPr>
+          <p:cNvSpPr>
+            <a:spLocks noGrp="1" noChangeArrowheads="1"/>
+          </p:cNvSpPr>
+          <p:nvPr>
+            <p:ph type="sldNum" sz="quarter" idx="5"/>
+          </p:nvPr>
+        </p:nvSpPr>
+        <p:spPr bwMode="auto">
+          <a:noFill/>
+          <a:extLst>
+            <a:ext uri="{909E8E84-426E-40DD-AFC4-6F175D3DCCD1}">
+              <a14:hiddenFill xmlns:a14="http://schemas.microsoft.com/office/drawing/2010/main">
+                <a:solidFill>
+                  <a:srgbClr val="FFFFFF"/>
+                </a:solidFill>
+              </a14:hiddenFill>
+            </a:ext>
+            <a:ext uri="{91240B29-F687-4F45-9708-019B960494DF}">
+              <a14:hiddenLine xmlns:a14="http://schemas.microsoft.com/office/drawing/2010/main" w="9525">
+                <a:solidFill>
+                  <a:srgbClr val="000000"/>
+                </a:solidFill>
+                <a:miter lim="800000"/>
+                <a:headEnd/>
+                <a:tailEnd/>
+              </a14:hiddenLine>
+            </a:ext>
+          </a:extLst>
+        </p:spPr>
+        <p:txBody>
+          <a:bodyPr/>
+          <a:lstStyle>
+            <a:lvl1pPr>
+              <a:defRPr>
+                <a:solidFill>
+                  <a:schemeClr val="tx1"/>
+                </a:solidFill>
+                <a:latin typeface="Arial" panose="020B0604020202020204" pitchFamily="34" charset="0"/>
+                <a:ea typeface="ＭＳ Ｐゴシック" panose="020B0600070205080204" pitchFamily="34" charset="-128"/>
+              </a:defRPr>
+            </a:lvl1pPr>
+            <a:lvl2pPr marL="742950" indent="-285750">
+              <a:defRPr>
+                <a:solidFill>
+                  <a:schemeClr val="tx1"/>
+                </a:solidFill>
+                <a:latin typeface="Arial" panose="020B0604020202020204" pitchFamily="34" charset="0"/>
+                <a:ea typeface="ＭＳ Ｐゴシック" panose="020B0600070205080204" pitchFamily="34" charset="-128"/>
+              </a:defRPr>
+            </a:lvl2pPr>
+            <a:lvl3pPr marL="1143000" indent="-228600">
+              <a:defRPr>
+                <a:solidFill>
+                  <a:schemeClr val="tx1"/>
+                </a:solidFill>
+                <a:latin typeface="Arial" panose="020B0604020202020204" pitchFamily="34" charset="0"/>
+                <a:ea typeface="ＭＳ Ｐゴシック" panose="020B0600070205080204" pitchFamily="34" charset="-128"/>
+              </a:defRPr>
+            </a:lvl3pPr>
+            <a:lvl4pPr marL="1600200" indent="-228600">
+              <a:defRPr>
+                <a:solidFill>
+                  <a:schemeClr val="tx1"/>
+                </a:solidFill>
+                <a:latin typeface="Arial" panose="020B0604020202020204" pitchFamily="34" charset="0"/>
+                <a:ea typeface="ＭＳ Ｐゴシック" panose="020B0600070205080204" pitchFamily="34" charset="-128"/>
+              </a:defRPr>
+            </a:lvl4pPr>
+            <a:lvl5pPr marL="2057400" indent="-228600">
+              <a:defRPr>
+                <a:solidFill>
+                  <a:schemeClr val="tx1"/>
+                </a:solidFill>
+                <a:latin typeface="Arial" panose="020B0604020202020204" pitchFamily="34" charset="0"/>
+                <a:ea typeface="ＭＳ Ｐゴシック" panose="020B0600070205080204" pitchFamily="34" charset="-128"/>
+              </a:defRPr>
+            </a:lvl5pPr>
+            <a:lvl6pPr marL="2514600" indent="-228600" eaLnBrk="0" fontAlgn="base" hangingPunct="0">
+              <a:spcBef>
+                <a:spcPct val="0"/>
+              </a:spcBef>
+              <a:spcAft>
+                <a:spcPct val="0"/>
+              </a:spcAft>
+              <a:defRPr>
+                <a:solidFill>
+                  <a:schemeClr val="tx1"/>
+                </a:solidFill>
+                <a:latin typeface="Arial" panose="020B0604020202020204" pitchFamily="34" charset="0"/>
+                <a:ea typeface="ＭＳ Ｐゴシック" panose="020B0600070205080204" pitchFamily="34" charset="-128"/>
+              </a:defRPr>
+            </a:lvl6pPr>
+            <a:lvl7pPr marL="2971800" indent="-228600" eaLnBrk="0" fontAlgn="base" hangingPunct="0">
+              <a:spcBef>
+                <a:spcPct val="0"/>
+              </a:spcBef>
+              <a:spcAft>
+                <a:spcPct val="0"/>
+              </a:spcAft>
+              <a:defRPr>
+                <a:solidFill>
+                  <a:schemeClr val="tx1"/>
+                </a:solidFill>
+                <a:latin typeface="Arial" panose="020B0604020202020204" pitchFamily="34" charset="0"/>
+                <a:ea typeface="ＭＳ Ｐゴシック" panose="020B0600070205080204" pitchFamily="34" charset="-128"/>
+              </a:defRPr>
+            </a:lvl7pPr>
+            <a:lvl8pPr marL="3429000" indent="-228600" eaLnBrk="0" fontAlgn="base" hangingPunct="0">
+              <a:spcBef>
+                <a:spcPct val="0"/>
+              </a:spcBef>
+              <a:spcAft>
+                <a:spcPct val="0"/>
+              </a:spcAft>
+              <a:defRPr>
+                <a:solidFill>
+                  <a:schemeClr val="tx1"/>
+                </a:solidFill>
+                <a:latin typeface="Arial" panose="020B0604020202020204" pitchFamily="34" charset="0"/>
+                <a:ea typeface="ＭＳ Ｐゴシック" panose="020B0600070205080204" pitchFamily="34" charset="-128"/>
+              </a:defRPr>
+            </a:lvl8pPr>
+            <a:lvl9pPr marL="3886200" indent="-228600" eaLnBrk="0" fontAlgn="base" hangingPunct="0">
+              <a:spcBef>
+                <a:spcPct val="0"/>
+              </a:spcBef>
+              <a:spcAft>
+                <a:spcPct val="0"/>
+              </a:spcAft>
+              <a:defRPr>
+                <a:solidFill>
+                  <a:schemeClr val="tx1"/>
+                </a:solidFill>
+                <a:latin typeface="Arial" panose="020B0604020202020204" pitchFamily="34" charset="0"/>
+                <a:ea typeface="ＭＳ Ｐゴシック" panose="020B0600070205080204" pitchFamily="34" charset="-128"/>
+              </a:defRPr>
+            </a:lvl9pPr>
+          </a:lstStyle>
+          <a:p>
+            <a:fld id="{281680EB-C86D-2347-AE16-D730A41D6A9A}" type="slidenum">
+              <a:rPr lang="en-US" altLang="en-US" smtClean="0"/>
+              <a:pPr/>
+              <a:t>29</a:t>
+            </a:fld>
+            <a:endParaRPr lang="en-US" altLang="en-US"/>
+          </a:p>
+        </p:txBody>
+      </p:sp>
+      <p:sp>
+        <p:nvSpPr>
+          <p:cNvPr id="39938" name="Rectangle 2">
+            <a:extLst>
+              <a:ext uri="{FF2B5EF4-FFF2-40B4-BE49-F238E27FC236}">
+                <a16:creationId xmlns:a16="http://schemas.microsoft.com/office/drawing/2014/main" id="{65402874-F9B7-4D4A-9A88-499672169530}"/>
+              </a:ext>
+            </a:extLst>
+          </p:cNvPr>
+          <p:cNvSpPr>
+            <a:spLocks noGrp="1" noRot="1" noChangeAspect="1" noChangeArrowheads="1" noTextEdit="1"/>
+          </p:cNvSpPr>
+          <p:nvPr>
+            <p:ph type="sldImg"/>
+          </p:nvPr>
+        </p:nvSpPr>
+        <p:spPr bwMode="auto">
+          <a:xfrm>
+            <a:off x="687388" y="685800"/>
+            <a:ext cx="5486400" cy="3429000"/>
+          </a:xfrm>
+          <a:noFill/>
+          <a:ln>
+            <a:solidFill>
+              <a:srgbClr val="000000"/>
+            </a:solidFill>
+            <a:miter lim="800000"/>
+            <a:headEnd/>
+            <a:tailEnd/>
+          </a:ln>
+          <a:extLst>
+            <a:ext uri="{909E8E84-426E-40DD-AFC4-6F175D3DCCD1}">
+              <a14:hiddenFill xmlns:a14="http://schemas.microsoft.com/office/drawing/2010/main">
+                <a:solidFill>
+                  <a:srgbClr val="FFFFFF"/>
+                </a:solidFill>
+              </a14:hiddenFill>
+            </a:ext>
+          </a:extLst>
+        </p:spPr>
+      </p:sp>
+      <p:sp>
+        <p:nvSpPr>
+          <p:cNvPr id="39939" name="Rectangle 3">
+            <a:extLst>
+              <a:ext uri="{FF2B5EF4-FFF2-40B4-BE49-F238E27FC236}">
+                <a16:creationId xmlns:a16="http://schemas.microsoft.com/office/drawing/2014/main" id="{04232413-FB05-4844-B594-DAF3406D2463}"/>
+              </a:ext>
+            </a:extLst>
+          </p:cNvPr>
+          <p:cNvSpPr>
+            <a:spLocks noGrp="1" noChangeArrowheads="1"/>
+          </p:cNvSpPr>
+          <p:nvPr>
+            <p:ph type="body" idx="1"/>
+          </p:nvPr>
+        </p:nvSpPr>
+        <p:spPr bwMode="auto">
+          <a:xfrm>
+            <a:off x="914400" y="4343400"/>
+            <a:ext cx="5029200" cy="4114800"/>
+          </a:xfrm>
+          <a:noFill/>
+          <a:extLst>
+            <a:ext uri="{909E8E84-426E-40DD-AFC4-6F175D3DCCD1}">
+              <a14:hiddenFill xmlns:a14="http://schemas.microsoft.com/office/drawing/2010/main">
+                <a:solidFill>
+                  <a:srgbClr val="FFFFFF"/>
+                </a:solidFill>
+              </a14:hiddenFill>
+            </a:ext>
+            <a:ext uri="{91240B29-F687-4F45-9708-019B960494DF}">
+              <a14:hiddenLine xmlns:a14="http://schemas.microsoft.com/office/drawing/2010/main" w="9525">
+                <a:solidFill>
+                  <a:srgbClr val="000000"/>
+                </a:solidFill>
+                <a:miter lim="800000"/>
+                <a:headEnd/>
+                <a:tailEnd/>
+              </a14:hiddenLine>
+            </a:ext>
+          </a:extLst>
+        </p:spPr>
+        <p:txBody>
+          <a:bodyPr wrap="square" numCol="1" anchor="t" anchorCtr="0" compatLnSpc="1">
+            <a:prstTxWarp prst="textNoShape">
+              <a:avLst/>
+            </a:prstTxWarp>
+          </a:bodyPr>
+          <a:lstStyle/>
+          <a:p>
+            <a:pPr eaLnBrk="1" hangingPunct="1"/>
+            <a:r>
+              <a:rPr lang="en-US" altLang="en-US">
+                <a:ea typeface="ＭＳ Ｐゴシック" panose="020B0600070205080204" pitchFamily="34" charset="-128"/>
+              </a:rPr>
+              <a:t>Crash Course: Cybersecurity</a:t>
+            </a:r>
+          </a:p>
+        </p:txBody>
+      </p:sp>
+    </p:spTree>
+    <p:extLst>
+      <p:ext uri="{BB962C8B-B14F-4D97-AF65-F5344CB8AC3E}">
         <p14:creationId xmlns:p14="http://schemas.microsoft.com/office/powerpoint/2010/main" val="1499275879"/>
       </p:ext>
     </p:extLst>
@@ -9975,6 +8398,294 @@
 </file>
 
 <file path=ppt/notesSlides/notesSlide3.xml><?xml version="1.0" encoding="utf-8"?>
+<p:notes xmlns:a="http://schemas.openxmlformats.org/drawingml/2006/main" xmlns:r="http://schemas.openxmlformats.org/officeDocument/2006/relationships" xmlns:p="http://schemas.openxmlformats.org/presentationml/2006/main">
+  <p:cSld>
+    <p:spTree>
+      <p:nvGrpSpPr>
+        <p:cNvPr id="1" name=""/>
+        <p:cNvGrpSpPr/>
+        <p:nvPr/>
+      </p:nvGrpSpPr>
+      <p:grpSpPr>
+        <a:xfrm>
+          <a:off x="0" y="0"/>
+          <a:ext cx="0" cy="0"/>
+          <a:chOff x="0" y="0"/>
+          <a:chExt cx="0" cy="0"/>
+        </a:xfrm>
+      </p:grpSpPr>
+      <p:sp>
+        <p:nvSpPr>
+          <p:cNvPr id="23553" name="Rectangle 7">
+            <a:extLst>
+              <a:ext uri="{FF2B5EF4-FFF2-40B4-BE49-F238E27FC236}">
+                <a16:creationId xmlns:a16="http://schemas.microsoft.com/office/drawing/2014/main" id="{8E3A1009-731F-C64E-AD8E-D1DB73ACC09F}"/>
+              </a:ext>
+            </a:extLst>
+          </p:cNvPr>
+          <p:cNvSpPr>
+            <a:spLocks noGrp="1" noChangeArrowheads="1"/>
+          </p:cNvSpPr>
+          <p:nvPr>
+            <p:ph type="sldNum" sz="quarter" idx="5"/>
+          </p:nvPr>
+        </p:nvSpPr>
+        <p:spPr bwMode="auto">
+          <a:noFill/>
+          <a:extLst>
+            <a:ext uri="{909E8E84-426E-40DD-AFC4-6F175D3DCCD1}">
+              <a14:hiddenFill xmlns:a14="http://schemas.microsoft.com/office/drawing/2010/main">
+                <a:solidFill>
+                  <a:srgbClr val="FFFFFF"/>
+                </a:solidFill>
+              </a14:hiddenFill>
+            </a:ext>
+            <a:ext uri="{91240B29-F687-4F45-9708-019B960494DF}">
+              <a14:hiddenLine xmlns:a14="http://schemas.microsoft.com/office/drawing/2010/main" w="9525">
+                <a:solidFill>
+                  <a:srgbClr val="000000"/>
+                </a:solidFill>
+                <a:miter lim="800000"/>
+                <a:headEnd/>
+                <a:tailEnd/>
+              </a14:hiddenLine>
+            </a:ext>
+          </a:extLst>
+        </p:spPr>
+        <p:txBody>
+          <a:bodyPr/>
+          <a:lstStyle>
+            <a:lvl1pPr>
+              <a:defRPr>
+                <a:solidFill>
+                  <a:schemeClr val="tx1"/>
+                </a:solidFill>
+                <a:latin typeface="Arial" panose="020B0604020202020204" pitchFamily="34" charset="0"/>
+                <a:ea typeface="ＭＳ Ｐゴシック" panose="020B0600070205080204" pitchFamily="34" charset="-128"/>
+              </a:defRPr>
+            </a:lvl1pPr>
+            <a:lvl2pPr marL="742950" indent="-285750">
+              <a:defRPr>
+                <a:solidFill>
+                  <a:schemeClr val="tx1"/>
+                </a:solidFill>
+                <a:latin typeface="Arial" panose="020B0604020202020204" pitchFamily="34" charset="0"/>
+                <a:ea typeface="ＭＳ Ｐゴシック" panose="020B0600070205080204" pitchFamily="34" charset="-128"/>
+              </a:defRPr>
+            </a:lvl2pPr>
+            <a:lvl3pPr marL="1143000" indent="-228600">
+              <a:defRPr>
+                <a:solidFill>
+                  <a:schemeClr val="tx1"/>
+                </a:solidFill>
+                <a:latin typeface="Arial" panose="020B0604020202020204" pitchFamily="34" charset="0"/>
+                <a:ea typeface="ＭＳ Ｐゴシック" panose="020B0600070205080204" pitchFamily="34" charset="-128"/>
+              </a:defRPr>
+            </a:lvl3pPr>
+            <a:lvl4pPr marL="1600200" indent="-228600">
+              <a:defRPr>
+                <a:solidFill>
+                  <a:schemeClr val="tx1"/>
+                </a:solidFill>
+                <a:latin typeface="Arial" panose="020B0604020202020204" pitchFamily="34" charset="0"/>
+                <a:ea typeface="ＭＳ Ｐゴシック" panose="020B0600070205080204" pitchFamily="34" charset="-128"/>
+              </a:defRPr>
+            </a:lvl4pPr>
+            <a:lvl5pPr marL="2057400" indent="-228600">
+              <a:defRPr>
+                <a:solidFill>
+                  <a:schemeClr val="tx1"/>
+                </a:solidFill>
+                <a:latin typeface="Arial" panose="020B0604020202020204" pitchFamily="34" charset="0"/>
+                <a:ea typeface="ＭＳ Ｐゴシック" panose="020B0600070205080204" pitchFamily="34" charset="-128"/>
+              </a:defRPr>
+            </a:lvl5pPr>
+            <a:lvl6pPr marL="2514600" indent="-228600" eaLnBrk="0" fontAlgn="base" hangingPunct="0">
+              <a:spcBef>
+                <a:spcPct val="0"/>
+              </a:spcBef>
+              <a:spcAft>
+                <a:spcPct val="0"/>
+              </a:spcAft>
+              <a:defRPr>
+                <a:solidFill>
+                  <a:schemeClr val="tx1"/>
+                </a:solidFill>
+                <a:latin typeface="Arial" panose="020B0604020202020204" pitchFamily="34" charset="0"/>
+                <a:ea typeface="ＭＳ Ｐゴシック" panose="020B0600070205080204" pitchFamily="34" charset="-128"/>
+              </a:defRPr>
+            </a:lvl6pPr>
+            <a:lvl7pPr marL="2971800" indent="-228600" eaLnBrk="0" fontAlgn="base" hangingPunct="0">
+              <a:spcBef>
+                <a:spcPct val="0"/>
+              </a:spcBef>
+              <a:spcAft>
+                <a:spcPct val="0"/>
+              </a:spcAft>
+              <a:defRPr>
+                <a:solidFill>
+                  <a:schemeClr val="tx1"/>
+                </a:solidFill>
+                <a:latin typeface="Arial" panose="020B0604020202020204" pitchFamily="34" charset="0"/>
+                <a:ea typeface="ＭＳ Ｐゴシック" panose="020B0600070205080204" pitchFamily="34" charset="-128"/>
+              </a:defRPr>
+            </a:lvl7pPr>
+            <a:lvl8pPr marL="3429000" indent="-228600" eaLnBrk="0" fontAlgn="base" hangingPunct="0">
+              <a:spcBef>
+                <a:spcPct val="0"/>
+              </a:spcBef>
+              <a:spcAft>
+                <a:spcPct val="0"/>
+              </a:spcAft>
+              <a:defRPr>
+                <a:solidFill>
+                  <a:schemeClr val="tx1"/>
+                </a:solidFill>
+                <a:latin typeface="Arial" panose="020B0604020202020204" pitchFamily="34" charset="0"/>
+                <a:ea typeface="ＭＳ Ｐゴシック" panose="020B0600070205080204" pitchFamily="34" charset="-128"/>
+              </a:defRPr>
+            </a:lvl8pPr>
+            <a:lvl9pPr marL="3886200" indent="-228600" eaLnBrk="0" fontAlgn="base" hangingPunct="0">
+              <a:spcBef>
+                <a:spcPct val="0"/>
+              </a:spcBef>
+              <a:spcAft>
+                <a:spcPct val="0"/>
+              </a:spcAft>
+              <a:defRPr>
+                <a:solidFill>
+                  <a:schemeClr val="tx1"/>
+                </a:solidFill>
+                <a:latin typeface="Arial" panose="020B0604020202020204" pitchFamily="34" charset="0"/>
+                <a:ea typeface="ＭＳ Ｐゴシック" panose="020B0600070205080204" pitchFamily="34" charset="-128"/>
+              </a:defRPr>
+            </a:lvl9pPr>
+          </a:lstStyle>
+          <a:p>
+            <a:fld id="{9F030869-8102-9E45-98B5-EF336C50A7E9}" type="slidenum">
+              <a:rPr lang="en-US" altLang="en-US" smtClean="0"/>
+              <a:pPr/>
+              <a:t>4</a:t>
+            </a:fld>
+            <a:endParaRPr lang="en-US" altLang="en-US"/>
+          </a:p>
+        </p:txBody>
+      </p:sp>
+      <p:sp>
+        <p:nvSpPr>
+          <p:cNvPr id="23554" name="Rectangle 2">
+            <a:extLst>
+              <a:ext uri="{FF2B5EF4-FFF2-40B4-BE49-F238E27FC236}">
+                <a16:creationId xmlns:a16="http://schemas.microsoft.com/office/drawing/2014/main" id="{75DAFCEC-735E-3C4C-9766-B03B39AF9033}"/>
+              </a:ext>
+            </a:extLst>
+          </p:cNvPr>
+          <p:cNvSpPr>
+            <a:spLocks noGrp="1" noRot="1" noChangeAspect="1" noChangeArrowheads="1" noTextEdit="1"/>
+          </p:cNvSpPr>
+          <p:nvPr>
+            <p:ph type="sldImg"/>
+          </p:nvPr>
+        </p:nvSpPr>
+        <p:spPr bwMode="auto">
+          <a:xfrm>
+            <a:off x="687388" y="685800"/>
+            <a:ext cx="5486400" cy="3429000"/>
+          </a:xfrm>
+          <a:noFill/>
+          <a:ln>
+            <a:solidFill>
+              <a:srgbClr val="000000"/>
+            </a:solidFill>
+            <a:miter lim="800000"/>
+            <a:headEnd/>
+            <a:tailEnd/>
+          </a:ln>
+          <a:extLst>
+            <a:ext uri="{909E8E84-426E-40DD-AFC4-6F175D3DCCD1}">
+              <a14:hiddenFill xmlns:a14="http://schemas.microsoft.com/office/drawing/2010/main">
+                <a:solidFill>
+                  <a:srgbClr val="FFFFFF"/>
+                </a:solidFill>
+              </a14:hiddenFill>
+            </a:ext>
+          </a:extLst>
+        </p:spPr>
+      </p:sp>
+      <p:sp>
+        <p:nvSpPr>
+          <p:cNvPr id="23555" name="Rectangle 3">
+            <a:extLst>
+              <a:ext uri="{FF2B5EF4-FFF2-40B4-BE49-F238E27FC236}">
+                <a16:creationId xmlns:a16="http://schemas.microsoft.com/office/drawing/2014/main" id="{16AF218D-0C4A-AB42-ACEA-759FBC9D1F00}"/>
+              </a:ext>
+            </a:extLst>
+          </p:cNvPr>
+          <p:cNvSpPr>
+            <a:spLocks noGrp="1" noChangeArrowheads="1"/>
+          </p:cNvSpPr>
+          <p:nvPr>
+            <p:ph type="body" idx="1"/>
+          </p:nvPr>
+        </p:nvSpPr>
+        <p:spPr bwMode="auto">
+          <a:xfrm>
+            <a:off x="914400" y="4343400"/>
+            <a:ext cx="5029200" cy="4114800"/>
+          </a:xfrm>
+          <a:noFill/>
+          <a:extLst>
+            <a:ext uri="{909E8E84-426E-40DD-AFC4-6F175D3DCCD1}">
+              <a14:hiddenFill xmlns:a14="http://schemas.microsoft.com/office/drawing/2010/main">
+                <a:solidFill>
+                  <a:srgbClr val="FFFFFF"/>
+                </a:solidFill>
+              </a14:hiddenFill>
+            </a:ext>
+            <a:ext uri="{91240B29-F687-4F45-9708-019B960494DF}">
+              <a14:hiddenLine xmlns:a14="http://schemas.microsoft.com/office/drawing/2010/main" w="9525">
+                <a:solidFill>
+                  <a:srgbClr val="000000"/>
+                </a:solidFill>
+                <a:miter lim="800000"/>
+                <a:headEnd/>
+                <a:tailEnd/>
+              </a14:hiddenLine>
+            </a:ext>
+          </a:extLst>
+        </p:spPr>
+        <p:txBody>
+          <a:bodyPr wrap="square" numCol="1" anchor="t" anchorCtr="0" compatLnSpc="1">
+            <a:prstTxWarp prst="textNoShape">
+              <a:avLst/>
+            </a:prstTxWarp>
+          </a:bodyPr>
+          <a:lstStyle/>
+          <a:p>
+            <a:pPr eaLnBrk="1" hangingPunct="1"/>
+            <a:r>
+              <a:rPr lang="en-US" altLang="en-US">
+                <a:ea typeface="ＭＳ Ｐゴシック" panose="020B0600070205080204" pitchFamily="34" charset="-128"/>
+              </a:rPr>
+              <a:t>Crash Course: Cybersecurity</a:t>
+            </a:r>
+          </a:p>
+        </p:txBody>
+      </p:sp>
+    </p:spTree>
+    <p:extLst>
+      <p:ext uri="{BB962C8B-B14F-4D97-AF65-F5344CB8AC3E}">
+        <p14:creationId xmlns:p14="http://schemas.microsoft.com/office/powerpoint/2010/main" val="938725254"/>
+      </p:ext>
+    </p:extLst>
+  </p:cSld>
+  <p:clrMapOvr>
+    <a:masterClrMapping/>
+  </p:clrMapOvr>
+</p:notes>
+</file>
+
+<file path=ppt/notesSlides/notesSlide4.xml><?xml version="1.0" encoding="utf-8"?>
 <p:notes xmlns:a="http://schemas.openxmlformats.org/drawingml/2006/main" xmlns:r="http://schemas.openxmlformats.org/officeDocument/2006/relationships" xmlns:p="http://schemas.openxmlformats.org/presentationml/2006/main">
   <p:cSld>
     <p:spTree>
@@ -10142,7 +8853,7 @@
             <a:fld id="{A5CDC6D7-7147-7C45-A0D3-3F45B69BD2C5}" type="slidenum">
               <a:rPr lang="en-US" altLang="en-US" smtClean="0"/>
               <a:pPr/>
-              <a:t>5</a:t>
+              <a:t>6</a:t>
             </a:fld>
             <a:endParaRPr lang="en-US" altLang="en-US"/>
           </a:p>
@@ -10262,7 +8973,7 @@
 </p:notes>
 </file>
 
-<file path=ppt/notesSlides/notesSlide4.xml><?xml version="1.0" encoding="utf-8"?>
+<file path=ppt/notesSlides/notesSlide5.xml><?xml version="1.0" encoding="utf-8"?>
 <p:notes xmlns:a="http://schemas.openxmlformats.org/drawingml/2006/main" xmlns:r="http://schemas.openxmlformats.org/officeDocument/2006/relationships" xmlns:p="http://schemas.openxmlformats.org/presentationml/2006/main">
   <p:cSld>
     <p:spTree>
@@ -10430,7 +9141,7 @@
             <a:fld id="{4C168702-401B-2B4A-9E6B-F517A662C627}" type="slidenum">
               <a:rPr lang="en-US" altLang="en-US" smtClean="0"/>
               <a:pPr/>
-              <a:t>6</a:t>
+              <a:t>7</a:t>
             </a:fld>
             <a:endParaRPr lang="en-US" altLang="en-US"/>
           </a:p>
@@ -10541,294 +9252,6 @@
     <p:extLst>
       <p:ext uri="{BB962C8B-B14F-4D97-AF65-F5344CB8AC3E}">
         <p14:creationId xmlns:p14="http://schemas.microsoft.com/office/powerpoint/2010/main" val="270643014"/>
-      </p:ext>
-    </p:extLst>
-  </p:cSld>
-  <p:clrMapOvr>
-    <a:masterClrMapping/>
-  </p:clrMapOvr>
-</p:notes>
-</file>
-
-<file path=ppt/notesSlides/notesSlide5.xml><?xml version="1.0" encoding="utf-8"?>
-<p:notes xmlns:a="http://schemas.openxmlformats.org/drawingml/2006/main" xmlns:r="http://schemas.openxmlformats.org/officeDocument/2006/relationships" xmlns:p="http://schemas.openxmlformats.org/presentationml/2006/main">
-  <p:cSld>
-    <p:spTree>
-      <p:nvGrpSpPr>
-        <p:cNvPr id="1" name=""/>
-        <p:cNvGrpSpPr/>
-        <p:nvPr/>
-      </p:nvGrpSpPr>
-      <p:grpSpPr>
-        <a:xfrm>
-          <a:off x="0" y="0"/>
-          <a:ext cx="0" cy="0"/>
-          <a:chOff x="0" y="0"/>
-          <a:chExt cx="0" cy="0"/>
-        </a:xfrm>
-      </p:grpSpPr>
-      <p:sp>
-        <p:nvSpPr>
-          <p:cNvPr id="31745" name="Rectangle 7">
-            <a:extLst>
-              <a:ext uri="{FF2B5EF4-FFF2-40B4-BE49-F238E27FC236}">
-                <a16:creationId xmlns:a16="http://schemas.microsoft.com/office/drawing/2014/main" id="{E80D1FD7-A32B-6645-B1E2-FB71C36B6968}"/>
-              </a:ext>
-            </a:extLst>
-          </p:cNvPr>
-          <p:cNvSpPr>
-            <a:spLocks noGrp="1" noChangeArrowheads="1"/>
-          </p:cNvSpPr>
-          <p:nvPr>
-            <p:ph type="sldNum" sz="quarter" idx="5"/>
-          </p:nvPr>
-        </p:nvSpPr>
-        <p:spPr bwMode="auto">
-          <a:noFill/>
-          <a:extLst>
-            <a:ext uri="{909E8E84-426E-40DD-AFC4-6F175D3DCCD1}">
-              <a14:hiddenFill xmlns:a14="http://schemas.microsoft.com/office/drawing/2010/main">
-                <a:solidFill>
-                  <a:srgbClr val="FFFFFF"/>
-                </a:solidFill>
-              </a14:hiddenFill>
-            </a:ext>
-            <a:ext uri="{91240B29-F687-4F45-9708-019B960494DF}">
-              <a14:hiddenLine xmlns:a14="http://schemas.microsoft.com/office/drawing/2010/main" w="9525">
-                <a:solidFill>
-                  <a:srgbClr val="000000"/>
-                </a:solidFill>
-                <a:miter lim="800000"/>
-                <a:headEnd/>
-                <a:tailEnd/>
-              </a14:hiddenLine>
-            </a:ext>
-          </a:extLst>
-        </p:spPr>
-        <p:txBody>
-          <a:bodyPr/>
-          <a:lstStyle>
-            <a:lvl1pPr>
-              <a:defRPr>
-                <a:solidFill>
-                  <a:schemeClr val="tx1"/>
-                </a:solidFill>
-                <a:latin typeface="Arial" panose="020B0604020202020204" pitchFamily="34" charset="0"/>
-                <a:ea typeface="ＭＳ Ｐゴシック" panose="020B0600070205080204" pitchFamily="34" charset="-128"/>
-              </a:defRPr>
-            </a:lvl1pPr>
-            <a:lvl2pPr marL="742950" indent="-285750">
-              <a:defRPr>
-                <a:solidFill>
-                  <a:schemeClr val="tx1"/>
-                </a:solidFill>
-                <a:latin typeface="Arial" panose="020B0604020202020204" pitchFamily="34" charset="0"/>
-                <a:ea typeface="ＭＳ Ｐゴシック" panose="020B0600070205080204" pitchFamily="34" charset="-128"/>
-              </a:defRPr>
-            </a:lvl2pPr>
-            <a:lvl3pPr marL="1143000" indent="-228600">
-              <a:defRPr>
-                <a:solidFill>
-                  <a:schemeClr val="tx1"/>
-                </a:solidFill>
-                <a:latin typeface="Arial" panose="020B0604020202020204" pitchFamily="34" charset="0"/>
-                <a:ea typeface="ＭＳ Ｐゴシック" panose="020B0600070205080204" pitchFamily="34" charset="-128"/>
-              </a:defRPr>
-            </a:lvl3pPr>
-            <a:lvl4pPr marL="1600200" indent="-228600">
-              <a:defRPr>
-                <a:solidFill>
-                  <a:schemeClr val="tx1"/>
-                </a:solidFill>
-                <a:latin typeface="Arial" panose="020B0604020202020204" pitchFamily="34" charset="0"/>
-                <a:ea typeface="ＭＳ Ｐゴシック" panose="020B0600070205080204" pitchFamily="34" charset="-128"/>
-              </a:defRPr>
-            </a:lvl4pPr>
-            <a:lvl5pPr marL="2057400" indent="-228600">
-              <a:defRPr>
-                <a:solidFill>
-                  <a:schemeClr val="tx1"/>
-                </a:solidFill>
-                <a:latin typeface="Arial" panose="020B0604020202020204" pitchFamily="34" charset="0"/>
-                <a:ea typeface="ＭＳ Ｐゴシック" panose="020B0600070205080204" pitchFamily="34" charset="-128"/>
-              </a:defRPr>
-            </a:lvl5pPr>
-            <a:lvl6pPr marL="2514600" indent="-228600" eaLnBrk="0" fontAlgn="base" hangingPunct="0">
-              <a:spcBef>
-                <a:spcPct val="0"/>
-              </a:spcBef>
-              <a:spcAft>
-                <a:spcPct val="0"/>
-              </a:spcAft>
-              <a:defRPr>
-                <a:solidFill>
-                  <a:schemeClr val="tx1"/>
-                </a:solidFill>
-                <a:latin typeface="Arial" panose="020B0604020202020204" pitchFamily="34" charset="0"/>
-                <a:ea typeface="ＭＳ Ｐゴシック" panose="020B0600070205080204" pitchFamily="34" charset="-128"/>
-              </a:defRPr>
-            </a:lvl6pPr>
-            <a:lvl7pPr marL="2971800" indent="-228600" eaLnBrk="0" fontAlgn="base" hangingPunct="0">
-              <a:spcBef>
-                <a:spcPct val="0"/>
-              </a:spcBef>
-              <a:spcAft>
-                <a:spcPct val="0"/>
-              </a:spcAft>
-              <a:defRPr>
-                <a:solidFill>
-                  <a:schemeClr val="tx1"/>
-                </a:solidFill>
-                <a:latin typeface="Arial" panose="020B0604020202020204" pitchFamily="34" charset="0"/>
-                <a:ea typeface="ＭＳ Ｐゴシック" panose="020B0600070205080204" pitchFamily="34" charset="-128"/>
-              </a:defRPr>
-            </a:lvl7pPr>
-            <a:lvl8pPr marL="3429000" indent="-228600" eaLnBrk="0" fontAlgn="base" hangingPunct="0">
-              <a:spcBef>
-                <a:spcPct val="0"/>
-              </a:spcBef>
-              <a:spcAft>
-                <a:spcPct val="0"/>
-              </a:spcAft>
-              <a:defRPr>
-                <a:solidFill>
-                  <a:schemeClr val="tx1"/>
-                </a:solidFill>
-                <a:latin typeface="Arial" panose="020B0604020202020204" pitchFamily="34" charset="0"/>
-                <a:ea typeface="ＭＳ Ｐゴシック" panose="020B0600070205080204" pitchFamily="34" charset="-128"/>
-              </a:defRPr>
-            </a:lvl8pPr>
-            <a:lvl9pPr marL="3886200" indent="-228600" eaLnBrk="0" fontAlgn="base" hangingPunct="0">
-              <a:spcBef>
-                <a:spcPct val="0"/>
-              </a:spcBef>
-              <a:spcAft>
-                <a:spcPct val="0"/>
-              </a:spcAft>
-              <a:defRPr>
-                <a:solidFill>
-                  <a:schemeClr val="tx1"/>
-                </a:solidFill>
-                <a:latin typeface="Arial" panose="020B0604020202020204" pitchFamily="34" charset="0"/>
-                <a:ea typeface="ＭＳ Ｐゴシック" panose="020B0600070205080204" pitchFamily="34" charset="-128"/>
-              </a:defRPr>
-            </a:lvl9pPr>
-          </a:lstStyle>
-          <a:p>
-            <a:fld id="{1C6E0EBF-39B6-9E4D-8845-8E571CD46FAA}" type="slidenum">
-              <a:rPr lang="en-US" altLang="en-US" smtClean="0"/>
-              <a:pPr/>
-              <a:t>7</a:t>
-            </a:fld>
-            <a:endParaRPr lang="en-US" altLang="en-US"/>
-          </a:p>
-        </p:txBody>
-      </p:sp>
-      <p:sp>
-        <p:nvSpPr>
-          <p:cNvPr id="31746" name="Rectangle 2">
-            <a:extLst>
-              <a:ext uri="{FF2B5EF4-FFF2-40B4-BE49-F238E27FC236}">
-                <a16:creationId xmlns:a16="http://schemas.microsoft.com/office/drawing/2014/main" id="{9D7D580C-9183-624B-90BF-C6471E2DD506}"/>
-              </a:ext>
-            </a:extLst>
-          </p:cNvPr>
-          <p:cNvSpPr>
-            <a:spLocks noGrp="1" noRot="1" noChangeAspect="1" noChangeArrowheads="1" noTextEdit="1"/>
-          </p:cNvSpPr>
-          <p:nvPr>
-            <p:ph type="sldImg"/>
-          </p:nvPr>
-        </p:nvSpPr>
-        <p:spPr bwMode="auto">
-          <a:xfrm>
-            <a:off x="687388" y="685800"/>
-            <a:ext cx="5486400" cy="3429000"/>
-          </a:xfrm>
-          <a:noFill/>
-          <a:ln>
-            <a:solidFill>
-              <a:srgbClr val="000000"/>
-            </a:solidFill>
-            <a:miter lim="800000"/>
-            <a:headEnd/>
-            <a:tailEnd/>
-          </a:ln>
-          <a:extLst>
-            <a:ext uri="{909E8E84-426E-40DD-AFC4-6F175D3DCCD1}">
-              <a14:hiddenFill xmlns:a14="http://schemas.microsoft.com/office/drawing/2010/main">
-                <a:solidFill>
-                  <a:srgbClr val="FFFFFF"/>
-                </a:solidFill>
-              </a14:hiddenFill>
-            </a:ext>
-          </a:extLst>
-        </p:spPr>
-      </p:sp>
-      <p:sp>
-        <p:nvSpPr>
-          <p:cNvPr id="31747" name="Rectangle 3">
-            <a:extLst>
-              <a:ext uri="{FF2B5EF4-FFF2-40B4-BE49-F238E27FC236}">
-                <a16:creationId xmlns:a16="http://schemas.microsoft.com/office/drawing/2014/main" id="{C027B81E-9A48-464D-AED8-13D7F72D46E3}"/>
-              </a:ext>
-            </a:extLst>
-          </p:cNvPr>
-          <p:cNvSpPr>
-            <a:spLocks noGrp="1" noChangeArrowheads="1"/>
-          </p:cNvSpPr>
-          <p:nvPr>
-            <p:ph type="body" idx="1"/>
-          </p:nvPr>
-        </p:nvSpPr>
-        <p:spPr bwMode="auto">
-          <a:xfrm>
-            <a:off x="914400" y="4343400"/>
-            <a:ext cx="5029200" cy="4114800"/>
-          </a:xfrm>
-          <a:noFill/>
-          <a:extLst>
-            <a:ext uri="{909E8E84-426E-40DD-AFC4-6F175D3DCCD1}">
-              <a14:hiddenFill xmlns:a14="http://schemas.microsoft.com/office/drawing/2010/main">
-                <a:solidFill>
-                  <a:srgbClr val="FFFFFF"/>
-                </a:solidFill>
-              </a14:hiddenFill>
-            </a:ext>
-            <a:ext uri="{91240B29-F687-4F45-9708-019B960494DF}">
-              <a14:hiddenLine xmlns:a14="http://schemas.microsoft.com/office/drawing/2010/main" w="9525">
-                <a:solidFill>
-                  <a:srgbClr val="000000"/>
-                </a:solidFill>
-                <a:miter lim="800000"/>
-                <a:headEnd/>
-                <a:tailEnd/>
-              </a14:hiddenLine>
-            </a:ext>
-          </a:extLst>
-        </p:spPr>
-        <p:txBody>
-          <a:bodyPr wrap="square" numCol="1" anchor="t" anchorCtr="0" compatLnSpc="1">
-            <a:prstTxWarp prst="textNoShape">
-              <a:avLst/>
-            </a:prstTxWarp>
-          </a:bodyPr>
-          <a:lstStyle/>
-          <a:p>
-            <a:pPr eaLnBrk="1" hangingPunct="1"/>
-            <a:r>
-              <a:rPr lang="en-US" altLang="en-US">
-                <a:ea typeface="ＭＳ Ｐゴシック" panose="020B0600070205080204" pitchFamily="34" charset="-128"/>
-              </a:rPr>
-              <a:t>Crash Course: Cybersecurity</a:t>
-            </a:r>
-          </a:p>
-        </p:txBody>
-      </p:sp>
-    </p:spTree>
-    <p:extLst>
-      <p:ext uri="{BB962C8B-B14F-4D97-AF65-F5344CB8AC3E}">
-        <p14:creationId xmlns:p14="http://schemas.microsoft.com/office/powerpoint/2010/main" val="2765380006"/>
       </p:ext>
     </p:extLst>
   </p:cSld>
@@ -11116,6 +9539,294 @@
     </p:spTree>
     <p:extLst>
       <p:ext uri="{BB962C8B-B14F-4D97-AF65-F5344CB8AC3E}">
+        <p14:creationId xmlns:p14="http://schemas.microsoft.com/office/powerpoint/2010/main" val="2765380006"/>
+      </p:ext>
+    </p:extLst>
+  </p:cSld>
+  <p:clrMapOvr>
+    <a:masterClrMapping/>
+  </p:clrMapOvr>
+</p:notes>
+</file>
+
+<file path=ppt/notesSlides/notesSlide7.xml><?xml version="1.0" encoding="utf-8"?>
+<p:notes xmlns:a="http://schemas.openxmlformats.org/drawingml/2006/main" xmlns:r="http://schemas.openxmlformats.org/officeDocument/2006/relationships" xmlns:p="http://schemas.openxmlformats.org/presentationml/2006/main">
+  <p:cSld>
+    <p:spTree>
+      <p:nvGrpSpPr>
+        <p:cNvPr id="1" name=""/>
+        <p:cNvGrpSpPr/>
+        <p:nvPr/>
+      </p:nvGrpSpPr>
+      <p:grpSpPr>
+        <a:xfrm>
+          <a:off x="0" y="0"/>
+          <a:ext cx="0" cy="0"/>
+          <a:chOff x="0" y="0"/>
+          <a:chExt cx="0" cy="0"/>
+        </a:xfrm>
+      </p:grpSpPr>
+      <p:sp>
+        <p:nvSpPr>
+          <p:cNvPr id="31745" name="Rectangle 7">
+            <a:extLst>
+              <a:ext uri="{FF2B5EF4-FFF2-40B4-BE49-F238E27FC236}">
+                <a16:creationId xmlns:a16="http://schemas.microsoft.com/office/drawing/2014/main" id="{E80D1FD7-A32B-6645-B1E2-FB71C36B6968}"/>
+              </a:ext>
+            </a:extLst>
+          </p:cNvPr>
+          <p:cNvSpPr>
+            <a:spLocks noGrp="1" noChangeArrowheads="1"/>
+          </p:cNvSpPr>
+          <p:nvPr>
+            <p:ph type="sldNum" sz="quarter" idx="5"/>
+          </p:nvPr>
+        </p:nvSpPr>
+        <p:spPr bwMode="auto">
+          <a:noFill/>
+          <a:extLst>
+            <a:ext uri="{909E8E84-426E-40DD-AFC4-6F175D3DCCD1}">
+              <a14:hiddenFill xmlns:a14="http://schemas.microsoft.com/office/drawing/2010/main">
+                <a:solidFill>
+                  <a:srgbClr val="FFFFFF"/>
+                </a:solidFill>
+              </a14:hiddenFill>
+            </a:ext>
+            <a:ext uri="{91240B29-F687-4F45-9708-019B960494DF}">
+              <a14:hiddenLine xmlns:a14="http://schemas.microsoft.com/office/drawing/2010/main" w="9525">
+                <a:solidFill>
+                  <a:srgbClr val="000000"/>
+                </a:solidFill>
+                <a:miter lim="800000"/>
+                <a:headEnd/>
+                <a:tailEnd/>
+              </a14:hiddenLine>
+            </a:ext>
+          </a:extLst>
+        </p:spPr>
+        <p:txBody>
+          <a:bodyPr/>
+          <a:lstStyle>
+            <a:lvl1pPr>
+              <a:defRPr>
+                <a:solidFill>
+                  <a:schemeClr val="tx1"/>
+                </a:solidFill>
+                <a:latin typeface="Arial" panose="020B0604020202020204" pitchFamily="34" charset="0"/>
+                <a:ea typeface="ＭＳ Ｐゴシック" panose="020B0600070205080204" pitchFamily="34" charset="-128"/>
+              </a:defRPr>
+            </a:lvl1pPr>
+            <a:lvl2pPr marL="742950" indent="-285750">
+              <a:defRPr>
+                <a:solidFill>
+                  <a:schemeClr val="tx1"/>
+                </a:solidFill>
+                <a:latin typeface="Arial" panose="020B0604020202020204" pitchFamily="34" charset="0"/>
+                <a:ea typeface="ＭＳ Ｐゴシック" panose="020B0600070205080204" pitchFamily="34" charset="-128"/>
+              </a:defRPr>
+            </a:lvl2pPr>
+            <a:lvl3pPr marL="1143000" indent="-228600">
+              <a:defRPr>
+                <a:solidFill>
+                  <a:schemeClr val="tx1"/>
+                </a:solidFill>
+                <a:latin typeface="Arial" panose="020B0604020202020204" pitchFamily="34" charset="0"/>
+                <a:ea typeface="ＭＳ Ｐゴシック" panose="020B0600070205080204" pitchFamily="34" charset="-128"/>
+              </a:defRPr>
+            </a:lvl3pPr>
+            <a:lvl4pPr marL="1600200" indent="-228600">
+              <a:defRPr>
+                <a:solidFill>
+                  <a:schemeClr val="tx1"/>
+                </a:solidFill>
+                <a:latin typeface="Arial" panose="020B0604020202020204" pitchFamily="34" charset="0"/>
+                <a:ea typeface="ＭＳ Ｐゴシック" panose="020B0600070205080204" pitchFamily="34" charset="-128"/>
+              </a:defRPr>
+            </a:lvl4pPr>
+            <a:lvl5pPr marL="2057400" indent="-228600">
+              <a:defRPr>
+                <a:solidFill>
+                  <a:schemeClr val="tx1"/>
+                </a:solidFill>
+                <a:latin typeface="Arial" panose="020B0604020202020204" pitchFamily="34" charset="0"/>
+                <a:ea typeface="ＭＳ Ｐゴシック" panose="020B0600070205080204" pitchFamily="34" charset="-128"/>
+              </a:defRPr>
+            </a:lvl5pPr>
+            <a:lvl6pPr marL="2514600" indent="-228600" eaLnBrk="0" fontAlgn="base" hangingPunct="0">
+              <a:spcBef>
+                <a:spcPct val="0"/>
+              </a:spcBef>
+              <a:spcAft>
+                <a:spcPct val="0"/>
+              </a:spcAft>
+              <a:defRPr>
+                <a:solidFill>
+                  <a:schemeClr val="tx1"/>
+                </a:solidFill>
+                <a:latin typeface="Arial" panose="020B0604020202020204" pitchFamily="34" charset="0"/>
+                <a:ea typeface="ＭＳ Ｐゴシック" panose="020B0600070205080204" pitchFamily="34" charset="-128"/>
+              </a:defRPr>
+            </a:lvl6pPr>
+            <a:lvl7pPr marL="2971800" indent="-228600" eaLnBrk="0" fontAlgn="base" hangingPunct="0">
+              <a:spcBef>
+                <a:spcPct val="0"/>
+              </a:spcBef>
+              <a:spcAft>
+                <a:spcPct val="0"/>
+              </a:spcAft>
+              <a:defRPr>
+                <a:solidFill>
+                  <a:schemeClr val="tx1"/>
+                </a:solidFill>
+                <a:latin typeface="Arial" panose="020B0604020202020204" pitchFamily="34" charset="0"/>
+                <a:ea typeface="ＭＳ Ｐゴシック" panose="020B0600070205080204" pitchFamily="34" charset="-128"/>
+              </a:defRPr>
+            </a:lvl7pPr>
+            <a:lvl8pPr marL="3429000" indent="-228600" eaLnBrk="0" fontAlgn="base" hangingPunct="0">
+              <a:spcBef>
+                <a:spcPct val="0"/>
+              </a:spcBef>
+              <a:spcAft>
+                <a:spcPct val="0"/>
+              </a:spcAft>
+              <a:defRPr>
+                <a:solidFill>
+                  <a:schemeClr val="tx1"/>
+                </a:solidFill>
+                <a:latin typeface="Arial" panose="020B0604020202020204" pitchFamily="34" charset="0"/>
+                <a:ea typeface="ＭＳ Ｐゴシック" panose="020B0600070205080204" pitchFamily="34" charset="-128"/>
+              </a:defRPr>
+            </a:lvl8pPr>
+            <a:lvl9pPr marL="3886200" indent="-228600" eaLnBrk="0" fontAlgn="base" hangingPunct="0">
+              <a:spcBef>
+                <a:spcPct val="0"/>
+              </a:spcBef>
+              <a:spcAft>
+                <a:spcPct val="0"/>
+              </a:spcAft>
+              <a:defRPr>
+                <a:solidFill>
+                  <a:schemeClr val="tx1"/>
+                </a:solidFill>
+                <a:latin typeface="Arial" panose="020B0604020202020204" pitchFamily="34" charset="0"/>
+                <a:ea typeface="ＭＳ Ｐゴシック" panose="020B0600070205080204" pitchFamily="34" charset="-128"/>
+              </a:defRPr>
+            </a:lvl9pPr>
+          </a:lstStyle>
+          <a:p>
+            <a:fld id="{1C6E0EBF-39B6-9E4D-8845-8E571CD46FAA}" type="slidenum">
+              <a:rPr lang="en-US" altLang="en-US" smtClean="0"/>
+              <a:pPr/>
+              <a:t>9</a:t>
+            </a:fld>
+            <a:endParaRPr lang="en-US" altLang="en-US"/>
+          </a:p>
+        </p:txBody>
+      </p:sp>
+      <p:sp>
+        <p:nvSpPr>
+          <p:cNvPr id="31746" name="Rectangle 2">
+            <a:extLst>
+              <a:ext uri="{FF2B5EF4-FFF2-40B4-BE49-F238E27FC236}">
+                <a16:creationId xmlns:a16="http://schemas.microsoft.com/office/drawing/2014/main" id="{9D7D580C-9183-624B-90BF-C6471E2DD506}"/>
+              </a:ext>
+            </a:extLst>
+          </p:cNvPr>
+          <p:cNvSpPr>
+            <a:spLocks noGrp="1" noRot="1" noChangeAspect="1" noChangeArrowheads="1" noTextEdit="1"/>
+          </p:cNvSpPr>
+          <p:nvPr>
+            <p:ph type="sldImg"/>
+          </p:nvPr>
+        </p:nvSpPr>
+        <p:spPr bwMode="auto">
+          <a:xfrm>
+            <a:off x="687388" y="685800"/>
+            <a:ext cx="5486400" cy="3429000"/>
+          </a:xfrm>
+          <a:noFill/>
+          <a:ln>
+            <a:solidFill>
+              <a:srgbClr val="000000"/>
+            </a:solidFill>
+            <a:miter lim="800000"/>
+            <a:headEnd/>
+            <a:tailEnd/>
+          </a:ln>
+          <a:extLst>
+            <a:ext uri="{909E8E84-426E-40DD-AFC4-6F175D3DCCD1}">
+              <a14:hiddenFill xmlns:a14="http://schemas.microsoft.com/office/drawing/2010/main">
+                <a:solidFill>
+                  <a:srgbClr val="FFFFFF"/>
+                </a:solidFill>
+              </a14:hiddenFill>
+            </a:ext>
+          </a:extLst>
+        </p:spPr>
+      </p:sp>
+      <p:sp>
+        <p:nvSpPr>
+          <p:cNvPr id="31747" name="Rectangle 3">
+            <a:extLst>
+              <a:ext uri="{FF2B5EF4-FFF2-40B4-BE49-F238E27FC236}">
+                <a16:creationId xmlns:a16="http://schemas.microsoft.com/office/drawing/2014/main" id="{C027B81E-9A48-464D-AED8-13D7F72D46E3}"/>
+              </a:ext>
+            </a:extLst>
+          </p:cNvPr>
+          <p:cNvSpPr>
+            <a:spLocks noGrp="1" noChangeArrowheads="1"/>
+          </p:cNvSpPr>
+          <p:nvPr>
+            <p:ph type="body" idx="1"/>
+          </p:nvPr>
+        </p:nvSpPr>
+        <p:spPr bwMode="auto">
+          <a:xfrm>
+            <a:off x="914400" y="4343400"/>
+            <a:ext cx="5029200" cy="4114800"/>
+          </a:xfrm>
+          <a:noFill/>
+          <a:extLst>
+            <a:ext uri="{909E8E84-426E-40DD-AFC4-6F175D3DCCD1}">
+              <a14:hiddenFill xmlns:a14="http://schemas.microsoft.com/office/drawing/2010/main">
+                <a:solidFill>
+                  <a:srgbClr val="FFFFFF"/>
+                </a:solidFill>
+              </a14:hiddenFill>
+            </a:ext>
+            <a:ext uri="{91240B29-F687-4F45-9708-019B960494DF}">
+              <a14:hiddenLine xmlns:a14="http://schemas.microsoft.com/office/drawing/2010/main" w="9525">
+                <a:solidFill>
+                  <a:srgbClr val="000000"/>
+                </a:solidFill>
+                <a:miter lim="800000"/>
+                <a:headEnd/>
+                <a:tailEnd/>
+              </a14:hiddenLine>
+            </a:ext>
+          </a:extLst>
+        </p:spPr>
+        <p:txBody>
+          <a:bodyPr wrap="square" numCol="1" anchor="t" anchorCtr="0" compatLnSpc="1">
+            <a:prstTxWarp prst="textNoShape">
+              <a:avLst/>
+            </a:prstTxWarp>
+          </a:bodyPr>
+          <a:lstStyle/>
+          <a:p>
+            <a:pPr eaLnBrk="1" hangingPunct="1"/>
+            <a:r>
+              <a:rPr lang="en-US" altLang="en-US">
+                <a:ea typeface="ＭＳ Ｐゴシック" panose="020B0600070205080204" pitchFamily="34" charset="-128"/>
+              </a:rPr>
+              <a:t>Crash Course: Cybersecurity</a:t>
+            </a:r>
+          </a:p>
+        </p:txBody>
+      </p:sp>
+    </p:spTree>
+    <p:extLst>
+      <p:ext uri="{BB962C8B-B14F-4D97-AF65-F5344CB8AC3E}">
         <p14:creationId xmlns:p14="http://schemas.microsoft.com/office/powerpoint/2010/main" val="1577463075"/>
       </p:ext>
     </p:extLst>
@@ -11126,7 +9837,7 @@
 </p:notes>
 </file>
 
-<file path=ppt/notesSlides/notesSlide7.xml><?xml version="1.0" encoding="utf-8"?>
+<file path=ppt/notesSlides/notesSlide8.xml><?xml version="1.0" encoding="utf-8"?>
 <p:notes xmlns:a="http://schemas.openxmlformats.org/drawingml/2006/main" xmlns:r="http://schemas.openxmlformats.org/officeDocument/2006/relationships" xmlns:p="http://schemas.openxmlformats.org/presentationml/2006/main">
   <p:cSld>
     <p:spTree>
@@ -11294,7 +10005,7 @@
             <a:fld id="{732B0A93-0C85-4F4E-9B7F-BDC843BD88F6}" type="slidenum">
               <a:rPr lang="en-US" altLang="en-US" smtClean="0"/>
               <a:pPr/>
-              <a:t>9</a:t>
+              <a:t>10</a:t>
             </a:fld>
             <a:endParaRPr lang="en-US" altLang="en-US"/>
           </a:p>
@@ -11414,7 +10125,7 @@
 </p:notes>
 </file>
 
-<file path=ppt/notesSlides/notesSlide8.xml><?xml version="1.0" encoding="utf-8"?>
+<file path=ppt/notesSlides/notesSlide9.xml><?xml version="1.0" encoding="utf-8"?>
 <p:notes xmlns:a="http://schemas.openxmlformats.org/drawingml/2006/main" xmlns:r="http://schemas.openxmlformats.org/officeDocument/2006/relationships" xmlns:p="http://schemas.openxmlformats.org/presentationml/2006/main">
   <p:cSld>
     <p:spTree>
@@ -11582,7 +10293,7 @@
             <a:fld id="{180E44B5-BFDF-BC48-BCF6-7BCA82CC9BA9}" type="slidenum">
               <a:rPr lang="en-US" altLang="en-US" smtClean="0"/>
               <a:pPr/>
-              <a:t>10</a:t>
+              <a:t>11</a:t>
             </a:fld>
             <a:endParaRPr lang="en-US" altLang="en-US"/>
           </a:p>
@@ -11693,294 +10404,6 @@
     <p:extLst>
       <p:ext uri="{BB962C8B-B14F-4D97-AF65-F5344CB8AC3E}">
         <p14:creationId xmlns:p14="http://schemas.microsoft.com/office/powerpoint/2010/main" val="1793942845"/>
-      </p:ext>
-    </p:extLst>
-  </p:cSld>
-  <p:clrMapOvr>
-    <a:masterClrMapping/>
-  </p:clrMapOvr>
-</p:notes>
-</file>
-
-<file path=ppt/notesSlides/notesSlide9.xml><?xml version="1.0" encoding="utf-8"?>
-<p:notes xmlns:a="http://schemas.openxmlformats.org/drawingml/2006/main" xmlns:r="http://schemas.openxmlformats.org/officeDocument/2006/relationships" xmlns:p="http://schemas.openxmlformats.org/presentationml/2006/main">
-  <p:cSld>
-    <p:spTree>
-      <p:nvGrpSpPr>
-        <p:cNvPr id="1" name=""/>
-        <p:cNvGrpSpPr/>
-        <p:nvPr/>
-      </p:nvGrpSpPr>
-      <p:grpSpPr>
-        <a:xfrm>
-          <a:off x="0" y="0"/>
-          <a:ext cx="0" cy="0"/>
-          <a:chOff x="0" y="0"/>
-          <a:chExt cx="0" cy="0"/>
-        </a:xfrm>
-      </p:grpSpPr>
-      <p:sp>
-        <p:nvSpPr>
-          <p:cNvPr id="37889" name="Rectangle 7">
-            <a:extLst>
-              <a:ext uri="{FF2B5EF4-FFF2-40B4-BE49-F238E27FC236}">
-                <a16:creationId xmlns:a16="http://schemas.microsoft.com/office/drawing/2014/main" id="{0B0900A4-EBDD-884D-BBCE-182364D35415}"/>
-              </a:ext>
-            </a:extLst>
-          </p:cNvPr>
-          <p:cNvSpPr>
-            <a:spLocks noGrp="1" noChangeArrowheads="1"/>
-          </p:cNvSpPr>
-          <p:nvPr>
-            <p:ph type="sldNum" sz="quarter" idx="5"/>
-          </p:nvPr>
-        </p:nvSpPr>
-        <p:spPr bwMode="auto">
-          <a:noFill/>
-          <a:extLst>
-            <a:ext uri="{909E8E84-426E-40DD-AFC4-6F175D3DCCD1}">
-              <a14:hiddenFill xmlns:a14="http://schemas.microsoft.com/office/drawing/2010/main">
-                <a:solidFill>
-                  <a:srgbClr val="FFFFFF"/>
-                </a:solidFill>
-              </a14:hiddenFill>
-            </a:ext>
-            <a:ext uri="{91240B29-F687-4F45-9708-019B960494DF}">
-              <a14:hiddenLine xmlns:a14="http://schemas.microsoft.com/office/drawing/2010/main" w="9525">
-                <a:solidFill>
-                  <a:srgbClr val="000000"/>
-                </a:solidFill>
-                <a:miter lim="800000"/>
-                <a:headEnd/>
-                <a:tailEnd/>
-              </a14:hiddenLine>
-            </a:ext>
-          </a:extLst>
-        </p:spPr>
-        <p:txBody>
-          <a:bodyPr/>
-          <a:lstStyle>
-            <a:lvl1pPr>
-              <a:defRPr>
-                <a:solidFill>
-                  <a:schemeClr val="tx1"/>
-                </a:solidFill>
-                <a:latin typeface="Arial" panose="020B0604020202020204" pitchFamily="34" charset="0"/>
-                <a:ea typeface="ＭＳ Ｐゴシック" panose="020B0600070205080204" pitchFamily="34" charset="-128"/>
-              </a:defRPr>
-            </a:lvl1pPr>
-            <a:lvl2pPr marL="742950" indent="-285750">
-              <a:defRPr>
-                <a:solidFill>
-                  <a:schemeClr val="tx1"/>
-                </a:solidFill>
-                <a:latin typeface="Arial" panose="020B0604020202020204" pitchFamily="34" charset="0"/>
-                <a:ea typeface="ＭＳ Ｐゴシック" panose="020B0600070205080204" pitchFamily="34" charset="-128"/>
-              </a:defRPr>
-            </a:lvl2pPr>
-            <a:lvl3pPr marL="1143000" indent="-228600">
-              <a:defRPr>
-                <a:solidFill>
-                  <a:schemeClr val="tx1"/>
-                </a:solidFill>
-                <a:latin typeface="Arial" panose="020B0604020202020204" pitchFamily="34" charset="0"/>
-                <a:ea typeface="ＭＳ Ｐゴシック" panose="020B0600070205080204" pitchFamily="34" charset="-128"/>
-              </a:defRPr>
-            </a:lvl3pPr>
-            <a:lvl4pPr marL="1600200" indent="-228600">
-              <a:defRPr>
-                <a:solidFill>
-                  <a:schemeClr val="tx1"/>
-                </a:solidFill>
-                <a:latin typeface="Arial" panose="020B0604020202020204" pitchFamily="34" charset="0"/>
-                <a:ea typeface="ＭＳ Ｐゴシック" panose="020B0600070205080204" pitchFamily="34" charset="-128"/>
-              </a:defRPr>
-            </a:lvl4pPr>
-            <a:lvl5pPr marL="2057400" indent="-228600">
-              <a:defRPr>
-                <a:solidFill>
-                  <a:schemeClr val="tx1"/>
-                </a:solidFill>
-                <a:latin typeface="Arial" panose="020B0604020202020204" pitchFamily="34" charset="0"/>
-                <a:ea typeface="ＭＳ Ｐゴシック" panose="020B0600070205080204" pitchFamily="34" charset="-128"/>
-              </a:defRPr>
-            </a:lvl5pPr>
-            <a:lvl6pPr marL="2514600" indent="-228600" eaLnBrk="0" fontAlgn="base" hangingPunct="0">
-              <a:spcBef>
-                <a:spcPct val="0"/>
-              </a:spcBef>
-              <a:spcAft>
-                <a:spcPct val="0"/>
-              </a:spcAft>
-              <a:defRPr>
-                <a:solidFill>
-                  <a:schemeClr val="tx1"/>
-                </a:solidFill>
-                <a:latin typeface="Arial" panose="020B0604020202020204" pitchFamily="34" charset="0"/>
-                <a:ea typeface="ＭＳ Ｐゴシック" panose="020B0600070205080204" pitchFamily="34" charset="-128"/>
-              </a:defRPr>
-            </a:lvl6pPr>
-            <a:lvl7pPr marL="2971800" indent="-228600" eaLnBrk="0" fontAlgn="base" hangingPunct="0">
-              <a:spcBef>
-                <a:spcPct val="0"/>
-              </a:spcBef>
-              <a:spcAft>
-                <a:spcPct val="0"/>
-              </a:spcAft>
-              <a:defRPr>
-                <a:solidFill>
-                  <a:schemeClr val="tx1"/>
-                </a:solidFill>
-                <a:latin typeface="Arial" panose="020B0604020202020204" pitchFamily="34" charset="0"/>
-                <a:ea typeface="ＭＳ Ｐゴシック" panose="020B0600070205080204" pitchFamily="34" charset="-128"/>
-              </a:defRPr>
-            </a:lvl7pPr>
-            <a:lvl8pPr marL="3429000" indent="-228600" eaLnBrk="0" fontAlgn="base" hangingPunct="0">
-              <a:spcBef>
-                <a:spcPct val="0"/>
-              </a:spcBef>
-              <a:spcAft>
-                <a:spcPct val="0"/>
-              </a:spcAft>
-              <a:defRPr>
-                <a:solidFill>
-                  <a:schemeClr val="tx1"/>
-                </a:solidFill>
-                <a:latin typeface="Arial" panose="020B0604020202020204" pitchFamily="34" charset="0"/>
-                <a:ea typeface="ＭＳ Ｐゴシック" panose="020B0600070205080204" pitchFamily="34" charset="-128"/>
-              </a:defRPr>
-            </a:lvl8pPr>
-            <a:lvl9pPr marL="3886200" indent="-228600" eaLnBrk="0" fontAlgn="base" hangingPunct="0">
-              <a:spcBef>
-                <a:spcPct val="0"/>
-              </a:spcBef>
-              <a:spcAft>
-                <a:spcPct val="0"/>
-              </a:spcAft>
-              <a:defRPr>
-                <a:solidFill>
-                  <a:schemeClr val="tx1"/>
-                </a:solidFill>
-                <a:latin typeface="Arial" panose="020B0604020202020204" pitchFamily="34" charset="0"/>
-                <a:ea typeface="ＭＳ Ｐゴシック" panose="020B0600070205080204" pitchFamily="34" charset="-128"/>
-              </a:defRPr>
-            </a:lvl9pPr>
-          </a:lstStyle>
-          <a:p>
-            <a:fld id="{902D3D98-C5C7-2248-8B26-216E519D6D32}" type="slidenum">
-              <a:rPr lang="en-US" altLang="en-US" smtClean="0"/>
-              <a:pPr/>
-              <a:t>11</a:t>
-            </a:fld>
-            <a:endParaRPr lang="en-US" altLang="en-US"/>
-          </a:p>
-        </p:txBody>
-      </p:sp>
-      <p:sp>
-        <p:nvSpPr>
-          <p:cNvPr id="37890" name="Rectangle 2">
-            <a:extLst>
-              <a:ext uri="{FF2B5EF4-FFF2-40B4-BE49-F238E27FC236}">
-                <a16:creationId xmlns:a16="http://schemas.microsoft.com/office/drawing/2014/main" id="{953AA851-64E7-704E-A45B-46EC3FD42F4E}"/>
-              </a:ext>
-            </a:extLst>
-          </p:cNvPr>
-          <p:cNvSpPr>
-            <a:spLocks noGrp="1" noRot="1" noChangeAspect="1" noChangeArrowheads="1" noTextEdit="1"/>
-          </p:cNvSpPr>
-          <p:nvPr>
-            <p:ph type="sldImg"/>
-          </p:nvPr>
-        </p:nvSpPr>
-        <p:spPr bwMode="auto">
-          <a:xfrm>
-            <a:off x="687388" y="685800"/>
-            <a:ext cx="5486400" cy="3429000"/>
-          </a:xfrm>
-          <a:noFill/>
-          <a:ln>
-            <a:solidFill>
-              <a:srgbClr val="000000"/>
-            </a:solidFill>
-            <a:miter lim="800000"/>
-            <a:headEnd/>
-            <a:tailEnd/>
-          </a:ln>
-          <a:extLst>
-            <a:ext uri="{909E8E84-426E-40DD-AFC4-6F175D3DCCD1}">
-              <a14:hiddenFill xmlns:a14="http://schemas.microsoft.com/office/drawing/2010/main">
-                <a:solidFill>
-                  <a:srgbClr val="FFFFFF"/>
-                </a:solidFill>
-              </a14:hiddenFill>
-            </a:ext>
-          </a:extLst>
-        </p:spPr>
-      </p:sp>
-      <p:sp>
-        <p:nvSpPr>
-          <p:cNvPr id="37891" name="Rectangle 3">
-            <a:extLst>
-              <a:ext uri="{FF2B5EF4-FFF2-40B4-BE49-F238E27FC236}">
-                <a16:creationId xmlns:a16="http://schemas.microsoft.com/office/drawing/2014/main" id="{1B588807-2342-3A45-8D0D-80FCCE5EA9AE}"/>
-              </a:ext>
-            </a:extLst>
-          </p:cNvPr>
-          <p:cNvSpPr>
-            <a:spLocks noGrp="1" noChangeArrowheads="1"/>
-          </p:cNvSpPr>
-          <p:nvPr>
-            <p:ph type="body" idx="1"/>
-          </p:nvPr>
-        </p:nvSpPr>
-        <p:spPr bwMode="auto">
-          <a:xfrm>
-            <a:off x="914400" y="4343400"/>
-            <a:ext cx="5029200" cy="4114800"/>
-          </a:xfrm>
-          <a:noFill/>
-          <a:extLst>
-            <a:ext uri="{909E8E84-426E-40DD-AFC4-6F175D3DCCD1}">
-              <a14:hiddenFill xmlns:a14="http://schemas.microsoft.com/office/drawing/2010/main">
-                <a:solidFill>
-                  <a:srgbClr val="FFFFFF"/>
-                </a:solidFill>
-              </a14:hiddenFill>
-            </a:ext>
-            <a:ext uri="{91240B29-F687-4F45-9708-019B960494DF}">
-              <a14:hiddenLine xmlns:a14="http://schemas.microsoft.com/office/drawing/2010/main" w="9525">
-                <a:solidFill>
-                  <a:srgbClr val="000000"/>
-                </a:solidFill>
-                <a:miter lim="800000"/>
-                <a:headEnd/>
-                <a:tailEnd/>
-              </a14:hiddenLine>
-            </a:ext>
-          </a:extLst>
-        </p:spPr>
-        <p:txBody>
-          <a:bodyPr wrap="square" numCol="1" anchor="t" anchorCtr="0" compatLnSpc="1">
-            <a:prstTxWarp prst="textNoShape">
-              <a:avLst/>
-            </a:prstTxWarp>
-          </a:bodyPr>
-          <a:lstStyle/>
-          <a:p>
-            <a:pPr eaLnBrk="1" hangingPunct="1"/>
-            <a:r>
-              <a:rPr lang="en-US" altLang="en-US">
-                <a:ea typeface="ＭＳ Ｐゴシック" panose="020B0600070205080204" pitchFamily="34" charset="-128"/>
-              </a:rPr>
-              <a:t>Crash Course: Cybersecurity</a:t>
-            </a:r>
-          </a:p>
-        </p:txBody>
-      </p:sp>
-    </p:spTree>
-    <p:extLst>
-      <p:ext uri="{BB962C8B-B14F-4D97-AF65-F5344CB8AC3E}">
-        <p14:creationId xmlns:p14="http://schemas.microsoft.com/office/powerpoint/2010/main" val="1754129586"/>
       </p:ext>
     </p:extLst>
   </p:cSld>
@@ -12121,7 +10544,7 @@
           <a:p>
             <a:fld id="{4AAD347D-5ACD-4C99-B74B-A9C85AD731AF}" type="datetimeFigureOut">
               <a:rPr lang="en-US" smtClean="0"/>
-              <a:t>2/28/23</a:t>
+              <a:t>11/23/24</a:t>
             </a:fld>
             <a:endParaRPr lang="en-US" dirty="0"/>
           </a:p>
@@ -12291,7 +10714,7 @@
           <a:p>
             <a:fld id="{4509A250-FF31-4206-8172-F9D3106AACB1}" type="datetimeFigureOut">
               <a:rPr lang="en-US" smtClean="0"/>
-              <a:t>2/28/23</a:t>
+              <a:t>11/23/24</a:t>
             </a:fld>
             <a:endParaRPr lang="en-US" dirty="0"/>
           </a:p>
@@ -12471,7 +10894,7 @@
           <a:p>
             <a:fld id="{4509A250-FF31-4206-8172-F9D3106AACB1}" type="datetimeFigureOut">
               <a:rPr lang="en-US" smtClean="0"/>
-              <a:t>2/28/23</a:t>
+              <a:t>11/23/24</a:t>
             </a:fld>
             <a:endParaRPr lang="en-US" dirty="0"/>
           </a:p>
@@ -12641,7 +11064,7 @@
           <a:p>
             <a:fld id="{4509A250-FF31-4206-8172-F9D3106AACB1}" type="datetimeFigureOut">
               <a:rPr lang="en-US" smtClean="0"/>
-              <a:t>2/28/23</a:t>
+              <a:t>11/23/24</a:t>
             </a:fld>
             <a:endParaRPr lang="en-US" dirty="0"/>
           </a:p>
@@ -12887,7 +11310,7 @@
           <a:p>
             <a:fld id="{9796027F-7875-4030-9381-8BD8C4F21935}" type="datetimeFigureOut">
               <a:rPr lang="en-US" smtClean="0"/>
-              <a:t>2/28/23</a:t>
+              <a:t>11/23/24</a:t>
             </a:fld>
             <a:endParaRPr lang="en-US" dirty="0"/>
           </a:p>
@@ -13119,7 +11542,7 @@
           <a:p>
             <a:fld id="{9796027F-7875-4030-9381-8BD8C4F21935}" type="datetimeFigureOut">
               <a:rPr lang="en-US" smtClean="0"/>
-              <a:t>2/28/23</a:t>
+              <a:t>11/23/24</a:t>
             </a:fld>
             <a:endParaRPr lang="en-US" dirty="0"/>
           </a:p>
@@ -13486,7 +11909,7 @@
           <a:p>
             <a:fld id="{9796027F-7875-4030-9381-8BD8C4F21935}" type="datetimeFigureOut">
               <a:rPr lang="en-US" smtClean="0"/>
-              <a:t>2/28/23</a:t>
+              <a:t>11/23/24</a:t>
             </a:fld>
             <a:endParaRPr lang="en-US" dirty="0"/>
           </a:p>
@@ -13604,7 +12027,7 @@
           <a:p>
             <a:fld id="{4509A250-FF31-4206-8172-F9D3106AACB1}" type="datetimeFigureOut">
               <a:rPr lang="en-US" smtClean="0"/>
-              <a:t>2/28/23</a:t>
+              <a:t>11/23/24</a:t>
             </a:fld>
             <a:endParaRPr lang="en-US" dirty="0"/>
           </a:p>
@@ -13699,7 +12122,7 @@
           <a:p>
             <a:fld id="{4509A250-FF31-4206-8172-F9D3106AACB1}" type="datetimeFigureOut">
               <a:rPr lang="en-US" smtClean="0"/>
-              <a:t>2/28/23</a:t>
+              <a:t>11/23/24</a:t>
             </a:fld>
             <a:endParaRPr lang="en-US" dirty="0"/>
           </a:p>
@@ -13976,7 +12399,7 @@
           <a:p>
             <a:fld id="{4509A250-FF31-4206-8172-F9D3106AACB1}" type="datetimeFigureOut">
               <a:rPr lang="en-US" smtClean="0"/>
-              <a:t>2/28/23</a:t>
+              <a:t>11/23/24</a:t>
             </a:fld>
             <a:endParaRPr lang="en-US" dirty="0"/>
           </a:p>
@@ -14233,7 +12656,7 @@
           <a:p>
             <a:fld id="{4509A250-FF31-4206-8172-F9D3106AACB1}" type="datetimeFigureOut">
               <a:rPr lang="en-US" smtClean="0"/>
-              <a:t>2/28/23</a:t>
+              <a:t>11/23/24</a:t>
             </a:fld>
             <a:endParaRPr lang="en-US" dirty="0"/>
           </a:p>
@@ -14446,7 +12869,7 @@
           <a:p>
             <a:fld id="{4AAD347D-5ACD-4C99-B74B-A9C85AD731AF}" type="datetimeFigureOut">
               <a:rPr lang="en-US" smtClean="0"/>
-              <a:t>2/28/23</a:t>
+              <a:t>11/23/24</a:t>
             </a:fld>
             <a:endParaRPr lang="en-US" dirty="0"/>
           </a:p>
@@ -15370,6 +13793,440 @@
       </p:grpSpPr>
       <p:sp>
         <p:nvSpPr>
+          <p:cNvPr id="32769" name="Rectangle 2">
+            <a:extLst>
+              <a:ext uri="{FF2B5EF4-FFF2-40B4-BE49-F238E27FC236}">
+                <a16:creationId xmlns:a16="http://schemas.microsoft.com/office/drawing/2014/main" id="{1B088F74-50C6-5E46-9298-7B7197F07081}"/>
+              </a:ext>
+            </a:extLst>
+          </p:cNvPr>
+          <p:cNvSpPr>
+            <a:spLocks noGrp="1" noChangeArrowheads="1"/>
+          </p:cNvSpPr>
+          <p:nvPr>
+            <p:ph type="title"/>
+          </p:nvPr>
+        </p:nvSpPr>
+        <p:spPr>
+          <a:xfrm>
+            <a:off x="240030" y="0"/>
+            <a:ext cx="7886700" cy="1104636"/>
+          </a:xfrm>
+        </p:spPr>
+        <p:txBody>
+          <a:bodyPr/>
+          <a:lstStyle/>
+          <a:p>
+            <a:pPr eaLnBrk="1" hangingPunct="1"/>
+            <a:r>
+              <a:rPr lang="en-US" altLang="en-US" dirty="0">
+                <a:latin typeface="Tahoma" panose="020B0604030504040204" pitchFamily="34" charset="0"/>
+                <a:ea typeface="ＭＳ Ｐゴシック" panose="020B0600070205080204" pitchFamily="34" charset="-128"/>
+              </a:rPr>
+              <a:t>Comparison(Optional)</a:t>
+            </a:r>
+          </a:p>
+        </p:txBody>
+      </p:sp>
+      <p:sp>
+        <p:nvSpPr>
+          <p:cNvPr id="16386" name="Rectangle 3">
+            <a:extLst>
+              <a:ext uri="{FF2B5EF4-FFF2-40B4-BE49-F238E27FC236}">
+                <a16:creationId xmlns:a16="http://schemas.microsoft.com/office/drawing/2014/main" id="{6346E11F-912B-AB4D-9456-8D4A45A63C4A}"/>
+              </a:ext>
+            </a:extLst>
+          </p:cNvPr>
+          <p:cNvSpPr>
+            <a:spLocks noGrp="1" noChangeArrowheads="1"/>
+          </p:cNvSpPr>
+          <p:nvPr>
+            <p:ph type="body" idx="1"/>
+          </p:nvPr>
+        </p:nvSpPr>
+        <p:spPr>
+          <a:xfrm>
+            <a:off x="240030" y="765810"/>
+            <a:ext cx="8141970" cy="4822190"/>
+          </a:xfrm>
+        </p:spPr>
+        <p:txBody>
+          <a:bodyPr/>
+          <a:lstStyle/>
+          <a:p>
+            <a:pPr marL="0" indent="0" eaLnBrk="1" hangingPunct="1">
+              <a:buNone/>
+            </a:pPr>
+            <a:r>
+              <a:rPr lang="en-US" altLang="en-US" sz="1833" dirty="0">
+                <a:latin typeface="Tahoma" panose="020B0604030504040204" pitchFamily="34" charset="0"/>
+                <a:ea typeface="ＭＳ Ｐゴシック" panose="020B0600070205080204" pitchFamily="34" charset="-128"/>
+              </a:rPr>
+              <a:t>Like GIF, PNG uses lossless compression, and like JPEG, PNG uses 24 bits for color.</a:t>
+            </a:r>
+          </a:p>
+          <a:p>
+            <a:pPr marL="0" indent="0" eaLnBrk="1" hangingPunct="1">
+              <a:buNone/>
+            </a:pPr>
+            <a:r>
+              <a:rPr lang="en-US" altLang="en-US" sz="1833" dirty="0">
+                <a:latin typeface="Tahoma" panose="020B0604030504040204" pitchFamily="34" charset="0"/>
+                <a:ea typeface="ＭＳ Ｐゴシック" panose="020B0600070205080204" pitchFamily="34" charset="-128"/>
+              </a:rPr>
+              <a:t>Another feature of the PNG format is support for alpha, or transparency. BMP and JPEG, on the other hand, don't have a channel devoted to </a:t>
+            </a:r>
+            <a:r>
+              <a:rPr lang="en-US" altLang="en-US" sz="1833" b="1" dirty="0">
+                <a:latin typeface="Tahoma" panose="020B0604030504040204" pitchFamily="34" charset="0"/>
+                <a:ea typeface="ＭＳ Ｐゴシック" panose="020B0600070205080204" pitchFamily="34" charset="-128"/>
+              </a:rPr>
+              <a:t>transparency</a:t>
+            </a:r>
+            <a:r>
+              <a:rPr lang="en-US" altLang="en-US" sz="1833" dirty="0">
+                <a:latin typeface="Tahoma" panose="020B0604030504040204" pitchFamily="34" charset="0"/>
+                <a:ea typeface="ＭＳ Ｐゴシック" panose="020B0600070205080204" pitchFamily="34" charset="-128"/>
+              </a:rPr>
+              <a:t>. </a:t>
+            </a:r>
+          </a:p>
+          <a:p>
+            <a:pPr marL="0" indent="0" eaLnBrk="1" hangingPunct="1">
+              <a:buNone/>
+            </a:pPr>
+            <a:r>
+              <a:rPr lang="en-US" altLang="en-US" sz="1833" dirty="0">
+                <a:latin typeface="Tahoma" panose="020B0604030504040204" pitchFamily="34" charset="0"/>
+                <a:ea typeface="ＭＳ Ｐゴシック" panose="020B0600070205080204" pitchFamily="34" charset="-128"/>
+              </a:rPr>
+              <a:t>GIF does have the distinct advantage of supporting animation achieved by repeatedly showing a series of frames.</a:t>
+            </a:r>
+          </a:p>
+          <a:p>
+            <a:pPr eaLnBrk="1" hangingPunct="1"/>
+            <a:endParaRPr lang="en-US" altLang="en-US" sz="1833" dirty="0">
+              <a:latin typeface="Tahoma" panose="020B0604030504040204" pitchFamily="34" charset="0"/>
+              <a:ea typeface="ＭＳ Ｐゴシック" panose="020B0600070205080204" pitchFamily="34" charset="-128"/>
+            </a:endParaRPr>
+          </a:p>
+        </p:txBody>
+      </p:sp>
+      <p:pic>
+        <p:nvPicPr>
+          <p:cNvPr id="4" name="Picture 3">
+            <a:extLst>
+              <a:ext uri="{FF2B5EF4-FFF2-40B4-BE49-F238E27FC236}">
+                <a16:creationId xmlns:a16="http://schemas.microsoft.com/office/drawing/2014/main" id="{E88B1008-F8C1-4642-A366-06208A0117F6}"/>
+              </a:ext>
+            </a:extLst>
+          </p:cNvPr>
+          <p:cNvPicPr>
+            <a:picLocks noChangeAspect="1"/>
+          </p:cNvPicPr>
+          <p:nvPr/>
+        </p:nvPicPr>
+        <p:blipFill>
+          <a:blip r:embed="rId3">
+            <a:extLst>
+              <a:ext uri="{28A0092B-C50C-407E-A947-70E740481C1C}">
+                <a14:useLocalDpi xmlns:a14="http://schemas.microsoft.com/office/drawing/2010/main" val="0"/>
+              </a:ext>
+            </a:extLst>
+          </a:blip>
+          <a:srcRect/>
+          <a:stretch>
+            <a:fillRect/>
+          </a:stretch>
+        </p:blipFill>
+        <p:spPr bwMode="auto">
+          <a:xfrm>
+            <a:off x="2120583" y="3459426"/>
+            <a:ext cx="3898239" cy="2128574"/>
+          </a:xfrm>
+          <a:prstGeom prst="rect">
+            <a:avLst/>
+          </a:prstGeom>
+          <a:noFill/>
+          <a:ln>
+            <a:noFill/>
+          </a:ln>
+          <a:extLst>
+            <a:ext uri="{909E8E84-426E-40DD-AFC4-6F175D3DCCD1}">
+              <a14:hiddenFill xmlns:a14="http://schemas.microsoft.com/office/drawing/2010/main">
+                <a:solidFill>
+                  <a:srgbClr val="FFFFFF"/>
+                </a:solidFill>
+              </a14:hiddenFill>
+            </a:ext>
+            <a:ext uri="{91240B29-F687-4F45-9708-019B960494DF}">
+              <a14:hiddenLine xmlns:a14="http://schemas.microsoft.com/office/drawing/2010/main" w="9525">
+                <a:solidFill>
+                  <a:srgbClr val="000000"/>
+                </a:solidFill>
+                <a:miter lim="800000"/>
+                <a:headEnd/>
+                <a:tailEnd/>
+              </a14:hiddenLine>
+            </a:ext>
+          </a:extLst>
+        </p:spPr>
+      </p:pic>
+    </p:spTree>
+    <p:extLst>
+      <p:ext uri="{BB962C8B-B14F-4D97-AF65-F5344CB8AC3E}">
+        <p14:creationId xmlns:p14="http://schemas.microsoft.com/office/powerpoint/2010/main" val="3691232827"/>
+      </p:ext>
+    </p:extLst>
+  </p:cSld>
+  <p:clrMapOvr>
+    <a:masterClrMapping/>
+  </p:clrMapOvr>
+  <p:transition/>
+  <p:timing>
+    <p:tnLst>
+      <p:par>
+        <p:cTn id="1" dur="indefinite" restart="never" nodeType="tmRoot">
+          <p:childTnLst>
+            <p:seq concurrent="1" nextAc="seek">
+              <p:cTn id="2" dur="indefinite" nodeType="mainSeq">
+                <p:childTnLst>
+                  <p:par>
+                    <p:cTn id="3" fill="hold" nodeType="clickPar">
+                      <p:stCondLst>
+                        <p:cond delay="indefinite"/>
+                      </p:stCondLst>
+                      <p:childTnLst>
+                        <p:par>
+                          <p:cTn id="4" fill="hold" nodeType="withGroup">
+                            <p:stCondLst>
+                              <p:cond delay="0"/>
+                            </p:stCondLst>
+                            <p:childTnLst>
+                              <p:par>
+                                <p:cTn id="5" presetID="1" presetClass="entr" presetSubtype="0" fill="hold" nodeType="clickEffect">
+                                  <p:stCondLst>
+                                    <p:cond delay="0"/>
+                                  </p:stCondLst>
+                                  <p:childTnLst>
+                                    <p:set>
+                                      <p:cBhvr>
+                                        <p:cTn id="6" dur="1" fill="hold">
+                                          <p:stCondLst>
+                                            <p:cond delay="0"/>
+                                          </p:stCondLst>
+                                        </p:cTn>
+                                        <p:tgtEl>
+                                          <p:spTgt spid="16386">
+                                            <p:txEl>
+                                              <p:pRg st="0" end="0"/>
+                                            </p:txEl>
+                                          </p:spTgt>
+                                        </p:tgtEl>
+                                        <p:attrNameLst>
+                                          <p:attrName>style.visibility</p:attrName>
+                                        </p:attrNameLst>
+                                      </p:cBhvr>
+                                      <p:to>
+                                        <p:strVal val="visible"/>
+                                      </p:to>
+                                    </p:set>
+                                  </p:childTnLst>
+                                </p:cTn>
+                              </p:par>
+                            </p:childTnLst>
+                          </p:cTn>
+                        </p:par>
+                      </p:childTnLst>
+                    </p:cTn>
+                  </p:par>
+                  <p:par>
+                    <p:cTn id="7" fill="hold" nodeType="clickPar">
+                      <p:stCondLst>
+                        <p:cond delay="indefinite"/>
+                      </p:stCondLst>
+                      <p:childTnLst>
+                        <p:par>
+                          <p:cTn id="8" fill="hold" nodeType="withGroup">
+                            <p:stCondLst>
+                              <p:cond delay="0"/>
+                            </p:stCondLst>
+                            <p:childTnLst>
+                              <p:par>
+                                <p:cTn id="9" presetID="1" presetClass="entr" presetSubtype="0" fill="hold" nodeType="clickEffect">
+                                  <p:stCondLst>
+                                    <p:cond delay="0"/>
+                                  </p:stCondLst>
+                                  <p:childTnLst>
+                                    <p:set>
+                                      <p:cBhvr>
+                                        <p:cTn id="10" dur="1" fill="hold">
+                                          <p:stCondLst>
+                                            <p:cond delay="0"/>
+                                          </p:stCondLst>
+                                        </p:cTn>
+                                        <p:tgtEl>
+                                          <p:spTgt spid="16386">
+                                            <p:txEl>
+                                              <p:pRg st="1" end="1"/>
+                                            </p:txEl>
+                                          </p:spTgt>
+                                        </p:tgtEl>
+                                        <p:attrNameLst>
+                                          <p:attrName>style.visibility</p:attrName>
+                                        </p:attrNameLst>
+                                      </p:cBhvr>
+                                      <p:to>
+                                        <p:strVal val="visible"/>
+                                      </p:to>
+                                    </p:set>
+                                  </p:childTnLst>
+                                </p:cTn>
+                              </p:par>
+                            </p:childTnLst>
+                          </p:cTn>
+                        </p:par>
+                      </p:childTnLst>
+                    </p:cTn>
+                  </p:par>
+                  <p:par>
+                    <p:cTn id="11" fill="hold" nodeType="clickPar">
+                      <p:stCondLst>
+                        <p:cond delay="indefinite"/>
+                      </p:stCondLst>
+                      <p:childTnLst>
+                        <p:par>
+                          <p:cTn id="12" fill="hold" nodeType="withGroup">
+                            <p:stCondLst>
+                              <p:cond delay="0"/>
+                            </p:stCondLst>
+                            <p:childTnLst>
+                              <p:par>
+                                <p:cTn id="13" presetID="1" presetClass="entr" presetSubtype="0" fill="hold" nodeType="clickEffect">
+                                  <p:stCondLst>
+                                    <p:cond delay="0"/>
+                                  </p:stCondLst>
+                                  <p:childTnLst>
+                                    <p:set>
+                                      <p:cBhvr>
+                                        <p:cTn id="14" dur="1" fill="hold">
+                                          <p:stCondLst>
+                                            <p:cond delay="0"/>
+                                          </p:stCondLst>
+                                        </p:cTn>
+                                        <p:tgtEl>
+                                          <p:spTgt spid="16386">
+                                            <p:txEl>
+                                              <p:pRg st="2" end="2"/>
+                                            </p:txEl>
+                                          </p:spTgt>
+                                        </p:tgtEl>
+                                        <p:attrNameLst>
+                                          <p:attrName>style.visibility</p:attrName>
+                                        </p:attrNameLst>
+                                      </p:cBhvr>
+                                      <p:to>
+                                        <p:strVal val="visible"/>
+                                      </p:to>
+                                    </p:set>
+                                  </p:childTnLst>
+                                </p:cTn>
+                              </p:par>
+                            </p:childTnLst>
+                          </p:cTn>
+                        </p:par>
+                      </p:childTnLst>
+                    </p:cTn>
+                  </p:par>
+                  <p:par>
+                    <p:cTn id="15" fill="hold" nodeType="clickPar">
+                      <p:stCondLst>
+                        <p:cond delay="indefinite"/>
+                      </p:stCondLst>
+                      <p:childTnLst>
+                        <p:par>
+                          <p:cTn id="16" fill="hold" nodeType="withGroup">
+                            <p:stCondLst>
+                              <p:cond delay="0"/>
+                            </p:stCondLst>
+                            <p:childTnLst>
+                              <p:par>
+                                <p:cTn id="17" presetID="1" presetClass="entr" presetSubtype="0" fill="hold" nodeType="clickEffect">
+                                  <p:stCondLst>
+                                    <p:cond delay="0"/>
+                                  </p:stCondLst>
+                                  <p:childTnLst>
+                                    <p:set>
+                                      <p:cBhvr>
+                                        <p:cTn id="18" dur="1" fill="hold">
+                                          <p:stCondLst>
+                                            <p:cond delay="0"/>
+                                          </p:stCondLst>
+                                        </p:cTn>
+                                        <p:tgtEl>
+                                          <p:spTgt spid="4"/>
+                                        </p:tgtEl>
+                                        <p:attrNameLst>
+                                          <p:attrName>style.visibility</p:attrName>
+                                        </p:attrNameLst>
+                                      </p:cBhvr>
+                                      <p:to>
+                                        <p:strVal val="visible"/>
+                                      </p:to>
+                                    </p:set>
+                                  </p:childTnLst>
+                                </p:cTn>
+                              </p:par>
+                            </p:childTnLst>
+                          </p:cTn>
+                        </p:par>
+                      </p:childTnLst>
+                    </p:cTn>
+                  </p:par>
+                </p:childTnLst>
+              </p:cTn>
+              <p:prevCondLst>
+                <p:cond evt="onPrev" delay="0">
+                  <p:tgtEl>
+                    <p:sldTgt/>
+                  </p:tgtEl>
+                </p:cond>
+              </p:prevCondLst>
+              <p:nextCondLst>
+                <p:cond evt="onNext" delay="0">
+                  <p:tgtEl>
+                    <p:sldTgt/>
+                  </p:tgtEl>
+                </p:cond>
+              </p:nextCondLst>
+            </p:seq>
+          </p:childTnLst>
+        </p:cTn>
+      </p:par>
+    </p:tnLst>
+  </p:timing>
+</p:sld>
+</file>
+
+<file path=ppt/slides/slide11.xml><?xml version="1.0" encoding="utf-8"?>
+<p:sld xmlns:a="http://schemas.openxmlformats.org/drawingml/2006/main" xmlns:r="http://schemas.openxmlformats.org/officeDocument/2006/relationships" xmlns:p="http://schemas.openxmlformats.org/presentationml/2006/main">
+  <p:cSld>
+    <p:spTree>
+      <p:nvGrpSpPr>
+        <p:cNvPr id="1" name=""/>
+        <p:cNvGrpSpPr/>
+        <p:nvPr/>
+      </p:nvGrpSpPr>
+      <p:grpSpPr>
+        <a:xfrm>
+          <a:off x="0" y="0"/>
+          <a:ext cx="0" cy="0"/>
+          <a:chOff x="0" y="0"/>
+          <a:chExt cx="0" cy="0"/>
+        </a:xfrm>
+      </p:grpSpPr>
+      <p:sp>
+        <p:nvSpPr>
           <p:cNvPr id="34817" name="Rectangle 2">
             <a:extLst>
               <a:ext uri="{FF2B5EF4-FFF2-40B4-BE49-F238E27FC236}">
@@ -15539,7 +14396,7 @@
 </p:sld>
 </file>
 
-<file path=ppt/slides/slide11.xml><?xml version="1.0" encoding="utf-8"?>
+<file path=ppt/slides/slide12.xml><?xml version="1.0" encoding="utf-8"?>
 <p:sld xmlns:a="http://schemas.openxmlformats.org/drawingml/2006/main" xmlns:r="http://schemas.openxmlformats.org/officeDocument/2006/relationships" xmlns:p="http://schemas.openxmlformats.org/presentationml/2006/main">
   <p:cSld>
     <p:spTree>
@@ -16018,7 +14875,7 @@
 </p:sld>
 </file>
 
-<file path=ppt/slides/slide12.xml><?xml version="1.0" encoding="utf-8"?>
+<file path=ppt/slides/slide13.xml><?xml version="1.0" encoding="utf-8"?>
 <p:sld xmlns:a="http://schemas.openxmlformats.org/drawingml/2006/main" xmlns:r="http://schemas.openxmlformats.org/officeDocument/2006/relationships" xmlns:p="http://schemas.openxmlformats.org/presentationml/2006/main">
   <p:cSld>
     <p:spTree>
@@ -16841,7 +15698,7 @@
 </p:sld>
 </file>
 
-<file path=ppt/slides/slide13.xml><?xml version="1.0" encoding="utf-8"?>
+<file path=ppt/slides/slide14.xml><?xml version="1.0" encoding="utf-8"?>
 <p:sld xmlns:a="http://schemas.openxmlformats.org/drawingml/2006/main" xmlns:r="http://schemas.openxmlformats.org/officeDocument/2006/relationships" xmlns:p="http://schemas.openxmlformats.org/presentationml/2006/main">
   <p:cSld>
     <p:spTree>
@@ -18316,7 +17173,7 @@
 </p:sld>
 </file>
 
-<file path=ppt/slides/slide14.xml><?xml version="1.0" encoding="utf-8"?>
+<file path=ppt/slides/slide15.xml><?xml version="1.0" encoding="utf-8"?>
 <p:sld xmlns:a="http://schemas.openxmlformats.org/drawingml/2006/main" xmlns:r="http://schemas.openxmlformats.org/officeDocument/2006/relationships" xmlns:p="http://schemas.openxmlformats.org/presentationml/2006/main">
   <p:cSld>
     <p:spTree>
@@ -20023,7 +18880,7 @@
 </p:sld>
 </file>
 
-<file path=ppt/slides/slide15.xml><?xml version="1.0" encoding="utf-8"?>
+<file path=ppt/slides/slide16.xml><?xml version="1.0" encoding="utf-8"?>
 <p:sld xmlns:a="http://schemas.openxmlformats.org/drawingml/2006/main" xmlns:r="http://schemas.openxmlformats.org/officeDocument/2006/relationships" xmlns:p="http://schemas.openxmlformats.org/presentationml/2006/main">
   <p:cSld>
     <p:spTree>
@@ -21213,7 +20070,7 @@
 </p:sld>
 </file>
 
-<file path=ppt/slides/slide16.xml><?xml version="1.0" encoding="utf-8"?>
+<file path=ppt/slides/slide17.xml><?xml version="1.0" encoding="utf-8"?>
 <p:sld xmlns:a="http://schemas.openxmlformats.org/drawingml/2006/main" xmlns:r="http://schemas.openxmlformats.org/officeDocument/2006/relationships" xmlns:p="http://schemas.openxmlformats.org/presentationml/2006/main">
   <p:cSld>
     <p:spTree>
@@ -22202,7 +21059,7 @@
 </p:sld>
 </file>
 
-<file path=ppt/slides/slide17.xml><?xml version="1.0" encoding="utf-8"?>
+<file path=ppt/slides/slide18.xml><?xml version="1.0" encoding="utf-8"?>
 <p:sld xmlns:a="http://schemas.openxmlformats.org/drawingml/2006/main" xmlns:r="http://schemas.openxmlformats.org/officeDocument/2006/relationships" xmlns:p="http://schemas.openxmlformats.org/presentationml/2006/main">
   <p:cSld>
     <p:spTree>
@@ -23134,7 +21991,7 @@
 </p:sld>
 </file>
 
-<file path=ppt/slides/slide18.xml><?xml version="1.0" encoding="utf-8"?>
+<file path=ppt/slides/slide19.xml><?xml version="1.0" encoding="utf-8"?>
 <p:sld xmlns:a="http://schemas.openxmlformats.org/drawingml/2006/main" xmlns:r="http://schemas.openxmlformats.org/officeDocument/2006/relationships" xmlns:p="http://schemas.openxmlformats.org/presentationml/2006/main">
   <p:cSld>
     <p:spTree>
@@ -24248,699 +23105,6 @@
     <p:bldLst>
       <p:bldP spid="8" grpId="0"/>
     </p:bldLst>
-  </p:timing>
-</p:sld>
-</file>
-
-<file path=ppt/slides/slide19.xml><?xml version="1.0" encoding="utf-8"?>
-<p:sld xmlns:a="http://schemas.openxmlformats.org/drawingml/2006/main" xmlns:r="http://schemas.openxmlformats.org/officeDocument/2006/relationships" xmlns:p="http://schemas.openxmlformats.org/presentationml/2006/main">
-  <p:cSld>
-    <p:spTree>
-      <p:nvGrpSpPr>
-        <p:cNvPr id="1" name=""/>
-        <p:cNvGrpSpPr/>
-        <p:nvPr/>
-      </p:nvGrpSpPr>
-      <p:grpSpPr>
-        <a:xfrm>
-          <a:off x="0" y="0"/>
-          <a:ext cx="0" cy="0"/>
-          <a:chOff x="0" y="0"/>
-          <a:chExt cx="0" cy="0"/>
-        </a:xfrm>
-      </p:grpSpPr>
-      <p:sp>
-        <p:nvSpPr>
-          <p:cNvPr id="38913" name="Rectangle 2">
-            <a:extLst>
-              <a:ext uri="{FF2B5EF4-FFF2-40B4-BE49-F238E27FC236}">
-                <a16:creationId xmlns:a16="http://schemas.microsoft.com/office/drawing/2014/main" id="{01ABAB85-1B1D-E842-8BF4-B8AF13377E9C}"/>
-              </a:ext>
-            </a:extLst>
-          </p:cNvPr>
-          <p:cNvSpPr>
-            <a:spLocks noGrp="1" noChangeArrowheads="1"/>
-          </p:cNvSpPr>
-          <p:nvPr>
-            <p:ph type="title"/>
-          </p:nvPr>
-        </p:nvSpPr>
-        <p:spPr>
-          <a:xfrm>
-            <a:off x="182880" y="127000"/>
-            <a:ext cx="7886700" cy="832591"/>
-          </a:xfrm>
-        </p:spPr>
-        <p:txBody>
-          <a:bodyPr/>
-          <a:lstStyle/>
-          <a:p>
-            <a:pPr eaLnBrk="1" hangingPunct="1"/>
-            <a:r>
-              <a:rPr lang="en-US" altLang="en-US" dirty="0">
-                <a:latin typeface="Tahoma" panose="020B0604030504040204" pitchFamily="34" charset="0"/>
-                <a:ea typeface="ＭＳ Ｐゴシック" panose="020B0600070205080204" pitchFamily="34" charset="-128"/>
-              </a:rPr>
-              <a:t>Decomposing an Image</a:t>
-            </a:r>
-          </a:p>
-        </p:txBody>
-      </p:sp>
-      <p:sp>
-        <p:nvSpPr>
-          <p:cNvPr id="16386" name="Rectangle 3">
-            <a:extLst>
-              <a:ext uri="{FF2B5EF4-FFF2-40B4-BE49-F238E27FC236}">
-                <a16:creationId xmlns:a16="http://schemas.microsoft.com/office/drawing/2014/main" id="{B58E18ED-8D49-8844-A857-3DC2CAD817CB}"/>
-              </a:ext>
-            </a:extLst>
-          </p:cNvPr>
-          <p:cNvSpPr>
-            <a:spLocks noGrp="1" noChangeArrowheads="1"/>
-          </p:cNvSpPr>
-          <p:nvPr>
-            <p:ph type="body" idx="1"/>
-          </p:nvPr>
-        </p:nvSpPr>
-        <p:spPr>
-          <a:xfrm>
-            <a:off x="262890" y="925830"/>
-            <a:ext cx="8538210" cy="4662170"/>
-          </a:xfrm>
-        </p:spPr>
-        <p:txBody>
-          <a:bodyPr>
-            <a:normAutofit/>
-          </a:bodyPr>
-          <a:lstStyle/>
-          <a:p>
-            <a:pPr marL="0" indent="0">
-              <a:buNone/>
-            </a:pPr>
-            <a:r>
-              <a:rPr lang="en-US" altLang="en-US" sz="2000" dirty="0">
-                <a:latin typeface="Gill Sans MT" panose="020B0502020104020203" pitchFamily="34" charset="77"/>
-                <a:ea typeface="ＭＳ Ｐゴシック" panose="020B0600070205080204" pitchFamily="34" charset="-128"/>
-              </a:rPr>
-              <a:t>What would you guess the R, G and B components of the yellow pixel at the center of the flower? </a:t>
-            </a:r>
-          </a:p>
-          <a:p>
-            <a:pPr marL="0" indent="0">
-              <a:buNone/>
-            </a:pPr>
-            <a:r>
-              <a:rPr lang="en-US" altLang="en-US" sz="2000" dirty="0">
-                <a:latin typeface="Gill Sans MT" panose="020B0502020104020203" pitchFamily="34" charset="77"/>
-                <a:ea typeface="ＭＳ Ｐゴシック" panose="020B0600070205080204" pitchFamily="34" charset="-128"/>
-              </a:rPr>
-              <a:t>Since red + green is yellow. We should expect high components in the R and G channels and a low number for the B channel. </a:t>
-            </a:r>
-          </a:p>
-          <a:p>
-            <a:pPr marL="0" indent="0">
-              <a:buNone/>
-            </a:pPr>
-            <a:endParaRPr lang="en-US" altLang="en-US" sz="2000" dirty="0">
-              <a:latin typeface="Gill Sans MT" panose="020B0502020104020203" pitchFamily="34" charset="77"/>
-              <a:ea typeface="ＭＳ Ｐゴシック" panose="020B0600070205080204" pitchFamily="34" charset="-128"/>
-            </a:endParaRPr>
-          </a:p>
-          <a:p>
-            <a:pPr marL="0" indent="0" eaLnBrk="1" hangingPunct="1">
-              <a:buNone/>
-            </a:pPr>
-            <a:r>
-              <a:rPr lang="en-US" altLang="en-US" sz="1800" b="1" dirty="0">
-                <a:latin typeface="Inconsolata" panose="020B0609030003000000" pitchFamily="49" charset="77"/>
-                <a:ea typeface="ＭＳ Ｐゴシック" panose="020B0600070205080204" pitchFamily="34" charset="-128"/>
-              </a:rPr>
-              <a:t>print(</a:t>
-            </a:r>
-            <a:r>
-              <a:rPr lang="en-US" altLang="en-US" sz="1800" b="1" dirty="0" err="1">
-                <a:latin typeface="Inconsolata" panose="020B0609030003000000" pitchFamily="49" charset="77"/>
-                <a:ea typeface="ＭＳ Ｐゴシック" panose="020B0600070205080204" pitchFamily="34" charset="-128"/>
-              </a:rPr>
-              <a:t>img</a:t>
-            </a:r>
-            <a:r>
-              <a:rPr lang="en-US" altLang="en-US" sz="1800" b="1" dirty="0">
-                <a:latin typeface="Inconsolata" panose="020B0609030003000000" pitchFamily="49" charset="77"/>
-                <a:ea typeface="ＭＳ Ｐゴシック" panose="020B0600070205080204" pitchFamily="34" charset="-128"/>
-              </a:rPr>
-              <a:t>[400,400,:])</a:t>
-            </a:r>
-          </a:p>
-          <a:p>
-            <a:pPr marL="0" indent="0">
-              <a:buNone/>
-            </a:pPr>
-            <a:r>
-              <a:rPr lang="en-US" sz="1800" b="1" dirty="0">
-                <a:solidFill>
-                  <a:srgbClr val="FFC000"/>
-                </a:solidFill>
-                <a:latin typeface="Inconsolata" panose="020B0609030003000000" pitchFamily="49" charset="77"/>
-              </a:rPr>
-              <a:t>array([185, 135, 0], </a:t>
-            </a:r>
-            <a:r>
-              <a:rPr lang="en-US" sz="1800" b="1" dirty="0" err="1">
-                <a:solidFill>
-                  <a:srgbClr val="FFC000"/>
-                </a:solidFill>
-                <a:latin typeface="Inconsolata" panose="020B0609030003000000" pitchFamily="49" charset="77"/>
-              </a:rPr>
-              <a:t>dtype</a:t>
-            </a:r>
-            <a:r>
-              <a:rPr lang="en-US" sz="1800" b="1" dirty="0">
-                <a:solidFill>
-                  <a:srgbClr val="FFC000"/>
-                </a:solidFill>
-                <a:latin typeface="Inconsolata" panose="020B0609030003000000" pitchFamily="49" charset="77"/>
-              </a:rPr>
-              <a:t>=uint8)</a:t>
-            </a:r>
-          </a:p>
-        </p:txBody>
-      </p:sp>
-      <p:sp>
-        <p:nvSpPr>
-          <p:cNvPr id="38915" name="Picture 5" descr="sqrt_b^2-4ac.pdf">
-            <a:extLst>
-              <a:ext uri="{FF2B5EF4-FFF2-40B4-BE49-F238E27FC236}">
-                <a16:creationId xmlns:a16="http://schemas.microsoft.com/office/drawing/2014/main" id="{96383EC4-01AF-BA4A-B24B-794940A33441}"/>
-              </a:ext>
-            </a:extLst>
-          </p:cNvPr>
-          <p:cNvSpPr>
-            <a:spLocks noChangeAspect="1"/>
-          </p:cNvSpPr>
-          <p:nvPr/>
-        </p:nvSpPr>
-        <p:spPr bwMode="auto">
-          <a:xfrm>
-            <a:off x="791105" y="3366823"/>
-            <a:ext cx="7141104" cy="1951302"/>
-          </a:xfrm>
-          <a:prstGeom prst="rect">
-            <a:avLst/>
-          </a:prstGeom>
-          <a:noFill/>
-          <a:ln>
-            <a:noFill/>
-          </a:ln>
-          <a:extLst>
-            <a:ext uri="{909E8E84-426E-40DD-AFC4-6F175D3DCCD1}">
-              <a14:hiddenFill xmlns:a14="http://schemas.microsoft.com/office/drawing/2010/main">
-                <a:solidFill>
-                  <a:srgbClr val="FFFFFF"/>
-                </a:solidFill>
-              </a14:hiddenFill>
-            </a:ext>
-            <a:ext uri="{91240B29-F687-4F45-9708-019B960494DF}">
-              <a14:hiddenLine xmlns:a14="http://schemas.microsoft.com/office/drawing/2010/main" w="9525">
-                <a:solidFill>
-                  <a:srgbClr val="000000"/>
-                </a:solidFill>
-                <a:miter lim="800000"/>
-                <a:headEnd/>
-                <a:tailEnd/>
-              </a14:hiddenLine>
-            </a:ext>
-          </a:extLst>
-        </p:spPr>
-        <p:txBody>
-          <a:bodyPr/>
-          <a:lstStyle>
-            <a:lvl1pPr>
-              <a:spcBef>
-                <a:spcPct val="20000"/>
-              </a:spcBef>
-              <a:buChar char="•"/>
-              <a:defRPr sz="3200">
-                <a:solidFill>
-                  <a:schemeClr val="tx1"/>
-                </a:solidFill>
-                <a:latin typeface="Arial" panose="020B0604020202020204" pitchFamily="34" charset="0"/>
-                <a:ea typeface="ＭＳ Ｐゴシック" panose="020B0600070205080204" pitchFamily="34" charset="-128"/>
-                <a:cs typeface="Arial" panose="020B0604020202020204" pitchFamily="34" charset="0"/>
-              </a:defRPr>
-            </a:lvl1pPr>
-            <a:lvl2pPr marL="742950" indent="-285750">
-              <a:spcBef>
-                <a:spcPct val="20000"/>
-              </a:spcBef>
-              <a:buChar char="–"/>
-              <a:defRPr sz="2800">
-                <a:solidFill>
-                  <a:schemeClr val="tx1"/>
-                </a:solidFill>
-                <a:latin typeface="Arial" panose="020B0604020202020204" pitchFamily="34" charset="0"/>
-                <a:ea typeface="Arial" panose="020B0604020202020204" pitchFamily="34" charset="0"/>
-                <a:cs typeface="Arial" panose="020B0604020202020204" pitchFamily="34" charset="0"/>
-              </a:defRPr>
-            </a:lvl2pPr>
-            <a:lvl3pPr marL="1143000" indent="-228600">
-              <a:spcBef>
-                <a:spcPct val="20000"/>
-              </a:spcBef>
-              <a:buChar char="•"/>
-              <a:defRPr sz="2400">
-                <a:solidFill>
-                  <a:schemeClr val="tx1"/>
-                </a:solidFill>
-                <a:latin typeface="Arial" panose="020B0604020202020204" pitchFamily="34" charset="0"/>
-                <a:ea typeface="Arial" panose="020B0604020202020204" pitchFamily="34" charset="0"/>
-                <a:cs typeface="Arial" panose="020B0604020202020204" pitchFamily="34" charset="0"/>
-              </a:defRPr>
-            </a:lvl3pPr>
-            <a:lvl4pPr marL="1600200" indent="-228600">
-              <a:spcBef>
-                <a:spcPct val="20000"/>
-              </a:spcBef>
-              <a:buChar char="–"/>
-              <a:defRPr sz="2000">
-                <a:solidFill>
-                  <a:schemeClr val="tx1"/>
-                </a:solidFill>
-                <a:latin typeface="Arial" panose="020B0604020202020204" pitchFamily="34" charset="0"/>
-                <a:ea typeface="Arial" panose="020B0604020202020204" pitchFamily="34" charset="0"/>
-                <a:cs typeface="Arial" panose="020B0604020202020204" pitchFamily="34" charset="0"/>
-              </a:defRPr>
-            </a:lvl4pPr>
-            <a:lvl5pPr marL="2057400" indent="-228600">
-              <a:spcBef>
-                <a:spcPct val="20000"/>
-              </a:spcBef>
-              <a:buChar char="»"/>
-              <a:defRPr sz="2000">
-                <a:solidFill>
-                  <a:schemeClr val="tx1"/>
-                </a:solidFill>
-                <a:latin typeface="Arial" panose="020B0604020202020204" pitchFamily="34" charset="0"/>
-                <a:ea typeface="Arial" panose="020B0604020202020204" pitchFamily="34" charset="0"/>
-                <a:cs typeface="Arial" panose="020B0604020202020204" pitchFamily="34" charset="0"/>
-              </a:defRPr>
-            </a:lvl5pPr>
-            <a:lvl6pPr marL="2514600" indent="-228600" eaLnBrk="0" fontAlgn="base" hangingPunct="0">
-              <a:spcBef>
-                <a:spcPct val="20000"/>
-              </a:spcBef>
-              <a:spcAft>
-                <a:spcPct val="0"/>
-              </a:spcAft>
-              <a:buChar char="»"/>
-              <a:defRPr sz="2000">
-                <a:solidFill>
-                  <a:schemeClr val="tx1"/>
-                </a:solidFill>
-                <a:latin typeface="Arial" panose="020B0604020202020204" pitchFamily="34" charset="0"/>
-                <a:ea typeface="Arial" panose="020B0604020202020204" pitchFamily="34" charset="0"/>
-                <a:cs typeface="Arial" panose="020B0604020202020204" pitchFamily="34" charset="0"/>
-              </a:defRPr>
-            </a:lvl6pPr>
-            <a:lvl7pPr marL="2971800" indent="-228600" eaLnBrk="0" fontAlgn="base" hangingPunct="0">
-              <a:spcBef>
-                <a:spcPct val="20000"/>
-              </a:spcBef>
-              <a:spcAft>
-                <a:spcPct val="0"/>
-              </a:spcAft>
-              <a:buChar char="»"/>
-              <a:defRPr sz="2000">
-                <a:solidFill>
-                  <a:schemeClr val="tx1"/>
-                </a:solidFill>
-                <a:latin typeface="Arial" panose="020B0604020202020204" pitchFamily="34" charset="0"/>
-                <a:ea typeface="Arial" panose="020B0604020202020204" pitchFamily="34" charset="0"/>
-                <a:cs typeface="Arial" panose="020B0604020202020204" pitchFamily="34" charset="0"/>
-              </a:defRPr>
-            </a:lvl7pPr>
-            <a:lvl8pPr marL="3429000" indent="-228600" eaLnBrk="0" fontAlgn="base" hangingPunct="0">
-              <a:spcBef>
-                <a:spcPct val="20000"/>
-              </a:spcBef>
-              <a:spcAft>
-                <a:spcPct val="0"/>
-              </a:spcAft>
-              <a:buChar char="»"/>
-              <a:defRPr sz="2000">
-                <a:solidFill>
-                  <a:schemeClr val="tx1"/>
-                </a:solidFill>
-                <a:latin typeface="Arial" panose="020B0604020202020204" pitchFamily="34" charset="0"/>
-                <a:ea typeface="Arial" panose="020B0604020202020204" pitchFamily="34" charset="0"/>
-                <a:cs typeface="Arial" panose="020B0604020202020204" pitchFamily="34" charset="0"/>
-              </a:defRPr>
-            </a:lvl8pPr>
-            <a:lvl9pPr marL="3886200" indent="-228600" eaLnBrk="0" fontAlgn="base" hangingPunct="0">
-              <a:spcBef>
-                <a:spcPct val="20000"/>
-              </a:spcBef>
-              <a:spcAft>
-                <a:spcPct val="0"/>
-              </a:spcAft>
-              <a:buChar char="»"/>
-              <a:defRPr sz="2000">
-                <a:solidFill>
-                  <a:schemeClr val="tx1"/>
-                </a:solidFill>
-                <a:latin typeface="Arial" panose="020B0604020202020204" pitchFamily="34" charset="0"/>
-                <a:ea typeface="Arial" panose="020B0604020202020204" pitchFamily="34" charset="0"/>
-                <a:cs typeface="Arial" panose="020B0604020202020204" pitchFamily="34" charset="0"/>
-              </a:defRPr>
-            </a:lvl9pPr>
-          </a:lstStyle>
-          <a:p>
-            <a:pPr>
-              <a:spcBef>
-                <a:spcPct val="0"/>
-              </a:spcBef>
-              <a:buFontTx/>
-              <a:buNone/>
-            </a:pPr>
-            <a:endParaRPr lang="en-US" altLang="en-US" sz="1500"/>
-          </a:p>
-        </p:txBody>
-      </p:sp>
-      <p:pic>
-        <p:nvPicPr>
-          <p:cNvPr id="3" name="Picture 2">
-            <a:extLst>
-              <a:ext uri="{FF2B5EF4-FFF2-40B4-BE49-F238E27FC236}">
-                <a16:creationId xmlns:a16="http://schemas.microsoft.com/office/drawing/2014/main" id="{839B1BA9-6040-FA49-9CAF-103DB8B9E656}"/>
-              </a:ext>
-            </a:extLst>
-          </p:cNvPr>
-          <p:cNvPicPr>
-            <a:picLocks noChangeAspect="1"/>
-          </p:cNvPicPr>
-          <p:nvPr/>
-        </p:nvPicPr>
-        <p:blipFill>
-          <a:blip r:embed="rId3"/>
-          <a:stretch>
-            <a:fillRect/>
-          </a:stretch>
-        </p:blipFill>
-        <p:spPr>
-          <a:xfrm>
-            <a:off x="4433276" y="2368473"/>
-            <a:ext cx="4802270" cy="2642616"/>
-          </a:xfrm>
-          <a:prstGeom prst="rect">
-            <a:avLst/>
-          </a:prstGeom>
-        </p:spPr>
-      </p:pic>
-      <p:cxnSp>
-        <p:nvCxnSpPr>
-          <p:cNvPr id="10" name="Straight Arrow Connector 9">
-            <a:extLst>
-              <a:ext uri="{FF2B5EF4-FFF2-40B4-BE49-F238E27FC236}">
-                <a16:creationId xmlns:a16="http://schemas.microsoft.com/office/drawing/2014/main" id="{54D2DF99-A1E1-D642-8BA0-70B868CCF76B}"/>
-              </a:ext>
-            </a:extLst>
-          </p:cNvPr>
-          <p:cNvCxnSpPr>
-            <a:cxnSpLocks/>
-          </p:cNvCxnSpPr>
-          <p:nvPr/>
-        </p:nvCxnSpPr>
-        <p:spPr>
-          <a:xfrm>
-            <a:off x="2991028" y="2768837"/>
-            <a:ext cx="3580688" cy="837488"/>
-          </a:xfrm>
-          <a:prstGeom prst="straightConnector1">
-            <a:avLst/>
-          </a:prstGeom>
-          <a:ln w="25400">
-            <a:solidFill>
-              <a:schemeClr val="tx1"/>
-            </a:solidFill>
-            <a:tailEnd type="triangle"/>
-          </a:ln>
-        </p:spPr>
-        <p:style>
-          <a:lnRef idx="1">
-            <a:schemeClr val="accent1"/>
-          </a:lnRef>
-          <a:fillRef idx="0">
-            <a:schemeClr val="accent1"/>
-          </a:fillRef>
-          <a:effectRef idx="0">
-            <a:schemeClr val="accent1"/>
-          </a:effectRef>
-          <a:fontRef idx="minor">
-            <a:schemeClr val="tx1"/>
-          </a:fontRef>
-        </p:style>
-      </p:cxnSp>
-    </p:spTree>
-    <p:extLst>
-      <p:ext uri="{BB962C8B-B14F-4D97-AF65-F5344CB8AC3E}">
-        <p14:creationId xmlns:p14="http://schemas.microsoft.com/office/powerpoint/2010/main" val="1313664081"/>
-      </p:ext>
-    </p:extLst>
-  </p:cSld>
-  <p:clrMapOvr>
-    <a:masterClrMapping/>
-  </p:clrMapOvr>
-  <p:transition/>
-  <p:timing>
-    <p:tnLst>
-      <p:par>
-        <p:cTn id="1" dur="indefinite" restart="never" nodeType="tmRoot">
-          <p:childTnLst>
-            <p:seq concurrent="1" nextAc="seek">
-              <p:cTn id="2" dur="indefinite" nodeType="mainSeq">
-                <p:childTnLst>
-                  <p:par>
-                    <p:cTn id="3" fill="hold">
-                      <p:stCondLst>
-                        <p:cond delay="indefinite"/>
-                      </p:stCondLst>
-                      <p:childTnLst>
-                        <p:par>
-                          <p:cTn id="4" fill="hold">
-                            <p:stCondLst>
-                              <p:cond delay="0"/>
-                            </p:stCondLst>
-                            <p:childTnLst>
-                              <p:par>
-                                <p:cTn id="5" presetID="1" presetClass="entr" presetSubtype="0" fill="hold" nodeType="clickEffect">
-                                  <p:stCondLst>
-                                    <p:cond delay="0"/>
-                                  </p:stCondLst>
-                                  <p:childTnLst>
-                                    <p:set>
-                                      <p:cBhvr>
-                                        <p:cTn id="6" dur="1" fill="hold">
-                                          <p:stCondLst>
-                                            <p:cond delay="0"/>
-                                          </p:stCondLst>
-                                        </p:cTn>
-                                        <p:tgtEl>
-                                          <p:spTgt spid="3"/>
-                                        </p:tgtEl>
-                                        <p:attrNameLst>
-                                          <p:attrName>style.visibility</p:attrName>
-                                        </p:attrNameLst>
-                                      </p:cBhvr>
-                                      <p:to>
-                                        <p:strVal val="visible"/>
-                                      </p:to>
-                                    </p:set>
-                                  </p:childTnLst>
-                                </p:cTn>
-                              </p:par>
-                            </p:childTnLst>
-                          </p:cTn>
-                        </p:par>
-                      </p:childTnLst>
-                    </p:cTn>
-                  </p:par>
-                  <p:par>
-                    <p:cTn id="7" fill="hold">
-                      <p:stCondLst>
-                        <p:cond delay="indefinite"/>
-                      </p:stCondLst>
-                      <p:childTnLst>
-                        <p:par>
-                          <p:cTn id="8" fill="hold">
-                            <p:stCondLst>
-                              <p:cond delay="0"/>
-                            </p:stCondLst>
-                            <p:childTnLst>
-                              <p:par>
-                                <p:cTn id="9" presetID="1" presetClass="entr" presetSubtype="0" fill="hold" nodeType="clickEffect">
-                                  <p:stCondLst>
-                                    <p:cond delay="0"/>
-                                  </p:stCondLst>
-                                  <p:childTnLst>
-                                    <p:set>
-                                      <p:cBhvr>
-                                        <p:cTn id="10" dur="1" fill="hold">
-                                          <p:stCondLst>
-                                            <p:cond delay="0"/>
-                                          </p:stCondLst>
-                                        </p:cTn>
-                                        <p:tgtEl>
-                                          <p:spTgt spid="16386">
-                                            <p:txEl>
-                                              <p:pRg st="1" end="1"/>
-                                            </p:txEl>
-                                          </p:spTgt>
-                                        </p:tgtEl>
-                                        <p:attrNameLst>
-                                          <p:attrName>style.visibility</p:attrName>
-                                        </p:attrNameLst>
-                                      </p:cBhvr>
-                                      <p:to>
-                                        <p:strVal val="visible"/>
-                                      </p:to>
-                                    </p:set>
-                                  </p:childTnLst>
-                                </p:cTn>
-                              </p:par>
-                              <p:par>
-                                <p:cTn id="11" presetID="1" presetClass="entr" presetSubtype="0" fill="hold" nodeType="withEffect">
-                                  <p:stCondLst>
-                                    <p:cond delay="0"/>
-                                  </p:stCondLst>
-                                  <p:childTnLst>
-                                    <p:set>
-                                      <p:cBhvr>
-                                        <p:cTn id="12" dur="1" fill="hold">
-                                          <p:stCondLst>
-                                            <p:cond delay="0"/>
-                                          </p:stCondLst>
-                                        </p:cTn>
-                                        <p:tgtEl>
-                                          <p:spTgt spid="10"/>
-                                        </p:tgtEl>
-                                        <p:attrNameLst>
-                                          <p:attrName>style.visibility</p:attrName>
-                                        </p:attrNameLst>
-                                      </p:cBhvr>
-                                      <p:to>
-                                        <p:strVal val="visible"/>
-                                      </p:to>
-                                    </p:set>
-                                  </p:childTnLst>
-                                </p:cTn>
-                              </p:par>
-                              <p:par>
-                                <p:cTn id="13" presetID="1" presetClass="entr" presetSubtype="0" fill="hold" nodeType="withEffect">
-                                  <p:stCondLst>
-                                    <p:cond delay="0"/>
-                                  </p:stCondLst>
-                                  <p:childTnLst>
-                                    <p:set>
-                                      <p:cBhvr>
-                                        <p:cTn id="14" dur="1" fill="hold">
-                                          <p:stCondLst>
-                                            <p:cond delay="0"/>
-                                          </p:stCondLst>
-                                        </p:cTn>
-                                        <p:tgtEl>
-                                          <p:spTgt spid="16386">
-                                            <p:txEl>
-                                              <p:pRg st="3" end="3"/>
-                                            </p:txEl>
-                                          </p:spTgt>
-                                        </p:tgtEl>
-                                        <p:attrNameLst>
-                                          <p:attrName>style.visibility</p:attrName>
-                                        </p:attrNameLst>
-                                      </p:cBhvr>
-                                      <p:to>
-                                        <p:strVal val="visible"/>
-                                      </p:to>
-                                    </p:set>
-                                  </p:childTnLst>
-                                </p:cTn>
-                              </p:par>
-                            </p:childTnLst>
-                          </p:cTn>
-                        </p:par>
-                      </p:childTnLst>
-                    </p:cTn>
-                  </p:par>
-                  <p:par>
-                    <p:cTn id="15" fill="hold">
-                      <p:stCondLst>
-                        <p:cond delay="indefinite"/>
-                      </p:stCondLst>
-                      <p:childTnLst>
-                        <p:par>
-                          <p:cTn id="16" fill="hold">
-                            <p:stCondLst>
-                              <p:cond delay="0"/>
-                            </p:stCondLst>
-                            <p:childTnLst>
-                              <p:par>
-                                <p:cTn id="17" presetID="1" presetClass="entr" presetSubtype="0" fill="hold" nodeType="clickEffect">
-                                  <p:stCondLst>
-                                    <p:cond delay="0"/>
-                                  </p:stCondLst>
-                                  <p:childTnLst>
-                                    <p:set>
-                                      <p:cBhvr>
-                                        <p:cTn id="18" dur="1" fill="hold">
-                                          <p:stCondLst>
-                                            <p:cond delay="0"/>
-                                          </p:stCondLst>
-                                        </p:cTn>
-                                        <p:tgtEl>
-                                          <p:spTgt spid="16386">
-                                            <p:txEl>
-                                              <p:pRg st="4" end="4"/>
-                                            </p:txEl>
-                                          </p:spTgt>
-                                        </p:tgtEl>
-                                        <p:attrNameLst>
-                                          <p:attrName>style.visibility</p:attrName>
-                                        </p:attrNameLst>
-                                      </p:cBhvr>
-                                      <p:to>
-                                        <p:strVal val="visible"/>
-                                      </p:to>
-                                    </p:set>
-                                  </p:childTnLst>
-                                </p:cTn>
-                              </p:par>
-                            </p:childTnLst>
-                          </p:cTn>
-                        </p:par>
-                      </p:childTnLst>
-                    </p:cTn>
-                  </p:par>
-                </p:childTnLst>
-              </p:cTn>
-              <p:prevCondLst>
-                <p:cond evt="onPrev" delay="0">
-                  <p:tgtEl>
-                    <p:sldTgt/>
-                  </p:tgtEl>
-                </p:cond>
-              </p:prevCondLst>
-              <p:nextCondLst>
-                <p:cond evt="onNext" delay="0">
-                  <p:tgtEl>
-                    <p:sldTgt/>
-                  </p:tgtEl>
-                </p:cond>
-              </p:nextCondLst>
-            </p:seq>
-          </p:childTnLst>
-        </p:cTn>
-      </p:par>
-    </p:tnLst>
   </p:timing>
 </p:sld>
 </file>
@@ -25747,6 +23911,699 @@
           <a:bodyPr/>
           <a:lstStyle/>
           <a:p>
+            <a:pPr eaLnBrk="1" hangingPunct="1"/>
+            <a:r>
+              <a:rPr lang="en-US" altLang="en-US" dirty="0">
+                <a:latin typeface="Tahoma" panose="020B0604030504040204" pitchFamily="34" charset="0"/>
+                <a:ea typeface="ＭＳ Ｐゴシック" panose="020B0600070205080204" pitchFamily="34" charset="-128"/>
+              </a:rPr>
+              <a:t>Decomposing an Image</a:t>
+            </a:r>
+          </a:p>
+        </p:txBody>
+      </p:sp>
+      <p:sp>
+        <p:nvSpPr>
+          <p:cNvPr id="16386" name="Rectangle 3">
+            <a:extLst>
+              <a:ext uri="{FF2B5EF4-FFF2-40B4-BE49-F238E27FC236}">
+                <a16:creationId xmlns:a16="http://schemas.microsoft.com/office/drawing/2014/main" id="{B58E18ED-8D49-8844-A857-3DC2CAD817CB}"/>
+              </a:ext>
+            </a:extLst>
+          </p:cNvPr>
+          <p:cNvSpPr>
+            <a:spLocks noGrp="1" noChangeArrowheads="1"/>
+          </p:cNvSpPr>
+          <p:nvPr>
+            <p:ph type="body" idx="1"/>
+          </p:nvPr>
+        </p:nvSpPr>
+        <p:spPr>
+          <a:xfrm>
+            <a:off x="262890" y="925830"/>
+            <a:ext cx="8538210" cy="4662170"/>
+          </a:xfrm>
+        </p:spPr>
+        <p:txBody>
+          <a:bodyPr>
+            <a:normAutofit/>
+          </a:bodyPr>
+          <a:lstStyle/>
+          <a:p>
+            <a:pPr marL="0" indent="0">
+              <a:buNone/>
+            </a:pPr>
+            <a:r>
+              <a:rPr lang="en-US" altLang="en-US" sz="2000" dirty="0">
+                <a:latin typeface="Gill Sans MT" panose="020B0502020104020203" pitchFamily="34" charset="77"/>
+                <a:ea typeface="ＭＳ Ｐゴシック" panose="020B0600070205080204" pitchFamily="34" charset="-128"/>
+              </a:rPr>
+              <a:t>What would you guess the R, G and B components of the yellow pixel at the center of the flower? </a:t>
+            </a:r>
+          </a:p>
+          <a:p>
+            <a:pPr marL="0" indent="0">
+              <a:buNone/>
+            </a:pPr>
+            <a:r>
+              <a:rPr lang="en-US" altLang="en-US" sz="2000" dirty="0">
+                <a:latin typeface="Gill Sans MT" panose="020B0502020104020203" pitchFamily="34" charset="77"/>
+                <a:ea typeface="ＭＳ Ｐゴシック" panose="020B0600070205080204" pitchFamily="34" charset="-128"/>
+              </a:rPr>
+              <a:t>Since red + green is yellow. We should expect high components in the R and G channels and a low number for the B channel. </a:t>
+            </a:r>
+          </a:p>
+          <a:p>
+            <a:pPr marL="0" indent="0">
+              <a:buNone/>
+            </a:pPr>
+            <a:endParaRPr lang="en-US" altLang="en-US" sz="2000" dirty="0">
+              <a:latin typeface="Gill Sans MT" panose="020B0502020104020203" pitchFamily="34" charset="77"/>
+              <a:ea typeface="ＭＳ Ｐゴシック" panose="020B0600070205080204" pitchFamily="34" charset="-128"/>
+            </a:endParaRPr>
+          </a:p>
+          <a:p>
+            <a:pPr marL="0" indent="0" eaLnBrk="1" hangingPunct="1">
+              <a:buNone/>
+            </a:pPr>
+            <a:r>
+              <a:rPr lang="en-US" altLang="en-US" sz="1800" b="1" dirty="0">
+                <a:latin typeface="Inconsolata" panose="020B0609030003000000" pitchFamily="49" charset="77"/>
+                <a:ea typeface="ＭＳ Ｐゴシック" panose="020B0600070205080204" pitchFamily="34" charset="-128"/>
+              </a:rPr>
+              <a:t>print(</a:t>
+            </a:r>
+            <a:r>
+              <a:rPr lang="en-US" altLang="en-US" sz="1800" b="1" dirty="0" err="1">
+                <a:latin typeface="Inconsolata" panose="020B0609030003000000" pitchFamily="49" charset="77"/>
+                <a:ea typeface="ＭＳ Ｐゴシック" panose="020B0600070205080204" pitchFamily="34" charset="-128"/>
+              </a:rPr>
+              <a:t>img</a:t>
+            </a:r>
+            <a:r>
+              <a:rPr lang="en-US" altLang="en-US" sz="1800" b="1" dirty="0">
+                <a:latin typeface="Inconsolata" panose="020B0609030003000000" pitchFamily="49" charset="77"/>
+                <a:ea typeface="ＭＳ Ｐゴシック" panose="020B0600070205080204" pitchFamily="34" charset="-128"/>
+              </a:rPr>
+              <a:t>[400,400,:])</a:t>
+            </a:r>
+          </a:p>
+          <a:p>
+            <a:pPr marL="0" indent="0">
+              <a:buNone/>
+            </a:pPr>
+            <a:r>
+              <a:rPr lang="en-US" sz="1800" b="1" dirty="0">
+                <a:solidFill>
+                  <a:srgbClr val="FFC000"/>
+                </a:solidFill>
+                <a:latin typeface="Inconsolata" panose="020B0609030003000000" pitchFamily="49" charset="77"/>
+              </a:rPr>
+              <a:t>array([185, 135, 0], </a:t>
+            </a:r>
+            <a:r>
+              <a:rPr lang="en-US" sz="1800" b="1" dirty="0" err="1">
+                <a:solidFill>
+                  <a:srgbClr val="FFC000"/>
+                </a:solidFill>
+                <a:latin typeface="Inconsolata" panose="020B0609030003000000" pitchFamily="49" charset="77"/>
+              </a:rPr>
+              <a:t>dtype</a:t>
+            </a:r>
+            <a:r>
+              <a:rPr lang="en-US" sz="1800" b="1" dirty="0">
+                <a:solidFill>
+                  <a:srgbClr val="FFC000"/>
+                </a:solidFill>
+                <a:latin typeface="Inconsolata" panose="020B0609030003000000" pitchFamily="49" charset="77"/>
+              </a:rPr>
+              <a:t>=uint8)</a:t>
+            </a:r>
+          </a:p>
+        </p:txBody>
+      </p:sp>
+      <p:sp>
+        <p:nvSpPr>
+          <p:cNvPr id="38915" name="Picture 5" descr="sqrt_b^2-4ac.pdf">
+            <a:extLst>
+              <a:ext uri="{FF2B5EF4-FFF2-40B4-BE49-F238E27FC236}">
+                <a16:creationId xmlns:a16="http://schemas.microsoft.com/office/drawing/2014/main" id="{96383EC4-01AF-BA4A-B24B-794940A33441}"/>
+              </a:ext>
+            </a:extLst>
+          </p:cNvPr>
+          <p:cNvSpPr>
+            <a:spLocks noChangeAspect="1"/>
+          </p:cNvSpPr>
+          <p:nvPr/>
+        </p:nvSpPr>
+        <p:spPr bwMode="auto">
+          <a:xfrm>
+            <a:off x="791105" y="3366823"/>
+            <a:ext cx="7141104" cy="1951302"/>
+          </a:xfrm>
+          <a:prstGeom prst="rect">
+            <a:avLst/>
+          </a:prstGeom>
+          <a:noFill/>
+          <a:ln>
+            <a:noFill/>
+          </a:ln>
+          <a:extLst>
+            <a:ext uri="{909E8E84-426E-40DD-AFC4-6F175D3DCCD1}">
+              <a14:hiddenFill xmlns:a14="http://schemas.microsoft.com/office/drawing/2010/main">
+                <a:solidFill>
+                  <a:srgbClr val="FFFFFF"/>
+                </a:solidFill>
+              </a14:hiddenFill>
+            </a:ext>
+            <a:ext uri="{91240B29-F687-4F45-9708-019B960494DF}">
+              <a14:hiddenLine xmlns:a14="http://schemas.microsoft.com/office/drawing/2010/main" w="9525">
+                <a:solidFill>
+                  <a:srgbClr val="000000"/>
+                </a:solidFill>
+                <a:miter lim="800000"/>
+                <a:headEnd/>
+                <a:tailEnd/>
+              </a14:hiddenLine>
+            </a:ext>
+          </a:extLst>
+        </p:spPr>
+        <p:txBody>
+          <a:bodyPr/>
+          <a:lstStyle>
+            <a:lvl1pPr>
+              <a:spcBef>
+                <a:spcPct val="20000"/>
+              </a:spcBef>
+              <a:buChar char="•"/>
+              <a:defRPr sz="3200">
+                <a:solidFill>
+                  <a:schemeClr val="tx1"/>
+                </a:solidFill>
+                <a:latin typeface="Arial" panose="020B0604020202020204" pitchFamily="34" charset="0"/>
+                <a:ea typeface="ＭＳ Ｐゴシック" panose="020B0600070205080204" pitchFamily="34" charset="-128"/>
+                <a:cs typeface="Arial" panose="020B0604020202020204" pitchFamily="34" charset="0"/>
+              </a:defRPr>
+            </a:lvl1pPr>
+            <a:lvl2pPr marL="742950" indent="-285750">
+              <a:spcBef>
+                <a:spcPct val="20000"/>
+              </a:spcBef>
+              <a:buChar char="–"/>
+              <a:defRPr sz="2800">
+                <a:solidFill>
+                  <a:schemeClr val="tx1"/>
+                </a:solidFill>
+                <a:latin typeface="Arial" panose="020B0604020202020204" pitchFamily="34" charset="0"/>
+                <a:ea typeface="Arial" panose="020B0604020202020204" pitchFamily="34" charset="0"/>
+                <a:cs typeface="Arial" panose="020B0604020202020204" pitchFamily="34" charset="0"/>
+              </a:defRPr>
+            </a:lvl2pPr>
+            <a:lvl3pPr marL="1143000" indent="-228600">
+              <a:spcBef>
+                <a:spcPct val="20000"/>
+              </a:spcBef>
+              <a:buChar char="•"/>
+              <a:defRPr sz="2400">
+                <a:solidFill>
+                  <a:schemeClr val="tx1"/>
+                </a:solidFill>
+                <a:latin typeface="Arial" panose="020B0604020202020204" pitchFamily="34" charset="0"/>
+                <a:ea typeface="Arial" panose="020B0604020202020204" pitchFamily="34" charset="0"/>
+                <a:cs typeface="Arial" panose="020B0604020202020204" pitchFamily="34" charset="0"/>
+              </a:defRPr>
+            </a:lvl3pPr>
+            <a:lvl4pPr marL="1600200" indent="-228600">
+              <a:spcBef>
+                <a:spcPct val="20000"/>
+              </a:spcBef>
+              <a:buChar char="–"/>
+              <a:defRPr sz="2000">
+                <a:solidFill>
+                  <a:schemeClr val="tx1"/>
+                </a:solidFill>
+                <a:latin typeface="Arial" panose="020B0604020202020204" pitchFamily="34" charset="0"/>
+                <a:ea typeface="Arial" panose="020B0604020202020204" pitchFamily="34" charset="0"/>
+                <a:cs typeface="Arial" panose="020B0604020202020204" pitchFamily="34" charset="0"/>
+              </a:defRPr>
+            </a:lvl4pPr>
+            <a:lvl5pPr marL="2057400" indent="-228600">
+              <a:spcBef>
+                <a:spcPct val="20000"/>
+              </a:spcBef>
+              <a:buChar char="»"/>
+              <a:defRPr sz="2000">
+                <a:solidFill>
+                  <a:schemeClr val="tx1"/>
+                </a:solidFill>
+                <a:latin typeface="Arial" panose="020B0604020202020204" pitchFamily="34" charset="0"/>
+                <a:ea typeface="Arial" panose="020B0604020202020204" pitchFamily="34" charset="0"/>
+                <a:cs typeface="Arial" panose="020B0604020202020204" pitchFamily="34" charset="0"/>
+              </a:defRPr>
+            </a:lvl5pPr>
+            <a:lvl6pPr marL="2514600" indent="-228600" eaLnBrk="0" fontAlgn="base" hangingPunct="0">
+              <a:spcBef>
+                <a:spcPct val="20000"/>
+              </a:spcBef>
+              <a:spcAft>
+                <a:spcPct val="0"/>
+              </a:spcAft>
+              <a:buChar char="»"/>
+              <a:defRPr sz="2000">
+                <a:solidFill>
+                  <a:schemeClr val="tx1"/>
+                </a:solidFill>
+                <a:latin typeface="Arial" panose="020B0604020202020204" pitchFamily="34" charset="0"/>
+                <a:ea typeface="Arial" panose="020B0604020202020204" pitchFamily="34" charset="0"/>
+                <a:cs typeface="Arial" panose="020B0604020202020204" pitchFamily="34" charset="0"/>
+              </a:defRPr>
+            </a:lvl6pPr>
+            <a:lvl7pPr marL="2971800" indent="-228600" eaLnBrk="0" fontAlgn="base" hangingPunct="0">
+              <a:spcBef>
+                <a:spcPct val="20000"/>
+              </a:spcBef>
+              <a:spcAft>
+                <a:spcPct val="0"/>
+              </a:spcAft>
+              <a:buChar char="»"/>
+              <a:defRPr sz="2000">
+                <a:solidFill>
+                  <a:schemeClr val="tx1"/>
+                </a:solidFill>
+                <a:latin typeface="Arial" panose="020B0604020202020204" pitchFamily="34" charset="0"/>
+                <a:ea typeface="Arial" panose="020B0604020202020204" pitchFamily="34" charset="0"/>
+                <a:cs typeface="Arial" panose="020B0604020202020204" pitchFamily="34" charset="0"/>
+              </a:defRPr>
+            </a:lvl7pPr>
+            <a:lvl8pPr marL="3429000" indent="-228600" eaLnBrk="0" fontAlgn="base" hangingPunct="0">
+              <a:spcBef>
+                <a:spcPct val="20000"/>
+              </a:spcBef>
+              <a:spcAft>
+                <a:spcPct val="0"/>
+              </a:spcAft>
+              <a:buChar char="»"/>
+              <a:defRPr sz="2000">
+                <a:solidFill>
+                  <a:schemeClr val="tx1"/>
+                </a:solidFill>
+                <a:latin typeface="Arial" panose="020B0604020202020204" pitchFamily="34" charset="0"/>
+                <a:ea typeface="Arial" panose="020B0604020202020204" pitchFamily="34" charset="0"/>
+                <a:cs typeface="Arial" panose="020B0604020202020204" pitchFamily="34" charset="0"/>
+              </a:defRPr>
+            </a:lvl8pPr>
+            <a:lvl9pPr marL="3886200" indent="-228600" eaLnBrk="0" fontAlgn="base" hangingPunct="0">
+              <a:spcBef>
+                <a:spcPct val="20000"/>
+              </a:spcBef>
+              <a:spcAft>
+                <a:spcPct val="0"/>
+              </a:spcAft>
+              <a:buChar char="»"/>
+              <a:defRPr sz="2000">
+                <a:solidFill>
+                  <a:schemeClr val="tx1"/>
+                </a:solidFill>
+                <a:latin typeface="Arial" panose="020B0604020202020204" pitchFamily="34" charset="0"/>
+                <a:ea typeface="Arial" panose="020B0604020202020204" pitchFamily="34" charset="0"/>
+                <a:cs typeface="Arial" panose="020B0604020202020204" pitchFamily="34" charset="0"/>
+              </a:defRPr>
+            </a:lvl9pPr>
+          </a:lstStyle>
+          <a:p>
+            <a:pPr>
+              <a:spcBef>
+                <a:spcPct val="0"/>
+              </a:spcBef>
+              <a:buFontTx/>
+              <a:buNone/>
+            </a:pPr>
+            <a:endParaRPr lang="en-US" altLang="en-US" sz="1500"/>
+          </a:p>
+        </p:txBody>
+      </p:sp>
+      <p:pic>
+        <p:nvPicPr>
+          <p:cNvPr id="3" name="Picture 2">
+            <a:extLst>
+              <a:ext uri="{FF2B5EF4-FFF2-40B4-BE49-F238E27FC236}">
+                <a16:creationId xmlns:a16="http://schemas.microsoft.com/office/drawing/2014/main" id="{839B1BA9-6040-FA49-9CAF-103DB8B9E656}"/>
+              </a:ext>
+            </a:extLst>
+          </p:cNvPr>
+          <p:cNvPicPr>
+            <a:picLocks noChangeAspect="1"/>
+          </p:cNvPicPr>
+          <p:nvPr/>
+        </p:nvPicPr>
+        <p:blipFill>
+          <a:blip r:embed="rId3"/>
+          <a:stretch>
+            <a:fillRect/>
+          </a:stretch>
+        </p:blipFill>
+        <p:spPr>
+          <a:xfrm>
+            <a:off x="4433276" y="2368473"/>
+            <a:ext cx="4802270" cy="2642616"/>
+          </a:xfrm>
+          <a:prstGeom prst="rect">
+            <a:avLst/>
+          </a:prstGeom>
+        </p:spPr>
+      </p:pic>
+      <p:cxnSp>
+        <p:nvCxnSpPr>
+          <p:cNvPr id="10" name="Straight Arrow Connector 9">
+            <a:extLst>
+              <a:ext uri="{FF2B5EF4-FFF2-40B4-BE49-F238E27FC236}">
+                <a16:creationId xmlns:a16="http://schemas.microsoft.com/office/drawing/2014/main" id="{54D2DF99-A1E1-D642-8BA0-70B868CCF76B}"/>
+              </a:ext>
+            </a:extLst>
+          </p:cNvPr>
+          <p:cNvCxnSpPr>
+            <a:cxnSpLocks/>
+          </p:cNvCxnSpPr>
+          <p:nvPr/>
+        </p:nvCxnSpPr>
+        <p:spPr>
+          <a:xfrm>
+            <a:off x="2991028" y="2768837"/>
+            <a:ext cx="3580688" cy="837488"/>
+          </a:xfrm>
+          <a:prstGeom prst="straightConnector1">
+            <a:avLst/>
+          </a:prstGeom>
+          <a:ln w="25400">
+            <a:solidFill>
+              <a:schemeClr val="tx1"/>
+            </a:solidFill>
+            <a:tailEnd type="triangle"/>
+          </a:ln>
+        </p:spPr>
+        <p:style>
+          <a:lnRef idx="1">
+            <a:schemeClr val="accent1"/>
+          </a:lnRef>
+          <a:fillRef idx="0">
+            <a:schemeClr val="accent1"/>
+          </a:fillRef>
+          <a:effectRef idx="0">
+            <a:schemeClr val="accent1"/>
+          </a:effectRef>
+          <a:fontRef idx="minor">
+            <a:schemeClr val="tx1"/>
+          </a:fontRef>
+        </p:style>
+      </p:cxnSp>
+    </p:spTree>
+    <p:extLst>
+      <p:ext uri="{BB962C8B-B14F-4D97-AF65-F5344CB8AC3E}">
+        <p14:creationId xmlns:p14="http://schemas.microsoft.com/office/powerpoint/2010/main" val="1313664081"/>
+      </p:ext>
+    </p:extLst>
+  </p:cSld>
+  <p:clrMapOvr>
+    <a:masterClrMapping/>
+  </p:clrMapOvr>
+  <p:transition/>
+  <p:timing>
+    <p:tnLst>
+      <p:par>
+        <p:cTn id="1" dur="indefinite" restart="never" nodeType="tmRoot">
+          <p:childTnLst>
+            <p:seq concurrent="1" nextAc="seek">
+              <p:cTn id="2" dur="indefinite" nodeType="mainSeq">
+                <p:childTnLst>
+                  <p:par>
+                    <p:cTn id="3" fill="hold">
+                      <p:stCondLst>
+                        <p:cond delay="indefinite"/>
+                      </p:stCondLst>
+                      <p:childTnLst>
+                        <p:par>
+                          <p:cTn id="4" fill="hold">
+                            <p:stCondLst>
+                              <p:cond delay="0"/>
+                            </p:stCondLst>
+                            <p:childTnLst>
+                              <p:par>
+                                <p:cTn id="5" presetID="1" presetClass="entr" presetSubtype="0" fill="hold" nodeType="clickEffect">
+                                  <p:stCondLst>
+                                    <p:cond delay="0"/>
+                                  </p:stCondLst>
+                                  <p:childTnLst>
+                                    <p:set>
+                                      <p:cBhvr>
+                                        <p:cTn id="6" dur="1" fill="hold">
+                                          <p:stCondLst>
+                                            <p:cond delay="0"/>
+                                          </p:stCondLst>
+                                        </p:cTn>
+                                        <p:tgtEl>
+                                          <p:spTgt spid="3"/>
+                                        </p:tgtEl>
+                                        <p:attrNameLst>
+                                          <p:attrName>style.visibility</p:attrName>
+                                        </p:attrNameLst>
+                                      </p:cBhvr>
+                                      <p:to>
+                                        <p:strVal val="visible"/>
+                                      </p:to>
+                                    </p:set>
+                                  </p:childTnLst>
+                                </p:cTn>
+                              </p:par>
+                            </p:childTnLst>
+                          </p:cTn>
+                        </p:par>
+                      </p:childTnLst>
+                    </p:cTn>
+                  </p:par>
+                  <p:par>
+                    <p:cTn id="7" fill="hold">
+                      <p:stCondLst>
+                        <p:cond delay="indefinite"/>
+                      </p:stCondLst>
+                      <p:childTnLst>
+                        <p:par>
+                          <p:cTn id="8" fill="hold">
+                            <p:stCondLst>
+                              <p:cond delay="0"/>
+                            </p:stCondLst>
+                            <p:childTnLst>
+                              <p:par>
+                                <p:cTn id="9" presetID="1" presetClass="entr" presetSubtype="0" fill="hold" nodeType="clickEffect">
+                                  <p:stCondLst>
+                                    <p:cond delay="0"/>
+                                  </p:stCondLst>
+                                  <p:childTnLst>
+                                    <p:set>
+                                      <p:cBhvr>
+                                        <p:cTn id="10" dur="1" fill="hold">
+                                          <p:stCondLst>
+                                            <p:cond delay="0"/>
+                                          </p:stCondLst>
+                                        </p:cTn>
+                                        <p:tgtEl>
+                                          <p:spTgt spid="16386">
+                                            <p:txEl>
+                                              <p:pRg st="1" end="1"/>
+                                            </p:txEl>
+                                          </p:spTgt>
+                                        </p:tgtEl>
+                                        <p:attrNameLst>
+                                          <p:attrName>style.visibility</p:attrName>
+                                        </p:attrNameLst>
+                                      </p:cBhvr>
+                                      <p:to>
+                                        <p:strVal val="visible"/>
+                                      </p:to>
+                                    </p:set>
+                                  </p:childTnLst>
+                                </p:cTn>
+                              </p:par>
+                              <p:par>
+                                <p:cTn id="11" presetID="1" presetClass="entr" presetSubtype="0" fill="hold" nodeType="withEffect">
+                                  <p:stCondLst>
+                                    <p:cond delay="0"/>
+                                  </p:stCondLst>
+                                  <p:childTnLst>
+                                    <p:set>
+                                      <p:cBhvr>
+                                        <p:cTn id="12" dur="1" fill="hold">
+                                          <p:stCondLst>
+                                            <p:cond delay="0"/>
+                                          </p:stCondLst>
+                                        </p:cTn>
+                                        <p:tgtEl>
+                                          <p:spTgt spid="10"/>
+                                        </p:tgtEl>
+                                        <p:attrNameLst>
+                                          <p:attrName>style.visibility</p:attrName>
+                                        </p:attrNameLst>
+                                      </p:cBhvr>
+                                      <p:to>
+                                        <p:strVal val="visible"/>
+                                      </p:to>
+                                    </p:set>
+                                  </p:childTnLst>
+                                </p:cTn>
+                              </p:par>
+                              <p:par>
+                                <p:cTn id="13" presetID="1" presetClass="entr" presetSubtype="0" fill="hold" nodeType="withEffect">
+                                  <p:stCondLst>
+                                    <p:cond delay="0"/>
+                                  </p:stCondLst>
+                                  <p:childTnLst>
+                                    <p:set>
+                                      <p:cBhvr>
+                                        <p:cTn id="14" dur="1" fill="hold">
+                                          <p:stCondLst>
+                                            <p:cond delay="0"/>
+                                          </p:stCondLst>
+                                        </p:cTn>
+                                        <p:tgtEl>
+                                          <p:spTgt spid="16386">
+                                            <p:txEl>
+                                              <p:pRg st="3" end="3"/>
+                                            </p:txEl>
+                                          </p:spTgt>
+                                        </p:tgtEl>
+                                        <p:attrNameLst>
+                                          <p:attrName>style.visibility</p:attrName>
+                                        </p:attrNameLst>
+                                      </p:cBhvr>
+                                      <p:to>
+                                        <p:strVal val="visible"/>
+                                      </p:to>
+                                    </p:set>
+                                  </p:childTnLst>
+                                </p:cTn>
+                              </p:par>
+                            </p:childTnLst>
+                          </p:cTn>
+                        </p:par>
+                      </p:childTnLst>
+                    </p:cTn>
+                  </p:par>
+                  <p:par>
+                    <p:cTn id="15" fill="hold">
+                      <p:stCondLst>
+                        <p:cond delay="indefinite"/>
+                      </p:stCondLst>
+                      <p:childTnLst>
+                        <p:par>
+                          <p:cTn id="16" fill="hold">
+                            <p:stCondLst>
+                              <p:cond delay="0"/>
+                            </p:stCondLst>
+                            <p:childTnLst>
+                              <p:par>
+                                <p:cTn id="17" presetID="1" presetClass="entr" presetSubtype="0" fill="hold" nodeType="clickEffect">
+                                  <p:stCondLst>
+                                    <p:cond delay="0"/>
+                                  </p:stCondLst>
+                                  <p:childTnLst>
+                                    <p:set>
+                                      <p:cBhvr>
+                                        <p:cTn id="18" dur="1" fill="hold">
+                                          <p:stCondLst>
+                                            <p:cond delay="0"/>
+                                          </p:stCondLst>
+                                        </p:cTn>
+                                        <p:tgtEl>
+                                          <p:spTgt spid="16386">
+                                            <p:txEl>
+                                              <p:pRg st="4" end="4"/>
+                                            </p:txEl>
+                                          </p:spTgt>
+                                        </p:tgtEl>
+                                        <p:attrNameLst>
+                                          <p:attrName>style.visibility</p:attrName>
+                                        </p:attrNameLst>
+                                      </p:cBhvr>
+                                      <p:to>
+                                        <p:strVal val="visible"/>
+                                      </p:to>
+                                    </p:set>
+                                  </p:childTnLst>
+                                </p:cTn>
+                              </p:par>
+                            </p:childTnLst>
+                          </p:cTn>
+                        </p:par>
+                      </p:childTnLst>
+                    </p:cTn>
+                  </p:par>
+                </p:childTnLst>
+              </p:cTn>
+              <p:prevCondLst>
+                <p:cond evt="onPrev" delay="0">
+                  <p:tgtEl>
+                    <p:sldTgt/>
+                  </p:tgtEl>
+                </p:cond>
+              </p:prevCondLst>
+              <p:nextCondLst>
+                <p:cond evt="onNext" delay="0">
+                  <p:tgtEl>
+                    <p:sldTgt/>
+                  </p:tgtEl>
+                </p:cond>
+              </p:nextCondLst>
+            </p:seq>
+          </p:childTnLst>
+        </p:cTn>
+      </p:par>
+    </p:tnLst>
+  </p:timing>
+</p:sld>
+</file>
+
+<file path=ppt/slides/slide21.xml><?xml version="1.0" encoding="utf-8"?>
+<p:sld xmlns:a="http://schemas.openxmlformats.org/drawingml/2006/main" xmlns:r="http://schemas.openxmlformats.org/officeDocument/2006/relationships" xmlns:p="http://schemas.openxmlformats.org/presentationml/2006/main">
+  <p:cSld>
+    <p:spTree>
+      <p:nvGrpSpPr>
+        <p:cNvPr id="1" name=""/>
+        <p:cNvGrpSpPr/>
+        <p:nvPr/>
+      </p:nvGrpSpPr>
+      <p:grpSpPr>
+        <a:xfrm>
+          <a:off x="0" y="0"/>
+          <a:ext cx="0" cy="0"/>
+          <a:chOff x="0" y="0"/>
+          <a:chExt cx="0" cy="0"/>
+        </a:xfrm>
+      </p:grpSpPr>
+      <p:sp>
+        <p:nvSpPr>
+          <p:cNvPr id="38913" name="Rectangle 2">
+            <a:extLst>
+              <a:ext uri="{FF2B5EF4-FFF2-40B4-BE49-F238E27FC236}">
+                <a16:creationId xmlns:a16="http://schemas.microsoft.com/office/drawing/2014/main" id="{01ABAB85-1B1D-E842-8BF4-B8AF13377E9C}"/>
+              </a:ext>
+            </a:extLst>
+          </p:cNvPr>
+          <p:cNvSpPr>
+            <a:spLocks noGrp="1" noChangeArrowheads="1"/>
+          </p:cNvSpPr>
+          <p:nvPr>
+            <p:ph type="title"/>
+          </p:nvPr>
+        </p:nvSpPr>
+        <p:spPr>
+          <a:xfrm>
+            <a:off x="182880" y="127000"/>
+            <a:ext cx="7886700" cy="832591"/>
+          </a:xfrm>
+        </p:spPr>
+        <p:txBody>
+          <a:bodyPr/>
+          <a:lstStyle/>
+          <a:p>
             <a:r>
               <a:rPr lang="en-US" altLang="en-US" dirty="0">
                 <a:latin typeface="Tahoma" panose="020B0604030504040204" pitchFamily="34" charset="0"/>
@@ -26369,7 +25226,7 @@
 </p:sld>
 </file>
 
-<file path=ppt/slides/slide21.xml><?xml version="1.0" encoding="utf-8"?>
+<file path=ppt/slides/slide22.xml><?xml version="1.0" encoding="utf-8"?>
 <p:sld xmlns:a="http://schemas.openxmlformats.org/drawingml/2006/main" xmlns:r="http://schemas.openxmlformats.org/officeDocument/2006/relationships" xmlns:p="http://schemas.openxmlformats.org/presentationml/2006/main">
   <p:cSld>
     <p:spTree>
@@ -27586,7 +26443,7 @@
 </p:sld>
 </file>
 
-<file path=ppt/slides/slide22.xml><?xml version="1.0" encoding="utf-8"?>
+<file path=ppt/slides/slide23.xml><?xml version="1.0" encoding="utf-8"?>
 <p:sld xmlns:a="http://schemas.openxmlformats.org/drawingml/2006/main" xmlns:r="http://schemas.openxmlformats.org/officeDocument/2006/relationships" xmlns:p="http://schemas.openxmlformats.org/presentationml/2006/main">
   <p:cSld>
     <p:spTree>
@@ -28703,7 +27560,7 @@
 </p:sld>
 </file>
 
-<file path=ppt/slides/slide23.xml><?xml version="1.0" encoding="utf-8"?>
+<file path=ppt/slides/slide24.xml><?xml version="1.0" encoding="utf-8"?>
 <p:sld xmlns:a="http://schemas.openxmlformats.org/drawingml/2006/main" xmlns:r="http://schemas.openxmlformats.org/officeDocument/2006/relationships" xmlns:p="http://schemas.openxmlformats.org/presentationml/2006/main">
   <p:cSld>
     <p:spTree>
@@ -30047,7 +28904,7 @@
 </p:sld>
 </file>
 
-<file path=ppt/slides/slide24.xml><?xml version="1.0" encoding="utf-8"?>
+<file path=ppt/slides/slide25.xml><?xml version="1.0" encoding="utf-8"?>
 <p:sld xmlns:a="http://schemas.openxmlformats.org/drawingml/2006/main" xmlns:r="http://schemas.openxmlformats.org/officeDocument/2006/relationships" xmlns:p="http://schemas.openxmlformats.org/presentationml/2006/main">
   <p:cSld>
     <p:spTree>
@@ -30598,7 +29455,7 @@
 </p:sld>
 </file>
 
-<file path=ppt/slides/slide25.xml><?xml version="1.0" encoding="utf-8"?>
+<file path=ppt/slides/slide26.xml><?xml version="1.0" encoding="utf-8"?>
 <p:sld xmlns:a="http://schemas.openxmlformats.org/drawingml/2006/main" xmlns:r="http://schemas.openxmlformats.org/officeDocument/2006/relationships" xmlns:p="http://schemas.openxmlformats.org/presentationml/2006/main">
   <p:cSld>
     <p:spTree>
@@ -31150,7 +30007,7 @@
 </p:sld>
 </file>
 
-<file path=ppt/slides/slide26.xml><?xml version="1.0" encoding="utf-8"?>
+<file path=ppt/slides/slide27.xml><?xml version="1.0" encoding="utf-8"?>
 <p:sld xmlns:a="http://schemas.openxmlformats.org/drawingml/2006/main" xmlns:r="http://schemas.openxmlformats.org/officeDocument/2006/relationships" xmlns:p="http://schemas.openxmlformats.org/presentationml/2006/main">
   <p:cSld>
     <p:spTree>
@@ -31861,7 +30718,7 @@
 </p:sld>
 </file>
 
-<file path=ppt/slides/slide27.xml><?xml version="1.0" encoding="utf-8"?>
+<file path=ppt/slides/slide28.xml><?xml version="1.0" encoding="utf-8"?>
 <p:sld xmlns:a="http://schemas.openxmlformats.org/drawingml/2006/main" xmlns:r="http://schemas.openxmlformats.org/officeDocument/2006/relationships" xmlns:p="http://schemas.openxmlformats.org/presentationml/2006/main">
   <p:cSld>
     <p:spTree>
@@ -32659,7 +31516,7 @@
 </p:sld>
 </file>
 
-<file path=ppt/slides/slide28.xml><?xml version="1.0" encoding="utf-8"?>
+<file path=ppt/slides/slide29.xml><?xml version="1.0" encoding="utf-8"?>
 <p:sld xmlns:a="http://schemas.openxmlformats.org/drawingml/2006/main" xmlns:r="http://schemas.openxmlformats.org/officeDocument/2006/relationships" xmlns:p="http://schemas.openxmlformats.org/presentationml/2006/main">
   <p:cSld>
     <p:spTree>
@@ -33022,7 +31879,266 @@
 </p:sld>
 </file>
 
-<file path=ppt/slides/slide29.xml><?xml version="1.0" encoding="utf-8"?>
+<file path=ppt/slides/slide3.xml><?xml version="1.0" encoding="utf-8"?>
+<p:sld xmlns:a="http://schemas.openxmlformats.org/drawingml/2006/main" xmlns:r="http://schemas.openxmlformats.org/officeDocument/2006/relationships" xmlns:p="http://schemas.openxmlformats.org/presentationml/2006/main">
+  <p:cSld>
+    <p:spTree>
+      <p:nvGrpSpPr>
+        <p:cNvPr id="1" name="">
+          <a:extLst>
+            <a:ext uri="{FF2B5EF4-FFF2-40B4-BE49-F238E27FC236}">
+              <a16:creationId xmlns:a16="http://schemas.microsoft.com/office/drawing/2014/main" id="{2BA87172-E6C3-1F6C-BD25-AB7BB72E034D}"/>
+            </a:ext>
+          </a:extLst>
+        </p:cNvPr>
+        <p:cNvGrpSpPr/>
+        <p:nvPr/>
+      </p:nvGrpSpPr>
+      <p:grpSpPr>
+        <a:xfrm>
+          <a:off x="0" y="0"/>
+          <a:ext cx="0" cy="0"/>
+          <a:chOff x="0" y="0"/>
+          <a:chExt cx="0" cy="0"/>
+        </a:xfrm>
+      </p:grpSpPr>
+      <p:sp>
+        <p:nvSpPr>
+          <p:cNvPr id="22529" name="Rectangle 2">
+            <a:extLst>
+              <a:ext uri="{FF2B5EF4-FFF2-40B4-BE49-F238E27FC236}">
+                <a16:creationId xmlns:a16="http://schemas.microsoft.com/office/drawing/2014/main" id="{87EA8C7D-4BDB-2F51-9763-A78F04930C44}"/>
+              </a:ext>
+            </a:extLst>
+          </p:cNvPr>
+          <p:cNvSpPr>
+            <a:spLocks noGrp="1" noChangeArrowheads="1"/>
+          </p:cNvSpPr>
+          <p:nvPr>
+            <p:ph type="title"/>
+          </p:nvPr>
+        </p:nvSpPr>
+        <p:spPr>
+          <a:xfrm>
+            <a:off x="0" y="0"/>
+            <a:ext cx="7766704" cy="632388"/>
+          </a:xfrm>
+        </p:spPr>
+        <p:txBody>
+          <a:bodyPr/>
+          <a:lstStyle/>
+          <a:p>
+            <a:pPr eaLnBrk="1" hangingPunct="1"/>
+            <a:r>
+              <a:rPr lang="en-US" altLang="en-US" dirty="0">
+                <a:latin typeface="Tahoma" panose="020B0604030504040204" pitchFamily="34" charset="0"/>
+                <a:ea typeface="ＭＳ Ｐゴシック" panose="020B0600070205080204" pitchFamily="34" charset="-128"/>
+              </a:rPr>
+              <a:t>Red Green Blue(RGB) model</a:t>
+            </a:r>
+          </a:p>
+        </p:txBody>
+      </p:sp>
+      <p:sp>
+        <p:nvSpPr>
+          <p:cNvPr id="16386" name="Rectangle 3">
+            <a:extLst>
+              <a:ext uri="{FF2B5EF4-FFF2-40B4-BE49-F238E27FC236}">
+                <a16:creationId xmlns:a16="http://schemas.microsoft.com/office/drawing/2014/main" id="{EEB3325B-373F-D81A-55F3-2633F3E0D5D2}"/>
+              </a:ext>
+            </a:extLst>
+          </p:cNvPr>
+          <p:cNvSpPr>
+            <a:spLocks noGrp="1" noChangeArrowheads="1"/>
+          </p:cNvSpPr>
+          <p:nvPr>
+            <p:ph type="body" idx="1"/>
+          </p:nvPr>
+        </p:nvSpPr>
+        <p:spPr>
+          <a:xfrm>
+            <a:off x="119641" y="536507"/>
+            <a:ext cx="8904720" cy="5178493"/>
+          </a:xfrm>
+        </p:spPr>
+        <p:txBody>
+          <a:bodyPr>
+            <a:normAutofit/>
+          </a:bodyPr>
+          <a:lstStyle/>
+          <a:p>
+            <a:pPr marL="380985" lvl="1" indent="0">
+              <a:buNone/>
+              <a:defRPr/>
+            </a:pPr>
+            <a:endParaRPr lang="en-US" sz="2000" b="1" dirty="0">
+              <a:solidFill>
+                <a:srgbClr val="008000"/>
+              </a:solidFill>
+              <a:latin typeface="Gill Sans MT" panose="020B0502020104020203" pitchFamily="34" charset="77"/>
+            </a:endParaRPr>
+          </a:p>
+        </p:txBody>
+      </p:sp>
+      <p:pic>
+        <p:nvPicPr>
+          <p:cNvPr id="5" name="Picture 4">
+            <a:extLst>
+              <a:ext uri="{FF2B5EF4-FFF2-40B4-BE49-F238E27FC236}">
+                <a16:creationId xmlns:a16="http://schemas.microsoft.com/office/drawing/2014/main" id="{1EC1BD21-EC59-1698-A41E-A0BE9D1FB4FE}"/>
+              </a:ext>
+            </a:extLst>
+          </p:cNvPr>
+          <p:cNvPicPr>
+            <a:picLocks noChangeAspect="1"/>
+          </p:cNvPicPr>
+          <p:nvPr/>
+        </p:nvPicPr>
+        <p:blipFill>
+          <a:blip r:embed="rId3"/>
+          <a:stretch>
+            <a:fillRect/>
+          </a:stretch>
+        </p:blipFill>
+        <p:spPr>
+          <a:xfrm>
+            <a:off x="2598858" y="632388"/>
+            <a:ext cx="3148802" cy="2848455"/>
+          </a:xfrm>
+          <a:prstGeom prst="rect">
+            <a:avLst/>
+          </a:prstGeom>
+        </p:spPr>
+      </p:pic>
+      <p:pic>
+        <p:nvPicPr>
+          <p:cNvPr id="2" name="Picture 1">
+            <a:extLst>
+              <a:ext uri="{FF2B5EF4-FFF2-40B4-BE49-F238E27FC236}">
+                <a16:creationId xmlns:a16="http://schemas.microsoft.com/office/drawing/2014/main" id="{B94D8BFC-5C84-2B21-1B7D-0D613CCC9F36}"/>
+              </a:ext>
+            </a:extLst>
+          </p:cNvPr>
+          <p:cNvPicPr>
+            <a:picLocks noChangeAspect="1"/>
+          </p:cNvPicPr>
+          <p:nvPr/>
+        </p:nvPicPr>
+        <p:blipFill>
+          <a:blip r:embed="rId4"/>
+          <a:stretch>
+            <a:fillRect/>
+          </a:stretch>
+        </p:blipFill>
+        <p:spPr>
+          <a:xfrm>
+            <a:off x="1084086" y="3576724"/>
+            <a:ext cx="6682618" cy="1979677"/>
+          </a:xfrm>
+          <a:prstGeom prst="rect">
+            <a:avLst/>
+          </a:prstGeom>
+        </p:spPr>
+      </p:pic>
+    </p:spTree>
+    <p:extLst>
+      <p:ext uri="{BB962C8B-B14F-4D97-AF65-F5344CB8AC3E}">
+        <p14:creationId xmlns:p14="http://schemas.microsoft.com/office/powerpoint/2010/main" val="1978195169"/>
+      </p:ext>
+    </p:extLst>
+  </p:cSld>
+  <p:clrMapOvr>
+    <a:masterClrMapping/>
+  </p:clrMapOvr>
+  <p:transition/>
+  <p:timing>
+    <p:tnLst>
+      <p:par>
+        <p:cTn id="1" dur="indefinite" restart="never" nodeType="tmRoot">
+          <p:childTnLst>
+            <p:seq concurrent="1" nextAc="seek">
+              <p:cTn id="2" dur="indefinite" nodeType="mainSeq">
+                <p:childTnLst>
+                  <p:par>
+                    <p:cTn id="3" fill="hold" nodeType="clickPar">
+                      <p:stCondLst>
+                        <p:cond delay="indefinite"/>
+                      </p:stCondLst>
+                      <p:childTnLst>
+                        <p:par>
+                          <p:cTn id="4" fill="hold" nodeType="withGroup">
+                            <p:stCondLst>
+                              <p:cond delay="0"/>
+                            </p:stCondLst>
+                            <p:childTnLst>
+                              <p:par>
+                                <p:cTn id="5" presetID="1" presetClass="entr" presetSubtype="0" fill="hold" nodeType="clickEffect" nodePh="1">
+                                  <p:stCondLst>
+                                    <p:cond delay="0"/>
+                                  </p:stCondLst>
+                                  <p:endCondLst>
+                                    <p:cond evt="begin" delay="0">
+                                      <p:tn val="5"/>
+                                    </p:cond>
+                                  </p:endCondLst>
+                                  <p:childTnLst>
+                                    <p:set>
+                                      <p:cBhvr>
+                                        <p:cTn id="6" dur="1" fill="hold">
+                                          <p:stCondLst>
+                                            <p:cond delay="0"/>
+                                          </p:stCondLst>
+                                        </p:cTn>
+                                        <p:tgtEl>
+                                          <p:spTgt spid="16386">
+                                            <p:txEl>
+                                              <p:pRg st="0" end="0"/>
+                                            </p:txEl>
+                                          </p:spTgt>
+                                        </p:tgtEl>
+                                        <p:attrNameLst>
+                                          <p:attrName>style.visibility</p:attrName>
+                                        </p:attrNameLst>
+                                      </p:cBhvr>
+                                      <p:to>
+                                        <p:strVal val="visible"/>
+                                      </p:to>
+                                    </p:set>
+                                  </p:childTnLst>
+                                </p:cTn>
+                              </p:par>
+                            </p:childTnLst>
+                          </p:cTn>
+                        </p:par>
+                      </p:childTnLst>
+                    </p:cTn>
+                  </p:par>
+                </p:childTnLst>
+              </p:cTn>
+              <p:prevCondLst>
+                <p:cond evt="onPrev" delay="0">
+                  <p:tgtEl>
+                    <p:sldTgt/>
+                  </p:tgtEl>
+                </p:cond>
+              </p:prevCondLst>
+              <p:nextCondLst>
+                <p:cond evt="onNext" delay="0">
+                  <p:tgtEl>
+                    <p:sldTgt/>
+                  </p:tgtEl>
+                </p:cond>
+              </p:nextCondLst>
+            </p:seq>
+          </p:childTnLst>
+        </p:cTn>
+      </p:par>
+    </p:tnLst>
+  </p:timing>
+</p:sld>
+</file>
+
+<file path=ppt/slides/slide30.xml><?xml version="1.0" encoding="utf-8"?>
 <p:sld xmlns:a="http://schemas.openxmlformats.org/drawingml/2006/main" xmlns:r="http://schemas.openxmlformats.org/officeDocument/2006/relationships" xmlns:p="http://schemas.openxmlformats.org/presentationml/2006/main">
   <p:cSld>
     <p:spTree>
@@ -33253,7 +32369,7 @@
 </p:sld>
 </file>
 
-<file path=ppt/slides/slide3.xml><?xml version="1.0" encoding="utf-8"?>
+<file path=ppt/slides/slide4.xml><?xml version="1.0" encoding="utf-8"?>
 <p:sld xmlns:a="http://schemas.openxmlformats.org/drawingml/2006/main" xmlns:r="http://schemas.openxmlformats.org/officeDocument/2006/relationships" xmlns:p="http://schemas.openxmlformats.org/presentationml/2006/main">
   <p:cSld>
     <p:spTree>
@@ -33716,7 +32832,7 @@
 </p:sld>
 </file>
 
-<file path=ppt/slides/slide4.xml><?xml version="1.0" encoding="utf-8"?>
+<file path=ppt/slides/slide5.xml><?xml version="1.0" encoding="utf-8"?>
 <p:sld xmlns:a="http://schemas.openxmlformats.org/drawingml/2006/main" xmlns:r="http://schemas.openxmlformats.org/officeDocument/2006/relationships" xmlns:p="http://schemas.openxmlformats.org/presentationml/2006/main">
   <p:cSld>
     <p:spTree>
@@ -34334,7 +33450,7 @@
 </p:sld>
 </file>
 
-<file path=ppt/slides/slide5.xml><?xml version="1.0" encoding="utf-8"?>
+<file path=ppt/slides/slide6.xml><?xml version="1.0" encoding="utf-8"?>
 <p:sld xmlns:a="http://schemas.openxmlformats.org/drawingml/2006/main" xmlns:r="http://schemas.openxmlformats.org/officeDocument/2006/relationships" xmlns:p="http://schemas.openxmlformats.org/presentationml/2006/main">
   <p:cSld>
     <p:spTree>
@@ -34840,7 +33956,7 @@
 </p:sld>
 </file>
 
-<file path=ppt/slides/slide6.xml><?xml version="1.0" encoding="utf-8"?>
+<file path=ppt/slides/slide7.xml><?xml version="1.0" encoding="utf-8"?>
 <p:sld xmlns:a="http://schemas.openxmlformats.org/drawingml/2006/main" xmlns:r="http://schemas.openxmlformats.org/officeDocument/2006/relationships" xmlns:p="http://schemas.openxmlformats.org/presentationml/2006/main">
   <p:cSld>
     <p:spTree>
@@ -35455,7 +34571,7 @@
 </p:sld>
 </file>
 
-<file path=ppt/slides/slide7.xml><?xml version="1.0" encoding="utf-8"?>
+<file path=ppt/slides/slide8.xml><?xml version="1.0" encoding="utf-8"?>
 <p:sld xmlns:a="http://schemas.openxmlformats.org/drawingml/2006/main" xmlns:r="http://schemas.openxmlformats.org/officeDocument/2006/relationships" xmlns:p="http://schemas.openxmlformats.org/presentationml/2006/main">
   <p:cSld>
     <p:spTree>
@@ -36190,7 +35306,7 @@
 </p:sld>
 </file>
 
-<file path=ppt/slides/slide8.xml><?xml version="1.0" encoding="utf-8"?>
+<file path=ppt/slides/slide9.xml><?xml version="1.0" encoding="utf-8"?>
 <p:sld xmlns:a="http://schemas.openxmlformats.org/drawingml/2006/main" xmlns:r="http://schemas.openxmlformats.org/officeDocument/2006/relationships" xmlns:p="http://schemas.openxmlformats.org/presentationml/2006/main">
   <p:cSld>
     <p:spTree>
@@ -36356,440 +35472,6 @@
     <a:masterClrMapping/>
   </p:clrMapOvr>
   <p:transition/>
-</p:sld>
-</file>
-
-<file path=ppt/slides/slide9.xml><?xml version="1.0" encoding="utf-8"?>
-<p:sld xmlns:a="http://schemas.openxmlformats.org/drawingml/2006/main" xmlns:r="http://schemas.openxmlformats.org/officeDocument/2006/relationships" xmlns:p="http://schemas.openxmlformats.org/presentationml/2006/main">
-  <p:cSld>
-    <p:spTree>
-      <p:nvGrpSpPr>
-        <p:cNvPr id="1" name=""/>
-        <p:cNvGrpSpPr/>
-        <p:nvPr/>
-      </p:nvGrpSpPr>
-      <p:grpSpPr>
-        <a:xfrm>
-          <a:off x="0" y="0"/>
-          <a:ext cx="0" cy="0"/>
-          <a:chOff x="0" y="0"/>
-          <a:chExt cx="0" cy="0"/>
-        </a:xfrm>
-      </p:grpSpPr>
-      <p:sp>
-        <p:nvSpPr>
-          <p:cNvPr id="32769" name="Rectangle 2">
-            <a:extLst>
-              <a:ext uri="{FF2B5EF4-FFF2-40B4-BE49-F238E27FC236}">
-                <a16:creationId xmlns:a16="http://schemas.microsoft.com/office/drawing/2014/main" id="{1B088F74-50C6-5E46-9298-7B7197F07081}"/>
-              </a:ext>
-            </a:extLst>
-          </p:cNvPr>
-          <p:cNvSpPr>
-            <a:spLocks noGrp="1" noChangeArrowheads="1"/>
-          </p:cNvSpPr>
-          <p:nvPr>
-            <p:ph type="title"/>
-          </p:nvPr>
-        </p:nvSpPr>
-        <p:spPr>
-          <a:xfrm>
-            <a:off x="240030" y="0"/>
-            <a:ext cx="7886700" cy="1104636"/>
-          </a:xfrm>
-        </p:spPr>
-        <p:txBody>
-          <a:bodyPr/>
-          <a:lstStyle/>
-          <a:p>
-            <a:pPr eaLnBrk="1" hangingPunct="1"/>
-            <a:r>
-              <a:rPr lang="en-US" altLang="en-US" dirty="0">
-                <a:latin typeface="Tahoma" panose="020B0604030504040204" pitchFamily="34" charset="0"/>
-                <a:ea typeface="ＭＳ Ｐゴシック" panose="020B0600070205080204" pitchFamily="34" charset="-128"/>
-              </a:rPr>
-              <a:t>Comparison(Optional)</a:t>
-            </a:r>
-          </a:p>
-        </p:txBody>
-      </p:sp>
-      <p:sp>
-        <p:nvSpPr>
-          <p:cNvPr id="16386" name="Rectangle 3">
-            <a:extLst>
-              <a:ext uri="{FF2B5EF4-FFF2-40B4-BE49-F238E27FC236}">
-                <a16:creationId xmlns:a16="http://schemas.microsoft.com/office/drawing/2014/main" id="{6346E11F-912B-AB4D-9456-8D4A45A63C4A}"/>
-              </a:ext>
-            </a:extLst>
-          </p:cNvPr>
-          <p:cNvSpPr>
-            <a:spLocks noGrp="1" noChangeArrowheads="1"/>
-          </p:cNvSpPr>
-          <p:nvPr>
-            <p:ph type="body" idx="1"/>
-          </p:nvPr>
-        </p:nvSpPr>
-        <p:spPr>
-          <a:xfrm>
-            <a:off x="240030" y="765810"/>
-            <a:ext cx="8141970" cy="4822190"/>
-          </a:xfrm>
-        </p:spPr>
-        <p:txBody>
-          <a:bodyPr/>
-          <a:lstStyle/>
-          <a:p>
-            <a:pPr marL="0" indent="0" eaLnBrk="1" hangingPunct="1">
-              <a:buNone/>
-            </a:pPr>
-            <a:r>
-              <a:rPr lang="en-US" altLang="en-US" sz="1833" dirty="0">
-                <a:latin typeface="Tahoma" panose="020B0604030504040204" pitchFamily="34" charset="0"/>
-                <a:ea typeface="ＭＳ Ｐゴシック" panose="020B0600070205080204" pitchFamily="34" charset="-128"/>
-              </a:rPr>
-              <a:t>Like GIF, PNG uses lossless compression, and like JPEG, PNG uses 24 bits for color.</a:t>
-            </a:r>
-          </a:p>
-          <a:p>
-            <a:pPr marL="0" indent="0" eaLnBrk="1" hangingPunct="1">
-              <a:buNone/>
-            </a:pPr>
-            <a:r>
-              <a:rPr lang="en-US" altLang="en-US" sz="1833" dirty="0">
-                <a:latin typeface="Tahoma" panose="020B0604030504040204" pitchFamily="34" charset="0"/>
-                <a:ea typeface="ＭＳ Ｐゴシック" panose="020B0600070205080204" pitchFamily="34" charset="-128"/>
-              </a:rPr>
-              <a:t>Another feature of the PNG format is support for alpha, or transparency. BMP and JPEG, on the other hand, don't have a channel devoted to </a:t>
-            </a:r>
-            <a:r>
-              <a:rPr lang="en-US" altLang="en-US" sz="1833" b="1" dirty="0">
-                <a:latin typeface="Tahoma" panose="020B0604030504040204" pitchFamily="34" charset="0"/>
-                <a:ea typeface="ＭＳ Ｐゴシック" panose="020B0600070205080204" pitchFamily="34" charset="-128"/>
-              </a:rPr>
-              <a:t>transparency</a:t>
-            </a:r>
-            <a:r>
-              <a:rPr lang="en-US" altLang="en-US" sz="1833" dirty="0">
-                <a:latin typeface="Tahoma" panose="020B0604030504040204" pitchFamily="34" charset="0"/>
-                <a:ea typeface="ＭＳ Ｐゴシック" panose="020B0600070205080204" pitchFamily="34" charset="-128"/>
-              </a:rPr>
-              <a:t>. </a:t>
-            </a:r>
-          </a:p>
-          <a:p>
-            <a:pPr marL="0" indent="0" eaLnBrk="1" hangingPunct="1">
-              <a:buNone/>
-            </a:pPr>
-            <a:r>
-              <a:rPr lang="en-US" altLang="en-US" sz="1833" dirty="0">
-                <a:latin typeface="Tahoma" panose="020B0604030504040204" pitchFamily="34" charset="0"/>
-                <a:ea typeface="ＭＳ Ｐゴシック" panose="020B0600070205080204" pitchFamily="34" charset="-128"/>
-              </a:rPr>
-              <a:t>GIF does have the distinct advantage of supporting animation achieved by repeatedly showing a series of frames.</a:t>
-            </a:r>
-          </a:p>
-          <a:p>
-            <a:pPr eaLnBrk="1" hangingPunct="1"/>
-            <a:endParaRPr lang="en-US" altLang="en-US" sz="1833" dirty="0">
-              <a:latin typeface="Tahoma" panose="020B0604030504040204" pitchFamily="34" charset="0"/>
-              <a:ea typeface="ＭＳ Ｐゴシック" panose="020B0600070205080204" pitchFamily="34" charset="-128"/>
-            </a:endParaRPr>
-          </a:p>
-        </p:txBody>
-      </p:sp>
-      <p:pic>
-        <p:nvPicPr>
-          <p:cNvPr id="4" name="Picture 3">
-            <a:extLst>
-              <a:ext uri="{FF2B5EF4-FFF2-40B4-BE49-F238E27FC236}">
-                <a16:creationId xmlns:a16="http://schemas.microsoft.com/office/drawing/2014/main" id="{E88B1008-F8C1-4642-A366-06208A0117F6}"/>
-              </a:ext>
-            </a:extLst>
-          </p:cNvPr>
-          <p:cNvPicPr>
-            <a:picLocks noChangeAspect="1"/>
-          </p:cNvPicPr>
-          <p:nvPr/>
-        </p:nvPicPr>
-        <p:blipFill>
-          <a:blip r:embed="rId3">
-            <a:extLst>
-              <a:ext uri="{28A0092B-C50C-407E-A947-70E740481C1C}">
-                <a14:useLocalDpi xmlns:a14="http://schemas.microsoft.com/office/drawing/2010/main" val="0"/>
-              </a:ext>
-            </a:extLst>
-          </a:blip>
-          <a:srcRect/>
-          <a:stretch>
-            <a:fillRect/>
-          </a:stretch>
-        </p:blipFill>
-        <p:spPr bwMode="auto">
-          <a:xfrm>
-            <a:off x="2120583" y="3459426"/>
-            <a:ext cx="3898239" cy="2128574"/>
-          </a:xfrm>
-          <a:prstGeom prst="rect">
-            <a:avLst/>
-          </a:prstGeom>
-          <a:noFill/>
-          <a:ln>
-            <a:noFill/>
-          </a:ln>
-          <a:extLst>
-            <a:ext uri="{909E8E84-426E-40DD-AFC4-6F175D3DCCD1}">
-              <a14:hiddenFill xmlns:a14="http://schemas.microsoft.com/office/drawing/2010/main">
-                <a:solidFill>
-                  <a:srgbClr val="FFFFFF"/>
-                </a:solidFill>
-              </a14:hiddenFill>
-            </a:ext>
-            <a:ext uri="{91240B29-F687-4F45-9708-019B960494DF}">
-              <a14:hiddenLine xmlns:a14="http://schemas.microsoft.com/office/drawing/2010/main" w="9525">
-                <a:solidFill>
-                  <a:srgbClr val="000000"/>
-                </a:solidFill>
-                <a:miter lim="800000"/>
-                <a:headEnd/>
-                <a:tailEnd/>
-              </a14:hiddenLine>
-            </a:ext>
-          </a:extLst>
-        </p:spPr>
-      </p:pic>
-    </p:spTree>
-    <p:extLst>
-      <p:ext uri="{BB962C8B-B14F-4D97-AF65-F5344CB8AC3E}">
-        <p14:creationId xmlns:p14="http://schemas.microsoft.com/office/powerpoint/2010/main" val="3691232827"/>
-      </p:ext>
-    </p:extLst>
-  </p:cSld>
-  <p:clrMapOvr>
-    <a:masterClrMapping/>
-  </p:clrMapOvr>
-  <p:transition/>
-  <p:timing>
-    <p:tnLst>
-      <p:par>
-        <p:cTn id="1" dur="indefinite" restart="never" nodeType="tmRoot">
-          <p:childTnLst>
-            <p:seq concurrent="1" nextAc="seek">
-              <p:cTn id="2" dur="indefinite" nodeType="mainSeq">
-                <p:childTnLst>
-                  <p:par>
-                    <p:cTn id="3" fill="hold" nodeType="clickPar">
-                      <p:stCondLst>
-                        <p:cond delay="indefinite"/>
-                      </p:stCondLst>
-                      <p:childTnLst>
-                        <p:par>
-                          <p:cTn id="4" fill="hold" nodeType="withGroup">
-                            <p:stCondLst>
-                              <p:cond delay="0"/>
-                            </p:stCondLst>
-                            <p:childTnLst>
-                              <p:par>
-                                <p:cTn id="5" presetID="1" presetClass="entr" presetSubtype="0" fill="hold" nodeType="clickEffect">
-                                  <p:stCondLst>
-                                    <p:cond delay="0"/>
-                                  </p:stCondLst>
-                                  <p:childTnLst>
-                                    <p:set>
-                                      <p:cBhvr>
-                                        <p:cTn id="6" dur="1" fill="hold">
-                                          <p:stCondLst>
-                                            <p:cond delay="0"/>
-                                          </p:stCondLst>
-                                        </p:cTn>
-                                        <p:tgtEl>
-                                          <p:spTgt spid="16386">
-                                            <p:txEl>
-                                              <p:pRg st="0" end="0"/>
-                                            </p:txEl>
-                                          </p:spTgt>
-                                        </p:tgtEl>
-                                        <p:attrNameLst>
-                                          <p:attrName>style.visibility</p:attrName>
-                                        </p:attrNameLst>
-                                      </p:cBhvr>
-                                      <p:to>
-                                        <p:strVal val="visible"/>
-                                      </p:to>
-                                    </p:set>
-                                  </p:childTnLst>
-                                </p:cTn>
-                              </p:par>
-                            </p:childTnLst>
-                          </p:cTn>
-                        </p:par>
-                      </p:childTnLst>
-                    </p:cTn>
-                  </p:par>
-                  <p:par>
-                    <p:cTn id="7" fill="hold" nodeType="clickPar">
-                      <p:stCondLst>
-                        <p:cond delay="indefinite"/>
-                      </p:stCondLst>
-                      <p:childTnLst>
-                        <p:par>
-                          <p:cTn id="8" fill="hold" nodeType="withGroup">
-                            <p:stCondLst>
-                              <p:cond delay="0"/>
-                            </p:stCondLst>
-                            <p:childTnLst>
-                              <p:par>
-                                <p:cTn id="9" presetID="1" presetClass="entr" presetSubtype="0" fill="hold" nodeType="clickEffect">
-                                  <p:stCondLst>
-                                    <p:cond delay="0"/>
-                                  </p:stCondLst>
-                                  <p:childTnLst>
-                                    <p:set>
-                                      <p:cBhvr>
-                                        <p:cTn id="10" dur="1" fill="hold">
-                                          <p:stCondLst>
-                                            <p:cond delay="0"/>
-                                          </p:stCondLst>
-                                        </p:cTn>
-                                        <p:tgtEl>
-                                          <p:spTgt spid="16386">
-                                            <p:txEl>
-                                              <p:pRg st="1" end="1"/>
-                                            </p:txEl>
-                                          </p:spTgt>
-                                        </p:tgtEl>
-                                        <p:attrNameLst>
-                                          <p:attrName>style.visibility</p:attrName>
-                                        </p:attrNameLst>
-                                      </p:cBhvr>
-                                      <p:to>
-                                        <p:strVal val="visible"/>
-                                      </p:to>
-                                    </p:set>
-                                  </p:childTnLst>
-                                </p:cTn>
-                              </p:par>
-                            </p:childTnLst>
-                          </p:cTn>
-                        </p:par>
-                      </p:childTnLst>
-                    </p:cTn>
-                  </p:par>
-                  <p:par>
-                    <p:cTn id="11" fill="hold" nodeType="clickPar">
-                      <p:stCondLst>
-                        <p:cond delay="indefinite"/>
-                      </p:stCondLst>
-                      <p:childTnLst>
-                        <p:par>
-                          <p:cTn id="12" fill="hold" nodeType="withGroup">
-                            <p:stCondLst>
-                              <p:cond delay="0"/>
-                            </p:stCondLst>
-                            <p:childTnLst>
-                              <p:par>
-                                <p:cTn id="13" presetID="1" presetClass="entr" presetSubtype="0" fill="hold" nodeType="clickEffect">
-                                  <p:stCondLst>
-                                    <p:cond delay="0"/>
-                                  </p:stCondLst>
-                                  <p:childTnLst>
-                                    <p:set>
-                                      <p:cBhvr>
-                                        <p:cTn id="14" dur="1" fill="hold">
-                                          <p:stCondLst>
-                                            <p:cond delay="0"/>
-                                          </p:stCondLst>
-                                        </p:cTn>
-                                        <p:tgtEl>
-                                          <p:spTgt spid="16386">
-                                            <p:txEl>
-                                              <p:pRg st="2" end="2"/>
-                                            </p:txEl>
-                                          </p:spTgt>
-                                        </p:tgtEl>
-                                        <p:attrNameLst>
-                                          <p:attrName>style.visibility</p:attrName>
-                                        </p:attrNameLst>
-                                      </p:cBhvr>
-                                      <p:to>
-                                        <p:strVal val="visible"/>
-                                      </p:to>
-                                    </p:set>
-                                  </p:childTnLst>
-                                </p:cTn>
-                              </p:par>
-                            </p:childTnLst>
-                          </p:cTn>
-                        </p:par>
-                      </p:childTnLst>
-                    </p:cTn>
-                  </p:par>
-                  <p:par>
-                    <p:cTn id="15" fill="hold" nodeType="clickPar">
-                      <p:stCondLst>
-                        <p:cond delay="indefinite"/>
-                      </p:stCondLst>
-                      <p:childTnLst>
-                        <p:par>
-                          <p:cTn id="16" fill="hold" nodeType="withGroup">
-                            <p:stCondLst>
-                              <p:cond delay="0"/>
-                            </p:stCondLst>
-                            <p:childTnLst>
-                              <p:par>
-                                <p:cTn id="17" presetID="1" presetClass="entr" presetSubtype="0" fill="hold" nodeType="clickEffect">
-                                  <p:stCondLst>
-                                    <p:cond delay="0"/>
-                                  </p:stCondLst>
-                                  <p:childTnLst>
-                                    <p:set>
-                                      <p:cBhvr>
-                                        <p:cTn id="18" dur="1" fill="hold">
-                                          <p:stCondLst>
-                                            <p:cond delay="0"/>
-                                          </p:stCondLst>
-                                        </p:cTn>
-                                        <p:tgtEl>
-                                          <p:spTgt spid="4"/>
-                                        </p:tgtEl>
-                                        <p:attrNameLst>
-                                          <p:attrName>style.visibility</p:attrName>
-                                        </p:attrNameLst>
-                                      </p:cBhvr>
-                                      <p:to>
-                                        <p:strVal val="visible"/>
-                                      </p:to>
-                                    </p:set>
-                                  </p:childTnLst>
-                                </p:cTn>
-                              </p:par>
-                            </p:childTnLst>
-                          </p:cTn>
-                        </p:par>
-                      </p:childTnLst>
-                    </p:cTn>
-                  </p:par>
-                </p:childTnLst>
-              </p:cTn>
-              <p:prevCondLst>
-                <p:cond evt="onPrev" delay="0">
-                  <p:tgtEl>
-                    <p:sldTgt/>
-                  </p:tgtEl>
-                </p:cond>
-              </p:prevCondLst>
-              <p:nextCondLst>
-                <p:cond evt="onNext" delay="0">
-                  <p:tgtEl>
-                    <p:sldTgt/>
-                  </p:tgtEl>
-                </p:cond>
-              </p:nextCondLst>
-            </p:seq>
-          </p:childTnLst>
-        </p:cTn>
-      </p:par>
-    </p:tnLst>
-  </p:timing>
 </p:sld>
 </file>
 
